--- a/新建 Microsoft PowerPoint 演示文稿.pptx
+++ b/新建 Microsoft PowerPoint 演示文稿.pptx
@@ -104,6 +104,11 @@
       </a:defRPr>
     </a:lvl9pPr>
   </p:defaultTextStyle>
+  <p:extLst>
+    <p:ext uri="{EFAFB233-063F-42B5-8137-9DF3F51BA10A}">
+      <p15:sldGuideLst xmlns:p15="http://schemas.microsoft.com/office/powerpoint/2012/main"/>
+    </p:ext>
+  </p:extLst>
 </p:presentation>
 </file>
 
@@ -3335,7 +3340,7 @@
         </p:nvSpPr>
         <p:spPr>
           <a:xfrm>
-            <a:off x="1247551" y="1464469"/>
+            <a:off x="1432613" y="1464469"/>
             <a:ext cx="1404000" cy="707231"/>
           </a:xfrm>
           <a:prstGeom prst="flowChartProcess">
@@ -3399,7 +3404,7 @@
         </p:nvSpPr>
         <p:spPr>
           <a:xfrm>
-            <a:off x="1247552" y="3202781"/>
+            <a:off x="1432614" y="3202781"/>
             <a:ext cx="1404000" cy="707231"/>
           </a:xfrm>
           <a:prstGeom prst="flowChartProcess">
@@ -3516,8 +3521,8 @@
         </p:nvCxnSpPr>
         <p:spPr>
           <a:xfrm>
-            <a:off x="2651551" y="1818085"/>
-            <a:ext cx="878696" cy="740568"/>
+            <a:off x="2836613" y="1818085"/>
+            <a:ext cx="693634" cy="740568"/>
           </a:xfrm>
           <a:prstGeom prst="bentConnector2">
             <a:avLst/>
@@ -3560,8 +3565,8 @@
         </p:nvCxnSpPr>
         <p:spPr>
           <a:xfrm flipV="1">
-            <a:off x="2651552" y="2774653"/>
-            <a:ext cx="878695" cy="781744"/>
+            <a:off x="2836614" y="2774653"/>
+            <a:ext cx="693633" cy="781744"/>
           </a:xfrm>
           <a:prstGeom prst="bentConnector2">
             <a:avLst/>
@@ -3600,7 +3605,7 @@
         </p:nvSpPr>
         <p:spPr>
           <a:xfrm>
-            <a:off x="5100080" y="757238"/>
+            <a:off x="4762621" y="822554"/>
             <a:ext cx="1404000" cy="707231"/>
           </a:xfrm>
           <a:prstGeom prst="flowChartProcess">
@@ -3694,7 +3699,7 @@
         </p:nvSpPr>
         <p:spPr>
           <a:xfrm>
-            <a:off x="5100080" y="2297485"/>
+            <a:off x="4762621" y="2313037"/>
             <a:ext cx="1404000" cy="707231"/>
           </a:xfrm>
           <a:prstGeom prst="flowChartProcess">
@@ -3784,7 +3789,7 @@
         </p:nvSpPr>
         <p:spPr>
           <a:xfrm>
-            <a:off x="5100080" y="3837733"/>
+            <a:off x="4762621" y="3772417"/>
             <a:ext cx="1404000" cy="707231"/>
           </a:xfrm>
           <a:prstGeom prst="flowChartProcess">
@@ -3882,8 +3887,8 @@
         </p:nvCxnSpPr>
         <p:spPr>
           <a:xfrm flipV="1">
-            <a:off x="3638247" y="1110854"/>
-            <a:ext cx="1461833" cy="1555799"/>
+            <a:off x="3638247" y="1176170"/>
+            <a:ext cx="1124374" cy="1490483"/>
           </a:xfrm>
           <a:prstGeom prst="bentConnector3">
             <a:avLst/>
@@ -3930,7 +3935,7 @@
         <p:spPr>
           <a:xfrm>
             <a:off x="3638247" y="2666653"/>
-            <a:ext cx="1461833" cy="1524696"/>
+            <a:ext cx="1124374" cy="1459380"/>
           </a:xfrm>
           <a:prstGeom prst="bentConnector3">
             <a:avLst/>
@@ -3975,9 +3980,9 @@
           <p:nvPr/>
         </p:nvCxnSpPr>
         <p:spPr>
-          <a:xfrm flipV="1">
-            <a:off x="3638247" y="2651101"/>
-            <a:ext cx="1461833" cy="15552"/>
+          <a:xfrm>
+            <a:off x="3638247" y="2666653"/>
+            <a:ext cx="1124374" cy="0"/>
           </a:xfrm>
           <a:prstGeom prst="straightConnector1">
             <a:avLst/>
@@ -4023,8 +4028,8 @@
         </p:nvCxnSpPr>
         <p:spPr>
           <a:xfrm>
-            <a:off x="5802080" y="1464469"/>
-            <a:ext cx="0" cy="833016"/>
+            <a:off x="5464621" y="1529785"/>
+            <a:ext cx="0" cy="783252"/>
           </a:xfrm>
           <a:prstGeom prst="straightConnector1">
             <a:avLst/>
@@ -4069,8 +4074,8 @@
         </p:nvCxnSpPr>
         <p:spPr>
           <a:xfrm flipV="1">
-            <a:off x="5802080" y="3004716"/>
-            <a:ext cx="0" cy="833017"/>
+            <a:off x="5464621" y="3020268"/>
+            <a:ext cx="0" cy="752149"/>
           </a:xfrm>
           <a:prstGeom prst="straightConnector1">
             <a:avLst/>
@@ -4112,7 +4117,7 @@
         </p:nvSpPr>
         <p:spPr>
           <a:xfrm>
-            <a:off x="7928348" y="2297484"/>
+            <a:off x="7329628" y="2308370"/>
             <a:ext cx="1404000" cy="707231"/>
           </a:xfrm>
           <a:prstGeom prst="flowChartProcess">
@@ -4206,8 +4211,8 @@
         </p:nvCxnSpPr>
         <p:spPr>
           <a:xfrm>
-            <a:off x="6504080" y="1110854"/>
-            <a:ext cx="1424268" cy="1540246"/>
+            <a:off x="6166621" y="1176170"/>
+            <a:ext cx="1163007" cy="1485816"/>
           </a:xfrm>
           <a:prstGeom prst="bentConnector3">
             <a:avLst/>
@@ -4252,8 +4257,8 @@
         </p:nvCxnSpPr>
         <p:spPr>
           <a:xfrm flipV="1">
-            <a:off x="6504080" y="2651100"/>
-            <a:ext cx="1424268" cy="1"/>
+            <a:off x="6166621" y="2661986"/>
+            <a:ext cx="1163007" cy="4667"/>
           </a:xfrm>
           <a:prstGeom prst="bentConnector3">
             <a:avLst/>
@@ -4298,8 +4303,8 @@
         </p:nvCxnSpPr>
         <p:spPr>
           <a:xfrm flipV="1">
-            <a:off x="6504080" y="2651100"/>
-            <a:ext cx="1424268" cy="1540249"/>
+            <a:off x="6166621" y="2661986"/>
+            <a:ext cx="1163007" cy="1464047"/>
           </a:xfrm>
           <a:prstGeom prst="bentConnector3">
             <a:avLst/>
@@ -4340,7 +4345,7 @@
         </p:nvSpPr>
         <p:spPr>
           <a:xfrm>
-            <a:off x="10157641" y="2297484"/>
+            <a:off x="9355386" y="2308370"/>
             <a:ext cx="1404000" cy="707231"/>
           </a:xfrm>
           <a:prstGeom prst="flowChartProcess">
@@ -4426,6 +4431,7 @@
             </a:extLst>
           </p:cNvPr>
           <p:cNvCxnSpPr>
+            <a:cxnSpLocks/>
             <a:stCxn id="28" idx="3"/>
             <a:endCxn id="62" idx="1"/>
           </p:cNvCxnSpPr>
@@ -4433,8 +4439,8 @@
         </p:nvCxnSpPr>
         <p:spPr>
           <a:xfrm>
-            <a:off x="9332348" y="2651100"/>
-            <a:ext cx="825293" cy="0"/>
+            <a:off x="8733628" y="2661986"/>
+            <a:ext cx="621758" cy="0"/>
           </a:xfrm>
           <a:prstGeom prst="straightConnector1">
             <a:avLst/>

--- a/新建 Microsoft PowerPoint 演示文稿.pptx
+++ b/新建 Microsoft PowerPoint 演示文稿.pptx
@@ -6,6 +6,7 @@
   </p:sldMasterIdLst>
   <p:sldIdLst>
     <p:sldId id="256" r:id="rId2"/>
+    <p:sldId id="257" r:id="rId3"/>
   </p:sldIdLst>
   <p:sldSz cx="12192000" cy="6858000"/>
   <p:notesSz cx="6858000" cy="9144000"/>
@@ -259,7 +260,7 @@
           <a:p>
             <a:fld id="{F8C29A4B-73F1-41F6-84A3-46C06A00E1BC}" type="datetimeFigureOut">
               <a:rPr lang="zh-CN" altLang="en-US" smtClean="0"/>
-              <a:t>2024/2/9</a:t>
+              <a:t>2024/2/29</a:t>
             </a:fld>
             <a:endParaRPr lang="zh-CN" altLang="en-US"/>
           </a:p>
@@ -457,7 +458,7 @@
           <a:p>
             <a:fld id="{F8C29A4B-73F1-41F6-84A3-46C06A00E1BC}" type="datetimeFigureOut">
               <a:rPr lang="zh-CN" altLang="en-US" smtClean="0"/>
-              <a:t>2024/2/9</a:t>
+              <a:t>2024/2/29</a:t>
             </a:fld>
             <a:endParaRPr lang="zh-CN" altLang="en-US"/>
           </a:p>
@@ -665,7 +666,7 @@
           <a:p>
             <a:fld id="{F8C29A4B-73F1-41F6-84A3-46C06A00E1BC}" type="datetimeFigureOut">
               <a:rPr lang="zh-CN" altLang="en-US" smtClean="0"/>
-              <a:t>2024/2/9</a:t>
+              <a:t>2024/2/29</a:t>
             </a:fld>
             <a:endParaRPr lang="zh-CN" altLang="en-US"/>
           </a:p>
@@ -863,7 +864,7 @@
           <a:p>
             <a:fld id="{F8C29A4B-73F1-41F6-84A3-46C06A00E1BC}" type="datetimeFigureOut">
               <a:rPr lang="zh-CN" altLang="en-US" smtClean="0"/>
-              <a:t>2024/2/9</a:t>
+              <a:t>2024/2/29</a:t>
             </a:fld>
             <a:endParaRPr lang="zh-CN" altLang="en-US"/>
           </a:p>
@@ -1138,7 +1139,7 @@
           <a:p>
             <a:fld id="{F8C29A4B-73F1-41F6-84A3-46C06A00E1BC}" type="datetimeFigureOut">
               <a:rPr lang="zh-CN" altLang="en-US" smtClean="0"/>
-              <a:t>2024/2/9</a:t>
+              <a:t>2024/2/29</a:t>
             </a:fld>
             <a:endParaRPr lang="zh-CN" altLang="en-US"/>
           </a:p>
@@ -1403,7 +1404,7 @@
           <a:p>
             <a:fld id="{F8C29A4B-73F1-41F6-84A3-46C06A00E1BC}" type="datetimeFigureOut">
               <a:rPr lang="zh-CN" altLang="en-US" smtClean="0"/>
-              <a:t>2024/2/9</a:t>
+              <a:t>2024/2/29</a:t>
             </a:fld>
             <a:endParaRPr lang="zh-CN" altLang="en-US"/>
           </a:p>
@@ -1815,7 +1816,7 @@
           <a:p>
             <a:fld id="{F8C29A4B-73F1-41F6-84A3-46C06A00E1BC}" type="datetimeFigureOut">
               <a:rPr lang="zh-CN" altLang="en-US" smtClean="0"/>
-              <a:t>2024/2/9</a:t>
+              <a:t>2024/2/29</a:t>
             </a:fld>
             <a:endParaRPr lang="zh-CN" altLang="en-US"/>
           </a:p>
@@ -1956,7 +1957,7 @@
           <a:p>
             <a:fld id="{F8C29A4B-73F1-41F6-84A3-46C06A00E1BC}" type="datetimeFigureOut">
               <a:rPr lang="zh-CN" altLang="en-US" smtClean="0"/>
-              <a:t>2024/2/9</a:t>
+              <a:t>2024/2/29</a:t>
             </a:fld>
             <a:endParaRPr lang="zh-CN" altLang="en-US"/>
           </a:p>
@@ -2069,7 +2070,7 @@
           <a:p>
             <a:fld id="{F8C29A4B-73F1-41F6-84A3-46C06A00E1BC}" type="datetimeFigureOut">
               <a:rPr lang="zh-CN" altLang="en-US" smtClean="0"/>
-              <a:t>2024/2/9</a:t>
+              <a:t>2024/2/29</a:t>
             </a:fld>
             <a:endParaRPr lang="zh-CN" altLang="en-US"/>
           </a:p>
@@ -2380,7 +2381,7 @@
           <a:p>
             <a:fld id="{F8C29A4B-73F1-41F6-84A3-46C06A00E1BC}" type="datetimeFigureOut">
               <a:rPr lang="zh-CN" altLang="en-US" smtClean="0"/>
-              <a:t>2024/2/9</a:t>
+              <a:t>2024/2/29</a:t>
             </a:fld>
             <a:endParaRPr lang="zh-CN" altLang="en-US"/>
           </a:p>
@@ -2668,7 +2669,7 @@
           <a:p>
             <a:fld id="{F8C29A4B-73F1-41F6-84A3-46C06A00E1BC}" type="datetimeFigureOut">
               <a:rPr lang="zh-CN" altLang="en-US" smtClean="0"/>
-              <a:t>2024/2/9</a:t>
+              <a:t>2024/2/29</a:t>
             </a:fld>
             <a:endParaRPr lang="zh-CN" altLang="en-US"/>
           </a:p>
@@ -2909,7 +2910,7 @@
           <a:p>
             <a:fld id="{F8C29A4B-73F1-41F6-84A3-46C06A00E1BC}" type="datetimeFigureOut">
               <a:rPr lang="zh-CN" altLang="en-US" smtClean="0"/>
-              <a:t>2024/2/9</a:t>
+              <a:t>2024/2/29</a:t>
             </a:fld>
             <a:endParaRPr lang="zh-CN" altLang="en-US"/>
           </a:p>
@@ -4477,6 +4478,1231 @@
 </p:sld>
 </file>
 
+<file path=ppt/slides/slide2.xml><?xml version="1.0" encoding="utf-8"?>
+<p:sld xmlns:a="http://schemas.openxmlformats.org/drawingml/2006/main" xmlns:r="http://schemas.openxmlformats.org/officeDocument/2006/relationships" xmlns:p="http://schemas.openxmlformats.org/presentationml/2006/main">
+  <p:cSld>
+    <p:spTree>
+      <p:nvGrpSpPr>
+        <p:cNvPr id="1" name=""/>
+        <p:cNvGrpSpPr/>
+        <p:nvPr/>
+      </p:nvGrpSpPr>
+      <p:grpSpPr>
+        <a:xfrm>
+          <a:off x="0" y="0"/>
+          <a:ext cx="0" cy="0"/>
+          <a:chOff x="0" y="0"/>
+          <a:chExt cx="0" cy="0"/>
+        </a:xfrm>
+      </p:grpSpPr>
+      <mc:AlternateContent xmlns:mc="http://schemas.openxmlformats.org/markup-compatibility/2006">
+        <mc:Choice xmlns:a14="http://schemas.microsoft.com/office/drawing/2010/main" Requires="a14">
+          <p:sp>
+            <p:nvSpPr>
+              <p:cNvPr id="6" name="文本框 5">
+                <a:extLst>
+                  <a:ext uri="{FF2B5EF4-FFF2-40B4-BE49-F238E27FC236}">
+                    <a16:creationId xmlns:a16="http://schemas.microsoft.com/office/drawing/2014/main" id="{8C34C45E-81BD-D3DF-1253-735F56EBBDE8}"/>
+                  </a:ext>
+                </a:extLst>
+              </p:cNvPr>
+              <p:cNvSpPr txBox="1"/>
+              <p:nvPr/>
+            </p:nvSpPr>
+            <p:spPr>
+              <a:xfrm>
+                <a:off x="3047999" y="3202683"/>
+                <a:ext cx="3429001" cy="369332"/>
+              </a:xfrm>
+              <a:prstGeom prst="rect">
+                <a:avLst/>
+              </a:prstGeom>
+              <a:noFill/>
+            </p:spPr>
+            <p:txBody>
+              <a:bodyPr wrap="square">
+                <a:spAutoFit/>
+              </a:bodyPr>
+              <a:lstStyle/>
+              <a:p>
+                <a:pPr/>
+                <a14:m>
+                  <m:oMathPara xmlns:m="http://schemas.openxmlformats.org/officeDocument/2006/math">
+                    <m:oMathParaPr>
+                      <m:jc m:val="centerGroup"/>
+                    </m:oMathParaPr>
+                    <m:oMath xmlns:m="http://schemas.openxmlformats.org/officeDocument/2006/math">
+                      <m:d>
+                        <m:dPr>
+                          <m:begChr m:val="["/>
+                          <m:endChr m:val="]"/>
+                          <m:ctrlPr>
+                            <a:rPr kumimoji="1" lang="en-US" altLang="zh-CN" b="0" i="1" smtClean="0">
+                              <a:latin typeface="Cambria Math" panose="02040503050406030204" pitchFamily="18" charset="0"/>
+                            </a:rPr>
+                          </m:ctrlPr>
+                        </m:dPr>
+                        <m:e>
+                          <m:m>
+                            <m:mPr>
+                              <m:mcs>
+                                <m:mc>
+                                  <m:mcPr>
+                                    <m:count m:val="2"/>
+                                    <m:mcJc m:val="center"/>
+                                  </m:mcPr>
+                                </m:mc>
+                              </m:mcs>
+                              <m:ctrlPr>
+                                <a:rPr kumimoji="1" lang="en-US" altLang="zh-CN" b="0" i="1" smtClean="0">
+                                  <a:latin typeface="Cambria Math" panose="02040503050406030204" pitchFamily="18" charset="0"/>
+                                </a:rPr>
+                              </m:ctrlPr>
+                            </m:mPr>
+                            <m:mr>
+                              <m:e>
+                                <m:m>
+                                  <m:mPr>
+                                    <m:mcs>
+                                      <m:mc>
+                                        <m:mcPr>
+                                          <m:count m:val="2"/>
+                                          <m:mcJc m:val="center"/>
+                                        </m:mcPr>
+                                      </m:mc>
+                                    </m:mcs>
+                                    <m:ctrlPr>
+                                      <a:rPr kumimoji="1" lang="en-US" altLang="zh-CN" b="0" i="1" smtClean="0">
+                                        <a:latin typeface="Cambria Math" panose="02040503050406030204" pitchFamily="18" charset="0"/>
+                                      </a:rPr>
+                                    </m:ctrlPr>
+                                  </m:mPr>
+                                  <m:mr>
+                                    <m:e>
+                                      <m:m>
+                                        <m:mPr>
+                                          <m:mcs>
+                                            <m:mc>
+                                              <m:mcPr>
+                                                <m:count m:val="2"/>
+                                                <m:mcJc m:val="center"/>
+                                              </m:mcPr>
+                                            </m:mc>
+                                          </m:mcs>
+                                          <m:ctrlPr>
+                                            <a:rPr kumimoji="1" lang="en-US" altLang="zh-CN" b="0" i="1" smtClean="0">
+                                              <a:latin typeface="Cambria Math" panose="02040503050406030204" pitchFamily="18" charset="0"/>
+                                            </a:rPr>
+                                          </m:ctrlPr>
+                                        </m:mPr>
+                                        <m:mr>
+                                          <m:e>
+                                            <m:r>
+                                              <m:rPr>
+                                                <m:brk m:alnAt="7"/>
+                                              </m:rPr>
+                                              <a:rPr kumimoji="1" lang="en-US" altLang="zh-CN" b="0" i="1" smtClean="0">
+                                                <a:latin typeface="Cambria Math" panose="02040503050406030204" pitchFamily="18" charset="0"/>
+                                              </a:rPr>
+                                              <m:t>𝑎</m:t>
+                                            </m:r>
+                                          </m:e>
+                                          <m:e>
+                                            <m:r>
+                                              <a:rPr kumimoji="1" lang="en-US" altLang="zh-CN" b="0" i="1" smtClean="0">
+                                                <a:latin typeface="Cambria Math" panose="02040503050406030204" pitchFamily="18" charset="0"/>
+                                              </a:rPr>
+                                              <m:t>𝑎</m:t>
+                                            </m:r>
+                                          </m:e>
+                                        </m:mr>
+                                      </m:m>
+                                    </m:e>
+                                    <m:e>
+                                      <m:m>
+                                        <m:mPr>
+                                          <m:mcs>
+                                            <m:mc>
+                                              <m:mcPr>
+                                                <m:count m:val="2"/>
+                                                <m:mcJc m:val="center"/>
+                                              </m:mcPr>
+                                            </m:mc>
+                                          </m:mcs>
+                                          <m:ctrlPr>
+                                            <a:rPr kumimoji="1" lang="en-US" altLang="zh-CN" b="0" i="1" smtClean="0">
+                                              <a:latin typeface="Cambria Math" panose="02040503050406030204" pitchFamily="18" charset="0"/>
+                                            </a:rPr>
+                                          </m:ctrlPr>
+                                        </m:mPr>
+                                        <m:mr>
+                                          <m:e>
+                                            <m:r>
+                                              <m:rPr>
+                                                <m:brk m:alnAt="7"/>
+                                              </m:rPr>
+                                              <a:rPr kumimoji="1" lang="en-US" altLang="zh-CN" b="0" i="1" smtClean="0">
+                                                <a:latin typeface="Cambria Math" panose="02040503050406030204" pitchFamily="18" charset="0"/>
+                                              </a:rPr>
+                                              <m:t>𝑎</m:t>
+                                            </m:r>
+                                          </m:e>
+                                          <m:e>
+                                            <m:r>
+                                              <a:rPr kumimoji="1" lang="en-US" altLang="zh-CN" b="0" i="1" smtClean="0">
+                                                <a:latin typeface="Cambria Math" panose="02040503050406030204" pitchFamily="18" charset="0"/>
+                                              </a:rPr>
+                                              <m:t>𝑎</m:t>
+                                            </m:r>
+                                          </m:e>
+                                        </m:mr>
+                                      </m:m>
+                                    </m:e>
+                                  </m:mr>
+                                </m:m>
+                              </m:e>
+                              <m:e>
+                                <m:m>
+                                  <m:mPr>
+                                    <m:mcs>
+                                      <m:mc>
+                                        <m:mcPr>
+                                          <m:count m:val="2"/>
+                                          <m:mcJc m:val="center"/>
+                                        </m:mcPr>
+                                      </m:mc>
+                                    </m:mcs>
+                                    <m:ctrlPr>
+                                      <a:rPr kumimoji="1" lang="en-US" altLang="zh-CN" b="0" i="1" smtClean="0">
+                                        <a:latin typeface="Cambria Math" panose="02040503050406030204" pitchFamily="18" charset="0"/>
+                                      </a:rPr>
+                                    </m:ctrlPr>
+                                  </m:mPr>
+                                  <m:mr>
+                                    <m:e>
+                                      <m:m>
+                                        <m:mPr>
+                                          <m:mcs>
+                                            <m:mc>
+                                              <m:mcPr>
+                                                <m:count m:val="2"/>
+                                                <m:mcJc m:val="center"/>
+                                              </m:mcPr>
+                                            </m:mc>
+                                          </m:mcs>
+                                          <m:ctrlPr>
+                                            <a:rPr kumimoji="1" lang="en-US" altLang="zh-CN" b="0" i="1" smtClean="0">
+                                              <a:latin typeface="Cambria Math" panose="02040503050406030204" pitchFamily="18" charset="0"/>
+                                            </a:rPr>
+                                          </m:ctrlPr>
+                                        </m:mPr>
+                                        <m:mr>
+                                          <m:e>
+                                            <m:r>
+                                              <m:rPr>
+                                                <m:brk m:alnAt="7"/>
+                                              </m:rPr>
+                                              <a:rPr kumimoji="1" lang="en-US" altLang="zh-CN" b="0" i="1" smtClean="0">
+                                                <a:latin typeface="Cambria Math" panose="02040503050406030204" pitchFamily="18" charset="0"/>
+                                              </a:rPr>
+                                              <m:t>𝑎</m:t>
+                                            </m:r>
+                                          </m:e>
+                                          <m:e>
+                                            <m:r>
+                                              <a:rPr kumimoji="1" lang="en-US" altLang="zh-CN" b="0" i="1" smtClean="0">
+                                                <a:latin typeface="Cambria Math" panose="02040503050406030204" pitchFamily="18" charset="0"/>
+                                              </a:rPr>
+                                              <m:t>𝑎</m:t>
+                                            </m:r>
+                                          </m:e>
+                                        </m:mr>
+                                      </m:m>
+                                    </m:e>
+                                    <m:e>
+                                      <m:m>
+                                        <m:mPr>
+                                          <m:mcs>
+                                            <m:mc>
+                                              <m:mcPr>
+                                                <m:count m:val="2"/>
+                                                <m:mcJc m:val="center"/>
+                                              </m:mcPr>
+                                            </m:mc>
+                                          </m:mcs>
+                                          <m:ctrlPr>
+                                            <a:rPr kumimoji="1" lang="en-US" altLang="zh-CN" b="0" i="1" smtClean="0">
+                                              <a:latin typeface="Cambria Math" panose="02040503050406030204" pitchFamily="18" charset="0"/>
+                                            </a:rPr>
+                                          </m:ctrlPr>
+                                        </m:mPr>
+                                        <m:mr>
+                                          <m:e>
+                                            <m:r>
+                                              <m:rPr>
+                                                <m:brk m:alnAt="7"/>
+                                              </m:rPr>
+                                              <a:rPr kumimoji="1" lang="en-US" altLang="zh-CN" b="0" i="1" smtClean="0">
+                                                <a:latin typeface="Cambria Math" panose="02040503050406030204" pitchFamily="18" charset="0"/>
+                                              </a:rPr>
+                                              <m:t>𝑎</m:t>
+                                            </m:r>
+                                          </m:e>
+                                          <m:e>
+                                            <m:r>
+                                              <a:rPr kumimoji="1" lang="en-US" altLang="zh-CN" b="0" i="1" smtClean="0">
+                                                <a:latin typeface="Cambria Math" panose="02040503050406030204" pitchFamily="18" charset="0"/>
+                                              </a:rPr>
+                                              <m:t>𝑎</m:t>
+                                            </m:r>
+                                          </m:e>
+                                        </m:mr>
+                                      </m:m>
+                                    </m:e>
+                                  </m:mr>
+                                </m:m>
+                              </m:e>
+                            </m:mr>
+                          </m:m>
+                        </m:e>
+                      </m:d>
+                    </m:oMath>
+                  </m:oMathPara>
+                </a14:m>
+                <a:endParaRPr lang="zh-CN" altLang="en-US" dirty="0"/>
+              </a:p>
+            </p:txBody>
+          </p:sp>
+        </mc:Choice>
+        <mc:Fallback>
+          <p:sp>
+            <p:nvSpPr>
+              <p:cNvPr id="6" name="文本框 5">
+                <a:extLst>
+                  <a:ext uri="{FF2B5EF4-FFF2-40B4-BE49-F238E27FC236}">
+                    <a16:creationId xmlns:a16="http://schemas.microsoft.com/office/drawing/2014/main" id="{8C34C45E-81BD-D3DF-1253-735F56EBBDE8}"/>
+                  </a:ext>
+                </a:extLst>
+              </p:cNvPr>
+              <p:cNvSpPr txBox="1">
+                <a:spLocks noRot="1" noChangeAspect="1" noMove="1" noResize="1" noEditPoints="1" noAdjustHandles="1" noChangeArrowheads="1" noChangeShapeType="1" noTextEdit="1"/>
+              </p:cNvSpPr>
+              <p:nvPr/>
+            </p:nvSpPr>
+            <p:spPr>
+              <a:xfrm>
+                <a:off x="3047999" y="3202683"/>
+                <a:ext cx="3429001" cy="369332"/>
+              </a:xfrm>
+              <a:prstGeom prst="rect">
+                <a:avLst/>
+              </a:prstGeom>
+              <a:blipFill>
+                <a:blip r:embed="rId2"/>
+                <a:stretch>
+                  <a:fillRect/>
+                </a:stretch>
+              </a:blipFill>
+            </p:spPr>
+            <p:txBody>
+              <a:bodyPr/>
+              <a:lstStyle/>
+              <a:p>
+                <a:r>
+                  <a:rPr lang="zh-CN" altLang="en-US">
+                    <a:noFill/>
+                  </a:rPr>
+                  <a:t> </a:t>
+                </a:r>
+              </a:p>
+            </p:txBody>
+          </p:sp>
+        </mc:Fallback>
+      </mc:AlternateContent>
+      <mc:AlternateContent xmlns:mc="http://schemas.openxmlformats.org/markup-compatibility/2006">
+        <mc:Choice xmlns:a14="http://schemas.microsoft.com/office/drawing/2010/main" Requires="a14">
+          <p:sp>
+            <p:nvSpPr>
+              <p:cNvPr id="7" name="文本框 6">
+                <a:extLst>
+                  <a:ext uri="{FF2B5EF4-FFF2-40B4-BE49-F238E27FC236}">
+                    <a16:creationId xmlns:a16="http://schemas.microsoft.com/office/drawing/2014/main" id="{5E7F0BC1-5764-1B37-04ED-700C56B187FD}"/>
+                  </a:ext>
+                </a:extLst>
+              </p:cNvPr>
+              <p:cNvSpPr txBox="1"/>
+              <p:nvPr/>
+            </p:nvSpPr>
+            <p:spPr>
+              <a:xfrm>
+                <a:off x="3048000" y="3910622"/>
+                <a:ext cx="3429000" cy="369332"/>
+              </a:xfrm>
+              <a:prstGeom prst="rect">
+                <a:avLst/>
+              </a:prstGeom>
+              <a:noFill/>
+            </p:spPr>
+            <p:txBody>
+              <a:bodyPr wrap="square">
+                <a:spAutoFit/>
+              </a:bodyPr>
+              <a:lstStyle/>
+              <a:p>
+                <a:pPr/>
+                <a14:m>
+                  <m:oMathPara xmlns:m="http://schemas.openxmlformats.org/officeDocument/2006/math">
+                    <m:oMathParaPr>
+                      <m:jc m:val="centerGroup"/>
+                    </m:oMathParaPr>
+                    <m:oMath xmlns:m="http://schemas.openxmlformats.org/officeDocument/2006/math">
+                      <m:d>
+                        <m:dPr>
+                          <m:begChr m:val="["/>
+                          <m:endChr m:val="]"/>
+                          <m:ctrlPr>
+                            <a:rPr kumimoji="1" lang="en-US" altLang="zh-CN" b="0" i="1" smtClean="0">
+                              <a:latin typeface="Cambria Math" panose="02040503050406030204" pitchFamily="18" charset="0"/>
+                            </a:rPr>
+                          </m:ctrlPr>
+                        </m:dPr>
+                        <m:e>
+                          <m:m>
+                            <m:mPr>
+                              <m:mcs>
+                                <m:mc>
+                                  <m:mcPr>
+                                    <m:count m:val="2"/>
+                                    <m:mcJc m:val="center"/>
+                                  </m:mcPr>
+                                </m:mc>
+                              </m:mcs>
+                              <m:ctrlPr>
+                                <a:rPr kumimoji="1" lang="en-US" altLang="zh-CN" b="0" i="1" smtClean="0">
+                                  <a:latin typeface="Cambria Math" panose="02040503050406030204" pitchFamily="18" charset="0"/>
+                                </a:rPr>
+                              </m:ctrlPr>
+                            </m:mPr>
+                            <m:mr>
+                              <m:e>
+                                <m:m>
+                                  <m:mPr>
+                                    <m:mcs>
+                                      <m:mc>
+                                        <m:mcPr>
+                                          <m:count m:val="2"/>
+                                          <m:mcJc m:val="center"/>
+                                        </m:mcPr>
+                                      </m:mc>
+                                    </m:mcs>
+                                    <m:ctrlPr>
+                                      <a:rPr kumimoji="1" lang="en-US" altLang="zh-CN" b="0" i="1" smtClean="0">
+                                        <a:latin typeface="Cambria Math" panose="02040503050406030204" pitchFamily="18" charset="0"/>
+                                      </a:rPr>
+                                    </m:ctrlPr>
+                                  </m:mPr>
+                                  <m:mr>
+                                    <m:e>
+                                      <m:m>
+                                        <m:mPr>
+                                          <m:mcs>
+                                            <m:mc>
+                                              <m:mcPr>
+                                                <m:count m:val="2"/>
+                                                <m:mcJc m:val="center"/>
+                                              </m:mcPr>
+                                            </m:mc>
+                                          </m:mcs>
+                                          <m:ctrlPr>
+                                            <a:rPr kumimoji="1" lang="en-US" altLang="zh-CN" b="0" i="1" smtClean="0">
+                                              <a:latin typeface="Cambria Math" panose="02040503050406030204" pitchFamily="18" charset="0"/>
+                                            </a:rPr>
+                                          </m:ctrlPr>
+                                        </m:mPr>
+                                        <m:mr>
+                                          <m:e>
+                                            <m:r>
+                                              <m:rPr>
+                                                <m:brk m:alnAt="7"/>
+                                              </m:rPr>
+                                              <a:rPr kumimoji="1" lang="en-US" altLang="zh-CN" b="0" i="1" smtClean="0">
+                                                <a:latin typeface="Cambria Math" panose="02040503050406030204" pitchFamily="18" charset="0"/>
+                                              </a:rPr>
+                                              <m:t>𝑏</m:t>
+                                            </m:r>
+                                          </m:e>
+                                          <m:e>
+                                            <m:r>
+                                              <a:rPr kumimoji="1" lang="en-US" altLang="zh-CN" b="0" i="1" smtClean="0">
+                                                <a:latin typeface="Cambria Math" panose="02040503050406030204" pitchFamily="18" charset="0"/>
+                                              </a:rPr>
+                                              <m:t>𝑏</m:t>
+                                            </m:r>
+                                          </m:e>
+                                        </m:mr>
+                                      </m:m>
+                                    </m:e>
+                                    <m:e>
+                                      <m:m>
+                                        <m:mPr>
+                                          <m:mcs>
+                                            <m:mc>
+                                              <m:mcPr>
+                                                <m:count m:val="2"/>
+                                                <m:mcJc m:val="center"/>
+                                              </m:mcPr>
+                                            </m:mc>
+                                          </m:mcs>
+                                          <m:ctrlPr>
+                                            <a:rPr kumimoji="1" lang="en-US" altLang="zh-CN" b="0" i="1" smtClean="0">
+                                              <a:latin typeface="Cambria Math" panose="02040503050406030204" pitchFamily="18" charset="0"/>
+                                            </a:rPr>
+                                          </m:ctrlPr>
+                                        </m:mPr>
+                                        <m:mr>
+                                          <m:e>
+                                            <m:r>
+                                              <m:rPr>
+                                                <m:brk m:alnAt="7"/>
+                                              </m:rPr>
+                                              <a:rPr kumimoji="1" lang="en-US" altLang="zh-CN" b="0" i="1" smtClean="0">
+                                                <a:latin typeface="Cambria Math" panose="02040503050406030204" pitchFamily="18" charset="0"/>
+                                              </a:rPr>
+                                              <m:t>𝑏</m:t>
+                                            </m:r>
+                                          </m:e>
+                                          <m:e>
+                                            <m:r>
+                                              <a:rPr kumimoji="1" lang="en-US" altLang="zh-CN" b="0" i="1" smtClean="0">
+                                                <a:latin typeface="Cambria Math" panose="02040503050406030204" pitchFamily="18" charset="0"/>
+                                              </a:rPr>
+                                              <m:t>𝑏</m:t>
+                                            </m:r>
+                                          </m:e>
+                                        </m:mr>
+                                      </m:m>
+                                    </m:e>
+                                  </m:mr>
+                                </m:m>
+                              </m:e>
+                              <m:e>
+                                <m:m>
+                                  <m:mPr>
+                                    <m:mcs>
+                                      <m:mc>
+                                        <m:mcPr>
+                                          <m:count m:val="2"/>
+                                          <m:mcJc m:val="center"/>
+                                        </m:mcPr>
+                                      </m:mc>
+                                    </m:mcs>
+                                    <m:ctrlPr>
+                                      <a:rPr kumimoji="1" lang="en-US" altLang="zh-CN" b="0" i="1" smtClean="0">
+                                        <a:latin typeface="Cambria Math" panose="02040503050406030204" pitchFamily="18" charset="0"/>
+                                      </a:rPr>
+                                    </m:ctrlPr>
+                                  </m:mPr>
+                                  <m:mr>
+                                    <m:e>
+                                      <m:m>
+                                        <m:mPr>
+                                          <m:mcs>
+                                            <m:mc>
+                                              <m:mcPr>
+                                                <m:count m:val="2"/>
+                                                <m:mcJc m:val="center"/>
+                                              </m:mcPr>
+                                            </m:mc>
+                                          </m:mcs>
+                                          <m:ctrlPr>
+                                            <a:rPr kumimoji="1" lang="en-US" altLang="zh-CN" b="0" i="1" smtClean="0">
+                                              <a:latin typeface="Cambria Math" panose="02040503050406030204" pitchFamily="18" charset="0"/>
+                                            </a:rPr>
+                                          </m:ctrlPr>
+                                        </m:mPr>
+                                        <m:mr>
+                                          <m:e>
+                                            <m:r>
+                                              <m:rPr>
+                                                <m:brk m:alnAt="7"/>
+                                              </m:rPr>
+                                              <a:rPr kumimoji="1" lang="en-US" altLang="zh-CN" b="0" i="1" smtClean="0">
+                                                <a:latin typeface="Cambria Math" panose="02040503050406030204" pitchFamily="18" charset="0"/>
+                                              </a:rPr>
+                                              <m:t>𝑏</m:t>
+                                            </m:r>
+                                          </m:e>
+                                          <m:e>
+                                            <m:r>
+                                              <a:rPr kumimoji="1" lang="en-US" altLang="zh-CN" b="0" i="1" smtClean="0">
+                                                <a:latin typeface="Cambria Math" panose="02040503050406030204" pitchFamily="18" charset="0"/>
+                                              </a:rPr>
+                                              <m:t>𝑏</m:t>
+                                            </m:r>
+                                          </m:e>
+                                        </m:mr>
+                                      </m:m>
+                                    </m:e>
+                                    <m:e>
+                                      <m:m>
+                                        <m:mPr>
+                                          <m:mcs>
+                                            <m:mc>
+                                              <m:mcPr>
+                                                <m:count m:val="2"/>
+                                                <m:mcJc m:val="center"/>
+                                              </m:mcPr>
+                                            </m:mc>
+                                          </m:mcs>
+                                          <m:ctrlPr>
+                                            <a:rPr kumimoji="1" lang="en-US" altLang="zh-CN" b="0" i="1" smtClean="0">
+                                              <a:latin typeface="Cambria Math" panose="02040503050406030204" pitchFamily="18" charset="0"/>
+                                            </a:rPr>
+                                          </m:ctrlPr>
+                                        </m:mPr>
+                                        <m:mr>
+                                          <m:e>
+                                            <m:r>
+                                              <m:rPr>
+                                                <m:brk m:alnAt="7"/>
+                                              </m:rPr>
+                                              <a:rPr kumimoji="1" lang="en-US" altLang="zh-CN" b="0" i="1" smtClean="0">
+                                                <a:latin typeface="Cambria Math" panose="02040503050406030204" pitchFamily="18" charset="0"/>
+                                              </a:rPr>
+                                              <m:t>𝑏</m:t>
+                                            </m:r>
+                                          </m:e>
+                                          <m:e>
+                                            <m:r>
+                                              <a:rPr kumimoji="1" lang="en-US" altLang="zh-CN" b="0" i="1" smtClean="0">
+                                                <a:latin typeface="Cambria Math" panose="02040503050406030204" pitchFamily="18" charset="0"/>
+                                              </a:rPr>
+                                              <m:t>𝑏</m:t>
+                                            </m:r>
+                                          </m:e>
+                                        </m:mr>
+                                      </m:m>
+                                    </m:e>
+                                  </m:mr>
+                                </m:m>
+                              </m:e>
+                            </m:mr>
+                          </m:m>
+                        </m:e>
+                      </m:d>
+                    </m:oMath>
+                  </m:oMathPara>
+                </a14:m>
+                <a:endParaRPr lang="zh-CN" altLang="en-US" dirty="0"/>
+              </a:p>
+            </p:txBody>
+          </p:sp>
+        </mc:Choice>
+        <mc:Fallback>
+          <p:sp>
+            <p:nvSpPr>
+              <p:cNvPr id="7" name="文本框 6">
+                <a:extLst>
+                  <a:ext uri="{FF2B5EF4-FFF2-40B4-BE49-F238E27FC236}">
+                    <a16:creationId xmlns:a16="http://schemas.microsoft.com/office/drawing/2014/main" id="{5E7F0BC1-5764-1B37-04ED-700C56B187FD}"/>
+                  </a:ext>
+                </a:extLst>
+              </p:cNvPr>
+              <p:cNvSpPr txBox="1">
+                <a:spLocks noRot="1" noChangeAspect="1" noMove="1" noResize="1" noEditPoints="1" noAdjustHandles="1" noChangeArrowheads="1" noChangeShapeType="1" noTextEdit="1"/>
+              </p:cNvSpPr>
+              <p:nvPr/>
+            </p:nvSpPr>
+            <p:spPr>
+              <a:xfrm>
+                <a:off x="3048000" y="3910622"/>
+                <a:ext cx="3429000" cy="369332"/>
+              </a:xfrm>
+              <a:prstGeom prst="rect">
+                <a:avLst/>
+              </a:prstGeom>
+              <a:blipFill>
+                <a:blip r:embed="rId3"/>
+                <a:stretch>
+                  <a:fillRect/>
+                </a:stretch>
+              </a:blipFill>
+            </p:spPr>
+            <p:txBody>
+              <a:bodyPr/>
+              <a:lstStyle/>
+              <a:p>
+                <a:r>
+                  <a:rPr lang="zh-CN" altLang="en-US">
+                    <a:noFill/>
+                  </a:rPr>
+                  <a:t> </a:t>
+                </a:r>
+              </a:p>
+            </p:txBody>
+          </p:sp>
+        </mc:Fallback>
+      </mc:AlternateContent>
+      <mc:AlternateContent xmlns:mc="http://schemas.openxmlformats.org/markup-compatibility/2006">
+        <mc:Choice xmlns:a14="http://schemas.microsoft.com/office/drawing/2010/main" Requires="a14">
+          <p:sp>
+            <p:nvSpPr>
+              <p:cNvPr id="8" name="文本框 7">
+                <a:extLst>
+                  <a:ext uri="{FF2B5EF4-FFF2-40B4-BE49-F238E27FC236}">
+                    <a16:creationId xmlns:a16="http://schemas.microsoft.com/office/drawing/2014/main" id="{C3C078CC-9949-0B47-AE11-787B6AF8D929}"/>
+                  </a:ext>
+                </a:extLst>
+              </p:cNvPr>
+              <p:cNvSpPr txBox="1"/>
+              <p:nvPr/>
+            </p:nvSpPr>
+            <p:spPr>
+              <a:xfrm>
+                <a:off x="7078510" y="3076143"/>
+                <a:ext cx="1975605" cy="1299523"/>
+              </a:xfrm>
+              <a:prstGeom prst="rect">
+                <a:avLst/>
+              </a:prstGeom>
+              <a:noFill/>
+            </p:spPr>
+            <p:txBody>
+              <a:bodyPr wrap="square" lIns="0" tIns="0" rIns="0" bIns="0" rtlCol="0">
+                <a:spAutoFit/>
+              </a:bodyPr>
+              <a:lstStyle/>
+              <a:p>
+                <a14:m>
+                  <m:oMathPara xmlns:m="http://schemas.openxmlformats.org/officeDocument/2006/math">
+                    <m:oMathParaPr>
+                      <m:jc m:val="centerGroup"/>
+                    </m:oMathParaPr>
+                    <m:oMath xmlns:m="http://schemas.openxmlformats.org/officeDocument/2006/math">
+                      <m:d>
+                        <m:dPr>
+                          <m:begChr m:val="["/>
+                          <m:endChr m:val="]"/>
+                          <m:ctrlPr>
+                            <a:rPr kumimoji="1" lang="en-US" altLang="zh-CN" sz="2400" i="1" smtClean="0">
+                              <a:latin typeface="Cambria Math" panose="02040503050406030204" pitchFamily="18" charset="0"/>
+                            </a:rPr>
+                          </m:ctrlPr>
+                        </m:dPr>
+                        <m:e>
+                          <m:m>
+                            <m:mPr>
+                              <m:mcs>
+                                <m:mc>
+                                  <m:mcPr>
+                                    <m:count m:val="2"/>
+                                    <m:mcJc m:val="center"/>
+                                  </m:mcPr>
+                                </m:mc>
+                              </m:mcs>
+                              <m:ctrlPr>
+                                <a:rPr kumimoji="1" lang="en-US" altLang="zh-CN" sz="2400" i="1" smtClean="0">
+                                  <a:latin typeface="Cambria Math" panose="02040503050406030204" pitchFamily="18" charset="0"/>
+                                </a:rPr>
+                              </m:ctrlPr>
+                            </m:mPr>
+                            <m:mr>
+                              <m:e>
+                                <m:m>
+                                  <m:mPr>
+                                    <m:mcs>
+                                      <m:mc>
+                                        <m:mcPr>
+                                          <m:count m:val="2"/>
+                                          <m:mcJc m:val="center"/>
+                                        </m:mcPr>
+                                      </m:mc>
+                                    </m:mcs>
+                                    <m:ctrlPr>
+                                      <a:rPr kumimoji="1" lang="en-US" altLang="zh-CN" sz="2400" i="1" smtClean="0">
+                                        <a:latin typeface="Cambria Math" panose="02040503050406030204" pitchFamily="18" charset="0"/>
+                                      </a:rPr>
+                                    </m:ctrlPr>
+                                  </m:mPr>
+                                  <m:mr>
+                                    <m:e>
+                                      <m:r>
+                                        <m:rPr>
+                                          <m:brk m:alnAt="7"/>
+                                        </m:rPr>
+                                        <a:rPr kumimoji="1" lang="en-US" altLang="zh-CN" sz="2400" b="0" i="1" smtClean="0">
+                                          <a:latin typeface="Cambria Math" panose="02040503050406030204" pitchFamily="18" charset="0"/>
+                                        </a:rPr>
+                                        <m:t>𝑎</m:t>
+                                      </m:r>
+                                    </m:e>
+                                    <m:e>
+                                      <m:r>
+                                        <a:rPr kumimoji="1" lang="en-US" altLang="zh-CN" sz="2400" b="0" i="1" smtClean="0">
+                                          <a:latin typeface="Cambria Math" panose="02040503050406030204" pitchFamily="18" charset="0"/>
+                                        </a:rPr>
+                                        <m:t>𝑏</m:t>
+                                      </m:r>
+                                    </m:e>
+                                  </m:mr>
+                                  <m:mr>
+                                    <m:e>
+                                      <m:r>
+                                        <a:rPr kumimoji="1" lang="en-US" altLang="zh-CN" sz="2400" b="0" i="1" smtClean="0">
+                                          <a:latin typeface="Cambria Math" panose="02040503050406030204" pitchFamily="18" charset="0"/>
+                                        </a:rPr>
+                                        <m:t>𝑏</m:t>
+                                      </m:r>
+                                    </m:e>
+                                    <m:e>
+                                      <m:r>
+                                        <a:rPr kumimoji="1" lang="en-US" altLang="zh-CN" sz="2400" b="0" i="1" smtClean="0">
+                                          <a:latin typeface="Cambria Math" panose="02040503050406030204" pitchFamily="18" charset="0"/>
+                                        </a:rPr>
+                                        <m:t>𝑎</m:t>
+                                      </m:r>
+                                    </m:e>
+                                  </m:mr>
+                                </m:m>
+                              </m:e>
+                              <m:e>
+                                <m:m>
+                                  <m:mPr>
+                                    <m:mcs>
+                                      <m:mc>
+                                        <m:mcPr>
+                                          <m:count m:val="2"/>
+                                          <m:mcJc m:val="center"/>
+                                        </m:mcPr>
+                                      </m:mc>
+                                    </m:mcs>
+                                    <m:ctrlPr>
+                                      <a:rPr kumimoji="1" lang="en-US" altLang="zh-CN" sz="2400" i="1" smtClean="0">
+                                        <a:latin typeface="Cambria Math" panose="02040503050406030204" pitchFamily="18" charset="0"/>
+                                      </a:rPr>
+                                    </m:ctrlPr>
+                                  </m:mPr>
+                                  <m:mr>
+                                    <m:e>
+                                      <m:r>
+                                        <m:rPr>
+                                          <m:brk m:alnAt="7"/>
+                                        </m:rPr>
+                                        <a:rPr kumimoji="1" lang="en-US" altLang="zh-CN" sz="2400" b="0" i="1" smtClean="0">
+                                          <a:latin typeface="Cambria Math" panose="02040503050406030204" pitchFamily="18" charset="0"/>
+                                        </a:rPr>
+                                        <m:t>𝑎</m:t>
+                                      </m:r>
+                                    </m:e>
+                                    <m:e>
+                                      <m:r>
+                                        <a:rPr kumimoji="1" lang="en-US" altLang="zh-CN" sz="2400" b="0" i="1" smtClean="0">
+                                          <a:latin typeface="Cambria Math" panose="02040503050406030204" pitchFamily="18" charset="0"/>
+                                        </a:rPr>
+                                        <m:t>𝑏</m:t>
+                                      </m:r>
+                                    </m:e>
+                                  </m:mr>
+                                  <m:mr>
+                                    <m:e>
+                                      <m:r>
+                                        <a:rPr kumimoji="1" lang="en-US" altLang="zh-CN" sz="2400" b="0" i="1" smtClean="0">
+                                          <a:latin typeface="Cambria Math" panose="02040503050406030204" pitchFamily="18" charset="0"/>
+                                        </a:rPr>
+                                        <m:t>𝑏</m:t>
+                                      </m:r>
+                                    </m:e>
+                                    <m:e>
+                                      <m:r>
+                                        <a:rPr kumimoji="1" lang="en-US" altLang="zh-CN" sz="2400" b="0" i="1" smtClean="0">
+                                          <a:latin typeface="Cambria Math" panose="02040503050406030204" pitchFamily="18" charset="0"/>
+                                        </a:rPr>
+                                        <m:t>𝑎</m:t>
+                                      </m:r>
+                                    </m:e>
+                                  </m:mr>
+                                </m:m>
+                              </m:e>
+                            </m:mr>
+                            <m:mr>
+                              <m:e>
+                                <m:m>
+                                  <m:mPr>
+                                    <m:mcs>
+                                      <m:mc>
+                                        <m:mcPr>
+                                          <m:count m:val="2"/>
+                                          <m:mcJc m:val="center"/>
+                                        </m:mcPr>
+                                      </m:mc>
+                                    </m:mcs>
+                                    <m:ctrlPr>
+                                      <a:rPr kumimoji="1" lang="en-US" altLang="zh-CN" sz="2400" i="1" smtClean="0">
+                                        <a:latin typeface="Cambria Math" panose="02040503050406030204" pitchFamily="18" charset="0"/>
+                                      </a:rPr>
+                                    </m:ctrlPr>
+                                  </m:mPr>
+                                  <m:mr>
+                                    <m:e>
+                                      <m:r>
+                                        <m:rPr>
+                                          <m:brk m:alnAt="7"/>
+                                        </m:rPr>
+                                        <a:rPr kumimoji="1" lang="en-US" altLang="zh-CN" sz="2400" b="0" i="1" smtClean="0">
+                                          <a:latin typeface="Cambria Math" panose="02040503050406030204" pitchFamily="18" charset="0"/>
+                                        </a:rPr>
+                                        <m:t>𝑎</m:t>
+                                      </m:r>
+                                    </m:e>
+                                    <m:e>
+                                      <m:r>
+                                        <a:rPr kumimoji="1" lang="en-US" altLang="zh-CN" sz="2400" b="0" i="1" smtClean="0">
+                                          <a:latin typeface="Cambria Math" panose="02040503050406030204" pitchFamily="18" charset="0"/>
+                                        </a:rPr>
+                                        <m:t>𝑏</m:t>
+                                      </m:r>
+                                    </m:e>
+                                  </m:mr>
+                                  <m:mr>
+                                    <m:e>
+                                      <m:r>
+                                        <a:rPr kumimoji="1" lang="en-US" altLang="zh-CN" sz="2400" b="0" i="1" smtClean="0">
+                                          <a:latin typeface="Cambria Math" panose="02040503050406030204" pitchFamily="18" charset="0"/>
+                                        </a:rPr>
+                                        <m:t>𝑏</m:t>
+                                      </m:r>
+                                    </m:e>
+                                    <m:e>
+                                      <m:r>
+                                        <a:rPr kumimoji="1" lang="en-US" altLang="zh-CN" sz="2400" b="0" i="1" smtClean="0">
+                                          <a:latin typeface="Cambria Math" panose="02040503050406030204" pitchFamily="18" charset="0"/>
+                                        </a:rPr>
+                                        <m:t>𝑎</m:t>
+                                      </m:r>
+                                    </m:e>
+                                  </m:mr>
+                                </m:m>
+                              </m:e>
+                              <m:e>
+                                <m:m>
+                                  <m:mPr>
+                                    <m:mcs>
+                                      <m:mc>
+                                        <m:mcPr>
+                                          <m:count m:val="2"/>
+                                          <m:mcJc m:val="center"/>
+                                        </m:mcPr>
+                                      </m:mc>
+                                    </m:mcs>
+                                    <m:ctrlPr>
+                                      <a:rPr kumimoji="1" lang="en-US" altLang="zh-CN" sz="2400" i="1" smtClean="0">
+                                        <a:latin typeface="Cambria Math" panose="02040503050406030204" pitchFamily="18" charset="0"/>
+                                      </a:rPr>
+                                    </m:ctrlPr>
+                                  </m:mPr>
+                                  <m:mr>
+                                    <m:e>
+                                      <m:r>
+                                        <m:rPr>
+                                          <m:brk m:alnAt="7"/>
+                                        </m:rPr>
+                                        <a:rPr kumimoji="1" lang="en-US" altLang="zh-CN" sz="2400" b="0" i="1" smtClean="0">
+                                          <a:latin typeface="Cambria Math" panose="02040503050406030204" pitchFamily="18" charset="0"/>
+                                        </a:rPr>
+                                        <m:t>𝑎</m:t>
+                                      </m:r>
+                                    </m:e>
+                                    <m:e>
+                                      <m:r>
+                                        <a:rPr kumimoji="1" lang="en-US" altLang="zh-CN" sz="2400" b="0" i="1" smtClean="0">
+                                          <a:latin typeface="Cambria Math" panose="02040503050406030204" pitchFamily="18" charset="0"/>
+                                        </a:rPr>
+                                        <m:t>𝑏</m:t>
+                                      </m:r>
+                                    </m:e>
+                                  </m:mr>
+                                  <m:mr>
+                                    <m:e>
+                                      <m:r>
+                                        <a:rPr kumimoji="1" lang="en-US" altLang="zh-CN" sz="2400" b="0" i="1" smtClean="0">
+                                          <a:latin typeface="Cambria Math" panose="02040503050406030204" pitchFamily="18" charset="0"/>
+                                        </a:rPr>
+                                        <m:t>𝑏</m:t>
+                                      </m:r>
+                                    </m:e>
+                                    <m:e>
+                                      <m:r>
+                                        <a:rPr kumimoji="1" lang="en-US" altLang="zh-CN" sz="2400" b="0" i="1" smtClean="0">
+                                          <a:latin typeface="Cambria Math" panose="02040503050406030204" pitchFamily="18" charset="0"/>
+                                        </a:rPr>
+                                        <m:t>𝑎</m:t>
+                                      </m:r>
+                                    </m:e>
+                                  </m:mr>
+                                </m:m>
+                              </m:e>
+                            </m:mr>
+                          </m:m>
+                        </m:e>
+                      </m:d>
+                    </m:oMath>
+                  </m:oMathPara>
+                </a14:m>
+                <a:endParaRPr kumimoji="1" lang="zh-CN" altLang="en-US" dirty="0"/>
+              </a:p>
+            </p:txBody>
+          </p:sp>
+        </mc:Choice>
+        <mc:Fallback>
+          <p:sp>
+            <p:nvSpPr>
+              <p:cNvPr id="8" name="文本框 7">
+                <a:extLst>
+                  <a:ext uri="{FF2B5EF4-FFF2-40B4-BE49-F238E27FC236}">
+                    <a16:creationId xmlns:a16="http://schemas.microsoft.com/office/drawing/2014/main" id="{C3C078CC-9949-0B47-AE11-787B6AF8D929}"/>
+                  </a:ext>
+                </a:extLst>
+              </p:cNvPr>
+              <p:cNvSpPr txBox="1">
+                <a:spLocks noRot="1" noChangeAspect="1" noMove="1" noResize="1" noEditPoints="1" noAdjustHandles="1" noChangeArrowheads="1" noChangeShapeType="1" noTextEdit="1"/>
+              </p:cNvSpPr>
+              <p:nvPr/>
+            </p:nvSpPr>
+            <p:spPr>
+              <a:xfrm>
+                <a:off x="7078510" y="3076143"/>
+                <a:ext cx="1975605" cy="1299523"/>
+              </a:xfrm>
+              <a:prstGeom prst="rect">
+                <a:avLst/>
+              </a:prstGeom>
+              <a:blipFill>
+                <a:blip r:embed="rId4"/>
+                <a:stretch>
+                  <a:fillRect t="-1942" b="-6796"/>
+                </a:stretch>
+              </a:blipFill>
+            </p:spPr>
+            <p:txBody>
+              <a:bodyPr/>
+              <a:lstStyle/>
+              <a:p>
+                <a:r>
+                  <a:rPr lang="zh-CN" altLang="en-US">
+                    <a:noFill/>
+                  </a:rPr>
+                  <a:t> </a:t>
+                </a:r>
+              </a:p>
+            </p:txBody>
+          </p:sp>
+        </mc:Fallback>
+      </mc:AlternateContent>
+      <mc:AlternateContent xmlns:mc="http://schemas.openxmlformats.org/markup-compatibility/2006">
+        <mc:Choice xmlns:a14="http://schemas.microsoft.com/office/drawing/2010/main" Requires="a14">
+          <p:sp>
+            <p:nvSpPr>
+              <p:cNvPr id="11" name="文本框 10">
+                <a:extLst>
+                  <a:ext uri="{FF2B5EF4-FFF2-40B4-BE49-F238E27FC236}">
+                    <a16:creationId xmlns:a16="http://schemas.microsoft.com/office/drawing/2014/main" id="{8CB6DB0E-0702-BEBC-BE2E-F651F90A437A}"/>
+                  </a:ext>
+                </a:extLst>
+              </p:cNvPr>
+              <p:cNvSpPr txBox="1"/>
+              <p:nvPr/>
+            </p:nvSpPr>
+            <p:spPr>
+              <a:xfrm>
+                <a:off x="4648686" y="3587430"/>
+                <a:ext cx="253274" cy="307777"/>
+              </a:xfrm>
+              <a:prstGeom prst="rect">
+                <a:avLst/>
+              </a:prstGeom>
+              <a:noFill/>
+            </p:spPr>
+            <p:txBody>
+              <a:bodyPr wrap="none" lIns="0" tIns="0" rIns="0" bIns="0" rtlCol="0">
+                <a:spAutoFit/>
+              </a:bodyPr>
+              <a:lstStyle/>
+              <a:p>
+                <a14:m>
+                  <m:oMathPara xmlns:m="http://schemas.openxmlformats.org/officeDocument/2006/math">
+                    <m:oMathParaPr>
+                      <m:jc m:val="centerGroup"/>
+                    </m:oMathParaPr>
+                    <m:oMath xmlns:m="http://schemas.openxmlformats.org/officeDocument/2006/math">
+                      <m:r>
+                        <a:rPr kumimoji="1" lang="en-US" altLang="zh-CN" sz="2000" i="1" smtClean="0">
+                          <a:latin typeface="Cambria Math" panose="02040503050406030204" pitchFamily="18" charset="0"/>
+                          <a:ea typeface="Cambria Math" panose="02040503050406030204" pitchFamily="18" charset="0"/>
+                        </a:rPr>
+                        <m:t>×</m:t>
+                      </m:r>
+                    </m:oMath>
+                  </m:oMathPara>
+                </a14:m>
+                <a:endParaRPr kumimoji="1" lang="zh-CN" altLang="en-US" sz="2000" dirty="0"/>
+              </a:p>
+            </p:txBody>
+          </p:sp>
+        </mc:Choice>
+        <mc:Fallback>
+          <p:sp>
+            <p:nvSpPr>
+              <p:cNvPr id="11" name="文本框 10">
+                <a:extLst>
+                  <a:ext uri="{FF2B5EF4-FFF2-40B4-BE49-F238E27FC236}">
+                    <a16:creationId xmlns:a16="http://schemas.microsoft.com/office/drawing/2014/main" id="{8CB6DB0E-0702-BEBC-BE2E-F651F90A437A}"/>
+                  </a:ext>
+                </a:extLst>
+              </p:cNvPr>
+              <p:cNvSpPr txBox="1">
+                <a:spLocks noRot="1" noChangeAspect="1" noMove="1" noResize="1" noEditPoints="1" noAdjustHandles="1" noChangeArrowheads="1" noChangeShapeType="1" noTextEdit="1"/>
+              </p:cNvSpPr>
+              <p:nvPr/>
+            </p:nvSpPr>
+            <p:spPr>
+              <a:xfrm>
+                <a:off x="4648686" y="3587430"/>
+                <a:ext cx="253274" cy="307777"/>
+              </a:xfrm>
+              <a:prstGeom prst="rect">
+                <a:avLst/>
+              </a:prstGeom>
+              <a:blipFill>
+                <a:blip r:embed="rId5"/>
+                <a:stretch>
+                  <a:fillRect l="-20000" r="-15000" b="-4000"/>
+                </a:stretch>
+              </a:blipFill>
+            </p:spPr>
+            <p:txBody>
+              <a:bodyPr/>
+              <a:lstStyle/>
+              <a:p>
+                <a:r>
+                  <a:rPr lang="zh-CN" altLang="en-US">
+                    <a:noFill/>
+                  </a:rPr>
+                  <a:t> </a:t>
+                </a:r>
+              </a:p>
+            </p:txBody>
+          </p:sp>
+        </mc:Fallback>
+      </mc:AlternateContent>
+      <mc:AlternateContent xmlns:mc="http://schemas.openxmlformats.org/markup-compatibility/2006">
+        <mc:Choice xmlns:a14="http://schemas.microsoft.com/office/drawing/2010/main" Requires="a14">
+          <p:sp>
+            <p:nvSpPr>
+              <p:cNvPr id="12" name="文本框 11">
+                <a:extLst>
+                  <a:ext uri="{FF2B5EF4-FFF2-40B4-BE49-F238E27FC236}">
+                    <a16:creationId xmlns:a16="http://schemas.microsoft.com/office/drawing/2014/main" id="{23880AB4-673D-7BEF-6D2F-2B223B92AD3A}"/>
+                  </a:ext>
+                </a:extLst>
+              </p:cNvPr>
+              <p:cNvSpPr txBox="1"/>
+              <p:nvPr/>
+            </p:nvSpPr>
+            <p:spPr>
+              <a:xfrm>
+                <a:off x="6524481" y="3572015"/>
+                <a:ext cx="253274" cy="307777"/>
+              </a:xfrm>
+              <a:prstGeom prst="rect">
+                <a:avLst/>
+              </a:prstGeom>
+              <a:noFill/>
+            </p:spPr>
+            <p:txBody>
+              <a:bodyPr wrap="square" lIns="0" tIns="0" rIns="0" bIns="0" rtlCol="0">
+                <a:spAutoFit/>
+              </a:bodyPr>
+              <a:lstStyle/>
+              <a:p>
+                <a14:m>
+                  <m:oMathPara xmlns:m="http://schemas.openxmlformats.org/officeDocument/2006/math">
+                    <m:oMathParaPr>
+                      <m:jc m:val="centerGroup"/>
+                    </m:oMathParaPr>
+                    <m:oMath xmlns:m="http://schemas.openxmlformats.org/officeDocument/2006/math">
+                      <m:r>
+                        <a:rPr kumimoji="1" lang="en-US" altLang="zh-CN" sz="2000" i="1" smtClean="0">
+                          <a:latin typeface="Cambria Math" panose="02040503050406030204" pitchFamily="18" charset="0"/>
+                          <a:ea typeface="Cambria Math" panose="02040503050406030204" pitchFamily="18" charset="0"/>
+                        </a:rPr>
+                        <m:t>=</m:t>
+                      </m:r>
+                    </m:oMath>
+                  </m:oMathPara>
+                </a14:m>
+                <a:endParaRPr kumimoji="1" lang="zh-CN" altLang="en-US" sz="2000" dirty="0"/>
+              </a:p>
+            </p:txBody>
+          </p:sp>
+        </mc:Choice>
+        <mc:Fallback>
+          <p:sp>
+            <p:nvSpPr>
+              <p:cNvPr id="12" name="文本框 11">
+                <a:extLst>
+                  <a:ext uri="{FF2B5EF4-FFF2-40B4-BE49-F238E27FC236}">
+                    <a16:creationId xmlns:a16="http://schemas.microsoft.com/office/drawing/2014/main" id="{23880AB4-673D-7BEF-6D2F-2B223B92AD3A}"/>
+                  </a:ext>
+                </a:extLst>
+              </p:cNvPr>
+              <p:cNvSpPr txBox="1">
+                <a:spLocks noRot="1" noChangeAspect="1" noMove="1" noResize="1" noEditPoints="1" noAdjustHandles="1" noChangeArrowheads="1" noChangeShapeType="1" noTextEdit="1"/>
+              </p:cNvSpPr>
+              <p:nvPr/>
+            </p:nvSpPr>
+            <p:spPr>
+              <a:xfrm>
+                <a:off x="6524481" y="3572015"/>
+                <a:ext cx="253274" cy="307777"/>
+              </a:xfrm>
+              <a:prstGeom prst="rect">
+                <a:avLst/>
+              </a:prstGeom>
+              <a:blipFill>
+                <a:blip r:embed="rId6"/>
+                <a:stretch>
+                  <a:fillRect l="-4762" r="-9524"/>
+                </a:stretch>
+              </a:blipFill>
+            </p:spPr>
+            <p:txBody>
+              <a:bodyPr/>
+              <a:lstStyle/>
+              <a:p>
+                <a:r>
+                  <a:rPr lang="zh-CN" altLang="en-US">
+                    <a:noFill/>
+                  </a:rPr>
+                  <a:t> </a:t>
+                </a:r>
+              </a:p>
+            </p:txBody>
+          </p:sp>
+        </mc:Fallback>
+      </mc:AlternateContent>
+    </p:spTree>
+    <p:extLst>
+      <p:ext uri="{BB962C8B-B14F-4D97-AF65-F5344CB8AC3E}">
+        <p14:creationId xmlns:p14="http://schemas.microsoft.com/office/powerpoint/2010/main" val="3765518752"/>
+      </p:ext>
+    </p:extLst>
+  </p:cSld>
+  <p:clrMapOvr>
+    <a:masterClrMapping/>
+  </p:clrMapOvr>
+</p:sld>
+</file>
+
 <file path=ppt/theme/theme1.xml><?xml version="1.0" encoding="utf-8"?>
 <a:theme xmlns:a="http://schemas.openxmlformats.org/drawingml/2006/main" name="Office 主题​​">
   <a:themeElements>

--- a/新建 Microsoft PowerPoint 演示文稿.pptx
+++ b/新建 Microsoft PowerPoint 演示文稿.pptx
@@ -7,6 +7,8 @@
   <p:sldIdLst>
     <p:sldId id="256" r:id="rId2"/>
     <p:sldId id="257" r:id="rId3"/>
+    <p:sldId id="258" r:id="rId4"/>
+    <p:sldId id="259" r:id="rId5"/>
   </p:sldIdLst>
   <p:sldSz cx="12192000" cy="6858000"/>
   <p:notesSz cx="6858000" cy="9144000"/>
@@ -196,35 +198,35 @@
               <a:buNone/>
               <a:defRPr sz="2400"/>
             </a:lvl1pPr>
-            <a:lvl2pPr marL="457200" indent="0" algn="ctr">
+            <a:lvl2pPr marL="457172" indent="0" algn="ctr">
               <a:buNone/>
               <a:defRPr sz="2000"/>
             </a:lvl2pPr>
-            <a:lvl3pPr marL="914400" indent="0" algn="ctr">
+            <a:lvl3pPr marL="914342" indent="0" algn="ctr">
               <a:buNone/>
-              <a:defRPr sz="1800"/>
+              <a:defRPr sz="1801"/>
             </a:lvl3pPr>
-            <a:lvl4pPr marL="1371600" indent="0" algn="ctr">
+            <a:lvl4pPr marL="1371514" indent="0" algn="ctr">
               <a:buNone/>
               <a:defRPr sz="1600"/>
             </a:lvl4pPr>
-            <a:lvl5pPr marL="1828800" indent="0" algn="ctr">
+            <a:lvl5pPr marL="1828686" indent="0" algn="ctr">
               <a:buNone/>
               <a:defRPr sz="1600"/>
             </a:lvl5pPr>
-            <a:lvl6pPr marL="2286000" indent="0" algn="ctr">
+            <a:lvl6pPr marL="2285857" indent="0" algn="ctr">
               <a:buNone/>
               <a:defRPr sz="1600"/>
             </a:lvl6pPr>
-            <a:lvl7pPr marL="2743200" indent="0" algn="ctr">
+            <a:lvl7pPr marL="2743028" indent="0" algn="ctr">
               <a:buNone/>
               <a:defRPr sz="1600"/>
             </a:lvl7pPr>
-            <a:lvl8pPr marL="3200400" indent="0" algn="ctr">
+            <a:lvl8pPr marL="3200199" indent="0" algn="ctr">
               <a:buNone/>
               <a:defRPr sz="1600"/>
             </a:lvl8pPr>
-            <a:lvl9pPr marL="3657600" indent="0" algn="ctr">
+            <a:lvl9pPr marL="3657371" indent="0" algn="ctr">
               <a:buNone/>
               <a:defRPr sz="1600"/>
             </a:lvl9pPr>
@@ -260,7 +262,7 @@
           <a:p>
             <a:fld id="{F8C29A4B-73F1-41F6-84A3-46C06A00E1BC}" type="datetimeFigureOut">
               <a:rPr lang="zh-CN" altLang="en-US" smtClean="0"/>
-              <a:t>2024/2/29</a:t>
+              <a:t>2024/3/2</a:t>
             </a:fld>
             <a:endParaRPr lang="zh-CN" altLang="en-US"/>
           </a:p>
@@ -458,7 +460,7 @@
           <a:p>
             <a:fld id="{F8C29A4B-73F1-41F6-84A3-46C06A00E1BC}" type="datetimeFigureOut">
               <a:rPr lang="zh-CN" altLang="en-US" smtClean="0"/>
-              <a:t>2024/2/29</a:t>
+              <a:t>2024/3/2</a:t>
             </a:fld>
             <a:endParaRPr lang="zh-CN" altLang="en-US"/>
           </a:p>
@@ -566,7 +568,7 @@
         </p:nvSpPr>
         <p:spPr>
           <a:xfrm>
-            <a:off x="8724900" y="365125"/>
+            <a:off x="8724899" y="365125"/>
             <a:ext cx="2628900" cy="5811838"/>
           </a:xfrm>
         </p:spPr>
@@ -599,7 +601,7 @@
         </p:nvSpPr>
         <p:spPr>
           <a:xfrm>
-            <a:off x="838200" y="365125"/>
+            <a:off x="838199" y="365125"/>
             <a:ext cx="7734300" cy="5811838"/>
           </a:xfrm>
         </p:spPr>
@@ -666,7 +668,7 @@
           <a:p>
             <a:fld id="{F8C29A4B-73F1-41F6-84A3-46C06A00E1BC}" type="datetimeFigureOut">
               <a:rPr lang="zh-CN" altLang="en-US" smtClean="0"/>
-              <a:t>2024/2/29</a:t>
+              <a:t>2024/3/2</a:t>
             </a:fld>
             <a:endParaRPr lang="zh-CN" altLang="en-US"/>
           </a:p>
@@ -864,7 +866,7 @@
           <a:p>
             <a:fld id="{F8C29A4B-73F1-41F6-84A3-46C06A00E1BC}" type="datetimeFigureOut">
               <a:rPr lang="zh-CN" altLang="en-US" smtClean="0"/>
-              <a:t>2024/2/29</a:t>
+              <a:t>2024/3/2</a:t>
             </a:fld>
             <a:endParaRPr lang="zh-CN" altLang="en-US"/>
           </a:p>
@@ -972,7 +974,7 @@
         </p:nvSpPr>
         <p:spPr>
           <a:xfrm>
-            <a:off x="831850" y="1709738"/>
+            <a:off x="831852" y="1709741"/>
             <a:ext cx="10515600" cy="2852737"/>
           </a:xfrm>
         </p:spPr>
@@ -1009,7 +1011,7 @@
         </p:nvSpPr>
         <p:spPr>
           <a:xfrm>
-            <a:off x="831850" y="4589463"/>
+            <a:off x="831852" y="4589466"/>
             <a:ext cx="10515600" cy="1500187"/>
           </a:xfrm>
         </p:spPr>
@@ -1026,7 +1028,7 @@
                 </a:solidFill>
               </a:defRPr>
             </a:lvl1pPr>
-            <a:lvl2pPr marL="457200" indent="0">
+            <a:lvl2pPr marL="457172" indent="0">
               <a:buNone/>
               <a:defRPr sz="2000">
                 <a:solidFill>
@@ -1036,9 +1038,9 @@
                 </a:solidFill>
               </a:defRPr>
             </a:lvl2pPr>
-            <a:lvl3pPr marL="914400" indent="0">
+            <a:lvl3pPr marL="914342" indent="0">
               <a:buNone/>
-              <a:defRPr sz="1800">
+              <a:defRPr sz="1801">
                 <a:solidFill>
                   <a:schemeClr val="tx1">
                     <a:tint val="75000"/>
@@ -1046,7 +1048,7 @@
                 </a:solidFill>
               </a:defRPr>
             </a:lvl3pPr>
-            <a:lvl4pPr marL="1371600" indent="0">
+            <a:lvl4pPr marL="1371514" indent="0">
               <a:buNone/>
               <a:defRPr sz="1600">
                 <a:solidFill>
@@ -1056,7 +1058,7 @@
                 </a:solidFill>
               </a:defRPr>
             </a:lvl4pPr>
-            <a:lvl5pPr marL="1828800" indent="0">
+            <a:lvl5pPr marL="1828686" indent="0">
               <a:buNone/>
               <a:defRPr sz="1600">
                 <a:solidFill>
@@ -1066,7 +1068,7 @@
                 </a:solidFill>
               </a:defRPr>
             </a:lvl5pPr>
-            <a:lvl6pPr marL="2286000" indent="0">
+            <a:lvl6pPr marL="2285857" indent="0">
               <a:buNone/>
               <a:defRPr sz="1600">
                 <a:solidFill>
@@ -1076,7 +1078,7 @@
                 </a:solidFill>
               </a:defRPr>
             </a:lvl6pPr>
-            <a:lvl7pPr marL="2743200" indent="0">
+            <a:lvl7pPr marL="2743028" indent="0">
               <a:buNone/>
               <a:defRPr sz="1600">
                 <a:solidFill>
@@ -1086,7 +1088,7 @@
                 </a:solidFill>
               </a:defRPr>
             </a:lvl7pPr>
-            <a:lvl8pPr marL="3200400" indent="0">
+            <a:lvl8pPr marL="3200199" indent="0">
               <a:buNone/>
               <a:defRPr sz="1600">
                 <a:solidFill>
@@ -1096,7 +1098,7 @@
                 </a:solidFill>
               </a:defRPr>
             </a:lvl8pPr>
-            <a:lvl9pPr marL="3657600" indent="0">
+            <a:lvl9pPr marL="3657371" indent="0">
               <a:buNone/>
               <a:defRPr sz="1600">
                 <a:solidFill>
@@ -1139,7 +1141,7 @@
           <a:p>
             <a:fld id="{F8C29A4B-73F1-41F6-84A3-46C06A00E1BC}" type="datetimeFigureOut">
               <a:rPr lang="zh-CN" altLang="en-US" smtClean="0"/>
-              <a:t>2024/2/29</a:t>
+              <a:t>2024/3/2</a:t>
             </a:fld>
             <a:endParaRPr lang="zh-CN" altLang="en-US"/>
           </a:p>
@@ -1275,7 +1277,7 @@
         </p:nvSpPr>
         <p:spPr>
           <a:xfrm>
-            <a:off x="838200" y="1825625"/>
+            <a:off x="838201" y="1825625"/>
             <a:ext cx="5181600" cy="4351338"/>
           </a:xfrm>
         </p:spPr>
@@ -1337,7 +1339,7 @@
         </p:nvSpPr>
         <p:spPr>
           <a:xfrm>
-            <a:off x="6172200" y="1825625"/>
+            <a:off x="6172201" y="1825625"/>
             <a:ext cx="5181600" cy="4351338"/>
           </a:xfrm>
         </p:spPr>
@@ -1404,7 +1406,7 @@
           <a:p>
             <a:fld id="{F8C29A4B-73F1-41F6-84A3-46C06A00E1BC}" type="datetimeFigureOut">
               <a:rPr lang="zh-CN" altLang="en-US" smtClean="0"/>
-              <a:t>2024/2/29</a:t>
+              <a:t>2024/3/2</a:t>
             </a:fld>
             <a:endParaRPr lang="zh-CN" altLang="en-US"/>
           </a:p>
@@ -1512,7 +1514,7 @@
         </p:nvSpPr>
         <p:spPr>
           <a:xfrm>
-            <a:off x="839788" y="365125"/>
+            <a:off x="839789" y="365128"/>
             <a:ext cx="10515600" cy="1325563"/>
           </a:xfrm>
         </p:spPr>
@@ -1545,7 +1547,7 @@
         </p:nvSpPr>
         <p:spPr>
           <a:xfrm>
-            <a:off x="839788" y="1681163"/>
+            <a:off x="839791" y="1681163"/>
             <a:ext cx="5157787" cy="823912"/>
           </a:xfrm>
         </p:spPr>
@@ -1556,35 +1558,35 @@
               <a:buNone/>
               <a:defRPr sz="2400" b="1"/>
             </a:lvl1pPr>
-            <a:lvl2pPr marL="457200" indent="0">
+            <a:lvl2pPr marL="457172" indent="0">
               <a:buNone/>
               <a:defRPr sz="2000" b="1"/>
             </a:lvl2pPr>
-            <a:lvl3pPr marL="914400" indent="0">
+            <a:lvl3pPr marL="914342" indent="0">
               <a:buNone/>
-              <a:defRPr sz="1800" b="1"/>
+              <a:defRPr sz="1801" b="1"/>
             </a:lvl3pPr>
-            <a:lvl4pPr marL="1371600" indent="0">
+            <a:lvl4pPr marL="1371514" indent="0">
               <a:buNone/>
               <a:defRPr sz="1600" b="1"/>
             </a:lvl4pPr>
-            <a:lvl5pPr marL="1828800" indent="0">
+            <a:lvl5pPr marL="1828686" indent="0">
               <a:buNone/>
               <a:defRPr sz="1600" b="1"/>
             </a:lvl5pPr>
-            <a:lvl6pPr marL="2286000" indent="0">
+            <a:lvl6pPr marL="2285857" indent="0">
               <a:buNone/>
               <a:defRPr sz="1600" b="1"/>
             </a:lvl6pPr>
-            <a:lvl7pPr marL="2743200" indent="0">
+            <a:lvl7pPr marL="2743028" indent="0">
               <a:buNone/>
               <a:defRPr sz="1600" b="1"/>
             </a:lvl7pPr>
-            <a:lvl8pPr marL="3200400" indent="0">
+            <a:lvl8pPr marL="3200199" indent="0">
               <a:buNone/>
               <a:defRPr sz="1600" b="1"/>
             </a:lvl8pPr>
-            <a:lvl9pPr marL="3657600" indent="0">
+            <a:lvl9pPr marL="3657371" indent="0">
               <a:buNone/>
               <a:defRPr sz="1600" b="1"/>
             </a:lvl9pPr>
@@ -1616,7 +1618,7 @@
         </p:nvSpPr>
         <p:spPr>
           <a:xfrm>
-            <a:off x="839788" y="2505075"/>
+            <a:off x="839791" y="2505076"/>
             <a:ext cx="5157787" cy="3684588"/>
           </a:xfrm>
         </p:spPr>
@@ -1678,7 +1680,7 @@
         </p:nvSpPr>
         <p:spPr>
           <a:xfrm>
-            <a:off x="6172200" y="1681163"/>
+            <a:off x="6172202" y="1681163"/>
             <a:ext cx="5183188" cy="823912"/>
           </a:xfrm>
         </p:spPr>
@@ -1689,35 +1691,35 @@
               <a:buNone/>
               <a:defRPr sz="2400" b="1"/>
             </a:lvl1pPr>
-            <a:lvl2pPr marL="457200" indent="0">
+            <a:lvl2pPr marL="457172" indent="0">
               <a:buNone/>
               <a:defRPr sz="2000" b="1"/>
             </a:lvl2pPr>
-            <a:lvl3pPr marL="914400" indent="0">
+            <a:lvl3pPr marL="914342" indent="0">
               <a:buNone/>
-              <a:defRPr sz="1800" b="1"/>
+              <a:defRPr sz="1801" b="1"/>
             </a:lvl3pPr>
-            <a:lvl4pPr marL="1371600" indent="0">
+            <a:lvl4pPr marL="1371514" indent="0">
               <a:buNone/>
               <a:defRPr sz="1600" b="1"/>
             </a:lvl4pPr>
-            <a:lvl5pPr marL="1828800" indent="0">
+            <a:lvl5pPr marL="1828686" indent="0">
               <a:buNone/>
               <a:defRPr sz="1600" b="1"/>
             </a:lvl5pPr>
-            <a:lvl6pPr marL="2286000" indent="0">
+            <a:lvl6pPr marL="2285857" indent="0">
               <a:buNone/>
               <a:defRPr sz="1600" b="1"/>
             </a:lvl6pPr>
-            <a:lvl7pPr marL="2743200" indent="0">
+            <a:lvl7pPr marL="2743028" indent="0">
               <a:buNone/>
               <a:defRPr sz="1600" b="1"/>
             </a:lvl7pPr>
-            <a:lvl8pPr marL="3200400" indent="0">
+            <a:lvl8pPr marL="3200199" indent="0">
               <a:buNone/>
               <a:defRPr sz="1600" b="1"/>
             </a:lvl8pPr>
-            <a:lvl9pPr marL="3657600" indent="0">
+            <a:lvl9pPr marL="3657371" indent="0">
               <a:buNone/>
               <a:defRPr sz="1600" b="1"/>
             </a:lvl9pPr>
@@ -1749,7 +1751,7 @@
         </p:nvSpPr>
         <p:spPr>
           <a:xfrm>
-            <a:off x="6172200" y="2505075"/>
+            <a:off x="6172202" y="2505076"/>
             <a:ext cx="5183188" cy="3684588"/>
           </a:xfrm>
         </p:spPr>
@@ -1816,7 +1818,7 @@
           <a:p>
             <a:fld id="{F8C29A4B-73F1-41F6-84A3-46C06A00E1BC}" type="datetimeFigureOut">
               <a:rPr lang="zh-CN" altLang="en-US" smtClean="0"/>
-              <a:t>2024/2/29</a:t>
+              <a:t>2024/3/2</a:t>
             </a:fld>
             <a:endParaRPr lang="zh-CN" altLang="en-US"/>
           </a:p>
@@ -1957,7 +1959,7 @@
           <a:p>
             <a:fld id="{F8C29A4B-73F1-41F6-84A3-46C06A00E1BC}" type="datetimeFigureOut">
               <a:rPr lang="zh-CN" altLang="en-US" smtClean="0"/>
-              <a:t>2024/2/29</a:t>
+              <a:t>2024/3/2</a:t>
             </a:fld>
             <a:endParaRPr lang="zh-CN" altLang="en-US"/>
           </a:p>
@@ -2070,7 +2072,7 @@
           <a:p>
             <a:fld id="{F8C29A4B-73F1-41F6-84A3-46C06A00E1BC}" type="datetimeFigureOut">
               <a:rPr lang="zh-CN" altLang="en-US" smtClean="0"/>
-              <a:t>2024/2/29</a:t>
+              <a:t>2024/3/2</a:t>
             </a:fld>
             <a:endParaRPr lang="zh-CN" altLang="en-US"/>
           </a:p>
@@ -2178,8 +2180,8 @@
         </p:nvSpPr>
         <p:spPr>
           <a:xfrm>
-            <a:off x="839788" y="457200"/>
-            <a:ext cx="3932237" cy="1600200"/>
+            <a:off x="839789" y="457200"/>
+            <a:ext cx="3932238" cy="1600200"/>
           </a:xfrm>
         </p:spPr>
         <p:txBody>
@@ -2215,8 +2217,8 @@
         </p:nvSpPr>
         <p:spPr>
           <a:xfrm>
-            <a:off x="5183188" y="987425"/>
-            <a:ext cx="6172200" cy="4873625"/>
+            <a:off x="5183192" y="987429"/>
+            <a:ext cx="6172201" cy="4873625"/>
           </a:xfrm>
         </p:spPr>
         <p:txBody>
@@ -2305,8 +2307,8 @@
         </p:nvSpPr>
         <p:spPr>
           <a:xfrm>
-            <a:off x="839788" y="2057400"/>
-            <a:ext cx="3932237" cy="3811588"/>
+            <a:off x="839789" y="2057400"/>
+            <a:ext cx="3932238" cy="3811588"/>
           </a:xfrm>
         </p:spPr>
         <p:txBody>
@@ -2316,37 +2318,37 @@
               <a:buNone/>
               <a:defRPr sz="1600"/>
             </a:lvl1pPr>
-            <a:lvl2pPr marL="457200" indent="0">
+            <a:lvl2pPr marL="457172" indent="0">
               <a:buNone/>
-              <a:defRPr sz="1400"/>
+              <a:defRPr sz="1401"/>
             </a:lvl2pPr>
-            <a:lvl3pPr marL="914400" indent="0">
+            <a:lvl3pPr marL="914342" indent="0">
               <a:buNone/>
               <a:defRPr sz="1200"/>
             </a:lvl3pPr>
-            <a:lvl4pPr marL="1371600" indent="0">
+            <a:lvl4pPr marL="1371514" indent="0">
               <a:buNone/>
-              <a:defRPr sz="1000"/>
+              <a:defRPr sz="1001"/>
             </a:lvl4pPr>
-            <a:lvl5pPr marL="1828800" indent="0">
+            <a:lvl5pPr marL="1828686" indent="0">
               <a:buNone/>
-              <a:defRPr sz="1000"/>
+              <a:defRPr sz="1001"/>
             </a:lvl5pPr>
-            <a:lvl6pPr marL="2286000" indent="0">
+            <a:lvl6pPr marL="2285857" indent="0">
               <a:buNone/>
-              <a:defRPr sz="1000"/>
+              <a:defRPr sz="1001"/>
             </a:lvl6pPr>
-            <a:lvl7pPr marL="2743200" indent="0">
+            <a:lvl7pPr marL="2743028" indent="0">
               <a:buNone/>
-              <a:defRPr sz="1000"/>
+              <a:defRPr sz="1001"/>
             </a:lvl7pPr>
-            <a:lvl8pPr marL="3200400" indent="0">
+            <a:lvl8pPr marL="3200199" indent="0">
               <a:buNone/>
-              <a:defRPr sz="1000"/>
+              <a:defRPr sz="1001"/>
             </a:lvl8pPr>
-            <a:lvl9pPr marL="3657600" indent="0">
+            <a:lvl9pPr marL="3657371" indent="0">
               <a:buNone/>
-              <a:defRPr sz="1000"/>
+              <a:defRPr sz="1001"/>
             </a:lvl9pPr>
           </a:lstStyle>
           <a:p>
@@ -2381,7 +2383,7 @@
           <a:p>
             <a:fld id="{F8C29A4B-73F1-41F6-84A3-46C06A00E1BC}" type="datetimeFigureOut">
               <a:rPr lang="zh-CN" altLang="en-US" smtClean="0"/>
-              <a:t>2024/2/29</a:t>
+              <a:t>2024/3/2</a:t>
             </a:fld>
             <a:endParaRPr lang="zh-CN" altLang="en-US"/>
           </a:p>
@@ -2489,8 +2491,8 @@
         </p:nvSpPr>
         <p:spPr>
           <a:xfrm>
-            <a:off x="839788" y="457200"/>
-            <a:ext cx="3932237" cy="1600200"/>
+            <a:off x="839789" y="457200"/>
+            <a:ext cx="3932238" cy="1600200"/>
           </a:xfrm>
         </p:spPr>
         <p:txBody>
@@ -2526,8 +2528,8 @@
         </p:nvSpPr>
         <p:spPr>
           <a:xfrm>
-            <a:off x="5183188" y="987425"/>
-            <a:ext cx="6172200" cy="4873625"/>
+            <a:off x="5183192" y="987429"/>
+            <a:ext cx="6172201" cy="4873625"/>
           </a:xfrm>
         </p:spPr>
         <p:txBody>
@@ -2537,35 +2539,35 @@
               <a:buNone/>
               <a:defRPr sz="3200"/>
             </a:lvl1pPr>
-            <a:lvl2pPr marL="457200" indent="0">
+            <a:lvl2pPr marL="457172" indent="0">
               <a:buNone/>
               <a:defRPr sz="2800"/>
             </a:lvl2pPr>
-            <a:lvl3pPr marL="914400" indent="0">
+            <a:lvl3pPr marL="914342" indent="0">
               <a:buNone/>
               <a:defRPr sz="2400"/>
             </a:lvl3pPr>
-            <a:lvl4pPr marL="1371600" indent="0">
+            <a:lvl4pPr marL="1371514" indent="0">
               <a:buNone/>
               <a:defRPr sz="2000"/>
             </a:lvl4pPr>
-            <a:lvl5pPr marL="1828800" indent="0">
+            <a:lvl5pPr marL="1828686" indent="0">
               <a:buNone/>
               <a:defRPr sz="2000"/>
             </a:lvl5pPr>
-            <a:lvl6pPr marL="2286000" indent="0">
+            <a:lvl6pPr marL="2285857" indent="0">
               <a:buNone/>
               <a:defRPr sz="2000"/>
             </a:lvl6pPr>
-            <a:lvl7pPr marL="2743200" indent="0">
+            <a:lvl7pPr marL="2743028" indent="0">
               <a:buNone/>
               <a:defRPr sz="2000"/>
             </a:lvl7pPr>
-            <a:lvl8pPr marL="3200400" indent="0">
+            <a:lvl8pPr marL="3200199" indent="0">
               <a:buNone/>
               <a:defRPr sz="2000"/>
             </a:lvl8pPr>
-            <a:lvl9pPr marL="3657600" indent="0">
+            <a:lvl9pPr marL="3657371" indent="0">
               <a:buNone/>
               <a:defRPr sz="2000"/>
             </a:lvl9pPr>
@@ -2593,8 +2595,8 @@
         </p:nvSpPr>
         <p:spPr>
           <a:xfrm>
-            <a:off x="839788" y="2057400"/>
-            <a:ext cx="3932237" cy="3811588"/>
+            <a:off x="839789" y="2057400"/>
+            <a:ext cx="3932238" cy="3811588"/>
           </a:xfrm>
         </p:spPr>
         <p:txBody>
@@ -2604,37 +2606,37 @@
               <a:buNone/>
               <a:defRPr sz="1600"/>
             </a:lvl1pPr>
-            <a:lvl2pPr marL="457200" indent="0">
+            <a:lvl2pPr marL="457172" indent="0">
               <a:buNone/>
-              <a:defRPr sz="1400"/>
+              <a:defRPr sz="1401"/>
             </a:lvl2pPr>
-            <a:lvl3pPr marL="914400" indent="0">
+            <a:lvl3pPr marL="914342" indent="0">
               <a:buNone/>
               <a:defRPr sz="1200"/>
             </a:lvl3pPr>
-            <a:lvl4pPr marL="1371600" indent="0">
+            <a:lvl4pPr marL="1371514" indent="0">
               <a:buNone/>
-              <a:defRPr sz="1000"/>
+              <a:defRPr sz="1001"/>
             </a:lvl4pPr>
-            <a:lvl5pPr marL="1828800" indent="0">
+            <a:lvl5pPr marL="1828686" indent="0">
               <a:buNone/>
-              <a:defRPr sz="1000"/>
+              <a:defRPr sz="1001"/>
             </a:lvl5pPr>
-            <a:lvl6pPr marL="2286000" indent="0">
+            <a:lvl6pPr marL="2285857" indent="0">
               <a:buNone/>
-              <a:defRPr sz="1000"/>
+              <a:defRPr sz="1001"/>
             </a:lvl6pPr>
-            <a:lvl7pPr marL="2743200" indent="0">
+            <a:lvl7pPr marL="2743028" indent="0">
               <a:buNone/>
-              <a:defRPr sz="1000"/>
+              <a:defRPr sz="1001"/>
             </a:lvl7pPr>
-            <a:lvl8pPr marL="3200400" indent="0">
+            <a:lvl8pPr marL="3200199" indent="0">
               <a:buNone/>
-              <a:defRPr sz="1000"/>
+              <a:defRPr sz="1001"/>
             </a:lvl8pPr>
-            <a:lvl9pPr marL="3657600" indent="0">
+            <a:lvl9pPr marL="3657371" indent="0">
               <a:buNone/>
-              <a:defRPr sz="1000"/>
+              <a:defRPr sz="1001"/>
             </a:lvl9pPr>
           </a:lstStyle>
           <a:p>
@@ -2669,7 +2671,7 @@
           <a:p>
             <a:fld id="{F8C29A4B-73F1-41F6-84A3-46C06A00E1BC}" type="datetimeFigureOut">
               <a:rPr lang="zh-CN" altLang="en-US" smtClean="0"/>
-              <a:t>2024/2/29</a:t>
+              <a:t>2024/3/2</a:t>
             </a:fld>
             <a:endParaRPr lang="zh-CN" altLang="en-US"/>
           </a:p>
@@ -2782,7 +2784,7 @@
         </p:nvSpPr>
         <p:spPr>
           <a:xfrm>
-            <a:off x="838200" y="365125"/>
+            <a:off x="838202" y="365128"/>
             <a:ext cx="10515600" cy="1325563"/>
           </a:xfrm>
           <a:prstGeom prst="rect">
@@ -2820,7 +2822,7 @@
         </p:nvSpPr>
         <p:spPr>
           <a:xfrm>
-            <a:off x="838200" y="1825625"/>
+            <a:off x="838202" y="1825625"/>
             <a:ext cx="10515600" cy="4351338"/>
           </a:xfrm>
           <a:prstGeom prst="rect">
@@ -2887,7 +2889,7 @@
         </p:nvSpPr>
         <p:spPr>
           <a:xfrm>
-            <a:off x="838200" y="6356350"/>
+            <a:off x="838201" y="6356353"/>
             <a:ext cx="2743200" cy="365125"/>
           </a:xfrm>
           <a:prstGeom prst="rect">
@@ -2910,7 +2912,7 @@
           <a:p>
             <a:fld id="{F8C29A4B-73F1-41F6-84A3-46C06A00E1BC}" type="datetimeFigureOut">
               <a:rPr lang="zh-CN" altLang="en-US" smtClean="0"/>
-              <a:t>2024/2/29</a:t>
+              <a:t>2024/3/2</a:t>
             </a:fld>
             <a:endParaRPr lang="zh-CN" altLang="en-US"/>
           </a:p>
@@ -2934,7 +2936,7 @@
         </p:nvSpPr>
         <p:spPr>
           <a:xfrm>
-            <a:off x="4038600" y="6356350"/>
+            <a:off x="4038602" y="6356353"/>
             <a:ext cx="4114800" cy="365125"/>
           </a:xfrm>
           <a:prstGeom prst="rect">
@@ -2977,7 +2979,7 @@
         </p:nvSpPr>
         <p:spPr>
           <a:xfrm>
-            <a:off x="8610600" y="6356350"/>
+            <a:off x="8610601" y="6356353"/>
             <a:ext cx="2743200" cy="365125"/>
           </a:xfrm>
           <a:prstGeom prst="rect">
@@ -3029,7 +3031,7 @@
   </p:sldLayoutIdLst>
   <p:txStyles>
     <p:titleStyle>
-      <a:lvl1pPr algn="l" defTabSz="914400" rtl="0" eaLnBrk="1" latinLnBrk="0" hangingPunct="1">
+      <a:lvl1pPr algn="l" defTabSz="914342" rtl="0" eaLnBrk="1" latinLnBrk="0" hangingPunct="1">
         <a:lnSpc>
           <a:spcPct val="90000"/>
         </a:lnSpc>
@@ -3048,12 +3050,12 @@
       </a:lvl1pPr>
     </p:titleStyle>
     <p:bodyStyle>
-      <a:lvl1pPr marL="228600" indent="-228600" algn="l" defTabSz="914400" rtl="0" eaLnBrk="1" latinLnBrk="0" hangingPunct="1">
+      <a:lvl1pPr marL="228587" indent="-228587" algn="l" defTabSz="914342" rtl="0" eaLnBrk="1" latinLnBrk="0" hangingPunct="1">
         <a:lnSpc>
           <a:spcPct val="90000"/>
         </a:lnSpc>
         <a:spcBef>
-          <a:spcPts val="1000"/>
+          <a:spcPts val="1001"/>
         </a:spcBef>
         <a:buFont typeface="Arial" panose="020B0604020202020204" pitchFamily="34" charset="0"/>
         <a:buChar char="•"/>
@@ -3066,7 +3068,7 @@
           <a:cs typeface="+mn-cs"/>
         </a:defRPr>
       </a:lvl1pPr>
-      <a:lvl2pPr marL="685800" indent="-228600" algn="l" defTabSz="914400" rtl="0" eaLnBrk="1" latinLnBrk="0" hangingPunct="1">
+      <a:lvl2pPr marL="685758" indent="-228587" algn="l" defTabSz="914342" rtl="0" eaLnBrk="1" latinLnBrk="0" hangingPunct="1">
         <a:lnSpc>
           <a:spcPct val="90000"/>
         </a:lnSpc>
@@ -3084,7 +3086,7 @@
           <a:cs typeface="+mn-cs"/>
         </a:defRPr>
       </a:lvl2pPr>
-      <a:lvl3pPr marL="1143000" indent="-228600" algn="l" defTabSz="914400" rtl="0" eaLnBrk="1" latinLnBrk="0" hangingPunct="1">
+      <a:lvl3pPr marL="1142929" indent="-228587" algn="l" defTabSz="914342" rtl="0" eaLnBrk="1" latinLnBrk="0" hangingPunct="1">
         <a:lnSpc>
           <a:spcPct val="90000"/>
         </a:lnSpc>
@@ -3102,7 +3104,7 @@
           <a:cs typeface="+mn-cs"/>
         </a:defRPr>
       </a:lvl3pPr>
-      <a:lvl4pPr marL="1600200" indent="-228600" algn="l" defTabSz="914400" rtl="0" eaLnBrk="1" latinLnBrk="0" hangingPunct="1">
+      <a:lvl4pPr marL="1600101" indent="-228587" algn="l" defTabSz="914342" rtl="0" eaLnBrk="1" latinLnBrk="0" hangingPunct="1">
         <a:lnSpc>
           <a:spcPct val="90000"/>
         </a:lnSpc>
@@ -3111,7 +3113,7 @@
         </a:spcBef>
         <a:buFont typeface="Arial" panose="020B0604020202020204" pitchFamily="34" charset="0"/>
         <a:buChar char="•"/>
-        <a:defRPr sz="1800" kern="1200">
+        <a:defRPr sz="1801" kern="1200">
           <a:solidFill>
             <a:schemeClr val="tx1"/>
           </a:solidFill>
@@ -3120,7 +3122,7 @@
           <a:cs typeface="+mn-cs"/>
         </a:defRPr>
       </a:lvl4pPr>
-      <a:lvl5pPr marL="2057400" indent="-228600" algn="l" defTabSz="914400" rtl="0" eaLnBrk="1" latinLnBrk="0" hangingPunct="1">
+      <a:lvl5pPr marL="2057272" indent="-228587" algn="l" defTabSz="914342" rtl="0" eaLnBrk="1" latinLnBrk="0" hangingPunct="1">
         <a:lnSpc>
           <a:spcPct val="90000"/>
         </a:lnSpc>
@@ -3129,7 +3131,7 @@
         </a:spcBef>
         <a:buFont typeface="Arial" panose="020B0604020202020204" pitchFamily="34" charset="0"/>
         <a:buChar char="•"/>
-        <a:defRPr sz="1800" kern="1200">
+        <a:defRPr sz="1801" kern="1200">
           <a:solidFill>
             <a:schemeClr val="tx1"/>
           </a:solidFill>
@@ -3138,7 +3140,7 @@
           <a:cs typeface="+mn-cs"/>
         </a:defRPr>
       </a:lvl5pPr>
-      <a:lvl6pPr marL="2514600" indent="-228600" algn="l" defTabSz="914400" rtl="0" eaLnBrk="1" latinLnBrk="0" hangingPunct="1">
+      <a:lvl6pPr marL="2514443" indent="-228587" algn="l" defTabSz="914342" rtl="0" eaLnBrk="1" latinLnBrk="0" hangingPunct="1">
         <a:lnSpc>
           <a:spcPct val="90000"/>
         </a:lnSpc>
@@ -3147,7 +3149,7 @@
         </a:spcBef>
         <a:buFont typeface="Arial" panose="020B0604020202020204" pitchFamily="34" charset="0"/>
         <a:buChar char="•"/>
-        <a:defRPr sz="1800" kern="1200">
+        <a:defRPr sz="1801" kern="1200">
           <a:solidFill>
             <a:schemeClr val="tx1"/>
           </a:solidFill>
@@ -3156,7 +3158,7 @@
           <a:cs typeface="+mn-cs"/>
         </a:defRPr>
       </a:lvl6pPr>
-      <a:lvl7pPr marL="2971800" indent="-228600" algn="l" defTabSz="914400" rtl="0" eaLnBrk="1" latinLnBrk="0" hangingPunct="1">
+      <a:lvl7pPr marL="2971614" indent="-228587" algn="l" defTabSz="914342" rtl="0" eaLnBrk="1" latinLnBrk="0" hangingPunct="1">
         <a:lnSpc>
           <a:spcPct val="90000"/>
         </a:lnSpc>
@@ -3165,7 +3167,7 @@
         </a:spcBef>
         <a:buFont typeface="Arial" panose="020B0604020202020204" pitchFamily="34" charset="0"/>
         <a:buChar char="•"/>
-        <a:defRPr sz="1800" kern="1200">
+        <a:defRPr sz="1801" kern="1200">
           <a:solidFill>
             <a:schemeClr val="tx1"/>
           </a:solidFill>
@@ -3174,7 +3176,7 @@
           <a:cs typeface="+mn-cs"/>
         </a:defRPr>
       </a:lvl7pPr>
-      <a:lvl8pPr marL="3429000" indent="-228600" algn="l" defTabSz="914400" rtl="0" eaLnBrk="1" latinLnBrk="0" hangingPunct="1">
+      <a:lvl8pPr marL="3428786" indent="-228587" algn="l" defTabSz="914342" rtl="0" eaLnBrk="1" latinLnBrk="0" hangingPunct="1">
         <a:lnSpc>
           <a:spcPct val="90000"/>
         </a:lnSpc>
@@ -3183,7 +3185,7 @@
         </a:spcBef>
         <a:buFont typeface="Arial" panose="020B0604020202020204" pitchFamily="34" charset="0"/>
         <a:buChar char="•"/>
-        <a:defRPr sz="1800" kern="1200">
+        <a:defRPr sz="1801" kern="1200">
           <a:solidFill>
             <a:schemeClr val="tx1"/>
           </a:solidFill>
@@ -3192,7 +3194,7 @@
           <a:cs typeface="+mn-cs"/>
         </a:defRPr>
       </a:lvl8pPr>
-      <a:lvl9pPr marL="3886200" indent="-228600" algn="l" defTabSz="914400" rtl="0" eaLnBrk="1" latinLnBrk="0" hangingPunct="1">
+      <a:lvl9pPr marL="3885957" indent="-228587" algn="l" defTabSz="914342" rtl="0" eaLnBrk="1" latinLnBrk="0" hangingPunct="1">
         <a:lnSpc>
           <a:spcPct val="90000"/>
         </a:lnSpc>
@@ -3201,7 +3203,7 @@
         </a:spcBef>
         <a:buFont typeface="Arial" panose="020B0604020202020204" pitchFamily="34" charset="0"/>
         <a:buChar char="•"/>
-        <a:defRPr sz="1800" kern="1200">
+        <a:defRPr sz="1801" kern="1200">
           <a:solidFill>
             <a:schemeClr val="tx1"/>
           </a:solidFill>
@@ -3215,8 +3217,8 @@
       <a:defPPr>
         <a:defRPr lang="zh-CN"/>
       </a:defPPr>
-      <a:lvl1pPr marL="0" algn="l" defTabSz="914400" rtl="0" eaLnBrk="1" latinLnBrk="0" hangingPunct="1">
-        <a:defRPr sz="1800" kern="1200">
+      <a:lvl1pPr marL="0" algn="l" defTabSz="914342" rtl="0" eaLnBrk="1" latinLnBrk="0" hangingPunct="1">
+        <a:defRPr sz="1801" kern="1200">
           <a:solidFill>
             <a:schemeClr val="tx1"/>
           </a:solidFill>
@@ -3225,8 +3227,8 @@
           <a:cs typeface="+mn-cs"/>
         </a:defRPr>
       </a:lvl1pPr>
-      <a:lvl2pPr marL="457200" algn="l" defTabSz="914400" rtl="0" eaLnBrk="1" latinLnBrk="0" hangingPunct="1">
-        <a:defRPr sz="1800" kern="1200">
+      <a:lvl2pPr marL="457172" algn="l" defTabSz="914342" rtl="0" eaLnBrk="1" latinLnBrk="0" hangingPunct="1">
+        <a:defRPr sz="1801" kern="1200">
           <a:solidFill>
             <a:schemeClr val="tx1"/>
           </a:solidFill>
@@ -3235,8 +3237,8 @@
           <a:cs typeface="+mn-cs"/>
         </a:defRPr>
       </a:lvl2pPr>
-      <a:lvl3pPr marL="914400" algn="l" defTabSz="914400" rtl="0" eaLnBrk="1" latinLnBrk="0" hangingPunct="1">
-        <a:defRPr sz="1800" kern="1200">
+      <a:lvl3pPr marL="914342" algn="l" defTabSz="914342" rtl="0" eaLnBrk="1" latinLnBrk="0" hangingPunct="1">
+        <a:defRPr sz="1801" kern="1200">
           <a:solidFill>
             <a:schemeClr val="tx1"/>
           </a:solidFill>
@@ -3245,8 +3247,8 @@
           <a:cs typeface="+mn-cs"/>
         </a:defRPr>
       </a:lvl3pPr>
-      <a:lvl4pPr marL="1371600" algn="l" defTabSz="914400" rtl="0" eaLnBrk="1" latinLnBrk="0" hangingPunct="1">
-        <a:defRPr sz="1800" kern="1200">
+      <a:lvl4pPr marL="1371514" algn="l" defTabSz="914342" rtl="0" eaLnBrk="1" latinLnBrk="0" hangingPunct="1">
+        <a:defRPr sz="1801" kern="1200">
           <a:solidFill>
             <a:schemeClr val="tx1"/>
           </a:solidFill>
@@ -3255,8 +3257,8 @@
           <a:cs typeface="+mn-cs"/>
         </a:defRPr>
       </a:lvl4pPr>
-      <a:lvl5pPr marL="1828800" algn="l" defTabSz="914400" rtl="0" eaLnBrk="1" latinLnBrk="0" hangingPunct="1">
-        <a:defRPr sz="1800" kern="1200">
+      <a:lvl5pPr marL="1828686" algn="l" defTabSz="914342" rtl="0" eaLnBrk="1" latinLnBrk="0" hangingPunct="1">
+        <a:defRPr sz="1801" kern="1200">
           <a:solidFill>
             <a:schemeClr val="tx1"/>
           </a:solidFill>
@@ -3265,8 +3267,8 @@
           <a:cs typeface="+mn-cs"/>
         </a:defRPr>
       </a:lvl5pPr>
-      <a:lvl6pPr marL="2286000" algn="l" defTabSz="914400" rtl="0" eaLnBrk="1" latinLnBrk="0" hangingPunct="1">
-        <a:defRPr sz="1800" kern="1200">
+      <a:lvl6pPr marL="2285857" algn="l" defTabSz="914342" rtl="0" eaLnBrk="1" latinLnBrk="0" hangingPunct="1">
+        <a:defRPr sz="1801" kern="1200">
           <a:solidFill>
             <a:schemeClr val="tx1"/>
           </a:solidFill>
@@ -3275,8 +3277,8 @@
           <a:cs typeface="+mn-cs"/>
         </a:defRPr>
       </a:lvl6pPr>
-      <a:lvl7pPr marL="2743200" algn="l" defTabSz="914400" rtl="0" eaLnBrk="1" latinLnBrk="0" hangingPunct="1">
-        <a:defRPr sz="1800" kern="1200">
+      <a:lvl7pPr marL="2743028" algn="l" defTabSz="914342" rtl="0" eaLnBrk="1" latinLnBrk="0" hangingPunct="1">
+        <a:defRPr sz="1801" kern="1200">
           <a:solidFill>
             <a:schemeClr val="tx1"/>
           </a:solidFill>
@@ -3285,8 +3287,8 @@
           <a:cs typeface="+mn-cs"/>
         </a:defRPr>
       </a:lvl7pPr>
-      <a:lvl8pPr marL="3200400" algn="l" defTabSz="914400" rtl="0" eaLnBrk="1" latinLnBrk="0" hangingPunct="1">
-        <a:defRPr sz="1800" kern="1200">
+      <a:lvl8pPr marL="3200199" algn="l" defTabSz="914342" rtl="0" eaLnBrk="1" latinLnBrk="0" hangingPunct="1">
+        <a:defRPr sz="1801" kern="1200">
           <a:solidFill>
             <a:schemeClr val="tx1"/>
           </a:solidFill>
@@ -3295,8 +3297,8 @@
           <a:cs typeface="+mn-cs"/>
         </a:defRPr>
       </a:lvl8pPr>
-      <a:lvl9pPr marL="3657600" algn="l" defTabSz="914400" rtl="0" eaLnBrk="1" latinLnBrk="0" hangingPunct="1">
-        <a:defRPr sz="1800" kern="1200">
+      <a:lvl9pPr marL="3657371" algn="l" defTabSz="914342" rtl="0" eaLnBrk="1" latinLnBrk="0" hangingPunct="1">
+        <a:defRPr sz="1801" kern="1200">
           <a:solidFill>
             <a:schemeClr val="tx1"/>
           </a:solidFill>
@@ -3341,8 +3343,8 @@
         </p:nvSpPr>
         <p:spPr>
           <a:xfrm>
-            <a:off x="1432613" y="1464469"/>
-            <a:ext cx="1404000" cy="707231"/>
+            <a:off x="1432613" y="1464473"/>
+            <a:ext cx="1404000" cy="707230"/>
           </a:xfrm>
           <a:prstGeom prst="flowChartProcess">
             <a:avLst/>
@@ -3378,7 +3380,7 @@
           <a:p>
             <a:pPr algn="ctr"/>
             <a:r>
-              <a:rPr lang="en-US" altLang="zh-CN" sz="1400" dirty="0">
+              <a:rPr lang="en-US" altLang="zh-CN" sz="1401" dirty="0">
                 <a:solidFill>
                   <a:schemeClr val="tx1"/>
                 </a:solidFill>
@@ -3387,7 +3389,7 @@
               </a:rPr>
               <a:t>Transformer</a:t>
             </a:r>
-            <a:endParaRPr lang="zh-CN" altLang="en-US" dirty="0"/>
+            <a:endParaRPr lang="zh-CN" altLang="en-US" sz="1801" dirty="0"/>
           </a:p>
         </p:txBody>
       </p:sp>
@@ -3405,8 +3407,8 @@
         </p:nvSpPr>
         <p:spPr>
           <a:xfrm>
-            <a:off x="1432614" y="3202781"/>
-            <a:ext cx="1404000" cy="707231"/>
+            <a:off x="1432613" y="3202784"/>
+            <a:ext cx="1404000" cy="707230"/>
           </a:xfrm>
           <a:prstGeom prst="flowChartProcess">
             <a:avLst/>
@@ -3442,7 +3444,7 @@
           <a:p>
             <a:pPr algn="ctr"/>
             <a:r>
-              <a:rPr lang="zh-CN" altLang="en-US" sz="1400" dirty="0">
+              <a:rPr lang="zh-CN" altLang="en-US" sz="1401" dirty="0">
                 <a:solidFill>
                   <a:schemeClr val="tx1"/>
                 </a:solidFill>
@@ -3452,7 +3454,7 @@
               </a:rPr>
               <a:t>知识图谱</a:t>
             </a:r>
-            <a:endParaRPr lang="zh-CN" altLang="en-US" dirty="0"/>
+            <a:endParaRPr lang="zh-CN" altLang="en-US" sz="1801" dirty="0"/>
           </a:p>
         </p:txBody>
       </p:sp>
@@ -3500,7 +3502,7 @@
           <a:lstStyle/>
           <a:p>
             <a:pPr algn="ctr"/>
-            <a:endParaRPr lang="zh-CN" altLang="en-US" dirty="0"/>
+            <a:endParaRPr lang="zh-CN" altLang="en-US" sz="1801" dirty="0"/>
           </a:p>
         </p:txBody>
       </p:sp>
@@ -3522,8 +3524,8 @@
         </p:nvCxnSpPr>
         <p:spPr>
           <a:xfrm>
-            <a:off x="2836613" y="1818085"/>
-            <a:ext cx="693634" cy="740568"/>
+            <a:off x="2836614" y="1818084"/>
+            <a:ext cx="693634" cy="740569"/>
           </a:xfrm>
           <a:prstGeom prst="bentConnector2">
             <a:avLst/>
@@ -3566,8 +3568,8 @@
         </p:nvCxnSpPr>
         <p:spPr>
           <a:xfrm flipV="1">
-            <a:off x="2836614" y="2774653"/>
-            <a:ext cx="693633" cy="781744"/>
+            <a:off x="2836618" y="2774654"/>
+            <a:ext cx="693634" cy="781744"/>
           </a:xfrm>
           <a:prstGeom prst="bentConnector2">
             <a:avLst/>
@@ -3606,8 +3608,8 @@
         </p:nvSpPr>
         <p:spPr>
           <a:xfrm>
-            <a:off x="4762621" y="822554"/>
-            <a:ext cx="1404000" cy="707231"/>
+            <a:off x="4762620" y="822558"/>
+            <a:ext cx="1404000" cy="707230"/>
           </a:xfrm>
           <a:prstGeom prst="flowChartProcess">
             <a:avLst/>
@@ -3643,7 +3645,7 @@
           <a:p>
             <a:pPr algn="ctr"/>
             <a:r>
-              <a:rPr lang="zh-CN" altLang="en-US" sz="1400" dirty="0">
+              <a:rPr lang="zh-CN" altLang="en-US" sz="1401" dirty="0">
                 <a:solidFill>
                   <a:schemeClr val="tx1"/>
                 </a:solidFill>
@@ -3653,7 +3655,7 @@
               </a:rPr>
               <a:t>图结构</a:t>
             </a:r>
-            <a:endParaRPr lang="en-US" altLang="zh-CN" sz="1400" dirty="0">
+            <a:endParaRPr lang="en-US" altLang="zh-CN" sz="1401" dirty="0">
               <a:solidFill>
                 <a:schemeClr val="tx1"/>
               </a:solidFill>
@@ -3665,7 +3667,7 @@
           <a:p>
             <a:pPr algn="ctr"/>
             <a:r>
-              <a:rPr lang="zh-CN" altLang="en-US" sz="1400" dirty="0">
+              <a:rPr lang="zh-CN" altLang="en-US" sz="1401" dirty="0">
                 <a:solidFill>
                   <a:schemeClr val="tx1"/>
                 </a:solidFill>
@@ -3675,7 +3677,7 @@
               </a:rPr>
               <a:t>编码方式</a:t>
             </a:r>
-            <a:endParaRPr lang="en-US" altLang="zh-CN" sz="1400" dirty="0">
+            <a:endParaRPr lang="en-US" altLang="zh-CN" sz="1401" dirty="0">
               <a:solidFill>
                 <a:schemeClr val="tx1"/>
               </a:solidFill>
@@ -3700,8 +3702,8 @@
         </p:nvSpPr>
         <p:spPr>
           <a:xfrm>
-            <a:off x="4762621" y="2313037"/>
-            <a:ext cx="1404000" cy="707231"/>
+            <a:off x="4762620" y="2313040"/>
+            <a:ext cx="1404000" cy="707230"/>
           </a:xfrm>
           <a:prstGeom prst="flowChartProcess">
             <a:avLst/>
@@ -3737,7 +3739,7 @@
           <a:p>
             <a:pPr algn="ctr"/>
             <a:r>
-              <a:rPr lang="zh-CN" altLang="en-US" sz="1400" dirty="0">
+              <a:rPr lang="zh-CN" altLang="en-US" sz="1401" dirty="0">
                 <a:solidFill>
                   <a:schemeClr val="tx1"/>
                 </a:solidFill>
@@ -3747,7 +3749,7 @@
               </a:rPr>
               <a:t>图结构信息</a:t>
             </a:r>
-            <a:endParaRPr lang="en-US" altLang="zh-CN" sz="1400" dirty="0">
+            <a:endParaRPr lang="en-US" altLang="zh-CN" sz="1401" dirty="0">
               <a:solidFill>
                 <a:schemeClr val="tx1"/>
               </a:solidFill>
@@ -3759,7 +3761,7 @@
           <a:p>
             <a:pPr algn="ctr"/>
             <a:r>
-              <a:rPr lang="zh-CN" altLang="en-US" sz="1400" dirty="0">
+              <a:rPr lang="zh-CN" altLang="en-US" sz="1401" dirty="0">
                 <a:solidFill>
                   <a:schemeClr val="tx1"/>
                 </a:solidFill>
@@ -3769,7 +3771,7 @@
               </a:rPr>
               <a:t>结合利用</a:t>
             </a:r>
-            <a:endParaRPr lang="zh-CN" altLang="en-US" dirty="0">
+            <a:endParaRPr lang="zh-CN" altLang="en-US" sz="1801" dirty="0">
               <a:latin typeface="宋体" panose="02010600030101010101" pitchFamily="2" charset="-122"/>
               <a:ea typeface="宋体" panose="02010600030101010101" pitchFamily="2" charset="-122"/>
             </a:endParaRPr>
@@ -3790,8 +3792,8 @@
         </p:nvSpPr>
         <p:spPr>
           <a:xfrm>
-            <a:off x="4762621" y="3772417"/>
-            <a:ext cx="1404000" cy="707231"/>
+            <a:off x="4762620" y="3772421"/>
+            <a:ext cx="1404000" cy="707230"/>
           </a:xfrm>
           <a:prstGeom prst="flowChartProcess">
             <a:avLst/>
@@ -3827,7 +3829,7 @@
           <a:p>
             <a:pPr algn="ctr"/>
             <a:r>
-              <a:rPr lang="zh-CN" altLang="en-US" sz="1400" dirty="0">
+              <a:rPr lang="zh-CN" altLang="en-US" sz="1401" dirty="0">
                 <a:solidFill>
                   <a:schemeClr val="tx1"/>
                 </a:solidFill>
@@ -3837,7 +3839,7 @@
               </a:rPr>
               <a:t>图路径</a:t>
             </a:r>
-            <a:endParaRPr lang="en-US" altLang="zh-CN" sz="1400" dirty="0">
+            <a:endParaRPr lang="en-US" altLang="zh-CN" sz="1401" dirty="0">
               <a:solidFill>
                 <a:schemeClr val="tx1"/>
               </a:solidFill>
@@ -3849,7 +3851,7 @@
           <a:p>
             <a:pPr algn="ctr"/>
             <a:r>
-              <a:rPr lang="zh-CN" altLang="en-US" sz="1400" dirty="0">
+              <a:rPr lang="zh-CN" altLang="en-US" sz="1401" dirty="0">
                 <a:solidFill>
                   <a:schemeClr val="tx1"/>
                 </a:solidFill>
@@ -3859,7 +3861,7 @@
               </a:rPr>
               <a:t>采样方式</a:t>
             </a:r>
-            <a:endParaRPr lang="en-US" altLang="zh-CN" sz="1400" dirty="0">
+            <a:endParaRPr lang="en-US" altLang="zh-CN" sz="1401" dirty="0">
               <a:solidFill>
                 <a:schemeClr val="tx1"/>
               </a:solidFill>
@@ -3888,8 +3890,8 @@
         </p:nvCxnSpPr>
         <p:spPr>
           <a:xfrm flipV="1">
-            <a:off x="3638247" y="1176170"/>
-            <a:ext cx="1124374" cy="1490483"/>
+            <a:off x="3638248" y="1176172"/>
+            <a:ext cx="1124373" cy="1490484"/>
           </a:xfrm>
           <a:prstGeom prst="bentConnector3">
             <a:avLst/>
@@ -3935,8 +3937,8 @@
         </p:nvCxnSpPr>
         <p:spPr>
           <a:xfrm>
-            <a:off x="3638247" y="2666653"/>
-            <a:ext cx="1124374" cy="1459380"/>
+            <a:off x="3638248" y="2666654"/>
+            <a:ext cx="1124373" cy="1459380"/>
           </a:xfrm>
           <a:prstGeom prst="bentConnector3">
             <a:avLst/>
@@ -3982,8 +3984,8 @@
         </p:nvCxnSpPr>
         <p:spPr>
           <a:xfrm>
-            <a:off x="3638247" y="2666653"/>
-            <a:ext cx="1124374" cy="0"/>
+            <a:off x="3638248" y="2666653"/>
+            <a:ext cx="1124373" cy="0"/>
           </a:xfrm>
           <a:prstGeom prst="straightConnector1">
             <a:avLst/>
@@ -4029,7 +4031,7 @@
         </p:nvCxnSpPr>
         <p:spPr>
           <a:xfrm>
-            <a:off x="5464621" y="1529785"/>
+            <a:off x="5464620" y="1529786"/>
             <a:ext cx="0" cy="783252"/>
           </a:xfrm>
           <a:prstGeom prst="straightConnector1">
@@ -4075,7 +4077,7 @@
         </p:nvCxnSpPr>
         <p:spPr>
           <a:xfrm flipV="1">
-            <a:off x="5464621" y="3020268"/>
+            <a:off x="5464620" y="3020272"/>
             <a:ext cx="0" cy="752149"/>
           </a:xfrm>
           <a:prstGeom prst="straightConnector1">
@@ -4118,8 +4120,8 @@
         </p:nvSpPr>
         <p:spPr>
           <a:xfrm>
-            <a:off x="7329628" y="2308370"/>
-            <a:ext cx="1404000" cy="707231"/>
+            <a:off x="7329628" y="2308373"/>
+            <a:ext cx="1404000" cy="707230"/>
           </a:xfrm>
           <a:prstGeom prst="flowChartProcess">
             <a:avLst/>
@@ -4155,7 +4157,7 @@
           <a:p>
             <a:pPr algn="ctr"/>
             <a:r>
-              <a:rPr lang="zh-CN" altLang="en-US" sz="1400" dirty="0">
+              <a:rPr lang="zh-CN" altLang="en-US" sz="1401" dirty="0">
                 <a:solidFill>
                   <a:schemeClr val="tx1"/>
                 </a:solidFill>
@@ -4165,7 +4167,7 @@
               </a:rPr>
               <a:t>融合</a:t>
             </a:r>
-            <a:endParaRPr lang="en-US" altLang="zh-CN" sz="1400" dirty="0">
+            <a:endParaRPr lang="en-US" altLang="zh-CN" sz="1401" dirty="0">
               <a:solidFill>
                 <a:schemeClr val="tx1"/>
               </a:solidFill>
@@ -4177,7 +4179,7 @@
           <a:p>
             <a:pPr algn="ctr"/>
             <a:r>
-              <a:rPr lang="zh-CN" altLang="en-US" sz="1400" dirty="0">
+              <a:rPr lang="zh-CN" altLang="en-US" sz="1401" dirty="0">
                 <a:solidFill>
                   <a:schemeClr val="tx1"/>
                 </a:solidFill>
@@ -4187,7 +4189,7 @@
               </a:rPr>
               <a:t>并提出模型</a:t>
             </a:r>
-            <a:endParaRPr lang="zh-CN" altLang="en-US" dirty="0">
+            <a:endParaRPr lang="zh-CN" altLang="en-US" sz="1801" dirty="0">
               <a:latin typeface="宋体" panose="02010600030101010101" pitchFamily="2" charset="-122"/>
               <a:ea typeface="宋体" panose="02010600030101010101" pitchFamily="2" charset="-122"/>
             </a:endParaRPr>
@@ -4212,8 +4214,8 @@
         </p:nvCxnSpPr>
         <p:spPr>
           <a:xfrm>
-            <a:off x="6166621" y="1176170"/>
-            <a:ext cx="1163007" cy="1485816"/>
+            <a:off x="6166625" y="1176170"/>
+            <a:ext cx="1163006" cy="1485817"/>
           </a:xfrm>
           <a:prstGeom prst="bentConnector3">
             <a:avLst/>
@@ -4258,8 +4260,8 @@
         </p:nvCxnSpPr>
         <p:spPr>
           <a:xfrm flipV="1">
-            <a:off x="6166621" y="2661986"/>
-            <a:ext cx="1163007" cy="4667"/>
+            <a:off x="6166625" y="2661989"/>
+            <a:ext cx="1163006" cy="4667"/>
           </a:xfrm>
           <a:prstGeom prst="bentConnector3">
             <a:avLst/>
@@ -4304,8 +4306,8 @@
         </p:nvCxnSpPr>
         <p:spPr>
           <a:xfrm flipV="1">
-            <a:off x="6166621" y="2661986"/>
-            <a:ext cx="1163007" cy="1464047"/>
+            <a:off x="6166625" y="2661989"/>
+            <a:ext cx="1163006" cy="1464046"/>
           </a:xfrm>
           <a:prstGeom prst="bentConnector3">
             <a:avLst/>
@@ -4346,8 +4348,8 @@
         </p:nvSpPr>
         <p:spPr>
           <a:xfrm>
-            <a:off x="9355386" y="2308370"/>
-            <a:ext cx="1404000" cy="707231"/>
+            <a:off x="9355387" y="2308373"/>
+            <a:ext cx="1404000" cy="707230"/>
           </a:xfrm>
           <a:prstGeom prst="flowChartProcess">
             <a:avLst/>
@@ -4383,7 +4385,7 @@
           <a:p>
             <a:pPr algn="ctr"/>
             <a:r>
-              <a:rPr lang="zh-CN" altLang="en-US" sz="1400" dirty="0">
+              <a:rPr lang="zh-CN" altLang="en-US" sz="1401" dirty="0">
                 <a:solidFill>
                   <a:schemeClr val="tx1"/>
                 </a:solidFill>
@@ -4393,7 +4395,7 @@
               </a:rPr>
               <a:t>总体性能评估</a:t>
             </a:r>
-            <a:endParaRPr lang="en-US" altLang="zh-CN" sz="1400" dirty="0">
+            <a:endParaRPr lang="en-US" altLang="zh-CN" sz="1401" dirty="0">
               <a:solidFill>
                 <a:schemeClr val="tx1"/>
               </a:solidFill>
@@ -4405,7 +4407,7 @@
           <a:p>
             <a:pPr algn="ctr"/>
             <a:r>
-              <a:rPr lang="zh-CN" altLang="en-US" sz="1400" dirty="0">
+              <a:rPr lang="zh-CN" altLang="en-US" sz="1401" dirty="0">
                 <a:solidFill>
                   <a:schemeClr val="tx1"/>
                 </a:solidFill>
@@ -4415,7 +4417,7 @@
               </a:rPr>
               <a:t>关键设计评估</a:t>
             </a:r>
-            <a:endParaRPr lang="zh-CN" altLang="en-US" dirty="0">
+            <a:endParaRPr lang="zh-CN" altLang="en-US" sz="1801" dirty="0">
               <a:latin typeface="宋体" panose="02010600030101010101" pitchFamily="2" charset="-122"/>
               <a:ea typeface="宋体" panose="02010600030101010101" pitchFamily="2" charset="-122"/>
             </a:endParaRPr>
@@ -4440,7 +4442,7 @@
         </p:nvCxnSpPr>
         <p:spPr>
           <a:xfrm>
-            <a:off x="8733628" y="2661986"/>
+            <a:off x="8733629" y="2661987"/>
             <a:ext cx="621758" cy="0"/>
           </a:xfrm>
           <a:prstGeom prst="straightConnector1">
@@ -4511,8 +4513,8 @@
             </p:nvSpPr>
             <p:spPr>
               <a:xfrm>
-                <a:off x="3047999" y="3202683"/>
-                <a:ext cx="3429001" cy="369332"/>
+                <a:off x="3048003" y="3202683"/>
+                <a:ext cx="3429001" cy="369460"/>
               </a:xfrm>
               <a:prstGeom prst="rect">
                 <a:avLst/>
@@ -4537,7 +4539,7 @@
                           <m:begChr m:val="["/>
                           <m:endChr m:val="]"/>
                           <m:ctrlPr>
-                            <a:rPr kumimoji="1" lang="en-US" altLang="zh-CN" b="0" i="1" smtClean="0">
+                            <a:rPr kumimoji="1" lang="en-US" altLang="zh-CN" sz="1801" i="1">
                               <a:latin typeface="Cambria Math" panose="02040503050406030204" pitchFamily="18" charset="0"/>
                             </a:rPr>
                           </m:ctrlPr>
@@ -4554,7 +4556,7 @@
                                 </m:mc>
                               </m:mcs>
                               <m:ctrlPr>
-                                <a:rPr kumimoji="1" lang="en-US" altLang="zh-CN" b="0" i="1" smtClean="0">
+                                <a:rPr kumimoji="1" lang="en-US" altLang="zh-CN" sz="1801" i="1">
                                   <a:latin typeface="Cambria Math" panose="02040503050406030204" pitchFamily="18" charset="0"/>
                                 </a:rPr>
                               </m:ctrlPr>
@@ -4572,7 +4574,7 @@
                                       </m:mc>
                                     </m:mcs>
                                     <m:ctrlPr>
-                                      <a:rPr kumimoji="1" lang="en-US" altLang="zh-CN" b="0" i="1" smtClean="0">
+                                      <a:rPr kumimoji="1" lang="en-US" altLang="zh-CN" sz="1801" i="1">
                                         <a:latin typeface="Cambria Math" panose="02040503050406030204" pitchFamily="18" charset="0"/>
                                       </a:rPr>
                                     </m:ctrlPr>
@@ -4590,7 +4592,7 @@
                                             </m:mc>
                                           </m:mcs>
                                           <m:ctrlPr>
-                                            <a:rPr kumimoji="1" lang="en-US" altLang="zh-CN" b="0" i="1" smtClean="0">
+                                            <a:rPr kumimoji="1" lang="en-US" altLang="zh-CN" sz="1801" i="1">
                                               <a:latin typeface="Cambria Math" panose="02040503050406030204" pitchFamily="18" charset="0"/>
                                             </a:rPr>
                                           </m:ctrlPr>
@@ -4601,7 +4603,7 @@
                                               <m:rPr>
                                                 <m:brk m:alnAt="7"/>
                                               </m:rPr>
-                                              <a:rPr kumimoji="1" lang="en-US" altLang="zh-CN" b="0" i="1" smtClean="0">
+                                              <a:rPr kumimoji="1" lang="en-US" altLang="zh-CN" sz="1801" i="1">
                                                 <a:latin typeface="Cambria Math" panose="02040503050406030204" pitchFamily="18" charset="0"/>
                                               </a:rPr>
                                               <m:t>𝑎</m:t>
@@ -4609,7 +4611,7 @@
                                           </m:e>
                                           <m:e>
                                             <m:r>
-                                              <a:rPr kumimoji="1" lang="en-US" altLang="zh-CN" b="0" i="1" smtClean="0">
+                                              <a:rPr kumimoji="1" lang="en-US" altLang="zh-CN" sz="1801" i="1">
                                                 <a:latin typeface="Cambria Math" panose="02040503050406030204" pitchFamily="18" charset="0"/>
                                               </a:rPr>
                                               <m:t>𝑎</m:t>
@@ -4630,7 +4632,7 @@
                                             </m:mc>
                                           </m:mcs>
                                           <m:ctrlPr>
-                                            <a:rPr kumimoji="1" lang="en-US" altLang="zh-CN" b="0" i="1" smtClean="0">
+                                            <a:rPr kumimoji="1" lang="en-US" altLang="zh-CN" sz="1801" i="1">
                                               <a:latin typeface="Cambria Math" panose="02040503050406030204" pitchFamily="18" charset="0"/>
                                             </a:rPr>
                                           </m:ctrlPr>
@@ -4641,7 +4643,7 @@
                                               <m:rPr>
                                                 <m:brk m:alnAt="7"/>
                                               </m:rPr>
-                                              <a:rPr kumimoji="1" lang="en-US" altLang="zh-CN" b="0" i="1" smtClean="0">
+                                              <a:rPr kumimoji="1" lang="en-US" altLang="zh-CN" sz="1801" i="1">
                                                 <a:latin typeface="Cambria Math" panose="02040503050406030204" pitchFamily="18" charset="0"/>
                                               </a:rPr>
                                               <m:t>𝑎</m:t>
@@ -4649,7 +4651,7 @@
                                           </m:e>
                                           <m:e>
                                             <m:r>
-                                              <a:rPr kumimoji="1" lang="en-US" altLang="zh-CN" b="0" i="1" smtClean="0">
+                                              <a:rPr kumimoji="1" lang="en-US" altLang="zh-CN" sz="1801" i="1">
                                                 <a:latin typeface="Cambria Math" panose="02040503050406030204" pitchFamily="18" charset="0"/>
                                               </a:rPr>
                                               <m:t>𝑎</m:t>
@@ -4673,7 +4675,7 @@
                                       </m:mc>
                                     </m:mcs>
                                     <m:ctrlPr>
-                                      <a:rPr kumimoji="1" lang="en-US" altLang="zh-CN" b="0" i="1" smtClean="0">
+                                      <a:rPr kumimoji="1" lang="en-US" altLang="zh-CN" sz="1801" i="1">
                                         <a:latin typeface="Cambria Math" panose="02040503050406030204" pitchFamily="18" charset="0"/>
                                       </a:rPr>
                                     </m:ctrlPr>
@@ -4691,7 +4693,7 @@
                                             </m:mc>
                                           </m:mcs>
                                           <m:ctrlPr>
-                                            <a:rPr kumimoji="1" lang="en-US" altLang="zh-CN" b="0" i="1" smtClean="0">
+                                            <a:rPr kumimoji="1" lang="en-US" altLang="zh-CN" sz="1801" i="1">
                                               <a:latin typeface="Cambria Math" panose="02040503050406030204" pitchFamily="18" charset="0"/>
                                             </a:rPr>
                                           </m:ctrlPr>
@@ -4702,7 +4704,7 @@
                                               <m:rPr>
                                                 <m:brk m:alnAt="7"/>
                                               </m:rPr>
-                                              <a:rPr kumimoji="1" lang="en-US" altLang="zh-CN" b="0" i="1" smtClean="0">
+                                              <a:rPr kumimoji="1" lang="en-US" altLang="zh-CN" sz="1801" i="1">
                                                 <a:latin typeface="Cambria Math" panose="02040503050406030204" pitchFamily="18" charset="0"/>
                                               </a:rPr>
                                               <m:t>𝑎</m:t>
@@ -4710,7 +4712,7 @@
                                           </m:e>
                                           <m:e>
                                             <m:r>
-                                              <a:rPr kumimoji="1" lang="en-US" altLang="zh-CN" b="0" i="1" smtClean="0">
+                                              <a:rPr kumimoji="1" lang="en-US" altLang="zh-CN" sz="1801" i="1">
                                                 <a:latin typeface="Cambria Math" panose="02040503050406030204" pitchFamily="18" charset="0"/>
                                               </a:rPr>
                                               <m:t>𝑎</m:t>
@@ -4731,7 +4733,7 @@
                                             </m:mc>
                                           </m:mcs>
                                           <m:ctrlPr>
-                                            <a:rPr kumimoji="1" lang="en-US" altLang="zh-CN" b="0" i="1" smtClean="0">
+                                            <a:rPr kumimoji="1" lang="en-US" altLang="zh-CN" sz="1801" i="1">
                                               <a:latin typeface="Cambria Math" panose="02040503050406030204" pitchFamily="18" charset="0"/>
                                             </a:rPr>
                                           </m:ctrlPr>
@@ -4742,7 +4744,7 @@
                                               <m:rPr>
                                                 <m:brk m:alnAt="7"/>
                                               </m:rPr>
-                                              <a:rPr kumimoji="1" lang="en-US" altLang="zh-CN" b="0" i="1" smtClean="0">
+                                              <a:rPr kumimoji="1" lang="en-US" altLang="zh-CN" sz="1801" i="1">
                                                 <a:latin typeface="Cambria Math" panose="02040503050406030204" pitchFamily="18" charset="0"/>
                                               </a:rPr>
                                               <m:t>𝑎</m:t>
@@ -4750,7 +4752,7 @@
                                           </m:e>
                                           <m:e>
                                             <m:r>
-                                              <a:rPr kumimoji="1" lang="en-US" altLang="zh-CN" b="0" i="1" smtClean="0">
+                                              <a:rPr kumimoji="1" lang="en-US" altLang="zh-CN" sz="1801" i="1">
                                                 <a:latin typeface="Cambria Math" panose="02040503050406030204" pitchFamily="18" charset="0"/>
                                               </a:rPr>
                                               <m:t>𝑎</m:t>
@@ -4769,7 +4771,7 @@
                     </m:oMath>
                   </m:oMathPara>
                 </a14:m>
-                <a:endParaRPr lang="zh-CN" altLang="en-US" dirty="0"/>
+                <a:endParaRPr lang="zh-CN" altLang="en-US" sz="1801" dirty="0"/>
               </a:p>
             </p:txBody>
           </p:sp>
@@ -4791,8 +4793,8 @@
             </p:nvSpPr>
             <p:spPr>
               <a:xfrm>
-                <a:off x="3047999" y="3202683"/>
-                <a:ext cx="3429001" cy="369332"/>
+                <a:off x="3048003" y="3202683"/>
+                <a:ext cx="3429001" cy="369460"/>
               </a:xfrm>
               <a:prstGeom prst="rect">
                 <a:avLst/>
@@ -4835,8 +4837,8 @@
             </p:nvSpPr>
             <p:spPr>
               <a:xfrm>
-                <a:off x="3048000" y="3910622"/>
-                <a:ext cx="3429000" cy="369332"/>
+                <a:off x="3048001" y="3910621"/>
+                <a:ext cx="3429001" cy="369460"/>
               </a:xfrm>
               <a:prstGeom prst="rect">
                 <a:avLst/>
@@ -4861,7 +4863,7 @@
                           <m:begChr m:val="["/>
                           <m:endChr m:val="]"/>
                           <m:ctrlPr>
-                            <a:rPr kumimoji="1" lang="en-US" altLang="zh-CN" b="0" i="1" smtClean="0">
+                            <a:rPr kumimoji="1" lang="en-US" altLang="zh-CN" sz="1801" i="1">
                               <a:latin typeface="Cambria Math" panose="02040503050406030204" pitchFamily="18" charset="0"/>
                             </a:rPr>
                           </m:ctrlPr>
@@ -4878,7 +4880,7 @@
                                 </m:mc>
                               </m:mcs>
                               <m:ctrlPr>
-                                <a:rPr kumimoji="1" lang="en-US" altLang="zh-CN" b="0" i="1" smtClean="0">
+                                <a:rPr kumimoji="1" lang="en-US" altLang="zh-CN" sz="1801" i="1">
                                   <a:latin typeface="Cambria Math" panose="02040503050406030204" pitchFamily="18" charset="0"/>
                                 </a:rPr>
                               </m:ctrlPr>
@@ -4896,7 +4898,7 @@
                                       </m:mc>
                                     </m:mcs>
                                     <m:ctrlPr>
-                                      <a:rPr kumimoji="1" lang="en-US" altLang="zh-CN" b="0" i="1" smtClean="0">
+                                      <a:rPr kumimoji="1" lang="en-US" altLang="zh-CN" sz="1801" i="1">
                                         <a:latin typeface="Cambria Math" panose="02040503050406030204" pitchFamily="18" charset="0"/>
                                       </a:rPr>
                                     </m:ctrlPr>
@@ -4914,7 +4916,7 @@
                                             </m:mc>
                                           </m:mcs>
                                           <m:ctrlPr>
-                                            <a:rPr kumimoji="1" lang="en-US" altLang="zh-CN" b="0" i="1" smtClean="0">
+                                            <a:rPr kumimoji="1" lang="en-US" altLang="zh-CN" sz="1801" i="1">
                                               <a:latin typeface="Cambria Math" panose="02040503050406030204" pitchFamily="18" charset="0"/>
                                             </a:rPr>
                                           </m:ctrlPr>
@@ -4925,7 +4927,7 @@
                                               <m:rPr>
                                                 <m:brk m:alnAt="7"/>
                                               </m:rPr>
-                                              <a:rPr kumimoji="1" lang="en-US" altLang="zh-CN" b="0" i="1" smtClean="0">
+                                              <a:rPr kumimoji="1" lang="en-US" altLang="zh-CN" sz="1801" i="1">
                                                 <a:latin typeface="Cambria Math" panose="02040503050406030204" pitchFamily="18" charset="0"/>
                                               </a:rPr>
                                               <m:t>𝑏</m:t>
@@ -4933,7 +4935,7 @@
                                           </m:e>
                                           <m:e>
                                             <m:r>
-                                              <a:rPr kumimoji="1" lang="en-US" altLang="zh-CN" b="0" i="1" smtClean="0">
+                                              <a:rPr kumimoji="1" lang="en-US" altLang="zh-CN" sz="1801" i="1">
                                                 <a:latin typeface="Cambria Math" panose="02040503050406030204" pitchFamily="18" charset="0"/>
                                               </a:rPr>
                                               <m:t>𝑏</m:t>
@@ -4954,7 +4956,7 @@
                                             </m:mc>
                                           </m:mcs>
                                           <m:ctrlPr>
-                                            <a:rPr kumimoji="1" lang="en-US" altLang="zh-CN" b="0" i="1" smtClean="0">
+                                            <a:rPr kumimoji="1" lang="en-US" altLang="zh-CN" sz="1801" i="1">
                                               <a:latin typeface="Cambria Math" panose="02040503050406030204" pitchFamily="18" charset="0"/>
                                             </a:rPr>
                                           </m:ctrlPr>
@@ -4965,7 +4967,7 @@
                                               <m:rPr>
                                                 <m:brk m:alnAt="7"/>
                                               </m:rPr>
-                                              <a:rPr kumimoji="1" lang="en-US" altLang="zh-CN" b="0" i="1" smtClean="0">
+                                              <a:rPr kumimoji="1" lang="en-US" altLang="zh-CN" sz="1801" i="1">
                                                 <a:latin typeface="Cambria Math" panose="02040503050406030204" pitchFamily="18" charset="0"/>
                                               </a:rPr>
                                               <m:t>𝑏</m:t>
@@ -4973,7 +4975,7 @@
                                           </m:e>
                                           <m:e>
                                             <m:r>
-                                              <a:rPr kumimoji="1" lang="en-US" altLang="zh-CN" b="0" i="1" smtClean="0">
+                                              <a:rPr kumimoji="1" lang="en-US" altLang="zh-CN" sz="1801" i="1">
                                                 <a:latin typeface="Cambria Math" panose="02040503050406030204" pitchFamily="18" charset="0"/>
                                               </a:rPr>
                                               <m:t>𝑏</m:t>
@@ -4997,7 +4999,7 @@
                                       </m:mc>
                                     </m:mcs>
                                     <m:ctrlPr>
-                                      <a:rPr kumimoji="1" lang="en-US" altLang="zh-CN" b="0" i="1" smtClean="0">
+                                      <a:rPr kumimoji="1" lang="en-US" altLang="zh-CN" sz="1801" i="1">
                                         <a:latin typeface="Cambria Math" panose="02040503050406030204" pitchFamily="18" charset="0"/>
                                       </a:rPr>
                                     </m:ctrlPr>
@@ -5015,7 +5017,7 @@
                                             </m:mc>
                                           </m:mcs>
                                           <m:ctrlPr>
-                                            <a:rPr kumimoji="1" lang="en-US" altLang="zh-CN" b="0" i="1" smtClean="0">
+                                            <a:rPr kumimoji="1" lang="en-US" altLang="zh-CN" sz="1801" i="1">
                                               <a:latin typeface="Cambria Math" panose="02040503050406030204" pitchFamily="18" charset="0"/>
                                             </a:rPr>
                                           </m:ctrlPr>
@@ -5026,7 +5028,7 @@
                                               <m:rPr>
                                                 <m:brk m:alnAt="7"/>
                                               </m:rPr>
-                                              <a:rPr kumimoji="1" lang="en-US" altLang="zh-CN" b="0" i="1" smtClean="0">
+                                              <a:rPr kumimoji="1" lang="en-US" altLang="zh-CN" sz="1801" i="1">
                                                 <a:latin typeface="Cambria Math" panose="02040503050406030204" pitchFamily="18" charset="0"/>
                                               </a:rPr>
                                               <m:t>𝑏</m:t>
@@ -5034,7 +5036,7 @@
                                           </m:e>
                                           <m:e>
                                             <m:r>
-                                              <a:rPr kumimoji="1" lang="en-US" altLang="zh-CN" b="0" i="1" smtClean="0">
+                                              <a:rPr kumimoji="1" lang="en-US" altLang="zh-CN" sz="1801" i="1">
                                                 <a:latin typeface="Cambria Math" panose="02040503050406030204" pitchFamily="18" charset="0"/>
                                               </a:rPr>
                                               <m:t>𝑏</m:t>
@@ -5055,7 +5057,7 @@
                                             </m:mc>
                                           </m:mcs>
                                           <m:ctrlPr>
-                                            <a:rPr kumimoji="1" lang="en-US" altLang="zh-CN" b="0" i="1" smtClean="0">
+                                            <a:rPr kumimoji="1" lang="en-US" altLang="zh-CN" sz="1801" i="1">
                                               <a:latin typeface="Cambria Math" panose="02040503050406030204" pitchFamily="18" charset="0"/>
                                             </a:rPr>
                                           </m:ctrlPr>
@@ -5066,7 +5068,7 @@
                                               <m:rPr>
                                                 <m:brk m:alnAt="7"/>
                                               </m:rPr>
-                                              <a:rPr kumimoji="1" lang="en-US" altLang="zh-CN" b="0" i="1" smtClean="0">
+                                              <a:rPr kumimoji="1" lang="en-US" altLang="zh-CN" sz="1801" i="1">
                                                 <a:latin typeface="Cambria Math" panose="02040503050406030204" pitchFamily="18" charset="0"/>
                                               </a:rPr>
                                               <m:t>𝑏</m:t>
@@ -5074,7 +5076,7 @@
                                           </m:e>
                                           <m:e>
                                             <m:r>
-                                              <a:rPr kumimoji="1" lang="en-US" altLang="zh-CN" b="0" i="1" smtClean="0">
+                                              <a:rPr kumimoji="1" lang="en-US" altLang="zh-CN" sz="1801" i="1">
                                                 <a:latin typeface="Cambria Math" panose="02040503050406030204" pitchFamily="18" charset="0"/>
                                               </a:rPr>
                                               <m:t>𝑏</m:t>
@@ -5093,7 +5095,7 @@
                     </m:oMath>
                   </m:oMathPara>
                 </a14:m>
-                <a:endParaRPr lang="zh-CN" altLang="en-US" dirty="0"/>
+                <a:endParaRPr lang="zh-CN" altLang="en-US" sz="1801" dirty="0"/>
               </a:p>
             </p:txBody>
           </p:sp>
@@ -5115,8 +5117,8 @@
             </p:nvSpPr>
             <p:spPr>
               <a:xfrm>
-                <a:off x="3048000" y="3910622"/>
-                <a:ext cx="3429000" cy="369332"/>
+                <a:off x="3048001" y="3910621"/>
+                <a:ext cx="3429001" cy="369460"/>
               </a:xfrm>
               <a:prstGeom prst="rect">
                 <a:avLst/>
@@ -5159,8 +5161,8 @@
             </p:nvSpPr>
             <p:spPr>
               <a:xfrm>
-                <a:off x="7078510" y="3076143"/>
-                <a:ext cx="1975605" cy="1299523"/>
+                <a:off x="7078513" y="3076147"/>
+                <a:ext cx="1975605" cy="1360629"/>
               </a:xfrm>
               <a:prstGeom prst="rect">
                 <a:avLst/>
@@ -5173,6 +5175,7 @@
               </a:bodyPr>
               <a:lstStyle/>
               <a:p>
+                <a:pPr/>
                 <a14:m>
                   <m:oMathPara xmlns:m="http://schemas.openxmlformats.org/officeDocument/2006/math">
                     <m:oMathParaPr>
@@ -5184,7 +5187,7 @@
                           <m:begChr m:val="["/>
                           <m:endChr m:val="]"/>
                           <m:ctrlPr>
-                            <a:rPr kumimoji="1" lang="en-US" altLang="zh-CN" sz="2400" i="1" smtClean="0">
+                            <a:rPr kumimoji="1" lang="en-US" altLang="zh-CN" sz="2400" i="1">
                               <a:latin typeface="Cambria Math" panose="02040503050406030204" pitchFamily="18" charset="0"/>
                             </a:rPr>
                           </m:ctrlPr>
@@ -5201,7 +5204,7 @@
                                 </m:mc>
                               </m:mcs>
                               <m:ctrlPr>
-                                <a:rPr kumimoji="1" lang="en-US" altLang="zh-CN" sz="2400" i="1" smtClean="0">
+                                <a:rPr kumimoji="1" lang="en-US" altLang="zh-CN" sz="2400" i="1">
                                   <a:latin typeface="Cambria Math" panose="02040503050406030204" pitchFamily="18" charset="0"/>
                                 </a:rPr>
                               </m:ctrlPr>
@@ -5219,7 +5222,7 @@
                                       </m:mc>
                                     </m:mcs>
                                     <m:ctrlPr>
-                                      <a:rPr kumimoji="1" lang="en-US" altLang="zh-CN" sz="2400" i="1" smtClean="0">
+                                      <a:rPr kumimoji="1" lang="en-US" altLang="zh-CN" sz="2400" i="1">
                                         <a:latin typeface="Cambria Math" panose="02040503050406030204" pitchFamily="18" charset="0"/>
                                       </a:rPr>
                                     </m:ctrlPr>
@@ -5230,7 +5233,7 @@
                                         <m:rPr>
                                           <m:brk m:alnAt="7"/>
                                         </m:rPr>
-                                        <a:rPr kumimoji="1" lang="en-US" altLang="zh-CN" sz="2400" b="0" i="1" smtClean="0">
+                                        <a:rPr kumimoji="1" lang="en-US" altLang="zh-CN" sz="2400" i="1">
                                           <a:latin typeface="Cambria Math" panose="02040503050406030204" pitchFamily="18" charset="0"/>
                                         </a:rPr>
                                         <m:t>𝑎</m:t>
@@ -5238,7 +5241,7 @@
                                     </m:e>
                                     <m:e>
                                       <m:r>
-                                        <a:rPr kumimoji="1" lang="en-US" altLang="zh-CN" sz="2400" b="0" i="1" smtClean="0">
+                                        <a:rPr kumimoji="1" lang="en-US" altLang="zh-CN" sz="2400" i="1">
                                           <a:latin typeface="Cambria Math" panose="02040503050406030204" pitchFamily="18" charset="0"/>
                                         </a:rPr>
                                         <m:t>𝑏</m:t>
@@ -5248,7 +5251,7 @@
                                   <m:mr>
                                     <m:e>
                                       <m:r>
-                                        <a:rPr kumimoji="1" lang="en-US" altLang="zh-CN" sz="2400" b="0" i="1" smtClean="0">
+                                        <a:rPr kumimoji="1" lang="en-US" altLang="zh-CN" sz="2400" i="1">
                                           <a:latin typeface="Cambria Math" panose="02040503050406030204" pitchFamily="18" charset="0"/>
                                         </a:rPr>
                                         <m:t>𝑏</m:t>
@@ -5256,7 +5259,7 @@
                                     </m:e>
                                     <m:e>
                                       <m:r>
-                                        <a:rPr kumimoji="1" lang="en-US" altLang="zh-CN" sz="2400" b="0" i="1" smtClean="0">
+                                        <a:rPr kumimoji="1" lang="en-US" altLang="zh-CN" sz="2400" i="1">
                                           <a:latin typeface="Cambria Math" panose="02040503050406030204" pitchFamily="18" charset="0"/>
                                         </a:rPr>
                                         <m:t>𝑎</m:t>
@@ -5277,7 +5280,7 @@
                                       </m:mc>
                                     </m:mcs>
                                     <m:ctrlPr>
-                                      <a:rPr kumimoji="1" lang="en-US" altLang="zh-CN" sz="2400" i="1" smtClean="0">
+                                      <a:rPr kumimoji="1" lang="en-US" altLang="zh-CN" sz="2400" i="1">
                                         <a:latin typeface="Cambria Math" panose="02040503050406030204" pitchFamily="18" charset="0"/>
                                       </a:rPr>
                                     </m:ctrlPr>
@@ -5288,7 +5291,7 @@
                                         <m:rPr>
                                           <m:brk m:alnAt="7"/>
                                         </m:rPr>
-                                        <a:rPr kumimoji="1" lang="en-US" altLang="zh-CN" sz="2400" b="0" i="1" smtClean="0">
+                                        <a:rPr kumimoji="1" lang="en-US" altLang="zh-CN" sz="2400" i="1">
                                           <a:latin typeface="Cambria Math" panose="02040503050406030204" pitchFamily="18" charset="0"/>
                                         </a:rPr>
                                         <m:t>𝑎</m:t>
@@ -5296,7 +5299,7 @@
                                     </m:e>
                                     <m:e>
                                       <m:r>
-                                        <a:rPr kumimoji="1" lang="en-US" altLang="zh-CN" sz="2400" b="0" i="1" smtClean="0">
+                                        <a:rPr kumimoji="1" lang="en-US" altLang="zh-CN" sz="2400" i="1">
                                           <a:latin typeface="Cambria Math" panose="02040503050406030204" pitchFamily="18" charset="0"/>
                                         </a:rPr>
                                         <m:t>𝑏</m:t>
@@ -5306,7 +5309,7 @@
                                   <m:mr>
                                     <m:e>
                                       <m:r>
-                                        <a:rPr kumimoji="1" lang="en-US" altLang="zh-CN" sz="2400" b="0" i="1" smtClean="0">
+                                        <a:rPr kumimoji="1" lang="en-US" altLang="zh-CN" sz="2400" i="1">
                                           <a:latin typeface="Cambria Math" panose="02040503050406030204" pitchFamily="18" charset="0"/>
                                         </a:rPr>
                                         <m:t>𝑏</m:t>
@@ -5314,7 +5317,7 @@
                                     </m:e>
                                     <m:e>
                                       <m:r>
-                                        <a:rPr kumimoji="1" lang="en-US" altLang="zh-CN" sz="2400" b="0" i="1" smtClean="0">
+                                        <a:rPr kumimoji="1" lang="en-US" altLang="zh-CN" sz="2400" i="1">
                                           <a:latin typeface="Cambria Math" panose="02040503050406030204" pitchFamily="18" charset="0"/>
                                         </a:rPr>
                                         <m:t>𝑎</m:t>
@@ -5337,7 +5340,7 @@
                                       </m:mc>
                                     </m:mcs>
                                     <m:ctrlPr>
-                                      <a:rPr kumimoji="1" lang="en-US" altLang="zh-CN" sz="2400" i="1" smtClean="0">
+                                      <a:rPr kumimoji="1" lang="en-US" altLang="zh-CN" sz="2400" i="1">
                                         <a:latin typeface="Cambria Math" panose="02040503050406030204" pitchFamily="18" charset="0"/>
                                       </a:rPr>
                                     </m:ctrlPr>
@@ -5348,7 +5351,7 @@
                                         <m:rPr>
                                           <m:brk m:alnAt="7"/>
                                         </m:rPr>
-                                        <a:rPr kumimoji="1" lang="en-US" altLang="zh-CN" sz="2400" b="0" i="1" smtClean="0">
+                                        <a:rPr kumimoji="1" lang="en-US" altLang="zh-CN" sz="2400" i="1">
                                           <a:latin typeface="Cambria Math" panose="02040503050406030204" pitchFamily="18" charset="0"/>
                                         </a:rPr>
                                         <m:t>𝑎</m:t>
@@ -5356,7 +5359,7 @@
                                     </m:e>
                                     <m:e>
                                       <m:r>
-                                        <a:rPr kumimoji="1" lang="en-US" altLang="zh-CN" sz="2400" b="0" i="1" smtClean="0">
+                                        <a:rPr kumimoji="1" lang="en-US" altLang="zh-CN" sz="2400" i="1">
                                           <a:latin typeface="Cambria Math" panose="02040503050406030204" pitchFamily="18" charset="0"/>
                                         </a:rPr>
                                         <m:t>𝑏</m:t>
@@ -5366,7 +5369,7 @@
                                   <m:mr>
                                     <m:e>
                                       <m:r>
-                                        <a:rPr kumimoji="1" lang="en-US" altLang="zh-CN" sz="2400" b="0" i="1" smtClean="0">
+                                        <a:rPr kumimoji="1" lang="en-US" altLang="zh-CN" sz="2400" i="1">
                                           <a:latin typeface="Cambria Math" panose="02040503050406030204" pitchFamily="18" charset="0"/>
                                         </a:rPr>
                                         <m:t>𝑏</m:t>
@@ -5374,7 +5377,7 @@
                                     </m:e>
                                     <m:e>
                                       <m:r>
-                                        <a:rPr kumimoji="1" lang="en-US" altLang="zh-CN" sz="2400" b="0" i="1" smtClean="0">
+                                        <a:rPr kumimoji="1" lang="en-US" altLang="zh-CN" sz="2400" i="1">
                                           <a:latin typeface="Cambria Math" panose="02040503050406030204" pitchFamily="18" charset="0"/>
                                         </a:rPr>
                                         <m:t>𝑎</m:t>
@@ -5395,7 +5398,7 @@
                                       </m:mc>
                                     </m:mcs>
                                     <m:ctrlPr>
-                                      <a:rPr kumimoji="1" lang="en-US" altLang="zh-CN" sz="2400" i="1" smtClean="0">
+                                      <a:rPr kumimoji="1" lang="en-US" altLang="zh-CN" sz="2400" i="1">
                                         <a:latin typeface="Cambria Math" panose="02040503050406030204" pitchFamily="18" charset="0"/>
                                       </a:rPr>
                                     </m:ctrlPr>
@@ -5406,7 +5409,7 @@
                                         <m:rPr>
                                           <m:brk m:alnAt="7"/>
                                         </m:rPr>
-                                        <a:rPr kumimoji="1" lang="en-US" altLang="zh-CN" sz="2400" b="0" i="1" smtClean="0">
+                                        <a:rPr kumimoji="1" lang="en-US" altLang="zh-CN" sz="2400" i="1">
                                           <a:latin typeface="Cambria Math" panose="02040503050406030204" pitchFamily="18" charset="0"/>
                                         </a:rPr>
                                         <m:t>𝑎</m:t>
@@ -5414,7 +5417,7 @@
                                     </m:e>
                                     <m:e>
                                       <m:r>
-                                        <a:rPr kumimoji="1" lang="en-US" altLang="zh-CN" sz="2400" b="0" i="1" smtClean="0">
+                                        <a:rPr kumimoji="1" lang="en-US" altLang="zh-CN" sz="2400" i="1">
                                           <a:latin typeface="Cambria Math" panose="02040503050406030204" pitchFamily="18" charset="0"/>
                                         </a:rPr>
                                         <m:t>𝑏</m:t>
@@ -5424,7 +5427,7 @@
                                   <m:mr>
                                     <m:e>
                                       <m:r>
-                                        <a:rPr kumimoji="1" lang="en-US" altLang="zh-CN" sz="2400" b="0" i="1" smtClean="0">
+                                        <a:rPr kumimoji="1" lang="en-US" altLang="zh-CN" sz="2400" i="1">
                                           <a:latin typeface="Cambria Math" panose="02040503050406030204" pitchFamily="18" charset="0"/>
                                         </a:rPr>
                                         <m:t>𝑏</m:t>
@@ -5432,7 +5435,7 @@
                                     </m:e>
                                     <m:e>
                                       <m:r>
-                                        <a:rPr kumimoji="1" lang="en-US" altLang="zh-CN" sz="2400" b="0" i="1" smtClean="0">
+                                        <a:rPr kumimoji="1" lang="en-US" altLang="zh-CN" sz="2400" i="1">
                                           <a:latin typeface="Cambria Math" panose="02040503050406030204" pitchFamily="18" charset="0"/>
                                         </a:rPr>
                                         <m:t>𝑎</m:t>
@@ -5448,7 +5451,7 @@
                     </m:oMath>
                   </m:oMathPara>
                 </a14:m>
-                <a:endParaRPr kumimoji="1" lang="zh-CN" altLang="en-US" dirty="0"/>
+                <a:endParaRPr kumimoji="1" lang="zh-CN" altLang="en-US" sz="1801" dirty="0"/>
               </a:p>
             </p:txBody>
           </p:sp>
@@ -5470,8 +5473,8 @@
             </p:nvSpPr>
             <p:spPr>
               <a:xfrm>
-                <a:off x="7078510" y="3076143"/>
-                <a:ext cx="1975605" cy="1299523"/>
+                <a:off x="7078513" y="3076147"/>
+                <a:ext cx="1975605" cy="1360629"/>
               </a:xfrm>
               <a:prstGeom prst="rect">
                 <a:avLst/>
@@ -5479,7 +5482,7 @@
               <a:blipFill>
                 <a:blip r:embed="rId4"/>
                 <a:stretch>
-                  <a:fillRect t="-1942" b="-6796"/>
+                  <a:fillRect/>
                 </a:stretch>
               </a:blipFill>
             </p:spPr>
@@ -5514,7 +5517,7 @@
             </p:nvSpPr>
             <p:spPr>
               <a:xfrm>
-                <a:off x="4648686" y="3587430"/>
+                <a:off x="4648686" y="3587434"/>
                 <a:ext cx="253274" cy="307777"/>
               </a:xfrm>
               <a:prstGeom prst="rect">
@@ -5528,6 +5531,7 @@
               </a:bodyPr>
               <a:lstStyle/>
               <a:p>
+                <a:pPr/>
                 <a14:m>
                   <m:oMathPara xmlns:m="http://schemas.openxmlformats.org/officeDocument/2006/math">
                     <m:oMathParaPr>
@@ -5535,7 +5539,7 @@
                     </m:oMathParaPr>
                     <m:oMath xmlns:m="http://schemas.openxmlformats.org/officeDocument/2006/math">
                       <m:r>
-                        <a:rPr kumimoji="1" lang="en-US" altLang="zh-CN" sz="2000" i="1" smtClean="0">
+                        <a:rPr kumimoji="1" lang="en-US" altLang="zh-CN" sz="2000" i="1">
                           <a:latin typeface="Cambria Math" panose="02040503050406030204" pitchFamily="18" charset="0"/>
                           <a:ea typeface="Cambria Math" panose="02040503050406030204" pitchFamily="18" charset="0"/>
                         </a:rPr>
@@ -5566,7 +5570,7 @@
             </p:nvSpPr>
             <p:spPr>
               <a:xfrm>
-                <a:off x="4648686" y="3587430"/>
+                <a:off x="4648686" y="3587434"/>
                 <a:ext cx="253274" cy="307777"/>
               </a:xfrm>
               <a:prstGeom prst="rect">
@@ -5575,7 +5579,7 @@
               <a:blipFill>
                 <a:blip r:embed="rId5"/>
                 <a:stretch>
-                  <a:fillRect l="-20000" r="-15000" b="-4000"/>
+                  <a:fillRect l="-14634" r="-17073"/>
                 </a:stretch>
               </a:blipFill>
             </p:spPr>
@@ -5610,8 +5614,8 @@
             </p:nvSpPr>
             <p:spPr>
               <a:xfrm>
-                <a:off x="6524481" y="3572015"/>
-                <a:ext cx="253274" cy="307777"/>
+                <a:off x="6524482" y="3572019"/>
+                <a:ext cx="253275" cy="307777"/>
               </a:xfrm>
               <a:prstGeom prst="rect">
                 <a:avLst/>
@@ -5624,6 +5628,7 @@
               </a:bodyPr>
               <a:lstStyle/>
               <a:p>
+                <a:pPr/>
                 <a14:m>
                   <m:oMathPara xmlns:m="http://schemas.openxmlformats.org/officeDocument/2006/math">
                     <m:oMathParaPr>
@@ -5631,7 +5636,7 @@
                     </m:oMathParaPr>
                     <m:oMath xmlns:m="http://schemas.openxmlformats.org/officeDocument/2006/math">
                       <m:r>
-                        <a:rPr kumimoji="1" lang="en-US" altLang="zh-CN" sz="2000" i="1" smtClean="0">
+                        <a:rPr kumimoji="1" lang="en-US" altLang="zh-CN" sz="2000" i="1">
                           <a:latin typeface="Cambria Math" panose="02040503050406030204" pitchFamily="18" charset="0"/>
                           <a:ea typeface="Cambria Math" panose="02040503050406030204" pitchFamily="18" charset="0"/>
                         </a:rPr>
@@ -5662,8 +5667,8 @@
             </p:nvSpPr>
             <p:spPr>
               <a:xfrm>
-                <a:off x="6524481" y="3572015"/>
-                <a:ext cx="253274" cy="307777"/>
+                <a:off x="6524482" y="3572019"/>
+                <a:ext cx="253275" cy="307777"/>
               </a:xfrm>
               <a:prstGeom prst="rect">
                 <a:avLst/>
@@ -5671,7 +5676,7 @@
               <a:blipFill>
                 <a:blip r:embed="rId6"/>
                 <a:stretch>
-                  <a:fillRect l="-4762" r="-9524"/>
+                  <a:fillRect l="-9524" r="-9524"/>
                 </a:stretch>
               </a:blipFill>
             </p:spPr>
@@ -5694,6 +5699,4373 @@
     <p:extLst>
       <p:ext uri="{BB962C8B-B14F-4D97-AF65-F5344CB8AC3E}">
         <p14:creationId xmlns:p14="http://schemas.microsoft.com/office/powerpoint/2010/main" val="3765518752"/>
+      </p:ext>
+    </p:extLst>
+  </p:cSld>
+  <p:clrMapOvr>
+    <a:masterClrMapping/>
+  </p:clrMapOvr>
+</p:sld>
+</file>
+
+<file path=ppt/slides/slide3.xml><?xml version="1.0" encoding="utf-8"?>
+<p:sld xmlns:a="http://schemas.openxmlformats.org/drawingml/2006/main" xmlns:r="http://schemas.openxmlformats.org/officeDocument/2006/relationships" xmlns:p="http://schemas.openxmlformats.org/presentationml/2006/main">
+  <p:cSld>
+    <p:spTree>
+      <p:nvGrpSpPr>
+        <p:cNvPr id="1" name=""/>
+        <p:cNvGrpSpPr/>
+        <p:nvPr/>
+      </p:nvGrpSpPr>
+      <p:grpSpPr>
+        <a:xfrm>
+          <a:off x="0" y="0"/>
+          <a:ext cx="0" cy="0"/>
+          <a:chOff x="0" y="0"/>
+          <a:chExt cx="0" cy="0"/>
+        </a:xfrm>
+      </p:grpSpPr>
+      <p:grpSp>
+        <p:nvGrpSpPr>
+          <p:cNvPr id="12" name="组合 11">
+            <a:extLst>
+              <a:ext uri="{FF2B5EF4-FFF2-40B4-BE49-F238E27FC236}">
+                <a16:creationId xmlns:a16="http://schemas.microsoft.com/office/drawing/2014/main" id="{74404427-7050-1017-864A-FDA839213F7A}"/>
+              </a:ext>
+            </a:extLst>
+          </p:cNvPr>
+          <p:cNvGrpSpPr/>
+          <p:nvPr/>
+        </p:nvGrpSpPr>
+        <p:grpSpPr>
+          <a:xfrm>
+            <a:off x="2596874" y="3157668"/>
+            <a:ext cx="185531" cy="1481572"/>
+            <a:chOff x="2584174" y="2128967"/>
+            <a:chExt cx="185530" cy="1481571"/>
+          </a:xfrm>
+        </p:grpSpPr>
+        <p:sp>
+          <p:nvSpPr>
+            <p:cNvPr id="4" name="矩形 3">
+              <a:extLst>
+                <a:ext uri="{FF2B5EF4-FFF2-40B4-BE49-F238E27FC236}">
+                  <a16:creationId xmlns:a16="http://schemas.microsoft.com/office/drawing/2014/main" id="{3AE4236A-EE30-405C-60B2-A1C12C09FDED}"/>
+                </a:ext>
+              </a:extLst>
+            </p:cNvPr>
+            <p:cNvSpPr/>
+            <p:nvPr/>
+          </p:nvSpPr>
+          <p:spPr>
+            <a:xfrm>
+              <a:off x="2584174" y="2128967"/>
+              <a:ext cx="185530" cy="185531"/>
+            </a:xfrm>
+            <a:prstGeom prst="rect">
+              <a:avLst/>
+            </a:prstGeom>
+          </p:spPr>
+          <p:style>
+            <a:lnRef idx="2">
+              <a:schemeClr val="accent2">
+                <a:shade val="15000"/>
+              </a:schemeClr>
+            </a:lnRef>
+            <a:fillRef idx="1">
+              <a:schemeClr val="accent2"/>
+            </a:fillRef>
+            <a:effectRef idx="0">
+              <a:schemeClr val="accent2"/>
+            </a:effectRef>
+            <a:fontRef idx="minor">
+              <a:schemeClr val="lt1"/>
+            </a:fontRef>
+          </p:style>
+          <p:txBody>
+            <a:bodyPr rtlCol="0" anchor="ctr"/>
+            <a:lstStyle/>
+            <a:p>
+              <a:pPr algn="ctr"/>
+              <a:endParaRPr lang="zh-CN" altLang="en-US" sz="1801" dirty="0"/>
+            </a:p>
+          </p:txBody>
+        </p:sp>
+        <p:sp>
+          <p:nvSpPr>
+            <p:cNvPr id="5" name="矩形 4">
+              <a:extLst>
+                <a:ext uri="{FF2B5EF4-FFF2-40B4-BE49-F238E27FC236}">
+                  <a16:creationId xmlns:a16="http://schemas.microsoft.com/office/drawing/2014/main" id="{EA9F655E-05EF-0462-62E5-724A80C540BD}"/>
+                </a:ext>
+              </a:extLst>
+            </p:cNvPr>
+            <p:cNvSpPr/>
+            <p:nvPr/>
+          </p:nvSpPr>
+          <p:spPr>
+            <a:xfrm>
+              <a:off x="2584174" y="2314498"/>
+              <a:ext cx="185530" cy="185531"/>
+            </a:xfrm>
+            <a:prstGeom prst="rect">
+              <a:avLst/>
+            </a:prstGeom>
+          </p:spPr>
+          <p:style>
+            <a:lnRef idx="2">
+              <a:schemeClr val="accent2">
+                <a:shade val="15000"/>
+              </a:schemeClr>
+            </a:lnRef>
+            <a:fillRef idx="1">
+              <a:schemeClr val="accent2"/>
+            </a:fillRef>
+            <a:effectRef idx="0">
+              <a:schemeClr val="accent2"/>
+            </a:effectRef>
+            <a:fontRef idx="minor">
+              <a:schemeClr val="lt1"/>
+            </a:fontRef>
+          </p:style>
+          <p:txBody>
+            <a:bodyPr rtlCol="0" anchor="ctr"/>
+            <a:lstStyle/>
+            <a:p>
+              <a:pPr algn="ctr"/>
+              <a:endParaRPr lang="zh-CN" altLang="en-US" sz="1801" dirty="0"/>
+            </a:p>
+          </p:txBody>
+        </p:sp>
+        <p:sp>
+          <p:nvSpPr>
+            <p:cNvPr id="6" name="矩形 5">
+              <a:extLst>
+                <a:ext uri="{FF2B5EF4-FFF2-40B4-BE49-F238E27FC236}">
+                  <a16:creationId xmlns:a16="http://schemas.microsoft.com/office/drawing/2014/main" id="{16202702-EFDE-3207-2716-92F4BD380A37}"/>
+                </a:ext>
+              </a:extLst>
+            </p:cNvPr>
+            <p:cNvSpPr/>
+            <p:nvPr/>
+          </p:nvSpPr>
+          <p:spPr>
+            <a:xfrm>
+              <a:off x="2584174" y="2500029"/>
+              <a:ext cx="185530" cy="185531"/>
+            </a:xfrm>
+            <a:prstGeom prst="rect">
+              <a:avLst/>
+            </a:prstGeom>
+          </p:spPr>
+          <p:style>
+            <a:lnRef idx="2">
+              <a:schemeClr val="accent2">
+                <a:shade val="15000"/>
+              </a:schemeClr>
+            </a:lnRef>
+            <a:fillRef idx="1">
+              <a:schemeClr val="accent2"/>
+            </a:fillRef>
+            <a:effectRef idx="0">
+              <a:schemeClr val="accent2"/>
+            </a:effectRef>
+            <a:fontRef idx="minor">
+              <a:schemeClr val="lt1"/>
+            </a:fontRef>
+          </p:style>
+          <p:txBody>
+            <a:bodyPr rtlCol="0" anchor="ctr"/>
+            <a:lstStyle/>
+            <a:p>
+              <a:pPr algn="ctr"/>
+              <a:endParaRPr lang="zh-CN" altLang="en-US" sz="1801" dirty="0"/>
+            </a:p>
+          </p:txBody>
+        </p:sp>
+        <p:sp>
+          <p:nvSpPr>
+            <p:cNvPr id="7" name="矩形 6">
+              <a:extLst>
+                <a:ext uri="{FF2B5EF4-FFF2-40B4-BE49-F238E27FC236}">
+                  <a16:creationId xmlns:a16="http://schemas.microsoft.com/office/drawing/2014/main" id="{A6587921-51ED-69B7-213E-6F03968EC0DE}"/>
+                </a:ext>
+              </a:extLst>
+            </p:cNvPr>
+            <p:cNvSpPr/>
+            <p:nvPr/>
+          </p:nvSpPr>
+          <p:spPr>
+            <a:xfrm>
+              <a:off x="2584174" y="2689200"/>
+              <a:ext cx="185530" cy="185531"/>
+            </a:xfrm>
+            <a:prstGeom prst="rect">
+              <a:avLst/>
+            </a:prstGeom>
+          </p:spPr>
+          <p:style>
+            <a:lnRef idx="2">
+              <a:schemeClr val="accent2">
+                <a:shade val="15000"/>
+              </a:schemeClr>
+            </a:lnRef>
+            <a:fillRef idx="1">
+              <a:schemeClr val="accent2"/>
+            </a:fillRef>
+            <a:effectRef idx="0">
+              <a:schemeClr val="accent2"/>
+            </a:effectRef>
+            <a:fontRef idx="minor">
+              <a:schemeClr val="lt1"/>
+            </a:fontRef>
+          </p:style>
+          <p:txBody>
+            <a:bodyPr rtlCol="0" anchor="ctr"/>
+            <a:lstStyle/>
+            <a:p>
+              <a:pPr algn="ctr"/>
+              <a:endParaRPr lang="zh-CN" altLang="en-US" sz="1801" dirty="0"/>
+            </a:p>
+          </p:txBody>
+        </p:sp>
+        <p:sp>
+          <p:nvSpPr>
+            <p:cNvPr id="8" name="矩形 7">
+              <a:extLst>
+                <a:ext uri="{FF2B5EF4-FFF2-40B4-BE49-F238E27FC236}">
+                  <a16:creationId xmlns:a16="http://schemas.microsoft.com/office/drawing/2014/main" id="{E3A74B77-FBDB-048C-4200-7B6657C01FEE}"/>
+                </a:ext>
+              </a:extLst>
+            </p:cNvPr>
+            <p:cNvSpPr/>
+            <p:nvPr/>
+          </p:nvSpPr>
+          <p:spPr>
+            <a:xfrm>
+              <a:off x="2584174" y="2876400"/>
+              <a:ext cx="185530" cy="185531"/>
+            </a:xfrm>
+            <a:prstGeom prst="rect">
+              <a:avLst/>
+            </a:prstGeom>
+          </p:spPr>
+          <p:style>
+            <a:lnRef idx="2">
+              <a:schemeClr val="accent2">
+                <a:shade val="15000"/>
+              </a:schemeClr>
+            </a:lnRef>
+            <a:fillRef idx="1">
+              <a:schemeClr val="accent2"/>
+            </a:fillRef>
+            <a:effectRef idx="0">
+              <a:schemeClr val="accent2"/>
+            </a:effectRef>
+            <a:fontRef idx="minor">
+              <a:schemeClr val="lt1"/>
+            </a:fontRef>
+          </p:style>
+          <p:txBody>
+            <a:bodyPr rtlCol="0" anchor="ctr"/>
+            <a:lstStyle/>
+            <a:p>
+              <a:pPr algn="ctr"/>
+              <a:endParaRPr lang="zh-CN" altLang="en-US" sz="1801" dirty="0"/>
+            </a:p>
+          </p:txBody>
+        </p:sp>
+        <p:sp>
+          <p:nvSpPr>
+            <p:cNvPr id="9" name="矩形 8">
+              <a:extLst>
+                <a:ext uri="{FF2B5EF4-FFF2-40B4-BE49-F238E27FC236}">
+                  <a16:creationId xmlns:a16="http://schemas.microsoft.com/office/drawing/2014/main" id="{D21A1481-3F67-4886-0D44-CB7D000EFE33}"/>
+                </a:ext>
+              </a:extLst>
+            </p:cNvPr>
+            <p:cNvSpPr/>
+            <p:nvPr/>
+          </p:nvSpPr>
+          <p:spPr>
+            <a:xfrm>
+              <a:off x="2584174" y="3061931"/>
+              <a:ext cx="185530" cy="185531"/>
+            </a:xfrm>
+            <a:prstGeom prst="rect">
+              <a:avLst/>
+            </a:prstGeom>
+          </p:spPr>
+          <p:style>
+            <a:lnRef idx="2">
+              <a:schemeClr val="accent2">
+                <a:shade val="15000"/>
+              </a:schemeClr>
+            </a:lnRef>
+            <a:fillRef idx="1">
+              <a:schemeClr val="accent2"/>
+            </a:fillRef>
+            <a:effectRef idx="0">
+              <a:schemeClr val="accent2"/>
+            </a:effectRef>
+            <a:fontRef idx="minor">
+              <a:schemeClr val="lt1"/>
+            </a:fontRef>
+          </p:style>
+          <p:txBody>
+            <a:bodyPr rtlCol="0" anchor="ctr"/>
+            <a:lstStyle/>
+            <a:p>
+              <a:pPr algn="ctr"/>
+              <a:endParaRPr lang="zh-CN" altLang="en-US" sz="1801" dirty="0"/>
+            </a:p>
+          </p:txBody>
+        </p:sp>
+        <p:sp>
+          <p:nvSpPr>
+            <p:cNvPr id="10" name="矩形 9">
+              <a:extLst>
+                <a:ext uri="{FF2B5EF4-FFF2-40B4-BE49-F238E27FC236}">
+                  <a16:creationId xmlns:a16="http://schemas.microsoft.com/office/drawing/2014/main" id="{DD1A8E89-2BF2-60AC-B45F-9332002F422D}"/>
+                </a:ext>
+              </a:extLst>
+            </p:cNvPr>
+            <p:cNvSpPr/>
+            <p:nvPr/>
+          </p:nvSpPr>
+          <p:spPr>
+            <a:xfrm>
+              <a:off x="2584174" y="3243469"/>
+              <a:ext cx="185530" cy="185531"/>
+            </a:xfrm>
+            <a:prstGeom prst="rect">
+              <a:avLst/>
+            </a:prstGeom>
+          </p:spPr>
+          <p:style>
+            <a:lnRef idx="2">
+              <a:schemeClr val="accent2">
+                <a:shade val="15000"/>
+              </a:schemeClr>
+            </a:lnRef>
+            <a:fillRef idx="1">
+              <a:schemeClr val="accent2"/>
+            </a:fillRef>
+            <a:effectRef idx="0">
+              <a:schemeClr val="accent2"/>
+            </a:effectRef>
+            <a:fontRef idx="minor">
+              <a:schemeClr val="lt1"/>
+            </a:fontRef>
+          </p:style>
+          <p:txBody>
+            <a:bodyPr rtlCol="0" anchor="ctr"/>
+            <a:lstStyle/>
+            <a:p>
+              <a:pPr algn="ctr"/>
+              <a:endParaRPr lang="zh-CN" altLang="en-US" sz="1801" dirty="0"/>
+            </a:p>
+          </p:txBody>
+        </p:sp>
+        <p:sp>
+          <p:nvSpPr>
+            <p:cNvPr id="11" name="矩形 10">
+              <a:extLst>
+                <a:ext uri="{FF2B5EF4-FFF2-40B4-BE49-F238E27FC236}">
+                  <a16:creationId xmlns:a16="http://schemas.microsoft.com/office/drawing/2014/main" id="{DF0E007F-CA79-EC0F-2F04-BA6F6B75E459}"/>
+                </a:ext>
+              </a:extLst>
+            </p:cNvPr>
+            <p:cNvSpPr/>
+            <p:nvPr/>
+          </p:nvSpPr>
+          <p:spPr>
+            <a:xfrm>
+              <a:off x="2584174" y="3425007"/>
+              <a:ext cx="185530" cy="185531"/>
+            </a:xfrm>
+            <a:prstGeom prst="rect">
+              <a:avLst/>
+            </a:prstGeom>
+          </p:spPr>
+          <p:style>
+            <a:lnRef idx="2">
+              <a:schemeClr val="accent2">
+                <a:shade val="15000"/>
+              </a:schemeClr>
+            </a:lnRef>
+            <a:fillRef idx="1">
+              <a:schemeClr val="accent2"/>
+            </a:fillRef>
+            <a:effectRef idx="0">
+              <a:schemeClr val="accent2"/>
+            </a:effectRef>
+            <a:fontRef idx="minor">
+              <a:schemeClr val="lt1"/>
+            </a:fontRef>
+          </p:style>
+          <p:txBody>
+            <a:bodyPr rtlCol="0" anchor="ctr"/>
+            <a:lstStyle/>
+            <a:p>
+              <a:pPr algn="ctr"/>
+              <a:endParaRPr lang="zh-CN" altLang="en-US" sz="1801" dirty="0"/>
+            </a:p>
+          </p:txBody>
+        </p:sp>
+      </p:grpSp>
+      <p:grpSp>
+        <p:nvGrpSpPr>
+          <p:cNvPr id="13" name="组合 12">
+            <a:extLst>
+              <a:ext uri="{FF2B5EF4-FFF2-40B4-BE49-F238E27FC236}">
+                <a16:creationId xmlns:a16="http://schemas.microsoft.com/office/drawing/2014/main" id="{F7286588-8E6F-2A4A-4AA5-4B57A5DA0391}"/>
+              </a:ext>
+            </a:extLst>
+          </p:cNvPr>
+          <p:cNvGrpSpPr/>
+          <p:nvPr/>
+        </p:nvGrpSpPr>
+        <p:grpSpPr>
+          <a:xfrm>
+            <a:off x="3140435" y="3157668"/>
+            <a:ext cx="185531" cy="1481572"/>
+            <a:chOff x="2584174" y="2128967"/>
+            <a:chExt cx="185530" cy="1481571"/>
+          </a:xfrm>
+        </p:grpSpPr>
+        <p:sp>
+          <p:nvSpPr>
+            <p:cNvPr id="14" name="矩形 13">
+              <a:extLst>
+                <a:ext uri="{FF2B5EF4-FFF2-40B4-BE49-F238E27FC236}">
+                  <a16:creationId xmlns:a16="http://schemas.microsoft.com/office/drawing/2014/main" id="{C4994329-8787-695F-8127-707C4CA8E91E}"/>
+                </a:ext>
+              </a:extLst>
+            </p:cNvPr>
+            <p:cNvSpPr/>
+            <p:nvPr/>
+          </p:nvSpPr>
+          <p:spPr>
+            <a:xfrm>
+              <a:off x="2584174" y="2128967"/>
+              <a:ext cx="185530" cy="185531"/>
+            </a:xfrm>
+            <a:prstGeom prst="rect">
+              <a:avLst/>
+            </a:prstGeom>
+          </p:spPr>
+          <p:style>
+            <a:lnRef idx="2">
+              <a:schemeClr val="accent5">
+                <a:shade val="15000"/>
+              </a:schemeClr>
+            </a:lnRef>
+            <a:fillRef idx="1">
+              <a:schemeClr val="accent5"/>
+            </a:fillRef>
+            <a:effectRef idx="0">
+              <a:schemeClr val="accent5"/>
+            </a:effectRef>
+            <a:fontRef idx="minor">
+              <a:schemeClr val="lt1"/>
+            </a:fontRef>
+          </p:style>
+          <p:txBody>
+            <a:bodyPr rtlCol="0" anchor="ctr"/>
+            <a:lstStyle/>
+            <a:p>
+              <a:pPr algn="ctr"/>
+              <a:endParaRPr lang="zh-CN" altLang="en-US" sz="1801" dirty="0"/>
+            </a:p>
+          </p:txBody>
+        </p:sp>
+        <p:sp>
+          <p:nvSpPr>
+            <p:cNvPr id="15" name="矩形 14">
+              <a:extLst>
+                <a:ext uri="{FF2B5EF4-FFF2-40B4-BE49-F238E27FC236}">
+                  <a16:creationId xmlns:a16="http://schemas.microsoft.com/office/drawing/2014/main" id="{35E672FB-B951-3649-10C6-75CCC6099C28}"/>
+                </a:ext>
+              </a:extLst>
+            </p:cNvPr>
+            <p:cNvSpPr/>
+            <p:nvPr/>
+          </p:nvSpPr>
+          <p:spPr>
+            <a:xfrm>
+              <a:off x="2584174" y="2314498"/>
+              <a:ext cx="185530" cy="185531"/>
+            </a:xfrm>
+            <a:prstGeom prst="rect">
+              <a:avLst/>
+            </a:prstGeom>
+          </p:spPr>
+          <p:style>
+            <a:lnRef idx="2">
+              <a:schemeClr val="accent5">
+                <a:shade val="15000"/>
+              </a:schemeClr>
+            </a:lnRef>
+            <a:fillRef idx="1">
+              <a:schemeClr val="accent5"/>
+            </a:fillRef>
+            <a:effectRef idx="0">
+              <a:schemeClr val="accent5"/>
+            </a:effectRef>
+            <a:fontRef idx="minor">
+              <a:schemeClr val="lt1"/>
+            </a:fontRef>
+          </p:style>
+          <p:txBody>
+            <a:bodyPr rtlCol="0" anchor="ctr"/>
+            <a:lstStyle/>
+            <a:p>
+              <a:pPr algn="ctr"/>
+              <a:endParaRPr lang="zh-CN" altLang="en-US" sz="1801" dirty="0"/>
+            </a:p>
+          </p:txBody>
+        </p:sp>
+        <p:sp>
+          <p:nvSpPr>
+            <p:cNvPr id="16" name="矩形 15">
+              <a:extLst>
+                <a:ext uri="{FF2B5EF4-FFF2-40B4-BE49-F238E27FC236}">
+                  <a16:creationId xmlns:a16="http://schemas.microsoft.com/office/drawing/2014/main" id="{99692843-5A8A-E9A5-E66E-5C7B97C2B0D3}"/>
+                </a:ext>
+              </a:extLst>
+            </p:cNvPr>
+            <p:cNvSpPr/>
+            <p:nvPr/>
+          </p:nvSpPr>
+          <p:spPr>
+            <a:xfrm>
+              <a:off x="2584174" y="2500029"/>
+              <a:ext cx="185530" cy="185531"/>
+            </a:xfrm>
+            <a:prstGeom prst="rect">
+              <a:avLst/>
+            </a:prstGeom>
+          </p:spPr>
+          <p:style>
+            <a:lnRef idx="2">
+              <a:schemeClr val="accent5">
+                <a:shade val="15000"/>
+              </a:schemeClr>
+            </a:lnRef>
+            <a:fillRef idx="1">
+              <a:schemeClr val="accent5"/>
+            </a:fillRef>
+            <a:effectRef idx="0">
+              <a:schemeClr val="accent5"/>
+            </a:effectRef>
+            <a:fontRef idx="minor">
+              <a:schemeClr val="lt1"/>
+            </a:fontRef>
+          </p:style>
+          <p:txBody>
+            <a:bodyPr rtlCol="0" anchor="ctr"/>
+            <a:lstStyle/>
+            <a:p>
+              <a:pPr algn="ctr"/>
+              <a:endParaRPr lang="zh-CN" altLang="en-US" sz="1801" dirty="0"/>
+            </a:p>
+          </p:txBody>
+        </p:sp>
+        <p:sp>
+          <p:nvSpPr>
+            <p:cNvPr id="17" name="矩形 16">
+              <a:extLst>
+                <a:ext uri="{FF2B5EF4-FFF2-40B4-BE49-F238E27FC236}">
+                  <a16:creationId xmlns:a16="http://schemas.microsoft.com/office/drawing/2014/main" id="{16B50393-6D74-A886-8D86-D1CE783A6537}"/>
+                </a:ext>
+              </a:extLst>
+            </p:cNvPr>
+            <p:cNvSpPr/>
+            <p:nvPr/>
+          </p:nvSpPr>
+          <p:spPr>
+            <a:xfrm>
+              <a:off x="2584174" y="2689200"/>
+              <a:ext cx="185530" cy="185531"/>
+            </a:xfrm>
+            <a:prstGeom prst="rect">
+              <a:avLst/>
+            </a:prstGeom>
+          </p:spPr>
+          <p:style>
+            <a:lnRef idx="2">
+              <a:schemeClr val="accent5">
+                <a:shade val="15000"/>
+              </a:schemeClr>
+            </a:lnRef>
+            <a:fillRef idx="1">
+              <a:schemeClr val="accent5"/>
+            </a:fillRef>
+            <a:effectRef idx="0">
+              <a:schemeClr val="accent5"/>
+            </a:effectRef>
+            <a:fontRef idx="minor">
+              <a:schemeClr val="lt1"/>
+            </a:fontRef>
+          </p:style>
+          <p:txBody>
+            <a:bodyPr rtlCol="0" anchor="ctr"/>
+            <a:lstStyle/>
+            <a:p>
+              <a:pPr algn="ctr"/>
+              <a:endParaRPr lang="zh-CN" altLang="en-US" sz="1801" dirty="0"/>
+            </a:p>
+          </p:txBody>
+        </p:sp>
+        <p:sp>
+          <p:nvSpPr>
+            <p:cNvPr id="18" name="矩形 17">
+              <a:extLst>
+                <a:ext uri="{FF2B5EF4-FFF2-40B4-BE49-F238E27FC236}">
+                  <a16:creationId xmlns:a16="http://schemas.microsoft.com/office/drawing/2014/main" id="{8164A688-540A-55ED-1E33-9C074743BC5E}"/>
+                </a:ext>
+              </a:extLst>
+            </p:cNvPr>
+            <p:cNvSpPr/>
+            <p:nvPr/>
+          </p:nvSpPr>
+          <p:spPr>
+            <a:xfrm>
+              <a:off x="2584174" y="2876400"/>
+              <a:ext cx="185530" cy="185531"/>
+            </a:xfrm>
+            <a:prstGeom prst="rect">
+              <a:avLst/>
+            </a:prstGeom>
+          </p:spPr>
+          <p:style>
+            <a:lnRef idx="2">
+              <a:schemeClr val="accent5">
+                <a:shade val="15000"/>
+              </a:schemeClr>
+            </a:lnRef>
+            <a:fillRef idx="1">
+              <a:schemeClr val="accent5"/>
+            </a:fillRef>
+            <a:effectRef idx="0">
+              <a:schemeClr val="accent5"/>
+            </a:effectRef>
+            <a:fontRef idx="minor">
+              <a:schemeClr val="lt1"/>
+            </a:fontRef>
+          </p:style>
+          <p:txBody>
+            <a:bodyPr rtlCol="0" anchor="ctr"/>
+            <a:lstStyle/>
+            <a:p>
+              <a:pPr algn="ctr"/>
+              <a:endParaRPr lang="zh-CN" altLang="en-US" sz="1801" dirty="0"/>
+            </a:p>
+          </p:txBody>
+        </p:sp>
+        <p:sp>
+          <p:nvSpPr>
+            <p:cNvPr id="19" name="矩形 18">
+              <a:extLst>
+                <a:ext uri="{FF2B5EF4-FFF2-40B4-BE49-F238E27FC236}">
+                  <a16:creationId xmlns:a16="http://schemas.microsoft.com/office/drawing/2014/main" id="{5609AC2D-90A5-0232-2859-C4678BDF9736}"/>
+                </a:ext>
+              </a:extLst>
+            </p:cNvPr>
+            <p:cNvSpPr/>
+            <p:nvPr/>
+          </p:nvSpPr>
+          <p:spPr>
+            <a:xfrm>
+              <a:off x="2584174" y="3061931"/>
+              <a:ext cx="185530" cy="185531"/>
+            </a:xfrm>
+            <a:prstGeom prst="rect">
+              <a:avLst/>
+            </a:prstGeom>
+          </p:spPr>
+          <p:style>
+            <a:lnRef idx="2">
+              <a:schemeClr val="accent5">
+                <a:shade val="15000"/>
+              </a:schemeClr>
+            </a:lnRef>
+            <a:fillRef idx="1">
+              <a:schemeClr val="accent5"/>
+            </a:fillRef>
+            <a:effectRef idx="0">
+              <a:schemeClr val="accent5"/>
+            </a:effectRef>
+            <a:fontRef idx="minor">
+              <a:schemeClr val="lt1"/>
+            </a:fontRef>
+          </p:style>
+          <p:txBody>
+            <a:bodyPr rtlCol="0" anchor="ctr"/>
+            <a:lstStyle/>
+            <a:p>
+              <a:pPr algn="ctr"/>
+              <a:endParaRPr lang="zh-CN" altLang="en-US" sz="1801" dirty="0"/>
+            </a:p>
+          </p:txBody>
+        </p:sp>
+        <p:sp>
+          <p:nvSpPr>
+            <p:cNvPr id="20" name="矩形 19">
+              <a:extLst>
+                <a:ext uri="{FF2B5EF4-FFF2-40B4-BE49-F238E27FC236}">
+                  <a16:creationId xmlns:a16="http://schemas.microsoft.com/office/drawing/2014/main" id="{53E29031-7405-09C5-75AF-42B6515A4FA4}"/>
+                </a:ext>
+              </a:extLst>
+            </p:cNvPr>
+            <p:cNvSpPr/>
+            <p:nvPr/>
+          </p:nvSpPr>
+          <p:spPr>
+            <a:xfrm>
+              <a:off x="2584174" y="3243469"/>
+              <a:ext cx="185530" cy="185531"/>
+            </a:xfrm>
+            <a:prstGeom prst="rect">
+              <a:avLst/>
+            </a:prstGeom>
+          </p:spPr>
+          <p:style>
+            <a:lnRef idx="2">
+              <a:schemeClr val="accent5">
+                <a:shade val="15000"/>
+              </a:schemeClr>
+            </a:lnRef>
+            <a:fillRef idx="1">
+              <a:schemeClr val="accent5"/>
+            </a:fillRef>
+            <a:effectRef idx="0">
+              <a:schemeClr val="accent5"/>
+            </a:effectRef>
+            <a:fontRef idx="minor">
+              <a:schemeClr val="lt1"/>
+            </a:fontRef>
+          </p:style>
+          <p:txBody>
+            <a:bodyPr rtlCol="0" anchor="ctr"/>
+            <a:lstStyle/>
+            <a:p>
+              <a:pPr algn="ctr"/>
+              <a:endParaRPr lang="zh-CN" altLang="en-US" sz="1801" dirty="0"/>
+            </a:p>
+          </p:txBody>
+        </p:sp>
+        <p:sp>
+          <p:nvSpPr>
+            <p:cNvPr id="21" name="矩形 20">
+              <a:extLst>
+                <a:ext uri="{FF2B5EF4-FFF2-40B4-BE49-F238E27FC236}">
+                  <a16:creationId xmlns:a16="http://schemas.microsoft.com/office/drawing/2014/main" id="{D81E4BDC-76A9-D38B-A375-A1716D986824}"/>
+                </a:ext>
+              </a:extLst>
+            </p:cNvPr>
+            <p:cNvSpPr/>
+            <p:nvPr/>
+          </p:nvSpPr>
+          <p:spPr>
+            <a:xfrm>
+              <a:off x="2584174" y="3425007"/>
+              <a:ext cx="185530" cy="185531"/>
+            </a:xfrm>
+            <a:prstGeom prst="rect">
+              <a:avLst/>
+            </a:prstGeom>
+          </p:spPr>
+          <p:style>
+            <a:lnRef idx="2">
+              <a:schemeClr val="accent5">
+                <a:shade val="15000"/>
+              </a:schemeClr>
+            </a:lnRef>
+            <a:fillRef idx="1">
+              <a:schemeClr val="accent5"/>
+            </a:fillRef>
+            <a:effectRef idx="0">
+              <a:schemeClr val="accent5"/>
+            </a:effectRef>
+            <a:fontRef idx="minor">
+              <a:schemeClr val="lt1"/>
+            </a:fontRef>
+          </p:style>
+          <p:txBody>
+            <a:bodyPr rtlCol="0" anchor="ctr"/>
+            <a:lstStyle/>
+            <a:p>
+              <a:pPr algn="ctr"/>
+              <a:endParaRPr lang="zh-CN" altLang="en-US" sz="1801" dirty="0"/>
+            </a:p>
+          </p:txBody>
+        </p:sp>
+      </p:grpSp>
+      <mc:AlternateContent xmlns:mc="http://schemas.openxmlformats.org/markup-compatibility/2006">
+        <mc:Choice xmlns:a14="http://schemas.microsoft.com/office/drawing/2010/main" Requires="a14">
+          <p:sp>
+            <p:nvSpPr>
+              <p:cNvPr id="23" name="文本框 22">
+                <a:extLst>
+                  <a:ext uri="{FF2B5EF4-FFF2-40B4-BE49-F238E27FC236}">
+                    <a16:creationId xmlns:a16="http://schemas.microsoft.com/office/drawing/2014/main" id="{90DE113F-C711-3E9B-0715-884ABDEF34E5}"/>
+                  </a:ext>
+                </a:extLst>
+              </p:cNvPr>
+              <p:cNvSpPr txBox="1"/>
+              <p:nvPr/>
+            </p:nvSpPr>
+            <p:spPr>
+              <a:xfrm>
+                <a:off x="2615099" y="4717048"/>
+                <a:ext cx="149080" cy="215572"/>
+              </a:xfrm>
+              <a:prstGeom prst="rect">
+                <a:avLst/>
+              </a:prstGeom>
+              <a:noFill/>
+            </p:spPr>
+            <p:txBody>
+              <a:bodyPr wrap="none" lIns="0" tIns="0" rIns="0" bIns="0" rtlCol="0">
+                <a:spAutoFit/>
+              </a:bodyPr>
+              <a:lstStyle/>
+              <a:p>
+                <a14:m>
+                  <m:oMathPara xmlns:m="http://schemas.openxmlformats.org/officeDocument/2006/math">
+                    <m:oMathParaPr>
+                      <m:jc m:val="centerGroup"/>
+                    </m:oMathParaPr>
+                    <m:oMath xmlns:m="http://schemas.openxmlformats.org/officeDocument/2006/math">
+                      <m:r>
+                        <a:rPr lang="en-US" altLang="zh-CN" sz="1401" b="1" i="1">
+                          <a:latin typeface="Cambria Math" panose="02040503050406030204" pitchFamily="18" charset="0"/>
+                        </a:rPr>
+                        <m:t>𝒆</m:t>
+                      </m:r>
+                    </m:oMath>
+                  </m:oMathPara>
+                </a14:m>
+                <a:endParaRPr lang="zh-CN" altLang="en-US" sz="1401" b="1" dirty="0"/>
+              </a:p>
+            </p:txBody>
+          </p:sp>
+        </mc:Choice>
+        <mc:Fallback>
+          <p:sp>
+            <p:nvSpPr>
+              <p:cNvPr id="23" name="文本框 22">
+                <a:extLst>
+                  <a:ext uri="{FF2B5EF4-FFF2-40B4-BE49-F238E27FC236}">
+                    <a16:creationId xmlns:a16="http://schemas.microsoft.com/office/drawing/2014/main" id="{90DE113F-C711-3E9B-0715-884ABDEF34E5}"/>
+                  </a:ext>
+                </a:extLst>
+              </p:cNvPr>
+              <p:cNvSpPr txBox="1">
+                <a:spLocks noRot="1" noChangeAspect="1" noMove="1" noResize="1" noEditPoints="1" noAdjustHandles="1" noChangeArrowheads="1" noChangeShapeType="1" noTextEdit="1"/>
+              </p:cNvSpPr>
+              <p:nvPr/>
+            </p:nvSpPr>
+            <p:spPr>
+              <a:xfrm>
+                <a:off x="2615099" y="4717048"/>
+                <a:ext cx="149080" cy="215572"/>
+              </a:xfrm>
+              <a:prstGeom prst="rect">
+                <a:avLst/>
+              </a:prstGeom>
+              <a:blipFill>
+                <a:blip r:embed="rId2"/>
+                <a:stretch>
+                  <a:fillRect l="-16667" r="-12500"/>
+                </a:stretch>
+              </a:blipFill>
+            </p:spPr>
+            <p:txBody>
+              <a:bodyPr/>
+              <a:lstStyle/>
+              <a:p>
+                <a:r>
+                  <a:rPr lang="zh-CN" altLang="en-US">
+                    <a:noFill/>
+                  </a:rPr>
+                  <a:t> </a:t>
+                </a:r>
+              </a:p>
+            </p:txBody>
+          </p:sp>
+        </mc:Fallback>
+      </mc:AlternateContent>
+      <mc:AlternateContent xmlns:mc="http://schemas.openxmlformats.org/markup-compatibility/2006">
+        <mc:Choice xmlns:a14="http://schemas.microsoft.com/office/drawing/2010/main" Requires="a14">
+          <p:sp>
+            <p:nvSpPr>
+              <p:cNvPr id="24" name="文本框 23">
+                <a:extLst>
+                  <a:ext uri="{FF2B5EF4-FFF2-40B4-BE49-F238E27FC236}">
+                    <a16:creationId xmlns:a16="http://schemas.microsoft.com/office/drawing/2014/main" id="{BBCBCAE1-0DB2-4854-76DE-BF7FE256BEA1}"/>
+                  </a:ext>
+                </a:extLst>
+              </p:cNvPr>
+              <p:cNvSpPr txBox="1"/>
+              <p:nvPr/>
+            </p:nvSpPr>
+            <p:spPr>
+              <a:xfrm>
+                <a:off x="3158659" y="4717048"/>
+                <a:ext cx="145874" cy="215572"/>
+              </a:xfrm>
+              <a:prstGeom prst="rect">
+                <a:avLst/>
+              </a:prstGeom>
+              <a:noFill/>
+            </p:spPr>
+            <p:txBody>
+              <a:bodyPr wrap="none" lIns="0" tIns="0" rIns="0" bIns="0" rtlCol="0">
+                <a:spAutoFit/>
+              </a:bodyPr>
+              <a:lstStyle/>
+              <a:p>
+                <a14:m>
+                  <m:oMathPara xmlns:m="http://schemas.openxmlformats.org/officeDocument/2006/math">
+                    <m:oMathParaPr>
+                      <m:jc m:val="centerGroup"/>
+                    </m:oMathParaPr>
+                    <m:oMath xmlns:m="http://schemas.openxmlformats.org/officeDocument/2006/math">
+                      <m:r>
+                        <a:rPr lang="en-US" altLang="zh-CN" sz="1401" b="1" i="1">
+                          <a:latin typeface="Cambria Math" panose="02040503050406030204" pitchFamily="18" charset="0"/>
+                        </a:rPr>
+                        <m:t>𝒓</m:t>
+                      </m:r>
+                    </m:oMath>
+                  </m:oMathPara>
+                </a14:m>
+                <a:endParaRPr lang="zh-CN" altLang="en-US" sz="1401" b="1" dirty="0"/>
+              </a:p>
+            </p:txBody>
+          </p:sp>
+        </mc:Choice>
+        <mc:Fallback>
+          <p:sp>
+            <p:nvSpPr>
+              <p:cNvPr id="24" name="文本框 23">
+                <a:extLst>
+                  <a:ext uri="{FF2B5EF4-FFF2-40B4-BE49-F238E27FC236}">
+                    <a16:creationId xmlns:a16="http://schemas.microsoft.com/office/drawing/2014/main" id="{BBCBCAE1-0DB2-4854-76DE-BF7FE256BEA1}"/>
+                  </a:ext>
+                </a:extLst>
+              </p:cNvPr>
+              <p:cNvSpPr txBox="1">
+                <a:spLocks noRot="1" noChangeAspect="1" noMove="1" noResize="1" noEditPoints="1" noAdjustHandles="1" noChangeArrowheads="1" noChangeShapeType="1" noTextEdit="1"/>
+              </p:cNvSpPr>
+              <p:nvPr/>
+            </p:nvSpPr>
+            <p:spPr>
+              <a:xfrm>
+                <a:off x="3158659" y="4717048"/>
+                <a:ext cx="145874" cy="215572"/>
+              </a:xfrm>
+              <a:prstGeom prst="rect">
+                <a:avLst/>
+              </a:prstGeom>
+              <a:blipFill>
+                <a:blip r:embed="rId3"/>
+                <a:stretch>
+                  <a:fillRect l="-12500" r="-16667"/>
+                </a:stretch>
+              </a:blipFill>
+            </p:spPr>
+            <p:txBody>
+              <a:bodyPr/>
+              <a:lstStyle/>
+              <a:p>
+                <a:r>
+                  <a:rPr lang="zh-CN" altLang="en-US">
+                    <a:noFill/>
+                  </a:rPr>
+                  <a:t> </a:t>
+                </a:r>
+              </a:p>
+            </p:txBody>
+          </p:sp>
+        </mc:Fallback>
+      </mc:AlternateContent>
+      <p:grpSp>
+        <p:nvGrpSpPr>
+          <p:cNvPr id="59" name="组合 58">
+            <a:extLst>
+              <a:ext uri="{FF2B5EF4-FFF2-40B4-BE49-F238E27FC236}">
+                <a16:creationId xmlns:a16="http://schemas.microsoft.com/office/drawing/2014/main" id="{046F000D-F26D-3054-46B0-D0FADBF94E1F}"/>
+              </a:ext>
+            </a:extLst>
+          </p:cNvPr>
+          <p:cNvGrpSpPr/>
+          <p:nvPr/>
+        </p:nvGrpSpPr>
+        <p:grpSpPr>
+          <a:xfrm>
+            <a:off x="4023086" y="3528730"/>
+            <a:ext cx="742121" cy="734139"/>
+            <a:chOff x="6155414" y="3247462"/>
+            <a:chExt cx="742120" cy="734138"/>
+          </a:xfrm>
+        </p:grpSpPr>
+        <p:sp>
+          <p:nvSpPr>
+            <p:cNvPr id="41" name="矩形 40">
+              <a:extLst>
+                <a:ext uri="{FF2B5EF4-FFF2-40B4-BE49-F238E27FC236}">
+                  <a16:creationId xmlns:a16="http://schemas.microsoft.com/office/drawing/2014/main" id="{742B347B-B4AF-5EC9-8931-A51F7ACB3499}"/>
+                </a:ext>
+              </a:extLst>
+            </p:cNvPr>
+            <p:cNvSpPr/>
+            <p:nvPr/>
+          </p:nvSpPr>
+          <p:spPr>
+            <a:xfrm>
+              <a:off x="6155414" y="3247462"/>
+              <a:ext cx="185530" cy="185531"/>
+            </a:xfrm>
+            <a:prstGeom prst="rect">
+              <a:avLst/>
+            </a:prstGeom>
+          </p:spPr>
+          <p:style>
+            <a:lnRef idx="2">
+              <a:schemeClr val="accent5">
+                <a:shade val="15000"/>
+              </a:schemeClr>
+            </a:lnRef>
+            <a:fillRef idx="1">
+              <a:schemeClr val="accent5"/>
+            </a:fillRef>
+            <a:effectRef idx="0">
+              <a:schemeClr val="accent5"/>
+            </a:effectRef>
+            <a:fontRef idx="minor">
+              <a:schemeClr val="lt1"/>
+            </a:fontRef>
+          </p:style>
+          <p:txBody>
+            <a:bodyPr rtlCol="0" anchor="ctr"/>
+            <a:lstStyle/>
+            <a:p>
+              <a:pPr algn="ctr"/>
+              <a:endParaRPr lang="zh-CN" altLang="en-US" sz="1801" dirty="0"/>
+            </a:p>
+          </p:txBody>
+        </p:sp>
+        <p:sp>
+          <p:nvSpPr>
+            <p:cNvPr id="42" name="矩形 41">
+              <a:extLst>
+                <a:ext uri="{FF2B5EF4-FFF2-40B4-BE49-F238E27FC236}">
+                  <a16:creationId xmlns:a16="http://schemas.microsoft.com/office/drawing/2014/main" id="{F726DA3C-596A-49B3-6B60-7B5399CC25DA}"/>
+                </a:ext>
+              </a:extLst>
+            </p:cNvPr>
+            <p:cNvSpPr/>
+            <p:nvPr/>
+          </p:nvSpPr>
+          <p:spPr>
+            <a:xfrm>
+              <a:off x="6155414" y="3432993"/>
+              <a:ext cx="185530" cy="185531"/>
+            </a:xfrm>
+            <a:prstGeom prst="rect">
+              <a:avLst/>
+            </a:prstGeom>
+          </p:spPr>
+          <p:style>
+            <a:lnRef idx="2">
+              <a:schemeClr val="accent2">
+                <a:shade val="15000"/>
+              </a:schemeClr>
+            </a:lnRef>
+            <a:fillRef idx="1">
+              <a:schemeClr val="accent2"/>
+            </a:fillRef>
+            <a:effectRef idx="0">
+              <a:schemeClr val="accent2"/>
+            </a:effectRef>
+            <a:fontRef idx="minor">
+              <a:schemeClr val="lt1"/>
+            </a:fontRef>
+          </p:style>
+          <p:txBody>
+            <a:bodyPr rtlCol="0" anchor="ctr"/>
+            <a:lstStyle/>
+            <a:p>
+              <a:pPr algn="ctr"/>
+              <a:endParaRPr lang="zh-CN" altLang="en-US" sz="1801" dirty="0"/>
+            </a:p>
+          </p:txBody>
+        </p:sp>
+        <p:sp>
+          <p:nvSpPr>
+            <p:cNvPr id="43" name="矩形 42">
+              <a:extLst>
+                <a:ext uri="{FF2B5EF4-FFF2-40B4-BE49-F238E27FC236}">
+                  <a16:creationId xmlns:a16="http://schemas.microsoft.com/office/drawing/2014/main" id="{9215CF54-8A19-64BC-D2AE-B73B9E0B6778}"/>
+                </a:ext>
+              </a:extLst>
+            </p:cNvPr>
+            <p:cNvSpPr/>
+            <p:nvPr/>
+          </p:nvSpPr>
+          <p:spPr>
+            <a:xfrm>
+              <a:off x="6155414" y="3614531"/>
+              <a:ext cx="185530" cy="185531"/>
+            </a:xfrm>
+            <a:prstGeom prst="rect">
+              <a:avLst/>
+            </a:prstGeom>
+          </p:spPr>
+          <p:style>
+            <a:lnRef idx="2">
+              <a:schemeClr val="accent5">
+                <a:shade val="15000"/>
+              </a:schemeClr>
+            </a:lnRef>
+            <a:fillRef idx="1">
+              <a:schemeClr val="accent5"/>
+            </a:fillRef>
+            <a:effectRef idx="0">
+              <a:schemeClr val="accent5"/>
+            </a:effectRef>
+            <a:fontRef idx="minor">
+              <a:schemeClr val="lt1"/>
+            </a:fontRef>
+          </p:style>
+          <p:txBody>
+            <a:bodyPr rtlCol="0" anchor="ctr"/>
+            <a:lstStyle/>
+            <a:p>
+              <a:pPr algn="ctr"/>
+              <a:endParaRPr lang="zh-CN" altLang="en-US" sz="1801" dirty="0"/>
+            </a:p>
+          </p:txBody>
+        </p:sp>
+        <p:sp>
+          <p:nvSpPr>
+            <p:cNvPr id="44" name="矩形 43">
+              <a:extLst>
+                <a:ext uri="{FF2B5EF4-FFF2-40B4-BE49-F238E27FC236}">
+                  <a16:creationId xmlns:a16="http://schemas.microsoft.com/office/drawing/2014/main" id="{29102D0E-6A3C-5010-0E2D-6AA447DC1F99}"/>
+                </a:ext>
+              </a:extLst>
+            </p:cNvPr>
+            <p:cNvSpPr/>
+            <p:nvPr/>
+          </p:nvSpPr>
+          <p:spPr>
+            <a:xfrm>
+              <a:off x="6155414" y="3796069"/>
+              <a:ext cx="185530" cy="185531"/>
+            </a:xfrm>
+            <a:prstGeom prst="rect">
+              <a:avLst/>
+            </a:prstGeom>
+          </p:spPr>
+          <p:style>
+            <a:lnRef idx="2">
+              <a:schemeClr val="accent2">
+                <a:shade val="15000"/>
+              </a:schemeClr>
+            </a:lnRef>
+            <a:fillRef idx="1">
+              <a:schemeClr val="accent2"/>
+            </a:fillRef>
+            <a:effectRef idx="0">
+              <a:schemeClr val="accent2"/>
+            </a:effectRef>
+            <a:fontRef idx="minor">
+              <a:schemeClr val="lt1"/>
+            </a:fontRef>
+          </p:style>
+          <p:txBody>
+            <a:bodyPr rtlCol="0" anchor="ctr"/>
+            <a:lstStyle/>
+            <a:p>
+              <a:pPr algn="ctr"/>
+              <a:endParaRPr lang="zh-CN" altLang="en-US" sz="1801" dirty="0"/>
+            </a:p>
+          </p:txBody>
+        </p:sp>
+        <p:sp>
+          <p:nvSpPr>
+            <p:cNvPr id="45" name="矩形 44">
+              <a:extLst>
+                <a:ext uri="{FF2B5EF4-FFF2-40B4-BE49-F238E27FC236}">
+                  <a16:creationId xmlns:a16="http://schemas.microsoft.com/office/drawing/2014/main" id="{AFF39258-8B32-BEB3-0E87-ECEF534DC03C}"/>
+                </a:ext>
+              </a:extLst>
+            </p:cNvPr>
+            <p:cNvSpPr/>
+            <p:nvPr/>
+          </p:nvSpPr>
+          <p:spPr>
+            <a:xfrm>
+              <a:off x="6340944" y="3247462"/>
+              <a:ext cx="185530" cy="185531"/>
+            </a:xfrm>
+            <a:prstGeom prst="rect">
+              <a:avLst/>
+            </a:prstGeom>
+          </p:spPr>
+          <p:style>
+            <a:lnRef idx="2">
+              <a:schemeClr val="accent2">
+                <a:shade val="15000"/>
+              </a:schemeClr>
+            </a:lnRef>
+            <a:fillRef idx="1">
+              <a:schemeClr val="accent2"/>
+            </a:fillRef>
+            <a:effectRef idx="0">
+              <a:schemeClr val="accent2"/>
+            </a:effectRef>
+            <a:fontRef idx="minor">
+              <a:schemeClr val="lt1"/>
+            </a:fontRef>
+          </p:style>
+          <p:txBody>
+            <a:bodyPr rtlCol="0" anchor="ctr"/>
+            <a:lstStyle/>
+            <a:p>
+              <a:pPr algn="ctr"/>
+              <a:endParaRPr lang="zh-CN" altLang="en-US" sz="1801" dirty="0"/>
+            </a:p>
+          </p:txBody>
+        </p:sp>
+        <p:sp>
+          <p:nvSpPr>
+            <p:cNvPr id="46" name="矩形 45">
+              <a:extLst>
+                <a:ext uri="{FF2B5EF4-FFF2-40B4-BE49-F238E27FC236}">
+                  <a16:creationId xmlns:a16="http://schemas.microsoft.com/office/drawing/2014/main" id="{3C9C40E9-E381-6657-1817-E16098350D89}"/>
+                </a:ext>
+              </a:extLst>
+            </p:cNvPr>
+            <p:cNvSpPr/>
+            <p:nvPr/>
+          </p:nvSpPr>
+          <p:spPr>
+            <a:xfrm>
+              <a:off x="6340944" y="3432993"/>
+              <a:ext cx="185530" cy="185531"/>
+            </a:xfrm>
+            <a:prstGeom prst="rect">
+              <a:avLst/>
+            </a:prstGeom>
+          </p:spPr>
+          <p:style>
+            <a:lnRef idx="2">
+              <a:schemeClr val="accent5">
+                <a:shade val="15000"/>
+              </a:schemeClr>
+            </a:lnRef>
+            <a:fillRef idx="1">
+              <a:schemeClr val="accent5"/>
+            </a:fillRef>
+            <a:effectRef idx="0">
+              <a:schemeClr val="accent5"/>
+            </a:effectRef>
+            <a:fontRef idx="minor">
+              <a:schemeClr val="lt1"/>
+            </a:fontRef>
+          </p:style>
+          <p:txBody>
+            <a:bodyPr rtlCol="0" anchor="ctr"/>
+            <a:lstStyle/>
+            <a:p>
+              <a:pPr algn="ctr"/>
+              <a:endParaRPr lang="zh-CN" altLang="en-US" sz="1801" dirty="0"/>
+            </a:p>
+          </p:txBody>
+        </p:sp>
+        <p:sp>
+          <p:nvSpPr>
+            <p:cNvPr id="47" name="矩形 46">
+              <a:extLst>
+                <a:ext uri="{FF2B5EF4-FFF2-40B4-BE49-F238E27FC236}">
+                  <a16:creationId xmlns:a16="http://schemas.microsoft.com/office/drawing/2014/main" id="{333E288A-6221-6EB6-DD28-E2E9E35AC2DE}"/>
+                </a:ext>
+              </a:extLst>
+            </p:cNvPr>
+            <p:cNvSpPr/>
+            <p:nvPr/>
+          </p:nvSpPr>
+          <p:spPr>
+            <a:xfrm>
+              <a:off x="6340944" y="3614531"/>
+              <a:ext cx="185530" cy="185531"/>
+            </a:xfrm>
+            <a:prstGeom prst="rect">
+              <a:avLst/>
+            </a:prstGeom>
+          </p:spPr>
+          <p:style>
+            <a:lnRef idx="2">
+              <a:schemeClr val="accent2">
+                <a:shade val="15000"/>
+              </a:schemeClr>
+            </a:lnRef>
+            <a:fillRef idx="1">
+              <a:schemeClr val="accent2"/>
+            </a:fillRef>
+            <a:effectRef idx="0">
+              <a:schemeClr val="accent2"/>
+            </a:effectRef>
+            <a:fontRef idx="minor">
+              <a:schemeClr val="lt1"/>
+            </a:fontRef>
+          </p:style>
+          <p:txBody>
+            <a:bodyPr rtlCol="0" anchor="ctr"/>
+            <a:lstStyle/>
+            <a:p>
+              <a:pPr algn="ctr"/>
+              <a:endParaRPr lang="zh-CN" altLang="en-US" sz="1801" dirty="0"/>
+            </a:p>
+          </p:txBody>
+        </p:sp>
+        <p:sp>
+          <p:nvSpPr>
+            <p:cNvPr id="48" name="矩形 47">
+              <a:extLst>
+                <a:ext uri="{FF2B5EF4-FFF2-40B4-BE49-F238E27FC236}">
+                  <a16:creationId xmlns:a16="http://schemas.microsoft.com/office/drawing/2014/main" id="{0A6E2433-F0FF-68B1-1E4C-A0D4B30B7F6B}"/>
+                </a:ext>
+              </a:extLst>
+            </p:cNvPr>
+            <p:cNvSpPr/>
+            <p:nvPr/>
+          </p:nvSpPr>
+          <p:spPr>
+            <a:xfrm>
+              <a:off x="6340944" y="3796069"/>
+              <a:ext cx="185530" cy="185531"/>
+            </a:xfrm>
+            <a:prstGeom prst="rect">
+              <a:avLst/>
+            </a:prstGeom>
+          </p:spPr>
+          <p:style>
+            <a:lnRef idx="2">
+              <a:schemeClr val="accent5">
+                <a:shade val="15000"/>
+              </a:schemeClr>
+            </a:lnRef>
+            <a:fillRef idx="1">
+              <a:schemeClr val="accent5"/>
+            </a:fillRef>
+            <a:effectRef idx="0">
+              <a:schemeClr val="accent5"/>
+            </a:effectRef>
+            <a:fontRef idx="minor">
+              <a:schemeClr val="lt1"/>
+            </a:fontRef>
+          </p:style>
+          <p:txBody>
+            <a:bodyPr rtlCol="0" anchor="ctr"/>
+            <a:lstStyle/>
+            <a:p>
+              <a:pPr algn="ctr"/>
+              <a:endParaRPr lang="zh-CN" altLang="en-US" sz="1801" dirty="0"/>
+            </a:p>
+          </p:txBody>
+        </p:sp>
+        <p:sp>
+          <p:nvSpPr>
+            <p:cNvPr id="51" name="矩形 50">
+              <a:extLst>
+                <a:ext uri="{FF2B5EF4-FFF2-40B4-BE49-F238E27FC236}">
+                  <a16:creationId xmlns:a16="http://schemas.microsoft.com/office/drawing/2014/main" id="{2BAC3F5B-32B9-FB96-8DB5-29D703C8A1AA}"/>
+                </a:ext>
+              </a:extLst>
+            </p:cNvPr>
+            <p:cNvSpPr/>
+            <p:nvPr/>
+          </p:nvSpPr>
+          <p:spPr>
+            <a:xfrm>
+              <a:off x="6526474" y="3247462"/>
+              <a:ext cx="185530" cy="185531"/>
+            </a:xfrm>
+            <a:prstGeom prst="rect">
+              <a:avLst/>
+            </a:prstGeom>
+          </p:spPr>
+          <p:style>
+            <a:lnRef idx="2">
+              <a:schemeClr val="accent5">
+                <a:shade val="15000"/>
+              </a:schemeClr>
+            </a:lnRef>
+            <a:fillRef idx="1">
+              <a:schemeClr val="accent5"/>
+            </a:fillRef>
+            <a:effectRef idx="0">
+              <a:schemeClr val="accent5"/>
+            </a:effectRef>
+            <a:fontRef idx="minor">
+              <a:schemeClr val="lt1"/>
+            </a:fontRef>
+          </p:style>
+          <p:txBody>
+            <a:bodyPr rtlCol="0" anchor="ctr"/>
+            <a:lstStyle/>
+            <a:p>
+              <a:pPr algn="ctr"/>
+              <a:endParaRPr lang="zh-CN" altLang="en-US" sz="1801" dirty="0"/>
+            </a:p>
+          </p:txBody>
+        </p:sp>
+        <p:sp>
+          <p:nvSpPr>
+            <p:cNvPr id="52" name="矩形 51">
+              <a:extLst>
+                <a:ext uri="{FF2B5EF4-FFF2-40B4-BE49-F238E27FC236}">
+                  <a16:creationId xmlns:a16="http://schemas.microsoft.com/office/drawing/2014/main" id="{6FAA964C-9C25-8F86-7C8D-1ED80666BCCB}"/>
+                </a:ext>
+              </a:extLst>
+            </p:cNvPr>
+            <p:cNvSpPr/>
+            <p:nvPr/>
+          </p:nvSpPr>
+          <p:spPr>
+            <a:xfrm>
+              <a:off x="6526474" y="3432993"/>
+              <a:ext cx="185530" cy="185531"/>
+            </a:xfrm>
+            <a:prstGeom prst="rect">
+              <a:avLst/>
+            </a:prstGeom>
+          </p:spPr>
+          <p:style>
+            <a:lnRef idx="2">
+              <a:schemeClr val="accent2">
+                <a:shade val="15000"/>
+              </a:schemeClr>
+            </a:lnRef>
+            <a:fillRef idx="1">
+              <a:schemeClr val="accent2"/>
+            </a:fillRef>
+            <a:effectRef idx="0">
+              <a:schemeClr val="accent2"/>
+            </a:effectRef>
+            <a:fontRef idx="minor">
+              <a:schemeClr val="lt1"/>
+            </a:fontRef>
+          </p:style>
+          <p:txBody>
+            <a:bodyPr rtlCol="0" anchor="ctr"/>
+            <a:lstStyle/>
+            <a:p>
+              <a:pPr algn="ctr"/>
+              <a:endParaRPr lang="zh-CN" altLang="en-US" sz="1801" dirty="0"/>
+            </a:p>
+          </p:txBody>
+        </p:sp>
+        <p:sp>
+          <p:nvSpPr>
+            <p:cNvPr id="53" name="矩形 52">
+              <a:extLst>
+                <a:ext uri="{FF2B5EF4-FFF2-40B4-BE49-F238E27FC236}">
+                  <a16:creationId xmlns:a16="http://schemas.microsoft.com/office/drawing/2014/main" id="{7940E9DC-9EDA-BF3D-75BB-DF47E3AB0087}"/>
+                </a:ext>
+              </a:extLst>
+            </p:cNvPr>
+            <p:cNvSpPr/>
+            <p:nvPr/>
+          </p:nvSpPr>
+          <p:spPr>
+            <a:xfrm>
+              <a:off x="6526474" y="3614531"/>
+              <a:ext cx="185530" cy="185531"/>
+            </a:xfrm>
+            <a:prstGeom prst="rect">
+              <a:avLst/>
+            </a:prstGeom>
+          </p:spPr>
+          <p:style>
+            <a:lnRef idx="2">
+              <a:schemeClr val="accent5">
+                <a:shade val="15000"/>
+              </a:schemeClr>
+            </a:lnRef>
+            <a:fillRef idx="1">
+              <a:schemeClr val="accent5"/>
+            </a:fillRef>
+            <a:effectRef idx="0">
+              <a:schemeClr val="accent5"/>
+            </a:effectRef>
+            <a:fontRef idx="minor">
+              <a:schemeClr val="lt1"/>
+            </a:fontRef>
+          </p:style>
+          <p:txBody>
+            <a:bodyPr rtlCol="0" anchor="ctr"/>
+            <a:lstStyle/>
+            <a:p>
+              <a:pPr algn="ctr"/>
+              <a:endParaRPr lang="zh-CN" altLang="en-US" sz="1801" dirty="0"/>
+            </a:p>
+          </p:txBody>
+        </p:sp>
+        <p:sp>
+          <p:nvSpPr>
+            <p:cNvPr id="54" name="矩形 53">
+              <a:extLst>
+                <a:ext uri="{FF2B5EF4-FFF2-40B4-BE49-F238E27FC236}">
+                  <a16:creationId xmlns:a16="http://schemas.microsoft.com/office/drawing/2014/main" id="{2CA4A4D0-EC50-8AC6-F684-7490A1A196D0}"/>
+                </a:ext>
+              </a:extLst>
+            </p:cNvPr>
+            <p:cNvSpPr/>
+            <p:nvPr/>
+          </p:nvSpPr>
+          <p:spPr>
+            <a:xfrm>
+              <a:off x="6526474" y="3796069"/>
+              <a:ext cx="185530" cy="185531"/>
+            </a:xfrm>
+            <a:prstGeom prst="rect">
+              <a:avLst/>
+            </a:prstGeom>
+          </p:spPr>
+          <p:style>
+            <a:lnRef idx="2">
+              <a:schemeClr val="accent2">
+                <a:shade val="15000"/>
+              </a:schemeClr>
+            </a:lnRef>
+            <a:fillRef idx="1">
+              <a:schemeClr val="accent2"/>
+            </a:fillRef>
+            <a:effectRef idx="0">
+              <a:schemeClr val="accent2"/>
+            </a:effectRef>
+            <a:fontRef idx="minor">
+              <a:schemeClr val="lt1"/>
+            </a:fontRef>
+          </p:style>
+          <p:txBody>
+            <a:bodyPr rtlCol="0" anchor="ctr"/>
+            <a:lstStyle/>
+            <a:p>
+              <a:pPr algn="ctr"/>
+              <a:endParaRPr lang="zh-CN" altLang="en-US" sz="1801" dirty="0"/>
+            </a:p>
+          </p:txBody>
+        </p:sp>
+        <p:sp>
+          <p:nvSpPr>
+            <p:cNvPr id="55" name="矩形 54">
+              <a:extLst>
+                <a:ext uri="{FF2B5EF4-FFF2-40B4-BE49-F238E27FC236}">
+                  <a16:creationId xmlns:a16="http://schemas.microsoft.com/office/drawing/2014/main" id="{A4F08BFB-05AC-702A-84E4-0A10602625C4}"/>
+                </a:ext>
+              </a:extLst>
+            </p:cNvPr>
+            <p:cNvSpPr/>
+            <p:nvPr/>
+          </p:nvSpPr>
+          <p:spPr>
+            <a:xfrm>
+              <a:off x="6712004" y="3247462"/>
+              <a:ext cx="185530" cy="185531"/>
+            </a:xfrm>
+            <a:prstGeom prst="rect">
+              <a:avLst/>
+            </a:prstGeom>
+          </p:spPr>
+          <p:style>
+            <a:lnRef idx="2">
+              <a:schemeClr val="accent2">
+                <a:shade val="15000"/>
+              </a:schemeClr>
+            </a:lnRef>
+            <a:fillRef idx="1">
+              <a:schemeClr val="accent2"/>
+            </a:fillRef>
+            <a:effectRef idx="0">
+              <a:schemeClr val="accent2"/>
+            </a:effectRef>
+            <a:fontRef idx="minor">
+              <a:schemeClr val="lt1"/>
+            </a:fontRef>
+          </p:style>
+          <p:txBody>
+            <a:bodyPr rtlCol="0" anchor="ctr"/>
+            <a:lstStyle/>
+            <a:p>
+              <a:pPr algn="ctr"/>
+              <a:endParaRPr lang="zh-CN" altLang="en-US" sz="1801" dirty="0"/>
+            </a:p>
+          </p:txBody>
+        </p:sp>
+        <p:sp>
+          <p:nvSpPr>
+            <p:cNvPr id="56" name="矩形 55">
+              <a:extLst>
+                <a:ext uri="{FF2B5EF4-FFF2-40B4-BE49-F238E27FC236}">
+                  <a16:creationId xmlns:a16="http://schemas.microsoft.com/office/drawing/2014/main" id="{21FB0F28-E06A-1B28-E180-FC8B5F86E09A}"/>
+                </a:ext>
+              </a:extLst>
+            </p:cNvPr>
+            <p:cNvSpPr/>
+            <p:nvPr/>
+          </p:nvSpPr>
+          <p:spPr>
+            <a:xfrm>
+              <a:off x="6712004" y="3432993"/>
+              <a:ext cx="185530" cy="185531"/>
+            </a:xfrm>
+            <a:prstGeom prst="rect">
+              <a:avLst/>
+            </a:prstGeom>
+          </p:spPr>
+          <p:style>
+            <a:lnRef idx="2">
+              <a:schemeClr val="accent5">
+                <a:shade val="15000"/>
+              </a:schemeClr>
+            </a:lnRef>
+            <a:fillRef idx="1">
+              <a:schemeClr val="accent5"/>
+            </a:fillRef>
+            <a:effectRef idx="0">
+              <a:schemeClr val="accent5"/>
+            </a:effectRef>
+            <a:fontRef idx="minor">
+              <a:schemeClr val="lt1"/>
+            </a:fontRef>
+          </p:style>
+          <p:txBody>
+            <a:bodyPr rtlCol="0" anchor="ctr"/>
+            <a:lstStyle/>
+            <a:p>
+              <a:pPr algn="ctr"/>
+              <a:endParaRPr lang="zh-CN" altLang="en-US" sz="1801" dirty="0"/>
+            </a:p>
+          </p:txBody>
+        </p:sp>
+        <p:sp>
+          <p:nvSpPr>
+            <p:cNvPr id="57" name="矩形 56">
+              <a:extLst>
+                <a:ext uri="{FF2B5EF4-FFF2-40B4-BE49-F238E27FC236}">
+                  <a16:creationId xmlns:a16="http://schemas.microsoft.com/office/drawing/2014/main" id="{2A81B663-FCD4-663F-D302-12A901EB3E44}"/>
+                </a:ext>
+              </a:extLst>
+            </p:cNvPr>
+            <p:cNvSpPr/>
+            <p:nvPr/>
+          </p:nvSpPr>
+          <p:spPr>
+            <a:xfrm>
+              <a:off x="6712004" y="3614531"/>
+              <a:ext cx="185530" cy="185531"/>
+            </a:xfrm>
+            <a:prstGeom prst="rect">
+              <a:avLst/>
+            </a:prstGeom>
+          </p:spPr>
+          <p:style>
+            <a:lnRef idx="2">
+              <a:schemeClr val="accent2">
+                <a:shade val="15000"/>
+              </a:schemeClr>
+            </a:lnRef>
+            <a:fillRef idx="1">
+              <a:schemeClr val="accent2"/>
+            </a:fillRef>
+            <a:effectRef idx="0">
+              <a:schemeClr val="accent2"/>
+            </a:effectRef>
+            <a:fontRef idx="minor">
+              <a:schemeClr val="lt1"/>
+            </a:fontRef>
+          </p:style>
+          <p:txBody>
+            <a:bodyPr rtlCol="0" anchor="ctr"/>
+            <a:lstStyle/>
+            <a:p>
+              <a:pPr algn="ctr"/>
+              <a:endParaRPr lang="zh-CN" altLang="en-US" sz="1801" dirty="0"/>
+            </a:p>
+          </p:txBody>
+        </p:sp>
+        <p:sp>
+          <p:nvSpPr>
+            <p:cNvPr id="58" name="矩形 57">
+              <a:extLst>
+                <a:ext uri="{FF2B5EF4-FFF2-40B4-BE49-F238E27FC236}">
+                  <a16:creationId xmlns:a16="http://schemas.microsoft.com/office/drawing/2014/main" id="{C947B1E9-04A9-F4F3-C43E-624A63FD6393}"/>
+                </a:ext>
+              </a:extLst>
+            </p:cNvPr>
+            <p:cNvSpPr/>
+            <p:nvPr/>
+          </p:nvSpPr>
+          <p:spPr>
+            <a:xfrm>
+              <a:off x="6712004" y="3796069"/>
+              <a:ext cx="185530" cy="185531"/>
+            </a:xfrm>
+            <a:prstGeom prst="rect">
+              <a:avLst/>
+            </a:prstGeom>
+          </p:spPr>
+          <p:style>
+            <a:lnRef idx="2">
+              <a:schemeClr val="accent5">
+                <a:shade val="15000"/>
+              </a:schemeClr>
+            </a:lnRef>
+            <a:fillRef idx="1">
+              <a:schemeClr val="accent5"/>
+            </a:fillRef>
+            <a:effectRef idx="0">
+              <a:schemeClr val="accent5"/>
+            </a:effectRef>
+            <a:fontRef idx="minor">
+              <a:schemeClr val="lt1"/>
+            </a:fontRef>
+          </p:style>
+          <p:txBody>
+            <a:bodyPr rtlCol="0" anchor="ctr"/>
+            <a:lstStyle/>
+            <a:p>
+              <a:pPr algn="ctr"/>
+              <a:endParaRPr lang="zh-CN" altLang="en-US" sz="1801" dirty="0"/>
+            </a:p>
+          </p:txBody>
+        </p:sp>
+      </p:grpSp>
+      <p:cxnSp>
+        <p:nvCxnSpPr>
+          <p:cNvPr id="65" name="直接箭头连接符 64">
+            <a:extLst>
+              <a:ext uri="{FF2B5EF4-FFF2-40B4-BE49-F238E27FC236}">
+                <a16:creationId xmlns:a16="http://schemas.microsoft.com/office/drawing/2014/main" id="{4CD22C45-D4E4-4835-2AB7-F3A8B50EEBFC}"/>
+              </a:ext>
+            </a:extLst>
+          </p:cNvPr>
+          <p:cNvCxnSpPr>
+            <a:cxnSpLocks/>
+          </p:cNvCxnSpPr>
+          <p:nvPr/>
+        </p:nvCxnSpPr>
+        <p:spPr>
+          <a:xfrm>
+            <a:off x="4841404" y="3894131"/>
+            <a:ext cx="454496" cy="0"/>
+          </a:xfrm>
+          <a:prstGeom prst="straightConnector1">
+            <a:avLst/>
+          </a:prstGeom>
+          <a:ln w="19050">
+            <a:solidFill>
+              <a:schemeClr val="tx1"/>
+            </a:solidFill>
+            <a:tailEnd type="triangle"/>
+          </a:ln>
+        </p:spPr>
+        <p:style>
+          <a:lnRef idx="1">
+            <a:schemeClr val="accent1"/>
+          </a:lnRef>
+          <a:fillRef idx="0">
+            <a:schemeClr val="accent1"/>
+          </a:fillRef>
+          <a:effectRef idx="0">
+            <a:schemeClr val="accent1"/>
+          </a:effectRef>
+          <a:fontRef idx="minor">
+            <a:schemeClr val="tx1"/>
+          </a:fontRef>
+        </p:style>
+      </p:cxnSp>
+      <p:sp>
+        <p:nvSpPr>
+          <p:cNvPr id="69" name="矩形: 圆角 68">
+            <a:extLst>
+              <a:ext uri="{FF2B5EF4-FFF2-40B4-BE49-F238E27FC236}">
+                <a16:creationId xmlns:a16="http://schemas.microsoft.com/office/drawing/2014/main" id="{4D73B49F-750B-6783-B6BA-8C604FE85F27}"/>
+              </a:ext>
+            </a:extLst>
+          </p:cNvPr>
+          <p:cNvSpPr/>
+          <p:nvPr/>
+        </p:nvSpPr>
+        <p:spPr>
+          <a:xfrm>
+            <a:off x="5393913" y="3162648"/>
+            <a:ext cx="641349" cy="1481572"/>
+          </a:xfrm>
+          <a:prstGeom prst="roundRect">
+            <a:avLst/>
+          </a:prstGeom>
+          <a:solidFill>
+            <a:schemeClr val="accent6">
+              <a:lumMod val="20000"/>
+              <a:lumOff val="80000"/>
+            </a:schemeClr>
+          </a:solidFill>
+        </p:spPr>
+        <p:style>
+          <a:lnRef idx="2">
+            <a:schemeClr val="accent1">
+              <a:shade val="15000"/>
+            </a:schemeClr>
+          </a:lnRef>
+          <a:fillRef idx="1">
+            <a:schemeClr val="accent1"/>
+          </a:fillRef>
+          <a:effectRef idx="0">
+            <a:schemeClr val="accent1"/>
+          </a:effectRef>
+          <a:fontRef idx="minor">
+            <a:schemeClr val="lt1"/>
+          </a:fontRef>
+        </p:style>
+        <p:txBody>
+          <a:bodyPr vert="eaVert" rtlCol="0" anchor="ctr"/>
+          <a:lstStyle/>
+          <a:p>
+            <a:pPr algn="ctr"/>
+            <a:r>
+              <a:rPr lang="zh-CN" altLang="en-US" sz="1100" dirty="0">
+                <a:solidFill>
+                  <a:schemeClr val="tx1"/>
+                </a:solidFill>
+                <a:latin typeface="宋体" panose="02010600030101010101" pitchFamily="2" charset="-122"/>
+                <a:ea typeface="宋体" panose="02010600030101010101" pitchFamily="2" charset="-122"/>
+              </a:rPr>
+              <a:t>卷积层</a:t>
+            </a:r>
+          </a:p>
+        </p:txBody>
+      </p:sp>
+      <p:cxnSp>
+        <p:nvCxnSpPr>
+          <p:cNvPr id="70" name="直接箭头连接符 69">
+            <a:extLst>
+              <a:ext uri="{FF2B5EF4-FFF2-40B4-BE49-F238E27FC236}">
+                <a16:creationId xmlns:a16="http://schemas.microsoft.com/office/drawing/2014/main" id="{D38BE108-E323-357A-4FE9-B37545FAF68C}"/>
+              </a:ext>
+            </a:extLst>
+          </p:cNvPr>
+          <p:cNvCxnSpPr>
+            <a:cxnSpLocks/>
+          </p:cNvCxnSpPr>
+          <p:nvPr/>
+        </p:nvCxnSpPr>
+        <p:spPr>
+          <a:xfrm>
+            <a:off x="3457104" y="3894131"/>
+            <a:ext cx="454496" cy="0"/>
+          </a:xfrm>
+          <a:prstGeom prst="straightConnector1">
+            <a:avLst/>
+          </a:prstGeom>
+          <a:ln w="19050">
+            <a:solidFill>
+              <a:schemeClr val="tx1"/>
+            </a:solidFill>
+            <a:tailEnd type="triangle"/>
+          </a:ln>
+        </p:spPr>
+        <p:style>
+          <a:lnRef idx="1">
+            <a:schemeClr val="accent1"/>
+          </a:lnRef>
+          <a:fillRef idx="0">
+            <a:schemeClr val="accent1"/>
+          </a:fillRef>
+          <a:effectRef idx="0">
+            <a:schemeClr val="accent1"/>
+          </a:effectRef>
+          <a:fontRef idx="minor">
+            <a:schemeClr val="tx1"/>
+          </a:fontRef>
+        </p:style>
+      </p:cxnSp>
+      <p:grpSp>
+        <p:nvGrpSpPr>
+          <p:cNvPr id="71" name="组合 70">
+            <a:extLst>
+              <a:ext uri="{FF2B5EF4-FFF2-40B4-BE49-F238E27FC236}">
+                <a16:creationId xmlns:a16="http://schemas.microsoft.com/office/drawing/2014/main" id="{B503C31D-651E-D28D-E2EA-F67CC646684B}"/>
+              </a:ext>
+            </a:extLst>
+          </p:cNvPr>
+          <p:cNvGrpSpPr/>
+          <p:nvPr/>
+        </p:nvGrpSpPr>
+        <p:grpSpPr>
+          <a:xfrm>
+            <a:off x="2596874" y="657133"/>
+            <a:ext cx="185531" cy="1481572"/>
+            <a:chOff x="2584174" y="2128967"/>
+            <a:chExt cx="185530" cy="1481571"/>
+          </a:xfrm>
+        </p:grpSpPr>
+        <p:sp>
+          <p:nvSpPr>
+            <p:cNvPr id="72" name="矩形 71">
+              <a:extLst>
+                <a:ext uri="{FF2B5EF4-FFF2-40B4-BE49-F238E27FC236}">
+                  <a16:creationId xmlns:a16="http://schemas.microsoft.com/office/drawing/2014/main" id="{60AC332C-8D1B-9397-FC97-B1CEC08AB823}"/>
+                </a:ext>
+              </a:extLst>
+            </p:cNvPr>
+            <p:cNvSpPr/>
+            <p:nvPr/>
+          </p:nvSpPr>
+          <p:spPr>
+            <a:xfrm>
+              <a:off x="2584174" y="2128967"/>
+              <a:ext cx="185530" cy="185531"/>
+            </a:xfrm>
+            <a:prstGeom prst="rect">
+              <a:avLst/>
+            </a:prstGeom>
+          </p:spPr>
+          <p:style>
+            <a:lnRef idx="2">
+              <a:schemeClr val="accent6">
+                <a:shade val="15000"/>
+              </a:schemeClr>
+            </a:lnRef>
+            <a:fillRef idx="1">
+              <a:schemeClr val="accent6"/>
+            </a:fillRef>
+            <a:effectRef idx="0">
+              <a:schemeClr val="accent6"/>
+            </a:effectRef>
+            <a:fontRef idx="minor">
+              <a:schemeClr val="lt1"/>
+            </a:fontRef>
+          </p:style>
+          <p:txBody>
+            <a:bodyPr rtlCol="0" anchor="ctr"/>
+            <a:lstStyle/>
+            <a:p>
+              <a:pPr algn="ctr"/>
+              <a:endParaRPr lang="zh-CN" altLang="en-US" sz="1801" dirty="0"/>
+            </a:p>
+          </p:txBody>
+        </p:sp>
+        <p:sp>
+          <p:nvSpPr>
+            <p:cNvPr id="73" name="矩形 72">
+              <a:extLst>
+                <a:ext uri="{FF2B5EF4-FFF2-40B4-BE49-F238E27FC236}">
+                  <a16:creationId xmlns:a16="http://schemas.microsoft.com/office/drawing/2014/main" id="{F7E57049-FF40-3FD6-3B4D-A1139F2FA966}"/>
+                </a:ext>
+              </a:extLst>
+            </p:cNvPr>
+            <p:cNvSpPr/>
+            <p:nvPr/>
+          </p:nvSpPr>
+          <p:spPr>
+            <a:xfrm>
+              <a:off x="2584174" y="2314498"/>
+              <a:ext cx="185530" cy="185531"/>
+            </a:xfrm>
+            <a:prstGeom prst="rect">
+              <a:avLst/>
+            </a:prstGeom>
+          </p:spPr>
+          <p:style>
+            <a:lnRef idx="2">
+              <a:schemeClr val="accent6">
+                <a:shade val="15000"/>
+              </a:schemeClr>
+            </a:lnRef>
+            <a:fillRef idx="1">
+              <a:schemeClr val="accent6"/>
+            </a:fillRef>
+            <a:effectRef idx="0">
+              <a:schemeClr val="accent6"/>
+            </a:effectRef>
+            <a:fontRef idx="minor">
+              <a:schemeClr val="lt1"/>
+            </a:fontRef>
+          </p:style>
+          <p:txBody>
+            <a:bodyPr rtlCol="0" anchor="ctr"/>
+            <a:lstStyle/>
+            <a:p>
+              <a:pPr algn="ctr"/>
+              <a:endParaRPr lang="zh-CN" altLang="en-US" sz="1801" dirty="0"/>
+            </a:p>
+          </p:txBody>
+        </p:sp>
+        <p:sp>
+          <p:nvSpPr>
+            <p:cNvPr id="74" name="矩形 73">
+              <a:extLst>
+                <a:ext uri="{FF2B5EF4-FFF2-40B4-BE49-F238E27FC236}">
+                  <a16:creationId xmlns:a16="http://schemas.microsoft.com/office/drawing/2014/main" id="{23571767-BF08-42C1-E263-B5DED6A68FEF}"/>
+                </a:ext>
+              </a:extLst>
+            </p:cNvPr>
+            <p:cNvSpPr/>
+            <p:nvPr/>
+          </p:nvSpPr>
+          <p:spPr>
+            <a:xfrm>
+              <a:off x="2584174" y="2500029"/>
+              <a:ext cx="185530" cy="185531"/>
+            </a:xfrm>
+            <a:prstGeom prst="rect">
+              <a:avLst/>
+            </a:prstGeom>
+          </p:spPr>
+          <p:style>
+            <a:lnRef idx="2">
+              <a:schemeClr val="accent6">
+                <a:shade val="15000"/>
+              </a:schemeClr>
+            </a:lnRef>
+            <a:fillRef idx="1">
+              <a:schemeClr val="accent6"/>
+            </a:fillRef>
+            <a:effectRef idx="0">
+              <a:schemeClr val="accent6"/>
+            </a:effectRef>
+            <a:fontRef idx="minor">
+              <a:schemeClr val="lt1"/>
+            </a:fontRef>
+          </p:style>
+          <p:txBody>
+            <a:bodyPr rtlCol="0" anchor="ctr"/>
+            <a:lstStyle/>
+            <a:p>
+              <a:pPr algn="ctr"/>
+              <a:endParaRPr lang="zh-CN" altLang="en-US" sz="1801" dirty="0"/>
+            </a:p>
+          </p:txBody>
+        </p:sp>
+        <p:sp>
+          <p:nvSpPr>
+            <p:cNvPr id="75" name="矩形 74">
+              <a:extLst>
+                <a:ext uri="{FF2B5EF4-FFF2-40B4-BE49-F238E27FC236}">
+                  <a16:creationId xmlns:a16="http://schemas.microsoft.com/office/drawing/2014/main" id="{1E89210A-F01C-2217-9B3C-110CD28ADFC5}"/>
+                </a:ext>
+              </a:extLst>
+            </p:cNvPr>
+            <p:cNvSpPr/>
+            <p:nvPr/>
+          </p:nvSpPr>
+          <p:spPr>
+            <a:xfrm>
+              <a:off x="2584174" y="2689200"/>
+              <a:ext cx="185530" cy="185531"/>
+            </a:xfrm>
+            <a:prstGeom prst="rect">
+              <a:avLst/>
+            </a:prstGeom>
+          </p:spPr>
+          <p:style>
+            <a:lnRef idx="2">
+              <a:schemeClr val="accent6">
+                <a:shade val="15000"/>
+              </a:schemeClr>
+            </a:lnRef>
+            <a:fillRef idx="1">
+              <a:schemeClr val="accent6"/>
+            </a:fillRef>
+            <a:effectRef idx="0">
+              <a:schemeClr val="accent6"/>
+            </a:effectRef>
+            <a:fontRef idx="minor">
+              <a:schemeClr val="lt1"/>
+            </a:fontRef>
+          </p:style>
+          <p:txBody>
+            <a:bodyPr rtlCol="0" anchor="ctr"/>
+            <a:lstStyle/>
+            <a:p>
+              <a:pPr algn="ctr"/>
+              <a:endParaRPr lang="zh-CN" altLang="en-US" sz="1801" dirty="0"/>
+            </a:p>
+          </p:txBody>
+        </p:sp>
+        <p:sp>
+          <p:nvSpPr>
+            <p:cNvPr id="76" name="矩形 75">
+              <a:extLst>
+                <a:ext uri="{FF2B5EF4-FFF2-40B4-BE49-F238E27FC236}">
+                  <a16:creationId xmlns:a16="http://schemas.microsoft.com/office/drawing/2014/main" id="{BB7BD5FC-45EB-8FDA-520D-D39335286BB0}"/>
+                </a:ext>
+              </a:extLst>
+            </p:cNvPr>
+            <p:cNvSpPr/>
+            <p:nvPr/>
+          </p:nvSpPr>
+          <p:spPr>
+            <a:xfrm>
+              <a:off x="2584174" y="2876400"/>
+              <a:ext cx="185530" cy="185531"/>
+            </a:xfrm>
+            <a:prstGeom prst="rect">
+              <a:avLst/>
+            </a:prstGeom>
+          </p:spPr>
+          <p:style>
+            <a:lnRef idx="2">
+              <a:schemeClr val="accent6">
+                <a:shade val="15000"/>
+              </a:schemeClr>
+            </a:lnRef>
+            <a:fillRef idx="1">
+              <a:schemeClr val="accent6"/>
+            </a:fillRef>
+            <a:effectRef idx="0">
+              <a:schemeClr val="accent6"/>
+            </a:effectRef>
+            <a:fontRef idx="minor">
+              <a:schemeClr val="lt1"/>
+            </a:fontRef>
+          </p:style>
+          <p:txBody>
+            <a:bodyPr rtlCol="0" anchor="ctr"/>
+            <a:lstStyle/>
+            <a:p>
+              <a:pPr algn="ctr"/>
+              <a:endParaRPr lang="zh-CN" altLang="en-US" sz="1801" dirty="0"/>
+            </a:p>
+          </p:txBody>
+        </p:sp>
+        <p:sp>
+          <p:nvSpPr>
+            <p:cNvPr id="77" name="矩形 76">
+              <a:extLst>
+                <a:ext uri="{FF2B5EF4-FFF2-40B4-BE49-F238E27FC236}">
+                  <a16:creationId xmlns:a16="http://schemas.microsoft.com/office/drawing/2014/main" id="{AA48BDDB-35B9-7D32-E84E-3A221B2CE87B}"/>
+                </a:ext>
+              </a:extLst>
+            </p:cNvPr>
+            <p:cNvSpPr/>
+            <p:nvPr/>
+          </p:nvSpPr>
+          <p:spPr>
+            <a:xfrm>
+              <a:off x="2584174" y="3061931"/>
+              <a:ext cx="185530" cy="185531"/>
+            </a:xfrm>
+            <a:prstGeom prst="rect">
+              <a:avLst/>
+            </a:prstGeom>
+          </p:spPr>
+          <p:style>
+            <a:lnRef idx="2">
+              <a:schemeClr val="accent6">
+                <a:shade val="15000"/>
+              </a:schemeClr>
+            </a:lnRef>
+            <a:fillRef idx="1">
+              <a:schemeClr val="accent6"/>
+            </a:fillRef>
+            <a:effectRef idx="0">
+              <a:schemeClr val="accent6"/>
+            </a:effectRef>
+            <a:fontRef idx="minor">
+              <a:schemeClr val="lt1"/>
+            </a:fontRef>
+          </p:style>
+          <p:txBody>
+            <a:bodyPr rtlCol="0" anchor="ctr"/>
+            <a:lstStyle/>
+            <a:p>
+              <a:pPr algn="ctr"/>
+              <a:endParaRPr lang="zh-CN" altLang="en-US" sz="1801" dirty="0"/>
+            </a:p>
+          </p:txBody>
+        </p:sp>
+        <p:sp>
+          <p:nvSpPr>
+            <p:cNvPr id="78" name="矩形 77">
+              <a:extLst>
+                <a:ext uri="{FF2B5EF4-FFF2-40B4-BE49-F238E27FC236}">
+                  <a16:creationId xmlns:a16="http://schemas.microsoft.com/office/drawing/2014/main" id="{A1C5BF59-468F-19F0-EABD-487A3B0AD6B6}"/>
+                </a:ext>
+              </a:extLst>
+            </p:cNvPr>
+            <p:cNvSpPr/>
+            <p:nvPr/>
+          </p:nvSpPr>
+          <p:spPr>
+            <a:xfrm>
+              <a:off x="2584174" y="3243469"/>
+              <a:ext cx="185530" cy="185531"/>
+            </a:xfrm>
+            <a:prstGeom prst="rect">
+              <a:avLst/>
+            </a:prstGeom>
+          </p:spPr>
+          <p:style>
+            <a:lnRef idx="2">
+              <a:schemeClr val="accent6">
+                <a:shade val="15000"/>
+              </a:schemeClr>
+            </a:lnRef>
+            <a:fillRef idx="1">
+              <a:schemeClr val="accent6"/>
+            </a:fillRef>
+            <a:effectRef idx="0">
+              <a:schemeClr val="accent6"/>
+            </a:effectRef>
+            <a:fontRef idx="minor">
+              <a:schemeClr val="lt1"/>
+            </a:fontRef>
+          </p:style>
+          <p:txBody>
+            <a:bodyPr rtlCol="0" anchor="ctr"/>
+            <a:lstStyle/>
+            <a:p>
+              <a:pPr algn="ctr"/>
+              <a:endParaRPr lang="zh-CN" altLang="en-US" sz="1801" dirty="0"/>
+            </a:p>
+          </p:txBody>
+        </p:sp>
+        <p:sp>
+          <p:nvSpPr>
+            <p:cNvPr id="79" name="矩形 78">
+              <a:extLst>
+                <a:ext uri="{FF2B5EF4-FFF2-40B4-BE49-F238E27FC236}">
+                  <a16:creationId xmlns:a16="http://schemas.microsoft.com/office/drawing/2014/main" id="{56AA71CD-6644-3CF7-409D-DEEE875298E8}"/>
+                </a:ext>
+              </a:extLst>
+            </p:cNvPr>
+            <p:cNvSpPr/>
+            <p:nvPr/>
+          </p:nvSpPr>
+          <p:spPr>
+            <a:xfrm>
+              <a:off x="2584174" y="3425007"/>
+              <a:ext cx="185530" cy="185531"/>
+            </a:xfrm>
+            <a:prstGeom prst="rect">
+              <a:avLst/>
+            </a:prstGeom>
+          </p:spPr>
+          <p:style>
+            <a:lnRef idx="2">
+              <a:schemeClr val="accent6">
+                <a:shade val="15000"/>
+              </a:schemeClr>
+            </a:lnRef>
+            <a:fillRef idx="1">
+              <a:schemeClr val="accent6"/>
+            </a:fillRef>
+            <a:effectRef idx="0">
+              <a:schemeClr val="accent6"/>
+            </a:effectRef>
+            <a:fontRef idx="minor">
+              <a:schemeClr val="lt1"/>
+            </a:fontRef>
+          </p:style>
+          <p:txBody>
+            <a:bodyPr rtlCol="0" anchor="ctr"/>
+            <a:lstStyle/>
+            <a:p>
+              <a:pPr algn="ctr"/>
+              <a:endParaRPr lang="zh-CN" altLang="en-US" sz="1801" dirty="0"/>
+            </a:p>
+          </p:txBody>
+        </p:sp>
+      </p:grpSp>
+      <p:sp>
+        <p:nvSpPr>
+          <p:cNvPr id="89" name="矩形: 圆角 88">
+            <a:extLst>
+              <a:ext uri="{FF2B5EF4-FFF2-40B4-BE49-F238E27FC236}">
+                <a16:creationId xmlns:a16="http://schemas.microsoft.com/office/drawing/2014/main" id="{CA60FE9A-942C-696E-FFB1-D063188E7F2E}"/>
+              </a:ext>
+            </a:extLst>
+          </p:cNvPr>
+          <p:cNvSpPr/>
+          <p:nvPr/>
+        </p:nvSpPr>
+        <p:spPr>
+          <a:xfrm>
+            <a:off x="5053390" y="1852235"/>
+            <a:ext cx="1322395" cy="572946"/>
+          </a:xfrm>
+          <a:prstGeom prst="roundRect">
+            <a:avLst/>
+          </a:prstGeom>
+          <a:solidFill>
+            <a:schemeClr val="bg2"/>
+          </a:solidFill>
+        </p:spPr>
+        <p:style>
+          <a:lnRef idx="2">
+            <a:schemeClr val="accent1">
+              <a:shade val="15000"/>
+            </a:schemeClr>
+          </a:lnRef>
+          <a:fillRef idx="1">
+            <a:schemeClr val="accent1"/>
+          </a:fillRef>
+          <a:effectRef idx="0">
+            <a:schemeClr val="accent1"/>
+          </a:effectRef>
+          <a:fontRef idx="minor">
+            <a:schemeClr val="lt1"/>
+          </a:fontRef>
+        </p:style>
+        <p:txBody>
+          <a:bodyPr vert="horz" rtlCol="0" anchor="ctr"/>
+          <a:lstStyle/>
+          <a:p>
+            <a:pPr algn="ctr"/>
+            <a:endParaRPr lang="zh-CN" altLang="en-US" sz="1100" dirty="0">
+              <a:solidFill>
+                <a:schemeClr val="tx1"/>
+              </a:solidFill>
+              <a:latin typeface="宋体" panose="02010600030101010101" pitchFamily="2" charset="-122"/>
+              <a:ea typeface="宋体" panose="02010600030101010101" pitchFamily="2" charset="-122"/>
+            </a:endParaRPr>
+          </a:p>
+        </p:txBody>
+      </p:sp>
+      <p:sp>
+        <p:nvSpPr>
+          <p:cNvPr id="90" name="矩形: 圆角 89">
+            <a:extLst>
+              <a:ext uri="{FF2B5EF4-FFF2-40B4-BE49-F238E27FC236}">
+                <a16:creationId xmlns:a16="http://schemas.microsoft.com/office/drawing/2014/main" id="{1B9AC0FD-35E6-88B7-65A2-125A09A43C41}"/>
+              </a:ext>
+            </a:extLst>
+          </p:cNvPr>
+          <p:cNvSpPr/>
+          <p:nvPr/>
+        </p:nvSpPr>
+        <p:spPr>
+          <a:xfrm>
+            <a:off x="7380297" y="3162648"/>
+            <a:ext cx="641349" cy="1481572"/>
+          </a:xfrm>
+          <a:prstGeom prst="roundRect">
+            <a:avLst/>
+          </a:prstGeom>
+          <a:solidFill>
+            <a:schemeClr val="accent6">
+              <a:lumMod val="20000"/>
+              <a:lumOff val="80000"/>
+            </a:schemeClr>
+          </a:solidFill>
+        </p:spPr>
+        <p:style>
+          <a:lnRef idx="2">
+            <a:schemeClr val="accent1">
+              <a:shade val="15000"/>
+            </a:schemeClr>
+          </a:lnRef>
+          <a:fillRef idx="1">
+            <a:schemeClr val="accent1"/>
+          </a:fillRef>
+          <a:effectRef idx="0">
+            <a:schemeClr val="accent1"/>
+          </a:effectRef>
+          <a:fontRef idx="minor">
+            <a:schemeClr val="lt1"/>
+          </a:fontRef>
+        </p:style>
+        <p:txBody>
+          <a:bodyPr vert="eaVert" rtlCol="0" anchor="ctr"/>
+          <a:lstStyle/>
+          <a:p>
+            <a:pPr algn="ctr"/>
+            <a:r>
+              <a:rPr lang="zh-CN" altLang="en-US" sz="1100" dirty="0">
+                <a:solidFill>
+                  <a:schemeClr val="tx1"/>
+                </a:solidFill>
+                <a:latin typeface="宋体" panose="02010600030101010101" pitchFamily="2" charset="-122"/>
+                <a:ea typeface="宋体" panose="02010600030101010101" pitchFamily="2" charset="-122"/>
+              </a:rPr>
+              <a:t>全连接层</a:t>
+            </a:r>
+          </a:p>
+        </p:txBody>
+      </p:sp>
+      <p:sp>
+        <p:nvSpPr>
+          <p:cNvPr id="93" name="矩形: 圆角 92">
+            <a:extLst>
+              <a:ext uri="{FF2B5EF4-FFF2-40B4-BE49-F238E27FC236}">
+                <a16:creationId xmlns:a16="http://schemas.microsoft.com/office/drawing/2014/main" id="{4E558D85-1A6E-049C-5E23-32531BFFDAEC}"/>
+              </a:ext>
+            </a:extLst>
+          </p:cNvPr>
+          <p:cNvSpPr/>
+          <p:nvPr/>
+        </p:nvSpPr>
+        <p:spPr>
+          <a:xfrm>
+            <a:off x="7039774" y="1852234"/>
+            <a:ext cx="1322395" cy="572946"/>
+          </a:xfrm>
+          <a:prstGeom prst="roundRect">
+            <a:avLst/>
+          </a:prstGeom>
+          <a:solidFill>
+            <a:schemeClr val="bg2"/>
+          </a:solidFill>
+        </p:spPr>
+        <p:style>
+          <a:lnRef idx="2">
+            <a:schemeClr val="accent1">
+              <a:shade val="15000"/>
+            </a:schemeClr>
+          </a:lnRef>
+          <a:fillRef idx="1">
+            <a:schemeClr val="accent1"/>
+          </a:fillRef>
+          <a:effectRef idx="0">
+            <a:schemeClr val="accent1"/>
+          </a:effectRef>
+          <a:fontRef idx="minor">
+            <a:schemeClr val="lt1"/>
+          </a:fontRef>
+        </p:style>
+        <p:txBody>
+          <a:bodyPr vert="horz" rtlCol="0" anchor="ctr"/>
+          <a:lstStyle/>
+          <a:p>
+            <a:pPr algn="ctr"/>
+            <a:endParaRPr lang="zh-CN" altLang="en-US" sz="1100" dirty="0">
+              <a:solidFill>
+                <a:schemeClr val="tx1"/>
+              </a:solidFill>
+              <a:latin typeface="宋体" panose="02010600030101010101" pitchFamily="2" charset="-122"/>
+              <a:ea typeface="宋体" panose="02010600030101010101" pitchFamily="2" charset="-122"/>
+            </a:endParaRPr>
+          </a:p>
+        </p:txBody>
+      </p:sp>
+      <p:sp>
+        <p:nvSpPr>
+          <p:cNvPr id="95" name="文本框 94">
+            <a:extLst>
+              <a:ext uri="{FF2B5EF4-FFF2-40B4-BE49-F238E27FC236}">
+                <a16:creationId xmlns:a16="http://schemas.microsoft.com/office/drawing/2014/main" id="{90532A48-8C2A-A1E3-24FF-A28739BB3218}"/>
+              </a:ext>
+            </a:extLst>
+          </p:cNvPr>
+          <p:cNvSpPr txBox="1"/>
+          <p:nvPr/>
+        </p:nvSpPr>
+        <p:spPr>
+          <a:xfrm>
+            <a:off x="5123487" y="1923262"/>
+            <a:ext cx="1182201" cy="430887"/>
+          </a:xfrm>
+          <a:prstGeom prst="rect">
+            <a:avLst/>
+          </a:prstGeom>
+          <a:noFill/>
+        </p:spPr>
+        <p:txBody>
+          <a:bodyPr wrap="square">
+            <a:spAutoFit/>
+          </a:bodyPr>
+          <a:lstStyle/>
+          <a:p>
+            <a:pPr algn="ctr"/>
+            <a:r>
+              <a:rPr lang="zh-CN" altLang="en-US" sz="1100" dirty="0">
+                <a:latin typeface="宋体" panose="02010600030101010101" pitchFamily="2" charset="-122"/>
+                <a:ea typeface="宋体" panose="02010600030101010101" pitchFamily="2" charset="-122"/>
+              </a:rPr>
+              <a:t>卷积层</a:t>
+            </a:r>
+            <a:endParaRPr lang="en-US" altLang="zh-CN" sz="1100" dirty="0">
+              <a:latin typeface="宋体" panose="02010600030101010101" pitchFamily="2" charset="-122"/>
+              <a:ea typeface="宋体" panose="02010600030101010101" pitchFamily="2" charset="-122"/>
+            </a:endParaRPr>
+          </a:p>
+          <a:p>
+            <a:pPr algn="ctr"/>
+            <a:r>
+              <a:rPr lang="zh-CN" altLang="en-US" sz="1100" dirty="0">
+                <a:latin typeface="宋体" panose="02010600030101010101" pitchFamily="2" charset="-122"/>
+                <a:ea typeface="宋体" panose="02010600030101010101" pitchFamily="2" charset="-122"/>
+              </a:rPr>
+              <a:t>参数生成网络</a:t>
+            </a:r>
+          </a:p>
+        </p:txBody>
+      </p:sp>
+      <p:sp>
+        <p:nvSpPr>
+          <p:cNvPr id="96" name="文本框 95">
+            <a:extLst>
+              <a:ext uri="{FF2B5EF4-FFF2-40B4-BE49-F238E27FC236}">
+                <a16:creationId xmlns:a16="http://schemas.microsoft.com/office/drawing/2014/main" id="{26E82A52-0E5F-69F3-B28C-AC624D61B0FB}"/>
+              </a:ext>
+            </a:extLst>
+          </p:cNvPr>
+          <p:cNvSpPr txBox="1"/>
+          <p:nvPr/>
+        </p:nvSpPr>
+        <p:spPr>
+          <a:xfrm>
+            <a:off x="7109873" y="1923263"/>
+            <a:ext cx="1182201" cy="430887"/>
+          </a:xfrm>
+          <a:prstGeom prst="rect">
+            <a:avLst/>
+          </a:prstGeom>
+          <a:noFill/>
+        </p:spPr>
+        <p:txBody>
+          <a:bodyPr wrap="square">
+            <a:spAutoFit/>
+          </a:bodyPr>
+          <a:lstStyle/>
+          <a:p>
+            <a:pPr algn="ctr"/>
+            <a:r>
+              <a:rPr lang="zh-CN" altLang="en-US" sz="1100" dirty="0">
+                <a:latin typeface="宋体" panose="02010600030101010101" pitchFamily="2" charset="-122"/>
+                <a:ea typeface="宋体" panose="02010600030101010101" pitchFamily="2" charset="-122"/>
+              </a:rPr>
+              <a:t>全连接层</a:t>
+            </a:r>
+            <a:endParaRPr lang="en-US" altLang="zh-CN" sz="1100" dirty="0">
+              <a:latin typeface="宋体" panose="02010600030101010101" pitchFamily="2" charset="-122"/>
+              <a:ea typeface="宋体" panose="02010600030101010101" pitchFamily="2" charset="-122"/>
+            </a:endParaRPr>
+          </a:p>
+          <a:p>
+            <a:pPr algn="ctr"/>
+            <a:r>
+              <a:rPr lang="zh-CN" altLang="en-US" sz="1100" dirty="0">
+                <a:latin typeface="宋体" panose="02010600030101010101" pitchFamily="2" charset="-122"/>
+                <a:ea typeface="宋体" panose="02010600030101010101" pitchFamily="2" charset="-122"/>
+              </a:rPr>
+              <a:t>参数生成网络</a:t>
+            </a:r>
+          </a:p>
+        </p:txBody>
+      </p:sp>
+      <p:cxnSp>
+        <p:nvCxnSpPr>
+          <p:cNvPr id="114" name="连接符: 肘形 113">
+            <a:extLst>
+              <a:ext uri="{FF2B5EF4-FFF2-40B4-BE49-F238E27FC236}">
+                <a16:creationId xmlns:a16="http://schemas.microsoft.com/office/drawing/2014/main" id="{6B76F00A-2120-3F3C-0242-B9B984659E56}"/>
+              </a:ext>
+            </a:extLst>
+          </p:cNvPr>
+          <p:cNvCxnSpPr>
+            <a:cxnSpLocks/>
+            <a:endCxn id="93" idx="0"/>
+          </p:cNvCxnSpPr>
+          <p:nvPr/>
+        </p:nvCxnSpPr>
+        <p:spPr>
+          <a:xfrm>
+            <a:off x="2901951" y="1409700"/>
+            <a:ext cx="4799020" cy="442532"/>
+          </a:xfrm>
+          <a:prstGeom prst="bentConnector2">
+            <a:avLst/>
+          </a:prstGeom>
+          <a:ln w="19050">
+            <a:solidFill>
+              <a:schemeClr val="tx1"/>
+            </a:solidFill>
+            <a:tailEnd type="triangle"/>
+          </a:ln>
+        </p:spPr>
+        <p:style>
+          <a:lnRef idx="1">
+            <a:schemeClr val="accent1"/>
+          </a:lnRef>
+          <a:fillRef idx="0">
+            <a:schemeClr val="accent1"/>
+          </a:fillRef>
+          <a:effectRef idx="0">
+            <a:schemeClr val="accent1"/>
+          </a:effectRef>
+          <a:fontRef idx="minor">
+            <a:schemeClr val="tx1"/>
+          </a:fontRef>
+        </p:style>
+      </p:cxnSp>
+      <p:cxnSp>
+        <p:nvCxnSpPr>
+          <p:cNvPr id="116" name="直接连接符 115">
+            <a:extLst>
+              <a:ext uri="{FF2B5EF4-FFF2-40B4-BE49-F238E27FC236}">
+                <a16:creationId xmlns:a16="http://schemas.microsoft.com/office/drawing/2014/main" id="{A9A93D76-C523-DF49-13B3-BC24C01F0FF5}"/>
+              </a:ext>
+            </a:extLst>
+          </p:cNvPr>
+          <p:cNvCxnSpPr>
+            <a:cxnSpLocks/>
+          </p:cNvCxnSpPr>
+          <p:nvPr/>
+        </p:nvCxnSpPr>
+        <p:spPr>
+          <a:xfrm flipV="1">
+            <a:off x="3240597" y="1409701"/>
+            <a:ext cx="0" cy="1745724"/>
+          </a:xfrm>
+          <a:prstGeom prst="line">
+            <a:avLst/>
+          </a:prstGeom>
+          <a:ln w="19050">
+            <a:solidFill>
+              <a:schemeClr val="tx1"/>
+            </a:solidFill>
+          </a:ln>
+        </p:spPr>
+        <p:style>
+          <a:lnRef idx="1">
+            <a:schemeClr val="accent1"/>
+          </a:lnRef>
+          <a:fillRef idx="0">
+            <a:schemeClr val="accent1"/>
+          </a:fillRef>
+          <a:effectRef idx="0">
+            <a:schemeClr val="accent1"/>
+          </a:effectRef>
+          <a:fontRef idx="minor">
+            <a:schemeClr val="tx1"/>
+          </a:fontRef>
+        </p:style>
+      </p:cxnSp>
+      <p:cxnSp>
+        <p:nvCxnSpPr>
+          <p:cNvPr id="118" name="直接箭头连接符 117">
+            <a:extLst>
+              <a:ext uri="{FF2B5EF4-FFF2-40B4-BE49-F238E27FC236}">
+                <a16:creationId xmlns:a16="http://schemas.microsoft.com/office/drawing/2014/main" id="{E9FE1197-0A4C-3C4C-A48D-D56EA16A7B1C}"/>
+              </a:ext>
+            </a:extLst>
+          </p:cNvPr>
+          <p:cNvCxnSpPr>
+            <a:cxnSpLocks/>
+            <a:endCxn id="89" idx="0"/>
+          </p:cNvCxnSpPr>
+          <p:nvPr/>
+        </p:nvCxnSpPr>
+        <p:spPr>
+          <a:xfrm>
+            <a:off x="5714587" y="1409704"/>
+            <a:ext cx="2" cy="442533"/>
+          </a:xfrm>
+          <a:prstGeom prst="straightConnector1">
+            <a:avLst/>
+          </a:prstGeom>
+          <a:ln w="19050">
+            <a:solidFill>
+              <a:schemeClr val="tx1"/>
+            </a:solidFill>
+            <a:tailEnd type="triangle"/>
+          </a:ln>
+        </p:spPr>
+        <p:style>
+          <a:lnRef idx="1">
+            <a:schemeClr val="accent1"/>
+          </a:lnRef>
+          <a:fillRef idx="0">
+            <a:schemeClr val="accent1"/>
+          </a:fillRef>
+          <a:effectRef idx="0">
+            <a:schemeClr val="accent1"/>
+          </a:effectRef>
+          <a:fontRef idx="minor">
+            <a:schemeClr val="tx1"/>
+          </a:fontRef>
+        </p:style>
+      </p:cxnSp>
+      <p:cxnSp>
+        <p:nvCxnSpPr>
+          <p:cNvPr id="121" name="直接箭头连接符 120">
+            <a:extLst>
+              <a:ext uri="{FF2B5EF4-FFF2-40B4-BE49-F238E27FC236}">
+                <a16:creationId xmlns:a16="http://schemas.microsoft.com/office/drawing/2014/main" id="{03997223-B56E-3B03-4052-F838E17DEFE9}"/>
+              </a:ext>
+            </a:extLst>
+          </p:cNvPr>
+          <p:cNvCxnSpPr>
+            <a:cxnSpLocks/>
+          </p:cNvCxnSpPr>
+          <p:nvPr/>
+        </p:nvCxnSpPr>
+        <p:spPr>
+          <a:xfrm>
+            <a:off x="5706715" y="2425177"/>
+            <a:ext cx="0" cy="134772"/>
+          </a:xfrm>
+          <a:prstGeom prst="straightConnector1">
+            <a:avLst/>
+          </a:prstGeom>
+          <a:ln w="19050">
+            <a:solidFill>
+              <a:schemeClr val="tx1"/>
+            </a:solidFill>
+            <a:tailEnd type="triangle"/>
+          </a:ln>
+        </p:spPr>
+        <p:style>
+          <a:lnRef idx="1">
+            <a:schemeClr val="accent1"/>
+          </a:lnRef>
+          <a:fillRef idx="0">
+            <a:schemeClr val="accent1"/>
+          </a:fillRef>
+          <a:effectRef idx="0">
+            <a:schemeClr val="accent1"/>
+          </a:effectRef>
+          <a:fontRef idx="minor">
+            <a:schemeClr val="tx1"/>
+          </a:fontRef>
+        </p:style>
+      </p:cxnSp>
+      <p:sp>
+        <p:nvSpPr>
+          <p:cNvPr id="124" name="矩形: 圆角 123">
+            <a:extLst>
+              <a:ext uri="{FF2B5EF4-FFF2-40B4-BE49-F238E27FC236}">
+                <a16:creationId xmlns:a16="http://schemas.microsoft.com/office/drawing/2014/main" id="{2E377149-1BA4-2627-B17E-CB8077269D0E}"/>
+              </a:ext>
+            </a:extLst>
+          </p:cNvPr>
+          <p:cNvSpPr/>
+          <p:nvPr/>
+        </p:nvSpPr>
+        <p:spPr>
+          <a:xfrm>
+            <a:off x="2425755" y="2844803"/>
+            <a:ext cx="1062939" cy="2124242"/>
+          </a:xfrm>
+          <a:prstGeom prst="roundRect">
+            <a:avLst>
+              <a:gd name="adj" fmla="val 7706"/>
+            </a:avLst>
+          </a:prstGeom>
+          <a:noFill/>
+          <a:ln>
+            <a:prstDash val="sysDash"/>
+          </a:ln>
+        </p:spPr>
+        <p:style>
+          <a:lnRef idx="2">
+            <a:schemeClr val="accent1">
+              <a:shade val="15000"/>
+            </a:schemeClr>
+          </a:lnRef>
+          <a:fillRef idx="1">
+            <a:schemeClr val="accent1"/>
+          </a:fillRef>
+          <a:effectRef idx="0">
+            <a:schemeClr val="accent1"/>
+          </a:effectRef>
+          <a:fontRef idx="minor">
+            <a:schemeClr val="lt1"/>
+          </a:fontRef>
+        </p:style>
+        <p:txBody>
+          <a:bodyPr rtlCol="0" anchor="ctr"/>
+          <a:lstStyle/>
+          <a:p>
+            <a:pPr algn="ctr"/>
+            <a:endParaRPr lang="zh-CN" altLang="en-US" sz="1801"/>
+          </a:p>
+        </p:txBody>
+      </p:sp>
+      <p:cxnSp>
+        <p:nvCxnSpPr>
+          <p:cNvPr id="126" name="直接箭头连接符 125">
+            <a:extLst>
+              <a:ext uri="{FF2B5EF4-FFF2-40B4-BE49-F238E27FC236}">
+                <a16:creationId xmlns:a16="http://schemas.microsoft.com/office/drawing/2014/main" id="{E79A366F-F59D-A338-1502-0F4DF58FEFE9}"/>
+              </a:ext>
+            </a:extLst>
+          </p:cNvPr>
+          <p:cNvCxnSpPr>
+            <a:cxnSpLocks/>
+          </p:cNvCxnSpPr>
+          <p:nvPr/>
+        </p:nvCxnSpPr>
+        <p:spPr>
+          <a:xfrm>
+            <a:off x="6135425" y="3887540"/>
+            <a:ext cx="340523" cy="0"/>
+          </a:xfrm>
+          <a:prstGeom prst="straightConnector1">
+            <a:avLst/>
+          </a:prstGeom>
+          <a:ln w="19050">
+            <a:solidFill>
+              <a:schemeClr val="tx1"/>
+            </a:solidFill>
+            <a:tailEnd type="triangle"/>
+          </a:ln>
+        </p:spPr>
+        <p:style>
+          <a:lnRef idx="1">
+            <a:schemeClr val="accent1"/>
+          </a:lnRef>
+          <a:fillRef idx="0">
+            <a:schemeClr val="accent1"/>
+          </a:fillRef>
+          <a:effectRef idx="0">
+            <a:schemeClr val="accent1"/>
+          </a:effectRef>
+          <a:fontRef idx="minor">
+            <a:schemeClr val="tx1"/>
+          </a:fontRef>
+        </p:style>
+      </p:cxnSp>
+      <p:grpSp>
+        <p:nvGrpSpPr>
+          <p:cNvPr id="128" name="组合 127">
+            <a:extLst>
+              <a:ext uri="{FF2B5EF4-FFF2-40B4-BE49-F238E27FC236}">
+                <a16:creationId xmlns:a16="http://schemas.microsoft.com/office/drawing/2014/main" id="{2C33EC44-6907-6E76-83DA-0D6757D4126B}"/>
+              </a:ext>
+            </a:extLst>
+          </p:cNvPr>
+          <p:cNvGrpSpPr/>
+          <p:nvPr/>
+        </p:nvGrpSpPr>
+        <p:grpSpPr>
+          <a:xfrm>
+            <a:off x="6640937" y="3162648"/>
+            <a:ext cx="185531" cy="1481572"/>
+            <a:chOff x="2584174" y="2128967"/>
+            <a:chExt cx="185530" cy="1481571"/>
+          </a:xfrm>
+          <a:solidFill>
+            <a:schemeClr val="accent4">
+              <a:lumMod val="60000"/>
+              <a:lumOff val="40000"/>
+            </a:schemeClr>
+          </a:solidFill>
+        </p:grpSpPr>
+        <p:sp>
+          <p:nvSpPr>
+            <p:cNvPr id="129" name="矩形 128">
+              <a:extLst>
+                <a:ext uri="{FF2B5EF4-FFF2-40B4-BE49-F238E27FC236}">
+                  <a16:creationId xmlns:a16="http://schemas.microsoft.com/office/drawing/2014/main" id="{94FB6DD6-C3EA-8AB1-C103-89568E2C6906}"/>
+                </a:ext>
+              </a:extLst>
+            </p:cNvPr>
+            <p:cNvSpPr/>
+            <p:nvPr/>
+          </p:nvSpPr>
+          <p:spPr>
+            <a:xfrm>
+              <a:off x="2584174" y="2128967"/>
+              <a:ext cx="185530" cy="185531"/>
+            </a:xfrm>
+            <a:prstGeom prst="rect">
+              <a:avLst/>
+            </a:prstGeom>
+            <a:grpFill/>
+          </p:spPr>
+          <p:style>
+            <a:lnRef idx="2">
+              <a:schemeClr val="accent4">
+                <a:shade val="15000"/>
+              </a:schemeClr>
+            </a:lnRef>
+            <a:fillRef idx="1">
+              <a:schemeClr val="accent4"/>
+            </a:fillRef>
+            <a:effectRef idx="0">
+              <a:schemeClr val="accent4"/>
+            </a:effectRef>
+            <a:fontRef idx="minor">
+              <a:schemeClr val="lt1"/>
+            </a:fontRef>
+          </p:style>
+          <p:txBody>
+            <a:bodyPr rtlCol="0" anchor="ctr"/>
+            <a:lstStyle/>
+            <a:p>
+              <a:pPr algn="ctr"/>
+              <a:endParaRPr lang="zh-CN" altLang="en-US" sz="1801" dirty="0"/>
+            </a:p>
+          </p:txBody>
+        </p:sp>
+        <p:sp>
+          <p:nvSpPr>
+            <p:cNvPr id="130" name="矩形 129">
+              <a:extLst>
+                <a:ext uri="{FF2B5EF4-FFF2-40B4-BE49-F238E27FC236}">
+                  <a16:creationId xmlns:a16="http://schemas.microsoft.com/office/drawing/2014/main" id="{66E70D91-48F2-BF79-C01C-ACD6FC4C64B9}"/>
+                </a:ext>
+              </a:extLst>
+            </p:cNvPr>
+            <p:cNvSpPr/>
+            <p:nvPr/>
+          </p:nvSpPr>
+          <p:spPr>
+            <a:xfrm>
+              <a:off x="2584174" y="2314498"/>
+              <a:ext cx="185530" cy="185531"/>
+            </a:xfrm>
+            <a:prstGeom prst="rect">
+              <a:avLst/>
+            </a:prstGeom>
+            <a:grpFill/>
+          </p:spPr>
+          <p:style>
+            <a:lnRef idx="2">
+              <a:schemeClr val="accent4">
+                <a:shade val="15000"/>
+              </a:schemeClr>
+            </a:lnRef>
+            <a:fillRef idx="1">
+              <a:schemeClr val="accent4"/>
+            </a:fillRef>
+            <a:effectRef idx="0">
+              <a:schemeClr val="accent4"/>
+            </a:effectRef>
+            <a:fontRef idx="minor">
+              <a:schemeClr val="lt1"/>
+            </a:fontRef>
+          </p:style>
+          <p:txBody>
+            <a:bodyPr rtlCol="0" anchor="ctr"/>
+            <a:lstStyle/>
+            <a:p>
+              <a:pPr algn="ctr"/>
+              <a:endParaRPr lang="zh-CN" altLang="en-US" sz="1801" dirty="0"/>
+            </a:p>
+          </p:txBody>
+        </p:sp>
+        <p:sp>
+          <p:nvSpPr>
+            <p:cNvPr id="131" name="矩形 130">
+              <a:extLst>
+                <a:ext uri="{FF2B5EF4-FFF2-40B4-BE49-F238E27FC236}">
+                  <a16:creationId xmlns:a16="http://schemas.microsoft.com/office/drawing/2014/main" id="{B40FA8D0-173C-560F-7CF4-BD45070C6A2D}"/>
+                </a:ext>
+              </a:extLst>
+            </p:cNvPr>
+            <p:cNvSpPr/>
+            <p:nvPr/>
+          </p:nvSpPr>
+          <p:spPr>
+            <a:xfrm>
+              <a:off x="2584174" y="2500029"/>
+              <a:ext cx="185530" cy="185531"/>
+            </a:xfrm>
+            <a:prstGeom prst="rect">
+              <a:avLst/>
+            </a:prstGeom>
+            <a:grpFill/>
+          </p:spPr>
+          <p:style>
+            <a:lnRef idx="2">
+              <a:schemeClr val="accent4">
+                <a:shade val="15000"/>
+              </a:schemeClr>
+            </a:lnRef>
+            <a:fillRef idx="1">
+              <a:schemeClr val="accent4"/>
+            </a:fillRef>
+            <a:effectRef idx="0">
+              <a:schemeClr val="accent4"/>
+            </a:effectRef>
+            <a:fontRef idx="minor">
+              <a:schemeClr val="lt1"/>
+            </a:fontRef>
+          </p:style>
+          <p:txBody>
+            <a:bodyPr rtlCol="0" anchor="ctr"/>
+            <a:lstStyle/>
+            <a:p>
+              <a:pPr algn="ctr"/>
+              <a:endParaRPr lang="zh-CN" altLang="en-US" sz="1801" dirty="0"/>
+            </a:p>
+          </p:txBody>
+        </p:sp>
+        <p:sp>
+          <p:nvSpPr>
+            <p:cNvPr id="132" name="矩形 131">
+              <a:extLst>
+                <a:ext uri="{FF2B5EF4-FFF2-40B4-BE49-F238E27FC236}">
+                  <a16:creationId xmlns:a16="http://schemas.microsoft.com/office/drawing/2014/main" id="{29FD966B-B5FB-5D78-133D-86709DBBFC85}"/>
+                </a:ext>
+              </a:extLst>
+            </p:cNvPr>
+            <p:cNvSpPr/>
+            <p:nvPr/>
+          </p:nvSpPr>
+          <p:spPr>
+            <a:xfrm>
+              <a:off x="2584174" y="2689200"/>
+              <a:ext cx="185530" cy="185531"/>
+            </a:xfrm>
+            <a:prstGeom prst="rect">
+              <a:avLst/>
+            </a:prstGeom>
+            <a:grpFill/>
+          </p:spPr>
+          <p:style>
+            <a:lnRef idx="2">
+              <a:schemeClr val="accent4">
+                <a:shade val="15000"/>
+              </a:schemeClr>
+            </a:lnRef>
+            <a:fillRef idx="1">
+              <a:schemeClr val="accent4"/>
+            </a:fillRef>
+            <a:effectRef idx="0">
+              <a:schemeClr val="accent4"/>
+            </a:effectRef>
+            <a:fontRef idx="minor">
+              <a:schemeClr val="lt1"/>
+            </a:fontRef>
+          </p:style>
+          <p:txBody>
+            <a:bodyPr rtlCol="0" anchor="ctr"/>
+            <a:lstStyle/>
+            <a:p>
+              <a:pPr algn="ctr"/>
+              <a:endParaRPr lang="zh-CN" altLang="en-US" sz="1801" dirty="0"/>
+            </a:p>
+          </p:txBody>
+        </p:sp>
+        <p:sp>
+          <p:nvSpPr>
+            <p:cNvPr id="133" name="矩形 132">
+              <a:extLst>
+                <a:ext uri="{FF2B5EF4-FFF2-40B4-BE49-F238E27FC236}">
+                  <a16:creationId xmlns:a16="http://schemas.microsoft.com/office/drawing/2014/main" id="{6D97F3F3-EF64-F8EE-F834-A618A49FE2F6}"/>
+                </a:ext>
+              </a:extLst>
+            </p:cNvPr>
+            <p:cNvSpPr/>
+            <p:nvPr/>
+          </p:nvSpPr>
+          <p:spPr>
+            <a:xfrm>
+              <a:off x="2584174" y="2876400"/>
+              <a:ext cx="185530" cy="185531"/>
+            </a:xfrm>
+            <a:prstGeom prst="rect">
+              <a:avLst/>
+            </a:prstGeom>
+            <a:grpFill/>
+          </p:spPr>
+          <p:style>
+            <a:lnRef idx="2">
+              <a:schemeClr val="accent4">
+                <a:shade val="15000"/>
+              </a:schemeClr>
+            </a:lnRef>
+            <a:fillRef idx="1">
+              <a:schemeClr val="accent4"/>
+            </a:fillRef>
+            <a:effectRef idx="0">
+              <a:schemeClr val="accent4"/>
+            </a:effectRef>
+            <a:fontRef idx="minor">
+              <a:schemeClr val="lt1"/>
+            </a:fontRef>
+          </p:style>
+          <p:txBody>
+            <a:bodyPr rtlCol="0" anchor="ctr"/>
+            <a:lstStyle/>
+            <a:p>
+              <a:pPr algn="ctr"/>
+              <a:endParaRPr lang="zh-CN" altLang="en-US" sz="1801" dirty="0"/>
+            </a:p>
+          </p:txBody>
+        </p:sp>
+        <p:sp>
+          <p:nvSpPr>
+            <p:cNvPr id="134" name="矩形 133">
+              <a:extLst>
+                <a:ext uri="{FF2B5EF4-FFF2-40B4-BE49-F238E27FC236}">
+                  <a16:creationId xmlns:a16="http://schemas.microsoft.com/office/drawing/2014/main" id="{5D1010C5-C6D7-7520-14FC-158067B52D6A}"/>
+                </a:ext>
+              </a:extLst>
+            </p:cNvPr>
+            <p:cNvSpPr/>
+            <p:nvPr/>
+          </p:nvSpPr>
+          <p:spPr>
+            <a:xfrm>
+              <a:off x="2584174" y="3061931"/>
+              <a:ext cx="185530" cy="185531"/>
+            </a:xfrm>
+            <a:prstGeom prst="rect">
+              <a:avLst/>
+            </a:prstGeom>
+            <a:grpFill/>
+          </p:spPr>
+          <p:style>
+            <a:lnRef idx="2">
+              <a:schemeClr val="accent4">
+                <a:shade val="15000"/>
+              </a:schemeClr>
+            </a:lnRef>
+            <a:fillRef idx="1">
+              <a:schemeClr val="accent4"/>
+            </a:fillRef>
+            <a:effectRef idx="0">
+              <a:schemeClr val="accent4"/>
+            </a:effectRef>
+            <a:fontRef idx="minor">
+              <a:schemeClr val="lt1"/>
+            </a:fontRef>
+          </p:style>
+          <p:txBody>
+            <a:bodyPr rtlCol="0" anchor="ctr"/>
+            <a:lstStyle/>
+            <a:p>
+              <a:pPr algn="ctr"/>
+              <a:endParaRPr lang="zh-CN" altLang="en-US" sz="1801" dirty="0"/>
+            </a:p>
+          </p:txBody>
+        </p:sp>
+        <p:sp>
+          <p:nvSpPr>
+            <p:cNvPr id="135" name="矩形 134">
+              <a:extLst>
+                <a:ext uri="{FF2B5EF4-FFF2-40B4-BE49-F238E27FC236}">
+                  <a16:creationId xmlns:a16="http://schemas.microsoft.com/office/drawing/2014/main" id="{08563E4A-5BDC-533C-A75D-8B3A3ED822B4}"/>
+                </a:ext>
+              </a:extLst>
+            </p:cNvPr>
+            <p:cNvSpPr/>
+            <p:nvPr/>
+          </p:nvSpPr>
+          <p:spPr>
+            <a:xfrm>
+              <a:off x="2584174" y="3243469"/>
+              <a:ext cx="185530" cy="185531"/>
+            </a:xfrm>
+            <a:prstGeom prst="rect">
+              <a:avLst/>
+            </a:prstGeom>
+            <a:grpFill/>
+          </p:spPr>
+          <p:style>
+            <a:lnRef idx="2">
+              <a:schemeClr val="accent4">
+                <a:shade val="15000"/>
+              </a:schemeClr>
+            </a:lnRef>
+            <a:fillRef idx="1">
+              <a:schemeClr val="accent4"/>
+            </a:fillRef>
+            <a:effectRef idx="0">
+              <a:schemeClr val="accent4"/>
+            </a:effectRef>
+            <a:fontRef idx="minor">
+              <a:schemeClr val="lt1"/>
+            </a:fontRef>
+          </p:style>
+          <p:txBody>
+            <a:bodyPr rtlCol="0" anchor="ctr"/>
+            <a:lstStyle/>
+            <a:p>
+              <a:pPr algn="ctr"/>
+              <a:endParaRPr lang="zh-CN" altLang="en-US" sz="1801" dirty="0"/>
+            </a:p>
+          </p:txBody>
+        </p:sp>
+        <p:sp>
+          <p:nvSpPr>
+            <p:cNvPr id="136" name="矩形 135">
+              <a:extLst>
+                <a:ext uri="{FF2B5EF4-FFF2-40B4-BE49-F238E27FC236}">
+                  <a16:creationId xmlns:a16="http://schemas.microsoft.com/office/drawing/2014/main" id="{4D71F75A-E562-44F2-B82A-85A59F1B945E}"/>
+                </a:ext>
+              </a:extLst>
+            </p:cNvPr>
+            <p:cNvSpPr/>
+            <p:nvPr/>
+          </p:nvSpPr>
+          <p:spPr>
+            <a:xfrm>
+              <a:off x="2584174" y="3425007"/>
+              <a:ext cx="185530" cy="185531"/>
+            </a:xfrm>
+            <a:prstGeom prst="rect">
+              <a:avLst/>
+            </a:prstGeom>
+            <a:grpFill/>
+          </p:spPr>
+          <p:style>
+            <a:lnRef idx="2">
+              <a:schemeClr val="accent4">
+                <a:shade val="15000"/>
+              </a:schemeClr>
+            </a:lnRef>
+            <a:fillRef idx="1">
+              <a:schemeClr val="accent4"/>
+            </a:fillRef>
+            <a:effectRef idx="0">
+              <a:schemeClr val="accent4"/>
+            </a:effectRef>
+            <a:fontRef idx="minor">
+              <a:schemeClr val="lt1"/>
+            </a:fontRef>
+          </p:style>
+          <p:txBody>
+            <a:bodyPr rtlCol="0" anchor="ctr"/>
+            <a:lstStyle/>
+            <a:p>
+              <a:pPr algn="ctr"/>
+              <a:endParaRPr lang="zh-CN" altLang="en-US" sz="1801" dirty="0"/>
+            </a:p>
+          </p:txBody>
+        </p:sp>
+      </p:grpSp>
+      <mc:AlternateContent xmlns:mc="http://schemas.openxmlformats.org/markup-compatibility/2006">
+        <mc:Choice xmlns:a14="http://schemas.microsoft.com/office/drawing/2010/main" Requires="a14">
+          <p:sp>
+            <p:nvSpPr>
+              <p:cNvPr id="137" name="文本框 136">
+                <a:extLst>
+                  <a:ext uri="{FF2B5EF4-FFF2-40B4-BE49-F238E27FC236}">
+                    <a16:creationId xmlns:a16="http://schemas.microsoft.com/office/drawing/2014/main" id="{A49EE691-1CA6-2B95-62C2-EFEFA53ECF92}"/>
+                  </a:ext>
+                </a:extLst>
+              </p:cNvPr>
+              <p:cNvSpPr txBox="1"/>
+              <p:nvPr/>
+            </p:nvSpPr>
+            <p:spPr>
+              <a:xfrm>
+                <a:off x="2406199" y="2226416"/>
+                <a:ext cx="566885" cy="232949"/>
+              </a:xfrm>
+              <a:prstGeom prst="rect">
+                <a:avLst/>
+              </a:prstGeom>
+              <a:noFill/>
+            </p:spPr>
+            <p:txBody>
+              <a:bodyPr wrap="none" lIns="0" tIns="0" rIns="0" bIns="0" rtlCol="0">
+                <a:spAutoFit/>
+              </a:bodyPr>
+              <a:lstStyle/>
+              <a:p>
+                <a14:m>
+                  <m:oMathPara xmlns:m="http://schemas.openxmlformats.org/officeDocument/2006/math">
+                    <m:oMathParaPr>
+                      <m:jc m:val="centerGroup"/>
+                    </m:oMathParaPr>
+                    <m:oMath xmlns:m="http://schemas.openxmlformats.org/officeDocument/2006/math">
+                      <m:sSub>
+                        <m:sSubPr>
+                          <m:ctrlPr>
+                            <a:rPr lang="en-US" altLang="zh-CN" sz="1401" i="1">
+                              <a:latin typeface="Cambria Math" panose="02040503050406030204" pitchFamily="18" charset="0"/>
+                            </a:rPr>
+                          </m:ctrlPr>
+                        </m:sSubPr>
+                        <m:e>
+                          <m:r>
+                            <a:rPr lang="en-US" altLang="zh-CN" sz="1401" b="1" i="1">
+                              <a:latin typeface="Cambria Math" panose="02040503050406030204" pitchFamily="18" charset="0"/>
+                            </a:rPr>
+                            <m:t>𝒓</m:t>
+                          </m:r>
+                        </m:e>
+                        <m:sub>
+                          <m:r>
+                            <a:rPr lang="en-US" altLang="zh-CN" sz="1401" i="1">
+                              <a:latin typeface="Cambria Math" panose="02040503050406030204" pitchFamily="18" charset="0"/>
+                            </a:rPr>
+                            <m:t>𝑔𝑙𝑜𝑏𝑎𝑙</m:t>
+                          </m:r>
+                        </m:sub>
+                      </m:sSub>
+                    </m:oMath>
+                  </m:oMathPara>
+                </a14:m>
+                <a:endParaRPr lang="zh-CN" altLang="en-US" sz="1401" dirty="0"/>
+              </a:p>
+            </p:txBody>
+          </p:sp>
+        </mc:Choice>
+        <mc:Fallback>
+          <p:sp>
+            <p:nvSpPr>
+              <p:cNvPr id="137" name="文本框 136">
+                <a:extLst>
+                  <a:ext uri="{FF2B5EF4-FFF2-40B4-BE49-F238E27FC236}">
+                    <a16:creationId xmlns:a16="http://schemas.microsoft.com/office/drawing/2014/main" id="{A49EE691-1CA6-2B95-62C2-EFEFA53ECF92}"/>
+                  </a:ext>
+                </a:extLst>
+              </p:cNvPr>
+              <p:cNvSpPr txBox="1">
+                <a:spLocks noRot="1" noChangeAspect="1" noMove="1" noResize="1" noEditPoints="1" noAdjustHandles="1" noChangeArrowheads="1" noChangeShapeType="1" noTextEdit="1"/>
+              </p:cNvSpPr>
+              <p:nvPr/>
+            </p:nvSpPr>
+            <p:spPr>
+              <a:xfrm>
+                <a:off x="2406199" y="2226416"/>
+                <a:ext cx="566885" cy="232949"/>
+              </a:xfrm>
+              <a:prstGeom prst="rect">
+                <a:avLst/>
+              </a:prstGeom>
+              <a:blipFill>
+                <a:blip r:embed="rId4"/>
+                <a:stretch>
+                  <a:fillRect l="-4301" r="-2151" b="-26316"/>
+                </a:stretch>
+              </a:blipFill>
+            </p:spPr>
+            <p:txBody>
+              <a:bodyPr/>
+              <a:lstStyle/>
+              <a:p>
+                <a:r>
+                  <a:rPr lang="zh-CN" altLang="en-US">
+                    <a:noFill/>
+                  </a:rPr>
+                  <a:t> </a:t>
+                </a:r>
+              </a:p>
+            </p:txBody>
+          </p:sp>
+        </mc:Fallback>
+      </mc:AlternateContent>
+      <p:cxnSp>
+        <p:nvCxnSpPr>
+          <p:cNvPr id="138" name="直接箭头连接符 137">
+            <a:extLst>
+              <a:ext uri="{FF2B5EF4-FFF2-40B4-BE49-F238E27FC236}">
+                <a16:creationId xmlns:a16="http://schemas.microsoft.com/office/drawing/2014/main" id="{BC84C93C-8B1C-6CA2-69DB-215EA6761A6A}"/>
+              </a:ext>
+            </a:extLst>
+          </p:cNvPr>
+          <p:cNvCxnSpPr>
+            <a:cxnSpLocks/>
+          </p:cNvCxnSpPr>
+          <p:nvPr/>
+        </p:nvCxnSpPr>
+        <p:spPr>
+          <a:xfrm>
+            <a:off x="7700969" y="2425177"/>
+            <a:ext cx="0" cy="134772"/>
+          </a:xfrm>
+          <a:prstGeom prst="straightConnector1">
+            <a:avLst/>
+          </a:prstGeom>
+          <a:ln w="19050">
+            <a:solidFill>
+              <a:schemeClr val="tx1"/>
+            </a:solidFill>
+            <a:tailEnd type="triangle"/>
+          </a:ln>
+        </p:spPr>
+        <p:style>
+          <a:lnRef idx="1">
+            <a:schemeClr val="accent1"/>
+          </a:lnRef>
+          <a:fillRef idx="0">
+            <a:schemeClr val="accent1"/>
+          </a:fillRef>
+          <a:effectRef idx="0">
+            <a:schemeClr val="accent1"/>
+          </a:effectRef>
+          <a:fontRef idx="minor">
+            <a:schemeClr val="tx1"/>
+          </a:fontRef>
+        </p:style>
+      </p:cxnSp>
+      <mc:AlternateContent xmlns:mc="http://schemas.openxmlformats.org/markup-compatibility/2006">
+        <mc:Choice xmlns:a14="http://schemas.microsoft.com/office/drawing/2010/main" Requires="a14">
+          <p:sp>
+            <p:nvSpPr>
+              <p:cNvPr id="140" name="文本框 139">
+                <a:extLst>
+                  <a:ext uri="{FF2B5EF4-FFF2-40B4-BE49-F238E27FC236}">
+                    <a16:creationId xmlns:a16="http://schemas.microsoft.com/office/drawing/2014/main" id="{880C9181-85E2-CFB1-8083-D80E10BE6F3C}"/>
+                  </a:ext>
+                </a:extLst>
+              </p:cNvPr>
+              <p:cNvSpPr txBox="1"/>
+              <p:nvPr/>
+            </p:nvSpPr>
+            <p:spPr>
+              <a:xfrm>
+                <a:off x="7535831" y="2670803"/>
+                <a:ext cx="330283" cy="246221"/>
+              </a:xfrm>
+              <a:prstGeom prst="rect">
+                <a:avLst/>
+              </a:prstGeom>
+              <a:noFill/>
+            </p:spPr>
+            <p:txBody>
+              <a:bodyPr wrap="none" lIns="0" tIns="0" rIns="0" bIns="0" rtlCol="0">
+                <a:spAutoFit/>
+              </a:bodyPr>
+              <a:lstStyle/>
+              <a:p>
+                <a14:m>
+                  <m:oMathPara xmlns:m="http://schemas.openxmlformats.org/officeDocument/2006/math">
+                    <m:oMathParaPr>
+                      <m:jc m:val="centerGroup"/>
+                    </m:oMathParaPr>
+                    <m:oMath xmlns:m="http://schemas.openxmlformats.org/officeDocument/2006/math">
+                      <m:sSub>
+                        <m:sSubPr>
+                          <m:ctrlPr>
+                            <a:rPr lang="en-US" altLang="zh-CN" sz="1600" i="1">
+                              <a:latin typeface="Cambria Math" panose="02040503050406030204" pitchFamily="18" charset="0"/>
+                            </a:rPr>
+                          </m:ctrlPr>
+                        </m:sSubPr>
+                        <m:e>
+                          <m:r>
+                            <a:rPr lang="en-US" altLang="zh-CN" sz="1600" b="1">
+                              <a:latin typeface="Cambria Math" panose="02040503050406030204" pitchFamily="18" charset="0"/>
+                            </a:rPr>
+                            <m:t>𝐖</m:t>
+                          </m:r>
+                        </m:e>
+                        <m:sub>
+                          <m:r>
+                            <a:rPr lang="en-US" altLang="zh-CN" sz="1600" i="1">
+                              <a:latin typeface="Cambria Math" panose="02040503050406030204" pitchFamily="18" charset="0"/>
+                            </a:rPr>
+                            <m:t>𝑟</m:t>
+                          </m:r>
+                        </m:sub>
+                      </m:sSub>
+                    </m:oMath>
+                  </m:oMathPara>
+                </a14:m>
+                <a:endParaRPr lang="zh-CN" altLang="en-US" sz="1401" dirty="0"/>
+              </a:p>
+            </p:txBody>
+          </p:sp>
+        </mc:Choice>
+        <mc:Fallback>
+          <p:sp>
+            <p:nvSpPr>
+              <p:cNvPr id="140" name="文本框 139">
+                <a:extLst>
+                  <a:ext uri="{FF2B5EF4-FFF2-40B4-BE49-F238E27FC236}">
+                    <a16:creationId xmlns:a16="http://schemas.microsoft.com/office/drawing/2014/main" id="{880C9181-85E2-CFB1-8083-D80E10BE6F3C}"/>
+                  </a:ext>
+                </a:extLst>
+              </p:cNvPr>
+              <p:cNvSpPr txBox="1">
+                <a:spLocks noRot="1" noChangeAspect="1" noMove="1" noResize="1" noEditPoints="1" noAdjustHandles="1" noChangeArrowheads="1" noChangeShapeType="1" noTextEdit="1"/>
+              </p:cNvSpPr>
+              <p:nvPr/>
+            </p:nvSpPr>
+            <p:spPr>
+              <a:xfrm>
+                <a:off x="7535831" y="2670803"/>
+                <a:ext cx="330283" cy="246221"/>
+              </a:xfrm>
+              <a:prstGeom prst="rect">
+                <a:avLst/>
+              </a:prstGeom>
+              <a:blipFill>
+                <a:blip r:embed="rId5"/>
+                <a:stretch>
+                  <a:fillRect l="-11111" b="-9756"/>
+                </a:stretch>
+              </a:blipFill>
+            </p:spPr>
+            <p:txBody>
+              <a:bodyPr/>
+              <a:lstStyle/>
+              <a:p>
+                <a:r>
+                  <a:rPr lang="zh-CN" altLang="en-US">
+                    <a:noFill/>
+                  </a:rPr>
+                  <a:t> </a:t>
+                </a:r>
+              </a:p>
+            </p:txBody>
+          </p:sp>
+        </mc:Fallback>
+      </mc:AlternateContent>
+      <mc:AlternateContent xmlns:mc="http://schemas.openxmlformats.org/markup-compatibility/2006">
+        <mc:Choice xmlns:a14="http://schemas.microsoft.com/office/drawing/2010/main" Requires="a14">
+          <p:sp>
+            <p:nvSpPr>
+              <p:cNvPr id="141" name="文本框 140">
+                <a:extLst>
+                  <a:ext uri="{FF2B5EF4-FFF2-40B4-BE49-F238E27FC236}">
+                    <a16:creationId xmlns:a16="http://schemas.microsoft.com/office/drawing/2014/main" id="{991BAC6D-AF2C-20AE-E511-DFF0177C6260}"/>
+                  </a:ext>
+                </a:extLst>
+              </p:cNvPr>
+              <p:cNvSpPr txBox="1"/>
+              <p:nvPr/>
+            </p:nvSpPr>
+            <p:spPr>
+              <a:xfrm>
+                <a:off x="5570090" y="2647439"/>
+                <a:ext cx="288990" cy="246221"/>
+              </a:xfrm>
+              <a:prstGeom prst="rect">
+                <a:avLst/>
+              </a:prstGeom>
+              <a:noFill/>
+            </p:spPr>
+            <p:txBody>
+              <a:bodyPr wrap="none" lIns="0" tIns="0" rIns="0" bIns="0" rtlCol="0">
+                <a:spAutoFit/>
+              </a:bodyPr>
+              <a:lstStyle/>
+              <a:p>
+                <a14:m>
+                  <m:oMathPara xmlns:m="http://schemas.openxmlformats.org/officeDocument/2006/math">
+                    <m:oMathParaPr>
+                      <m:jc m:val="centerGroup"/>
+                    </m:oMathParaPr>
+                    <m:oMath xmlns:m="http://schemas.openxmlformats.org/officeDocument/2006/math">
+                      <m:sSub>
+                        <m:sSubPr>
+                          <m:ctrlPr>
+                            <a:rPr lang="en-US" altLang="zh-CN" sz="1600" i="1">
+                              <a:latin typeface="Cambria Math" panose="02040503050406030204" pitchFamily="18" charset="0"/>
+                            </a:rPr>
+                          </m:ctrlPr>
+                        </m:sSubPr>
+                        <m:e>
+                          <m:r>
+                            <a:rPr lang="zh-CN" altLang="en-US" sz="1600" i="1">
+                              <a:latin typeface="Cambria Math" panose="02040503050406030204" pitchFamily="18" charset="0"/>
+                            </a:rPr>
+                            <m:t>𝜔</m:t>
+                          </m:r>
+                        </m:e>
+                        <m:sub>
+                          <m:r>
+                            <a:rPr lang="en-US" altLang="zh-CN" sz="1600" i="1">
+                              <a:latin typeface="Cambria Math" panose="02040503050406030204" pitchFamily="18" charset="0"/>
+                            </a:rPr>
+                            <m:t>𝑟</m:t>
+                          </m:r>
+                        </m:sub>
+                      </m:sSub>
+                    </m:oMath>
+                  </m:oMathPara>
+                </a14:m>
+                <a:endParaRPr lang="zh-CN" altLang="en-US" sz="1401" dirty="0"/>
+              </a:p>
+            </p:txBody>
+          </p:sp>
+        </mc:Choice>
+        <mc:Fallback>
+          <p:sp>
+            <p:nvSpPr>
+              <p:cNvPr id="141" name="文本框 140">
+                <a:extLst>
+                  <a:ext uri="{FF2B5EF4-FFF2-40B4-BE49-F238E27FC236}">
+                    <a16:creationId xmlns:a16="http://schemas.microsoft.com/office/drawing/2014/main" id="{991BAC6D-AF2C-20AE-E511-DFF0177C6260}"/>
+                  </a:ext>
+                </a:extLst>
+              </p:cNvPr>
+              <p:cNvSpPr txBox="1">
+                <a:spLocks noRot="1" noChangeAspect="1" noMove="1" noResize="1" noEditPoints="1" noAdjustHandles="1" noChangeArrowheads="1" noChangeShapeType="1" noTextEdit="1"/>
+              </p:cNvSpPr>
+              <p:nvPr/>
+            </p:nvSpPr>
+            <p:spPr>
+              <a:xfrm>
+                <a:off x="5570090" y="2647439"/>
+                <a:ext cx="288990" cy="246221"/>
+              </a:xfrm>
+              <a:prstGeom prst="rect">
+                <a:avLst/>
+              </a:prstGeom>
+              <a:blipFill>
+                <a:blip r:embed="rId6"/>
+                <a:stretch>
+                  <a:fillRect l="-8511" b="-9756"/>
+                </a:stretch>
+              </a:blipFill>
+            </p:spPr>
+            <p:txBody>
+              <a:bodyPr/>
+              <a:lstStyle/>
+              <a:p>
+                <a:r>
+                  <a:rPr lang="zh-CN" altLang="en-US">
+                    <a:noFill/>
+                  </a:rPr>
+                  <a:t> </a:t>
+                </a:r>
+              </a:p>
+            </p:txBody>
+          </p:sp>
+        </mc:Fallback>
+      </mc:AlternateContent>
+      <p:cxnSp>
+        <p:nvCxnSpPr>
+          <p:cNvPr id="142" name="直接箭头连接符 141">
+            <a:extLst>
+              <a:ext uri="{FF2B5EF4-FFF2-40B4-BE49-F238E27FC236}">
+                <a16:creationId xmlns:a16="http://schemas.microsoft.com/office/drawing/2014/main" id="{CC055006-8597-A8EE-4B20-8466043E13D1}"/>
+              </a:ext>
+            </a:extLst>
+          </p:cNvPr>
+          <p:cNvCxnSpPr>
+            <a:cxnSpLocks/>
+          </p:cNvCxnSpPr>
+          <p:nvPr/>
+        </p:nvCxnSpPr>
+        <p:spPr>
+          <a:xfrm>
+            <a:off x="5714585" y="3027877"/>
+            <a:ext cx="0" cy="134772"/>
+          </a:xfrm>
+          <a:prstGeom prst="straightConnector1">
+            <a:avLst/>
+          </a:prstGeom>
+          <a:ln w="19050">
+            <a:solidFill>
+              <a:schemeClr val="tx1"/>
+            </a:solidFill>
+            <a:tailEnd type="triangle"/>
+          </a:ln>
+        </p:spPr>
+        <p:style>
+          <a:lnRef idx="1">
+            <a:schemeClr val="accent1"/>
+          </a:lnRef>
+          <a:fillRef idx="0">
+            <a:schemeClr val="accent1"/>
+          </a:fillRef>
+          <a:effectRef idx="0">
+            <a:schemeClr val="accent1"/>
+          </a:effectRef>
+          <a:fontRef idx="minor">
+            <a:schemeClr val="tx1"/>
+          </a:fontRef>
+        </p:style>
+      </p:cxnSp>
+      <p:cxnSp>
+        <p:nvCxnSpPr>
+          <p:cNvPr id="143" name="直接箭头连接符 142">
+            <a:extLst>
+              <a:ext uri="{FF2B5EF4-FFF2-40B4-BE49-F238E27FC236}">
+                <a16:creationId xmlns:a16="http://schemas.microsoft.com/office/drawing/2014/main" id="{7573757A-1291-8135-E9E2-A62BF0E6EB64}"/>
+              </a:ext>
+            </a:extLst>
+          </p:cNvPr>
+          <p:cNvCxnSpPr>
+            <a:cxnSpLocks/>
+          </p:cNvCxnSpPr>
+          <p:nvPr/>
+        </p:nvCxnSpPr>
+        <p:spPr>
+          <a:xfrm>
+            <a:off x="7702843" y="3027877"/>
+            <a:ext cx="0" cy="134772"/>
+          </a:xfrm>
+          <a:prstGeom prst="straightConnector1">
+            <a:avLst/>
+          </a:prstGeom>
+          <a:ln w="19050">
+            <a:solidFill>
+              <a:schemeClr val="tx1"/>
+            </a:solidFill>
+            <a:tailEnd type="triangle"/>
+          </a:ln>
+        </p:spPr>
+        <p:style>
+          <a:lnRef idx="1">
+            <a:schemeClr val="accent1"/>
+          </a:lnRef>
+          <a:fillRef idx="0">
+            <a:schemeClr val="accent1"/>
+          </a:fillRef>
+          <a:effectRef idx="0">
+            <a:schemeClr val="accent1"/>
+          </a:effectRef>
+          <a:fontRef idx="minor">
+            <a:schemeClr val="tx1"/>
+          </a:fontRef>
+        </p:style>
+      </p:cxnSp>
+      <p:cxnSp>
+        <p:nvCxnSpPr>
+          <p:cNvPr id="146" name="直接箭头连接符 145">
+            <a:extLst>
+              <a:ext uri="{FF2B5EF4-FFF2-40B4-BE49-F238E27FC236}">
+                <a16:creationId xmlns:a16="http://schemas.microsoft.com/office/drawing/2014/main" id="{4C43A13C-5F47-358E-39E4-5B01617DB5B5}"/>
+              </a:ext>
+            </a:extLst>
+          </p:cNvPr>
+          <p:cNvCxnSpPr>
+            <a:cxnSpLocks/>
+          </p:cNvCxnSpPr>
+          <p:nvPr/>
+        </p:nvCxnSpPr>
+        <p:spPr>
+          <a:xfrm>
+            <a:off x="6939608" y="3887540"/>
+            <a:ext cx="340523" cy="0"/>
+          </a:xfrm>
+          <a:prstGeom prst="straightConnector1">
+            <a:avLst/>
+          </a:prstGeom>
+          <a:ln w="19050">
+            <a:solidFill>
+              <a:schemeClr val="tx1"/>
+            </a:solidFill>
+            <a:tailEnd type="triangle"/>
+          </a:ln>
+        </p:spPr>
+        <p:style>
+          <a:lnRef idx="1">
+            <a:schemeClr val="accent1"/>
+          </a:lnRef>
+          <a:fillRef idx="0">
+            <a:schemeClr val="accent1"/>
+          </a:fillRef>
+          <a:effectRef idx="0">
+            <a:schemeClr val="accent1"/>
+          </a:effectRef>
+          <a:fontRef idx="minor">
+            <a:schemeClr val="tx1"/>
+          </a:fontRef>
+        </p:style>
+      </p:cxnSp>
+      <p:cxnSp>
+        <p:nvCxnSpPr>
+          <p:cNvPr id="147" name="直接箭头连接符 146">
+            <a:extLst>
+              <a:ext uri="{FF2B5EF4-FFF2-40B4-BE49-F238E27FC236}">
+                <a16:creationId xmlns:a16="http://schemas.microsoft.com/office/drawing/2014/main" id="{EB78F530-1EEF-DF37-CD7B-48A533AE8DD1}"/>
+              </a:ext>
+            </a:extLst>
+          </p:cNvPr>
+          <p:cNvCxnSpPr>
+            <a:cxnSpLocks/>
+          </p:cNvCxnSpPr>
+          <p:nvPr/>
+        </p:nvCxnSpPr>
+        <p:spPr>
+          <a:xfrm>
+            <a:off x="8191907" y="3869830"/>
+            <a:ext cx="340523" cy="0"/>
+          </a:xfrm>
+          <a:prstGeom prst="straightConnector1">
+            <a:avLst/>
+          </a:prstGeom>
+          <a:ln w="19050">
+            <a:solidFill>
+              <a:schemeClr val="tx1"/>
+            </a:solidFill>
+            <a:tailEnd type="triangle"/>
+          </a:ln>
+        </p:spPr>
+        <p:style>
+          <a:lnRef idx="1">
+            <a:schemeClr val="accent1"/>
+          </a:lnRef>
+          <a:fillRef idx="0">
+            <a:schemeClr val="accent1"/>
+          </a:fillRef>
+          <a:effectRef idx="0">
+            <a:schemeClr val="accent1"/>
+          </a:effectRef>
+          <a:fontRef idx="minor">
+            <a:schemeClr val="tx1"/>
+          </a:fontRef>
+        </p:style>
+      </p:cxnSp>
+      <p:grpSp>
+        <p:nvGrpSpPr>
+          <p:cNvPr id="157" name="组合 156">
+            <a:extLst>
+              <a:ext uri="{FF2B5EF4-FFF2-40B4-BE49-F238E27FC236}">
+                <a16:creationId xmlns:a16="http://schemas.microsoft.com/office/drawing/2014/main" id="{F407A2B1-7911-3AE2-893C-2F9A52904D39}"/>
+              </a:ext>
+            </a:extLst>
+          </p:cNvPr>
+          <p:cNvGrpSpPr/>
+          <p:nvPr/>
+        </p:nvGrpSpPr>
+        <p:grpSpPr>
+          <a:xfrm>
+            <a:off x="8705560" y="3159274"/>
+            <a:ext cx="185531" cy="1481572"/>
+            <a:chOff x="2584174" y="2128967"/>
+            <a:chExt cx="185530" cy="1481571"/>
+          </a:xfrm>
+          <a:solidFill>
+            <a:schemeClr val="tx2">
+              <a:lumMod val="40000"/>
+              <a:lumOff val="60000"/>
+            </a:schemeClr>
+          </a:solidFill>
+        </p:grpSpPr>
+        <p:sp>
+          <p:nvSpPr>
+            <p:cNvPr id="158" name="矩形 157">
+              <a:extLst>
+                <a:ext uri="{FF2B5EF4-FFF2-40B4-BE49-F238E27FC236}">
+                  <a16:creationId xmlns:a16="http://schemas.microsoft.com/office/drawing/2014/main" id="{CC8ED875-9995-8E38-B8DC-D4AF0BCBDAED}"/>
+                </a:ext>
+              </a:extLst>
+            </p:cNvPr>
+            <p:cNvSpPr/>
+            <p:nvPr/>
+          </p:nvSpPr>
+          <p:spPr>
+            <a:xfrm>
+              <a:off x="2584174" y="2128967"/>
+              <a:ext cx="185530" cy="185531"/>
+            </a:xfrm>
+            <a:prstGeom prst="rect">
+              <a:avLst/>
+            </a:prstGeom>
+            <a:grpFill/>
+          </p:spPr>
+          <p:style>
+            <a:lnRef idx="2">
+              <a:schemeClr val="accent6">
+                <a:shade val="15000"/>
+              </a:schemeClr>
+            </a:lnRef>
+            <a:fillRef idx="1">
+              <a:schemeClr val="accent6"/>
+            </a:fillRef>
+            <a:effectRef idx="0">
+              <a:schemeClr val="accent6"/>
+            </a:effectRef>
+            <a:fontRef idx="minor">
+              <a:schemeClr val="lt1"/>
+            </a:fontRef>
+          </p:style>
+          <p:txBody>
+            <a:bodyPr rtlCol="0" anchor="ctr"/>
+            <a:lstStyle/>
+            <a:p>
+              <a:pPr algn="ctr"/>
+              <a:endParaRPr lang="zh-CN" altLang="en-US" sz="1801" dirty="0"/>
+            </a:p>
+          </p:txBody>
+        </p:sp>
+        <p:sp>
+          <p:nvSpPr>
+            <p:cNvPr id="159" name="矩形 158">
+              <a:extLst>
+                <a:ext uri="{FF2B5EF4-FFF2-40B4-BE49-F238E27FC236}">
+                  <a16:creationId xmlns:a16="http://schemas.microsoft.com/office/drawing/2014/main" id="{1D3A3A7A-448E-132B-A4F7-11FC4B738211}"/>
+                </a:ext>
+              </a:extLst>
+            </p:cNvPr>
+            <p:cNvSpPr/>
+            <p:nvPr/>
+          </p:nvSpPr>
+          <p:spPr>
+            <a:xfrm>
+              <a:off x="2584174" y="2314498"/>
+              <a:ext cx="185530" cy="185531"/>
+            </a:xfrm>
+            <a:prstGeom prst="rect">
+              <a:avLst/>
+            </a:prstGeom>
+            <a:grpFill/>
+          </p:spPr>
+          <p:style>
+            <a:lnRef idx="2">
+              <a:schemeClr val="accent6">
+                <a:shade val="15000"/>
+              </a:schemeClr>
+            </a:lnRef>
+            <a:fillRef idx="1">
+              <a:schemeClr val="accent6"/>
+            </a:fillRef>
+            <a:effectRef idx="0">
+              <a:schemeClr val="accent6"/>
+            </a:effectRef>
+            <a:fontRef idx="minor">
+              <a:schemeClr val="lt1"/>
+            </a:fontRef>
+          </p:style>
+          <p:txBody>
+            <a:bodyPr rtlCol="0" anchor="ctr"/>
+            <a:lstStyle/>
+            <a:p>
+              <a:pPr algn="ctr"/>
+              <a:endParaRPr lang="zh-CN" altLang="en-US" sz="1801" dirty="0"/>
+            </a:p>
+          </p:txBody>
+        </p:sp>
+        <p:sp>
+          <p:nvSpPr>
+            <p:cNvPr id="160" name="矩形 159">
+              <a:extLst>
+                <a:ext uri="{FF2B5EF4-FFF2-40B4-BE49-F238E27FC236}">
+                  <a16:creationId xmlns:a16="http://schemas.microsoft.com/office/drawing/2014/main" id="{6B132229-F98F-5306-4DE4-3EAC52741E49}"/>
+                </a:ext>
+              </a:extLst>
+            </p:cNvPr>
+            <p:cNvSpPr/>
+            <p:nvPr/>
+          </p:nvSpPr>
+          <p:spPr>
+            <a:xfrm>
+              <a:off x="2584174" y="2500029"/>
+              <a:ext cx="185530" cy="185531"/>
+            </a:xfrm>
+            <a:prstGeom prst="rect">
+              <a:avLst/>
+            </a:prstGeom>
+            <a:grpFill/>
+          </p:spPr>
+          <p:style>
+            <a:lnRef idx="2">
+              <a:schemeClr val="accent6">
+                <a:shade val="15000"/>
+              </a:schemeClr>
+            </a:lnRef>
+            <a:fillRef idx="1">
+              <a:schemeClr val="accent6"/>
+            </a:fillRef>
+            <a:effectRef idx="0">
+              <a:schemeClr val="accent6"/>
+            </a:effectRef>
+            <a:fontRef idx="minor">
+              <a:schemeClr val="lt1"/>
+            </a:fontRef>
+          </p:style>
+          <p:txBody>
+            <a:bodyPr rtlCol="0" anchor="ctr"/>
+            <a:lstStyle/>
+            <a:p>
+              <a:pPr algn="ctr"/>
+              <a:endParaRPr lang="zh-CN" altLang="en-US" sz="1801" dirty="0"/>
+            </a:p>
+          </p:txBody>
+        </p:sp>
+        <p:sp>
+          <p:nvSpPr>
+            <p:cNvPr id="161" name="矩形 160">
+              <a:extLst>
+                <a:ext uri="{FF2B5EF4-FFF2-40B4-BE49-F238E27FC236}">
+                  <a16:creationId xmlns:a16="http://schemas.microsoft.com/office/drawing/2014/main" id="{D4E6E376-6B52-C50E-B099-ED48F1A22AA2}"/>
+                </a:ext>
+              </a:extLst>
+            </p:cNvPr>
+            <p:cNvSpPr/>
+            <p:nvPr/>
+          </p:nvSpPr>
+          <p:spPr>
+            <a:xfrm>
+              <a:off x="2584174" y="2689200"/>
+              <a:ext cx="185530" cy="185531"/>
+            </a:xfrm>
+            <a:prstGeom prst="rect">
+              <a:avLst/>
+            </a:prstGeom>
+            <a:grpFill/>
+          </p:spPr>
+          <p:style>
+            <a:lnRef idx="2">
+              <a:schemeClr val="accent6">
+                <a:shade val="15000"/>
+              </a:schemeClr>
+            </a:lnRef>
+            <a:fillRef idx="1">
+              <a:schemeClr val="accent6"/>
+            </a:fillRef>
+            <a:effectRef idx="0">
+              <a:schemeClr val="accent6"/>
+            </a:effectRef>
+            <a:fontRef idx="minor">
+              <a:schemeClr val="lt1"/>
+            </a:fontRef>
+          </p:style>
+          <p:txBody>
+            <a:bodyPr rtlCol="0" anchor="ctr"/>
+            <a:lstStyle/>
+            <a:p>
+              <a:pPr algn="ctr"/>
+              <a:endParaRPr lang="zh-CN" altLang="en-US" sz="1801" dirty="0"/>
+            </a:p>
+          </p:txBody>
+        </p:sp>
+        <p:sp>
+          <p:nvSpPr>
+            <p:cNvPr id="162" name="矩形 161">
+              <a:extLst>
+                <a:ext uri="{FF2B5EF4-FFF2-40B4-BE49-F238E27FC236}">
+                  <a16:creationId xmlns:a16="http://schemas.microsoft.com/office/drawing/2014/main" id="{3B6FBE2B-8ECA-1E1D-6E33-6EA4DD52BF95}"/>
+                </a:ext>
+              </a:extLst>
+            </p:cNvPr>
+            <p:cNvSpPr/>
+            <p:nvPr/>
+          </p:nvSpPr>
+          <p:spPr>
+            <a:xfrm>
+              <a:off x="2584174" y="2876400"/>
+              <a:ext cx="185530" cy="185531"/>
+            </a:xfrm>
+            <a:prstGeom prst="rect">
+              <a:avLst/>
+            </a:prstGeom>
+            <a:grpFill/>
+          </p:spPr>
+          <p:style>
+            <a:lnRef idx="2">
+              <a:schemeClr val="accent6">
+                <a:shade val="15000"/>
+              </a:schemeClr>
+            </a:lnRef>
+            <a:fillRef idx="1">
+              <a:schemeClr val="accent6"/>
+            </a:fillRef>
+            <a:effectRef idx="0">
+              <a:schemeClr val="accent6"/>
+            </a:effectRef>
+            <a:fontRef idx="minor">
+              <a:schemeClr val="lt1"/>
+            </a:fontRef>
+          </p:style>
+          <p:txBody>
+            <a:bodyPr rtlCol="0" anchor="ctr"/>
+            <a:lstStyle/>
+            <a:p>
+              <a:pPr algn="ctr"/>
+              <a:endParaRPr lang="zh-CN" altLang="en-US" sz="1801" dirty="0"/>
+            </a:p>
+          </p:txBody>
+        </p:sp>
+        <p:sp>
+          <p:nvSpPr>
+            <p:cNvPr id="163" name="矩形 162">
+              <a:extLst>
+                <a:ext uri="{FF2B5EF4-FFF2-40B4-BE49-F238E27FC236}">
+                  <a16:creationId xmlns:a16="http://schemas.microsoft.com/office/drawing/2014/main" id="{C04FBA9A-58A2-A5FA-4251-8F100C53BD13}"/>
+                </a:ext>
+              </a:extLst>
+            </p:cNvPr>
+            <p:cNvSpPr/>
+            <p:nvPr/>
+          </p:nvSpPr>
+          <p:spPr>
+            <a:xfrm>
+              <a:off x="2584174" y="3061931"/>
+              <a:ext cx="185530" cy="185531"/>
+            </a:xfrm>
+            <a:prstGeom prst="rect">
+              <a:avLst/>
+            </a:prstGeom>
+            <a:grpFill/>
+          </p:spPr>
+          <p:style>
+            <a:lnRef idx="2">
+              <a:schemeClr val="accent6">
+                <a:shade val="15000"/>
+              </a:schemeClr>
+            </a:lnRef>
+            <a:fillRef idx="1">
+              <a:schemeClr val="accent6"/>
+            </a:fillRef>
+            <a:effectRef idx="0">
+              <a:schemeClr val="accent6"/>
+            </a:effectRef>
+            <a:fontRef idx="minor">
+              <a:schemeClr val="lt1"/>
+            </a:fontRef>
+          </p:style>
+          <p:txBody>
+            <a:bodyPr rtlCol="0" anchor="ctr"/>
+            <a:lstStyle/>
+            <a:p>
+              <a:pPr algn="ctr"/>
+              <a:endParaRPr lang="zh-CN" altLang="en-US" sz="1801" dirty="0"/>
+            </a:p>
+          </p:txBody>
+        </p:sp>
+        <p:sp>
+          <p:nvSpPr>
+            <p:cNvPr id="164" name="矩形 163">
+              <a:extLst>
+                <a:ext uri="{FF2B5EF4-FFF2-40B4-BE49-F238E27FC236}">
+                  <a16:creationId xmlns:a16="http://schemas.microsoft.com/office/drawing/2014/main" id="{C7310271-B044-D9AC-E97F-36A0ECD95E1D}"/>
+                </a:ext>
+              </a:extLst>
+            </p:cNvPr>
+            <p:cNvSpPr/>
+            <p:nvPr/>
+          </p:nvSpPr>
+          <p:spPr>
+            <a:xfrm>
+              <a:off x="2584174" y="3243469"/>
+              <a:ext cx="185530" cy="185531"/>
+            </a:xfrm>
+            <a:prstGeom prst="rect">
+              <a:avLst/>
+            </a:prstGeom>
+            <a:grpFill/>
+          </p:spPr>
+          <p:style>
+            <a:lnRef idx="2">
+              <a:schemeClr val="accent6">
+                <a:shade val="15000"/>
+              </a:schemeClr>
+            </a:lnRef>
+            <a:fillRef idx="1">
+              <a:schemeClr val="accent6"/>
+            </a:fillRef>
+            <a:effectRef idx="0">
+              <a:schemeClr val="accent6"/>
+            </a:effectRef>
+            <a:fontRef idx="minor">
+              <a:schemeClr val="lt1"/>
+            </a:fontRef>
+          </p:style>
+          <p:txBody>
+            <a:bodyPr rtlCol="0" anchor="ctr"/>
+            <a:lstStyle/>
+            <a:p>
+              <a:pPr algn="ctr"/>
+              <a:endParaRPr lang="zh-CN" altLang="en-US" sz="1801" dirty="0"/>
+            </a:p>
+          </p:txBody>
+        </p:sp>
+        <p:sp>
+          <p:nvSpPr>
+            <p:cNvPr id="165" name="矩形 164">
+              <a:extLst>
+                <a:ext uri="{FF2B5EF4-FFF2-40B4-BE49-F238E27FC236}">
+                  <a16:creationId xmlns:a16="http://schemas.microsoft.com/office/drawing/2014/main" id="{379FE53B-5390-00E4-6195-68040B03971F}"/>
+                </a:ext>
+              </a:extLst>
+            </p:cNvPr>
+            <p:cNvSpPr/>
+            <p:nvPr/>
+          </p:nvSpPr>
+          <p:spPr>
+            <a:xfrm>
+              <a:off x="2584174" y="3425007"/>
+              <a:ext cx="185530" cy="185531"/>
+            </a:xfrm>
+            <a:prstGeom prst="rect">
+              <a:avLst/>
+            </a:prstGeom>
+            <a:grpFill/>
+          </p:spPr>
+          <p:style>
+            <a:lnRef idx="2">
+              <a:schemeClr val="accent6">
+                <a:shade val="15000"/>
+              </a:schemeClr>
+            </a:lnRef>
+            <a:fillRef idx="1">
+              <a:schemeClr val="accent6"/>
+            </a:fillRef>
+            <a:effectRef idx="0">
+              <a:schemeClr val="accent6"/>
+            </a:effectRef>
+            <a:fontRef idx="minor">
+              <a:schemeClr val="lt1"/>
+            </a:fontRef>
+          </p:style>
+          <p:txBody>
+            <a:bodyPr rtlCol="0" anchor="ctr"/>
+            <a:lstStyle/>
+            <a:p>
+              <a:pPr algn="ctr"/>
+              <a:endParaRPr lang="zh-CN" altLang="en-US" sz="1801" dirty="0"/>
+            </a:p>
+          </p:txBody>
+        </p:sp>
+      </p:grpSp>
+      <mc:AlternateContent xmlns:mc="http://schemas.openxmlformats.org/markup-compatibility/2006">
+        <mc:Choice xmlns:a14="http://schemas.microsoft.com/office/drawing/2010/main" Requires="a14">
+          <p:sp>
+            <p:nvSpPr>
+              <p:cNvPr id="166" name="文本框 165">
+                <a:extLst>
+                  <a:ext uri="{FF2B5EF4-FFF2-40B4-BE49-F238E27FC236}">
+                    <a16:creationId xmlns:a16="http://schemas.microsoft.com/office/drawing/2014/main" id="{5E289DBE-BB67-512F-BE1B-E9D6CA9C04D5}"/>
+                  </a:ext>
+                </a:extLst>
+              </p:cNvPr>
+              <p:cNvSpPr txBox="1"/>
+              <p:nvPr/>
+            </p:nvSpPr>
+            <p:spPr>
+              <a:xfrm>
+                <a:off x="8599777" y="4707622"/>
+                <a:ext cx="398699" cy="224870"/>
+              </a:xfrm>
+              <a:prstGeom prst="rect">
+                <a:avLst/>
+              </a:prstGeom>
+              <a:noFill/>
+            </p:spPr>
+            <p:txBody>
+              <a:bodyPr wrap="none" lIns="0" tIns="0" rIns="0" bIns="0" rtlCol="0">
+                <a:spAutoFit/>
+              </a:bodyPr>
+              <a:lstStyle/>
+              <a:p>
+                <a14:m>
+                  <m:oMathPara xmlns:m="http://schemas.openxmlformats.org/officeDocument/2006/math">
+                    <m:oMathParaPr>
+                      <m:jc m:val="centerGroup"/>
+                    </m:oMathParaPr>
+                    <m:oMath xmlns:m="http://schemas.openxmlformats.org/officeDocument/2006/math">
+                      <m:sSub>
+                        <m:sSubPr>
+                          <m:ctrlPr>
+                            <a:rPr lang="en-US" altLang="zh-CN" sz="1401" i="1">
+                              <a:latin typeface="Cambria Math" panose="02040503050406030204" pitchFamily="18" charset="0"/>
+                            </a:rPr>
+                          </m:ctrlPr>
+                        </m:sSubPr>
+                        <m:e>
+                          <m:r>
+                            <a:rPr lang="en-US" altLang="zh-CN" sz="1401" b="1" i="1">
+                              <a:latin typeface="Cambria Math" panose="02040503050406030204" pitchFamily="18" charset="0"/>
+                            </a:rPr>
+                            <m:t>𝒎</m:t>
+                          </m:r>
+                        </m:e>
+                        <m:sub>
+                          <m:r>
+                            <a:rPr lang="en-US" altLang="zh-CN" sz="1401" i="1">
+                              <a:latin typeface="Cambria Math" panose="02040503050406030204" pitchFamily="18" charset="0"/>
+                            </a:rPr>
+                            <m:t>𝑒</m:t>
+                          </m:r>
+                          <m:r>
+                            <a:rPr lang="en-US" altLang="zh-CN" sz="1401" i="1">
+                              <a:latin typeface="Cambria Math" panose="02040503050406030204" pitchFamily="18" charset="0"/>
+                            </a:rPr>
+                            <m:t>,</m:t>
+                          </m:r>
+                          <m:r>
+                            <a:rPr lang="en-US" altLang="zh-CN" sz="1401" i="1">
+                              <a:latin typeface="Cambria Math" panose="02040503050406030204" pitchFamily="18" charset="0"/>
+                            </a:rPr>
+                            <m:t>𝑟</m:t>
+                          </m:r>
+                        </m:sub>
+                      </m:sSub>
+                    </m:oMath>
+                  </m:oMathPara>
+                </a14:m>
+                <a:endParaRPr lang="zh-CN" altLang="en-US" sz="1401" dirty="0"/>
+              </a:p>
+            </p:txBody>
+          </p:sp>
+        </mc:Choice>
+        <mc:Fallback>
+          <p:sp>
+            <p:nvSpPr>
+              <p:cNvPr id="166" name="文本框 165">
+                <a:extLst>
+                  <a:ext uri="{FF2B5EF4-FFF2-40B4-BE49-F238E27FC236}">
+                    <a16:creationId xmlns:a16="http://schemas.microsoft.com/office/drawing/2014/main" id="{5E289DBE-BB67-512F-BE1B-E9D6CA9C04D5}"/>
+                  </a:ext>
+                </a:extLst>
+              </p:cNvPr>
+              <p:cNvSpPr txBox="1">
+                <a:spLocks noRot="1" noChangeAspect="1" noMove="1" noResize="1" noEditPoints="1" noAdjustHandles="1" noChangeArrowheads="1" noChangeShapeType="1" noTextEdit="1"/>
+              </p:cNvSpPr>
+              <p:nvPr/>
+            </p:nvSpPr>
+            <p:spPr>
+              <a:xfrm>
+                <a:off x="8599777" y="4707622"/>
+                <a:ext cx="398699" cy="224870"/>
+              </a:xfrm>
+              <a:prstGeom prst="rect">
+                <a:avLst/>
+              </a:prstGeom>
+              <a:blipFill>
+                <a:blip r:embed="rId7"/>
+                <a:stretch>
+                  <a:fillRect l="-6154" b="-8108"/>
+                </a:stretch>
+              </a:blipFill>
+            </p:spPr>
+            <p:txBody>
+              <a:bodyPr/>
+              <a:lstStyle/>
+              <a:p>
+                <a:r>
+                  <a:rPr lang="zh-CN" altLang="en-US">
+                    <a:noFill/>
+                  </a:rPr>
+                  <a:t> </a:t>
+                </a:r>
+              </a:p>
+            </p:txBody>
+          </p:sp>
+        </mc:Fallback>
+      </mc:AlternateContent>
+    </p:spTree>
+    <p:extLst>
+      <p:ext uri="{BB962C8B-B14F-4D97-AF65-F5344CB8AC3E}">
+        <p14:creationId xmlns:p14="http://schemas.microsoft.com/office/powerpoint/2010/main" val="2634909944"/>
+      </p:ext>
+    </p:extLst>
+  </p:cSld>
+  <p:clrMapOvr>
+    <a:masterClrMapping/>
+  </p:clrMapOvr>
+</p:sld>
+</file>
+
+<file path=ppt/slides/slide4.xml><?xml version="1.0" encoding="utf-8"?>
+<p:sld xmlns:a="http://schemas.openxmlformats.org/drawingml/2006/main" xmlns:r="http://schemas.openxmlformats.org/officeDocument/2006/relationships" xmlns:p="http://schemas.openxmlformats.org/presentationml/2006/main">
+  <p:cSld>
+    <p:spTree>
+      <p:nvGrpSpPr>
+        <p:cNvPr id="1" name=""/>
+        <p:cNvGrpSpPr/>
+        <p:nvPr/>
+      </p:nvGrpSpPr>
+      <p:grpSpPr>
+        <a:xfrm>
+          <a:off x="0" y="0"/>
+          <a:ext cx="0" cy="0"/>
+          <a:chOff x="0" y="0"/>
+          <a:chExt cx="0" cy="0"/>
+        </a:xfrm>
+      </p:grpSpPr>
+    </p:spTree>
+    <p:extLst>
+      <p:ext uri="{BB962C8B-B14F-4D97-AF65-F5344CB8AC3E}">
+        <p14:creationId xmlns:p14="http://schemas.microsoft.com/office/powerpoint/2010/main" val="3445192150"/>
       </p:ext>
     </p:extLst>
   </p:cSld>

--- a/新建 Microsoft PowerPoint 演示文稿.pptx
+++ b/新建 Microsoft PowerPoint 演示文稿.pptx
@@ -4497,8 +4497,8 @@
           <a:chExt cx="0" cy="0"/>
         </a:xfrm>
       </p:grpSpPr>
-      <mc:AlternateContent xmlns:mc="http://schemas.openxmlformats.org/markup-compatibility/2006">
-        <mc:Choice xmlns:a14="http://schemas.microsoft.com/office/drawing/2010/main" Requires="a14">
+      <mc:AlternateContent xmlns:mc="http://schemas.openxmlformats.org/markup-compatibility/2006" xmlns:a14="http://schemas.microsoft.com/office/drawing/2010/main">
+        <mc:Choice Requires="a14">
           <p:sp>
             <p:nvSpPr>
               <p:cNvPr id="6" name="文本框 5">
@@ -4776,7 +4776,7 @@
             </p:txBody>
           </p:sp>
         </mc:Choice>
-        <mc:Fallback>
+        <mc:Fallback xmlns="">
           <p:sp>
             <p:nvSpPr>
               <p:cNvPr id="6" name="文本框 5">
@@ -4821,8 +4821,8 @@
           </p:sp>
         </mc:Fallback>
       </mc:AlternateContent>
-      <mc:AlternateContent xmlns:mc="http://schemas.openxmlformats.org/markup-compatibility/2006">
-        <mc:Choice xmlns:a14="http://schemas.microsoft.com/office/drawing/2010/main" Requires="a14">
+      <mc:AlternateContent xmlns:mc="http://schemas.openxmlformats.org/markup-compatibility/2006" xmlns:a14="http://schemas.microsoft.com/office/drawing/2010/main">
+        <mc:Choice Requires="a14">
           <p:sp>
             <p:nvSpPr>
               <p:cNvPr id="7" name="文本框 6">
@@ -5100,7 +5100,7 @@
             </p:txBody>
           </p:sp>
         </mc:Choice>
-        <mc:Fallback>
+        <mc:Fallback xmlns="">
           <p:sp>
             <p:nvSpPr>
               <p:cNvPr id="7" name="文本框 6">
@@ -5145,8 +5145,8 @@
           </p:sp>
         </mc:Fallback>
       </mc:AlternateContent>
-      <mc:AlternateContent xmlns:mc="http://schemas.openxmlformats.org/markup-compatibility/2006">
-        <mc:Choice xmlns:a14="http://schemas.microsoft.com/office/drawing/2010/main" Requires="a14">
+      <mc:AlternateContent xmlns:mc="http://schemas.openxmlformats.org/markup-compatibility/2006" xmlns:a14="http://schemas.microsoft.com/office/drawing/2010/main">
+        <mc:Choice Requires="a14">
           <p:sp>
             <p:nvSpPr>
               <p:cNvPr id="8" name="文本框 7">
@@ -5456,7 +5456,7 @@
             </p:txBody>
           </p:sp>
         </mc:Choice>
-        <mc:Fallback>
+        <mc:Fallback xmlns="">
           <p:sp>
             <p:nvSpPr>
               <p:cNvPr id="8" name="文本框 7">
@@ -5501,8 +5501,8 @@
           </p:sp>
         </mc:Fallback>
       </mc:AlternateContent>
-      <mc:AlternateContent xmlns:mc="http://schemas.openxmlformats.org/markup-compatibility/2006">
-        <mc:Choice xmlns:a14="http://schemas.microsoft.com/office/drawing/2010/main" Requires="a14">
+      <mc:AlternateContent xmlns:mc="http://schemas.openxmlformats.org/markup-compatibility/2006" xmlns:a14="http://schemas.microsoft.com/office/drawing/2010/main">
+        <mc:Choice Requires="a14">
           <p:sp>
             <p:nvSpPr>
               <p:cNvPr id="11" name="文本框 10">
@@ -5553,7 +5553,7 @@
             </p:txBody>
           </p:sp>
         </mc:Choice>
-        <mc:Fallback>
+        <mc:Fallback xmlns="">
           <p:sp>
             <p:nvSpPr>
               <p:cNvPr id="11" name="文本框 10">
@@ -5598,8 +5598,8 @@
           </p:sp>
         </mc:Fallback>
       </mc:AlternateContent>
-      <mc:AlternateContent xmlns:mc="http://schemas.openxmlformats.org/markup-compatibility/2006">
-        <mc:Choice xmlns:a14="http://schemas.microsoft.com/office/drawing/2010/main" Requires="a14">
+      <mc:AlternateContent xmlns:mc="http://schemas.openxmlformats.org/markup-compatibility/2006" xmlns:a14="http://schemas.microsoft.com/office/drawing/2010/main">
+        <mc:Choice Requires="a14">
           <p:sp>
             <p:nvSpPr>
               <p:cNvPr id="12" name="文本框 11">
@@ -5650,7 +5650,7 @@
             </p:txBody>
           </p:sp>
         </mc:Choice>
-        <mc:Fallback>
+        <mc:Fallback xmlns="">
           <p:sp>
             <p:nvSpPr>
               <p:cNvPr id="12" name="文本框 11">
@@ -5727,10 +5727,10 @@
       </p:grpSpPr>
       <p:grpSp>
         <p:nvGrpSpPr>
-          <p:cNvPr id="12" name="组合 11">
+          <p:cNvPr id="2" name="组合 1">
             <a:extLst>
               <a:ext uri="{FF2B5EF4-FFF2-40B4-BE49-F238E27FC236}">
-                <a16:creationId xmlns:a16="http://schemas.microsoft.com/office/drawing/2014/main" id="{74404427-7050-1017-864A-FDA839213F7A}"/>
+                <a16:creationId xmlns:a16="http://schemas.microsoft.com/office/drawing/2014/main" id="{2A2A2363-E17A-A921-9887-8BC3660E33A9}"/>
               </a:ext>
             </a:extLst>
           </p:cNvPr>
@@ -5739,18 +5739,1789 @@
         </p:nvGrpSpPr>
         <p:grpSpPr>
           <a:xfrm>
-            <a:off x="2596874" y="3157668"/>
-            <a:ext cx="185531" cy="1481572"/>
-            <a:chOff x="2584174" y="2128967"/>
-            <a:chExt cx="185530" cy="1481571"/>
+            <a:off x="2471513" y="1070790"/>
+            <a:ext cx="6592277" cy="4311912"/>
+            <a:chOff x="2406199" y="657133"/>
+            <a:chExt cx="6592277" cy="4311912"/>
           </a:xfrm>
         </p:grpSpPr>
+        <p:grpSp>
+          <p:nvGrpSpPr>
+            <p:cNvPr id="12" name="组合 11">
+              <a:extLst>
+                <a:ext uri="{FF2B5EF4-FFF2-40B4-BE49-F238E27FC236}">
+                  <a16:creationId xmlns:a16="http://schemas.microsoft.com/office/drawing/2014/main" id="{74404427-7050-1017-864A-FDA839213F7A}"/>
+                </a:ext>
+              </a:extLst>
+            </p:cNvPr>
+            <p:cNvGrpSpPr/>
+            <p:nvPr/>
+          </p:nvGrpSpPr>
+          <p:grpSpPr>
+            <a:xfrm>
+              <a:off x="2596874" y="3157668"/>
+              <a:ext cx="185531" cy="1481572"/>
+              <a:chOff x="2584174" y="2128967"/>
+              <a:chExt cx="185530" cy="1481571"/>
+            </a:xfrm>
+          </p:grpSpPr>
+          <p:sp>
+            <p:nvSpPr>
+              <p:cNvPr id="4" name="矩形 3">
+                <a:extLst>
+                  <a:ext uri="{FF2B5EF4-FFF2-40B4-BE49-F238E27FC236}">
+                    <a16:creationId xmlns:a16="http://schemas.microsoft.com/office/drawing/2014/main" id="{3AE4236A-EE30-405C-60B2-A1C12C09FDED}"/>
+                  </a:ext>
+                </a:extLst>
+              </p:cNvPr>
+              <p:cNvSpPr/>
+              <p:nvPr/>
+            </p:nvSpPr>
+            <p:spPr>
+              <a:xfrm>
+                <a:off x="2584174" y="2128967"/>
+                <a:ext cx="185530" cy="185531"/>
+              </a:xfrm>
+              <a:prstGeom prst="rect">
+                <a:avLst/>
+              </a:prstGeom>
+            </p:spPr>
+            <p:style>
+              <a:lnRef idx="2">
+                <a:schemeClr val="accent2">
+                  <a:shade val="15000"/>
+                </a:schemeClr>
+              </a:lnRef>
+              <a:fillRef idx="1">
+                <a:schemeClr val="accent2"/>
+              </a:fillRef>
+              <a:effectRef idx="0">
+                <a:schemeClr val="accent2"/>
+              </a:effectRef>
+              <a:fontRef idx="minor">
+                <a:schemeClr val="lt1"/>
+              </a:fontRef>
+            </p:style>
+            <p:txBody>
+              <a:bodyPr rtlCol="0" anchor="ctr"/>
+              <a:lstStyle/>
+              <a:p>
+                <a:pPr algn="ctr"/>
+                <a:endParaRPr lang="zh-CN" altLang="en-US" sz="1801" dirty="0"/>
+              </a:p>
+            </p:txBody>
+          </p:sp>
+          <p:sp>
+            <p:nvSpPr>
+              <p:cNvPr id="5" name="矩形 4">
+                <a:extLst>
+                  <a:ext uri="{FF2B5EF4-FFF2-40B4-BE49-F238E27FC236}">
+                    <a16:creationId xmlns:a16="http://schemas.microsoft.com/office/drawing/2014/main" id="{EA9F655E-05EF-0462-62E5-724A80C540BD}"/>
+                  </a:ext>
+                </a:extLst>
+              </p:cNvPr>
+              <p:cNvSpPr/>
+              <p:nvPr/>
+            </p:nvSpPr>
+            <p:spPr>
+              <a:xfrm>
+                <a:off x="2584174" y="2314498"/>
+                <a:ext cx="185530" cy="185531"/>
+              </a:xfrm>
+              <a:prstGeom prst="rect">
+                <a:avLst/>
+              </a:prstGeom>
+            </p:spPr>
+            <p:style>
+              <a:lnRef idx="2">
+                <a:schemeClr val="accent2">
+                  <a:shade val="15000"/>
+                </a:schemeClr>
+              </a:lnRef>
+              <a:fillRef idx="1">
+                <a:schemeClr val="accent2"/>
+              </a:fillRef>
+              <a:effectRef idx="0">
+                <a:schemeClr val="accent2"/>
+              </a:effectRef>
+              <a:fontRef idx="minor">
+                <a:schemeClr val="lt1"/>
+              </a:fontRef>
+            </p:style>
+            <p:txBody>
+              <a:bodyPr rtlCol="0" anchor="ctr"/>
+              <a:lstStyle/>
+              <a:p>
+                <a:pPr algn="ctr"/>
+                <a:endParaRPr lang="zh-CN" altLang="en-US" sz="1801" dirty="0"/>
+              </a:p>
+            </p:txBody>
+          </p:sp>
+          <p:sp>
+            <p:nvSpPr>
+              <p:cNvPr id="6" name="矩形 5">
+                <a:extLst>
+                  <a:ext uri="{FF2B5EF4-FFF2-40B4-BE49-F238E27FC236}">
+                    <a16:creationId xmlns:a16="http://schemas.microsoft.com/office/drawing/2014/main" id="{16202702-EFDE-3207-2716-92F4BD380A37}"/>
+                  </a:ext>
+                </a:extLst>
+              </p:cNvPr>
+              <p:cNvSpPr/>
+              <p:nvPr/>
+            </p:nvSpPr>
+            <p:spPr>
+              <a:xfrm>
+                <a:off x="2584174" y="2500029"/>
+                <a:ext cx="185530" cy="185531"/>
+              </a:xfrm>
+              <a:prstGeom prst="rect">
+                <a:avLst/>
+              </a:prstGeom>
+            </p:spPr>
+            <p:style>
+              <a:lnRef idx="2">
+                <a:schemeClr val="accent2">
+                  <a:shade val="15000"/>
+                </a:schemeClr>
+              </a:lnRef>
+              <a:fillRef idx="1">
+                <a:schemeClr val="accent2"/>
+              </a:fillRef>
+              <a:effectRef idx="0">
+                <a:schemeClr val="accent2"/>
+              </a:effectRef>
+              <a:fontRef idx="minor">
+                <a:schemeClr val="lt1"/>
+              </a:fontRef>
+            </p:style>
+            <p:txBody>
+              <a:bodyPr rtlCol="0" anchor="ctr"/>
+              <a:lstStyle/>
+              <a:p>
+                <a:pPr algn="ctr"/>
+                <a:endParaRPr lang="zh-CN" altLang="en-US" sz="1801" dirty="0"/>
+              </a:p>
+            </p:txBody>
+          </p:sp>
+          <p:sp>
+            <p:nvSpPr>
+              <p:cNvPr id="7" name="矩形 6">
+                <a:extLst>
+                  <a:ext uri="{FF2B5EF4-FFF2-40B4-BE49-F238E27FC236}">
+                    <a16:creationId xmlns:a16="http://schemas.microsoft.com/office/drawing/2014/main" id="{A6587921-51ED-69B7-213E-6F03968EC0DE}"/>
+                  </a:ext>
+                </a:extLst>
+              </p:cNvPr>
+              <p:cNvSpPr/>
+              <p:nvPr/>
+            </p:nvSpPr>
+            <p:spPr>
+              <a:xfrm>
+                <a:off x="2584174" y="2689200"/>
+                <a:ext cx="185530" cy="185531"/>
+              </a:xfrm>
+              <a:prstGeom prst="rect">
+                <a:avLst/>
+              </a:prstGeom>
+            </p:spPr>
+            <p:style>
+              <a:lnRef idx="2">
+                <a:schemeClr val="accent2">
+                  <a:shade val="15000"/>
+                </a:schemeClr>
+              </a:lnRef>
+              <a:fillRef idx="1">
+                <a:schemeClr val="accent2"/>
+              </a:fillRef>
+              <a:effectRef idx="0">
+                <a:schemeClr val="accent2"/>
+              </a:effectRef>
+              <a:fontRef idx="minor">
+                <a:schemeClr val="lt1"/>
+              </a:fontRef>
+            </p:style>
+            <p:txBody>
+              <a:bodyPr rtlCol="0" anchor="ctr"/>
+              <a:lstStyle/>
+              <a:p>
+                <a:pPr algn="ctr"/>
+                <a:endParaRPr lang="zh-CN" altLang="en-US" sz="1801" dirty="0"/>
+              </a:p>
+            </p:txBody>
+          </p:sp>
+          <p:sp>
+            <p:nvSpPr>
+              <p:cNvPr id="8" name="矩形 7">
+                <a:extLst>
+                  <a:ext uri="{FF2B5EF4-FFF2-40B4-BE49-F238E27FC236}">
+                    <a16:creationId xmlns:a16="http://schemas.microsoft.com/office/drawing/2014/main" id="{E3A74B77-FBDB-048C-4200-7B6657C01FEE}"/>
+                  </a:ext>
+                </a:extLst>
+              </p:cNvPr>
+              <p:cNvSpPr/>
+              <p:nvPr/>
+            </p:nvSpPr>
+            <p:spPr>
+              <a:xfrm>
+                <a:off x="2584174" y="2876400"/>
+                <a:ext cx="185530" cy="185531"/>
+              </a:xfrm>
+              <a:prstGeom prst="rect">
+                <a:avLst/>
+              </a:prstGeom>
+            </p:spPr>
+            <p:style>
+              <a:lnRef idx="2">
+                <a:schemeClr val="accent2">
+                  <a:shade val="15000"/>
+                </a:schemeClr>
+              </a:lnRef>
+              <a:fillRef idx="1">
+                <a:schemeClr val="accent2"/>
+              </a:fillRef>
+              <a:effectRef idx="0">
+                <a:schemeClr val="accent2"/>
+              </a:effectRef>
+              <a:fontRef idx="minor">
+                <a:schemeClr val="lt1"/>
+              </a:fontRef>
+            </p:style>
+            <p:txBody>
+              <a:bodyPr rtlCol="0" anchor="ctr"/>
+              <a:lstStyle/>
+              <a:p>
+                <a:pPr algn="ctr"/>
+                <a:endParaRPr lang="zh-CN" altLang="en-US" sz="1801" dirty="0"/>
+              </a:p>
+            </p:txBody>
+          </p:sp>
+          <p:sp>
+            <p:nvSpPr>
+              <p:cNvPr id="9" name="矩形 8">
+                <a:extLst>
+                  <a:ext uri="{FF2B5EF4-FFF2-40B4-BE49-F238E27FC236}">
+                    <a16:creationId xmlns:a16="http://schemas.microsoft.com/office/drawing/2014/main" id="{D21A1481-3F67-4886-0D44-CB7D000EFE33}"/>
+                  </a:ext>
+                </a:extLst>
+              </p:cNvPr>
+              <p:cNvSpPr/>
+              <p:nvPr/>
+            </p:nvSpPr>
+            <p:spPr>
+              <a:xfrm>
+                <a:off x="2584174" y="3061931"/>
+                <a:ext cx="185530" cy="185531"/>
+              </a:xfrm>
+              <a:prstGeom prst="rect">
+                <a:avLst/>
+              </a:prstGeom>
+            </p:spPr>
+            <p:style>
+              <a:lnRef idx="2">
+                <a:schemeClr val="accent2">
+                  <a:shade val="15000"/>
+                </a:schemeClr>
+              </a:lnRef>
+              <a:fillRef idx="1">
+                <a:schemeClr val="accent2"/>
+              </a:fillRef>
+              <a:effectRef idx="0">
+                <a:schemeClr val="accent2"/>
+              </a:effectRef>
+              <a:fontRef idx="minor">
+                <a:schemeClr val="lt1"/>
+              </a:fontRef>
+            </p:style>
+            <p:txBody>
+              <a:bodyPr rtlCol="0" anchor="ctr"/>
+              <a:lstStyle/>
+              <a:p>
+                <a:pPr algn="ctr"/>
+                <a:endParaRPr lang="zh-CN" altLang="en-US" sz="1801" dirty="0"/>
+              </a:p>
+            </p:txBody>
+          </p:sp>
+          <p:sp>
+            <p:nvSpPr>
+              <p:cNvPr id="10" name="矩形 9">
+                <a:extLst>
+                  <a:ext uri="{FF2B5EF4-FFF2-40B4-BE49-F238E27FC236}">
+                    <a16:creationId xmlns:a16="http://schemas.microsoft.com/office/drawing/2014/main" id="{DD1A8E89-2BF2-60AC-B45F-9332002F422D}"/>
+                  </a:ext>
+                </a:extLst>
+              </p:cNvPr>
+              <p:cNvSpPr/>
+              <p:nvPr/>
+            </p:nvSpPr>
+            <p:spPr>
+              <a:xfrm>
+                <a:off x="2584174" y="3243469"/>
+                <a:ext cx="185530" cy="185531"/>
+              </a:xfrm>
+              <a:prstGeom prst="rect">
+                <a:avLst/>
+              </a:prstGeom>
+            </p:spPr>
+            <p:style>
+              <a:lnRef idx="2">
+                <a:schemeClr val="accent2">
+                  <a:shade val="15000"/>
+                </a:schemeClr>
+              </a:lnRef>
+              <a:fillRef idx="1">
+                <a:schemeClr val="accent2"/>
+              </a:fillRef>
+              <a:effectRef idx="0">
+                <a:schemeClr val="accent2"/>
+              </a:effectRef>
+              <a:fontRef idx="minor">
+                <a:schemeClr val="lt1"/>
+              </a:fontRef>
+            </p:style>
+            <p:txBody>
+              <a:bodyPr rtlCol="0" anchor="ctr"/>
+              <a:lstStyle/>
+              <a:p>
+                <a:pPr algn="ctr"/>
+                <a:endParaRPr lang="zh-CN" altLang="en-US" sz="1801" dirty="0"/>
+              </a:p>
+            </p:txBody>
+          </p:sp>
+          <p:sp>
+            <p:nvSpPr>
+              <p:cNvPr id="11" name="矩形 10">
+                <a:extLst>
+                  <a:ext uri="{FF2B5EF4-FFF2-40B4-BE49-F238E27FC236}">
+                    <a16:creationId xmlns:a16="http://schemas.microsoft.com/office/drawing/2014/main" id="{DF0E007F-CA79-EC0F-2F04-BA6F6B75E459}"/>
+                  </a:ext>
+                </a:extLst>
+              </p:cNvPr>
+              <p:cNvSpPr/>
+              <p:nvPr/>
+            </p:nvSpPr>
+            <p:spPr>
+              <a:xfrm>
+                <a:off x="2584174" y="3425007"/>
+                <a:ext cx="185530" cy="185531"/>
+              </a:xfrm>
+              <a:prstGeom prst="rect">
+                <a:avLst/>
+              </a:prstGeom>
+            </p:spPr>
+            <p:style>
+              <a:lnRef idx="2">
+                <a:schemeClr val="accent2">
+                  <a:shade val="15000"/>
+                </a:schemeClr>
+              </a:lnRef>
+              <a:fillRef idx="1">
+                <a:schemeClr val="accent2"/>
+              </a:fillRef>
+              <a:effectRef idx="0">
+                <a:schemeClr val="accent2"/>
+              </a:effectRef>
+              <a:fontRef idx="minor">
+                <a:schemeClr val="lt1"/>
+              </a:fontRef>
+            </p:style>
+            <p:txBody>
+              <a:bodyPr rtlCol="0" anchor="ctr"/>
+              <a:lstStyle/>
+              <a:p>
+                <a:pPr algn="ctr"/>
+                <a:endParaRPr lang="zh-CN" altLang="en-US" sz="1801" dirty="0"/>
+              </a:p>
+            </p:txBody>
+          </p:sp>
+        </p:grpSp>
+        <p:grpSp>
+          <p:nvGrpSpPr>
+            <p:cNvPr id="13" name="组合 12">
+              <a:extLst>
+                <a:ext uri="{FF2B5EF4-FFF2-40B4-BE49-F238E27FC236}">
+                  <a16:creationId xmlns:a16="http://schemas.microsoft.com/office/drawing/2014/main" id="{F7286588-8E6F-2A4A-4AA5-4B57A5DA0391}"/>
+                </a:ext>
+              </a:extLst>
+            </p:cNvPr>
+            <p:cNvGrpSpPr/>
+            <p:nvPr/>
+          </p:nvGrpSpPr>
+          <p:grpSpPr>
+            <a:xfrm>
+              <a:off x="3140435" y="3157668"/>
+              <a:ext cx="185531" cy="1481572"/>
+              <a:chOff x="2584174" y="2128967"/>
+              <a:chExt cx="185530" cy="1481571"/>
+            </a:xfrm>
+          </p:grpSpPr>
+          <p:sp>
+            <p:nvSpPr>
+              <p:cNvPr id="14" name="矩形 13">
+                <a:extLst>
+                  <a:ext uri="{FF2B5EF4-FFF2-40B4-BE49-F238E27FC236}">
+                    <a16:creationId xmlns:a16="http://schemas.microsoft.com/office/drawing/2014/main" id="{C4994329-8787-695F-8127-707C4CA8E91E}"/>
+                  </a:ext>
+                </a:extLst>
+              </p:cNvPr>
+              <p:cNvSpPr/>
+              <p:nvPr/>
+            </p:nvSpPr>
+            <p:spPr>
+              <a:xfrm>
+                <a:off x="2584174" y="2128967"/>
+                <a:ext cx="185530" cy="185531"/>
+              </a:xfrm>
+              <a:prstGeom prst="rect">
+                <a:avLst/>
+              </a:prstGeom>
+            </p:spPr>
+            <p:style>
+              <a:lnRef idx="2">
+                <a:schemeClr val="accent5">
+                  <a:shade val="15000"/>
+                </a:schemeClr>
+              </a:lnRef>
+              <a:fillRef idx="1">
+                <a:schemeClr val="accent5"/>
+              </a:fillRef>
+              <a:effectRef idx="0">
+                <a:schemeClr val="accent5"/>
+              </a:effectRef>
+              <a:fontRef idx="minor">
+                <a:schemeClr val="lt1"/>
+              </a:fontRef>
+            </p:style>
+            <p:txBody>
+              <a:bodyPr rtlCol="0" anchor="ctr"/>
+              <a:lstStyle/>
+              <a:p>
+                <a:pPr algn="ctr"/>
+                <a:endParaRPr lang="zh-CN" altLang="en-US" sz="1801" dirty="0"/>
+              </a:p>
+            </p:txBody>
+          </p:sp>
+          <p:sp>
+            <p:nvSpPr>
+              <p:cNvPr id="15" name="矩形 14">
+                <a:extLst>
+                  <a:ext uri="{FF2B5EF4-FFF2-40B4-BE49-F238E27FC236}">
+                    <a16:creationId xmlns:a16="http://schemas.microsoft.com/office/drawing/2014/main" id="{35E672FB-B951-3649-10C6-75CCC6099C28}"/>
+                  </a:ext>
+                </a:extLst>
+              </p:cNvPr>
+              <p:cNvSpPr/>
+              <p:nvPr/>
+            </p:nvSpPr>
+            <p:spPr>
+              <a:xfrm>
+                <a:off x="2584174" y="2314498"/>
+                <a:ext cx="185530" cy="185531"/>
+              </a:xfrm>
+              <a:prstGeom prst="rect">
+                <a:avLst/>
+              </a:prstGeom>
+            </p:spPr>
+            <p:style>
+              <a:lnRef idx="2">
+                <a:schemeClr val="accent5">
+                  <a:shade val="15000"/>
+                </a:schemeClr>
+              </a:lnRef>
+              <a:fillRef idx="1">
+                <a:schemeClr val="accent5"/>
+              </a:fillRef>
+              <a:effectRef idx="0">
+                <a:schemeClr val="accent5"/>
+              </a:effectRef>
+              <a:fontRef idx="minor">
+                <a:schemeClr val="lt1"/>
+              </a:fontRef>
+            </p:style>
+            <p:txBody>
+              <a:bodyPr rtlCol="0" anchor="ctr"/>
+              <a:lstStyle/>
+              <a:p>
+                <a:pPr algn="ctr"/>
+                <a:endParaRPr lang="zh-CN" altLang="en-US" sz="1801" dirty="0"/>
+              </a:p>
+            </p:txBody>
+          </p:sp>
+          <p:sp>
+            <p:nvSpPr>
+              <p:cNvPr id="16" name="矩形 15">
+                <a:extLst>
+                  <a:ext uri="{FF2B5EF4-FFF2-40B4-BE49-F238E27FC236}">
+                    <a16:creationId xmlns:a16="http://schemas.microsoft.com/office/drawing/2014/main" id="{99692843-5A8A-E9A5-E66E-5C7B97C2B0D3}"/>
+                  </a:ext>
+                </a:extLst>
+              </p:cNvPr>
+              <p:cNvSpPr/>
+              <p:nvPr/>
+            </p:nvSpPr>
+            <p:spPr>
+              <a:xfrm>
+                <a:off x="2584174" y="2500029"/>
+                <a:ext cx="185530" cy="185531"/>
+              </a:xfrm>
+              <a:prstGeom prst="rect">
+                <a:avLst/>
+              </a:prstGeom>
+            </p:spPr>
+            <p:style>
+              <a:lnRef idx="2">
+                <a:schemeClr val="accent5">
+                  <a:shade val="15000"/>
+                </a:schemeClr>
+              </a:lnRef>
+              <a:fillRef idx="1">
+                <a:schemeClr val="accent5"/>
+              </a:fillRef>
+              <a:effectRef idx="0">
+                <a:schemeClr val="accent5"/>
+              </a:effectRef>
+              <a:fontRef idx="minor">
+                <a:schemeClr val="lt1"/>
+              </a:fontRef>
+            </p:style>
+            <p:txBody>
+              <a:bodyPr rtlCol="0" anchor="ctr"/>
+              <a:lstStyle/>
+              <a:p>
+                <a:pPr algn="ctr"/>
+                <a:endParaRPr lang="zh-CN" altLang="en-US" sz="1801" dirty="0"/>
+              </a:p>
+            </p:txBody>
+          </p:sp>
+          <p:sp>
+            <p:nvSpPr>
+              <p:cNvPr id="17" name="矩形 16">
+                <a:extLst>
+                  <a:ext uri="{FF2B5EF4-FFF2-40B4-BE49-F238E27FC236}">
+                    <a16:creationId xmlns:a16="http://schemas.microsoft.com/office/drawing/2014/main" id="{16B50393-6D74-A886-8D86-D1CE783A6537}"/>
+                  </a:ext>
+                </a:extLst>
+              </p:cNvPr>
+              <p:cNvSpPr/>
+              <p:nvPr/>
+            </p:nvSpPr>
+            <p:spPr>
+              <a:xfrm>
+                <a:off x="2584174" y="2689200"/>
+                <a:ext cx="185530" cy="185531"/>
+              </a:xfrm>
+              <a:prstGeom prst="rect">
+                <a:avLst/>
+              </a:prstGeom>
+            </p:spPr>
+            <p:style>
+              <a:lnRef idx="2">
+                <a:schemeClr val="accent5">
+                  <a:shade val="15000"/>
+                </a:schemeClr>
+              </a:lnRef>
+              <a:fillRef idx="1">
+                <a:schemeClr val="accent5"/>
+              </a:fillRef>
+              <a:effectRef idx="0">
+                <a:schemeClr val="accent5"/>
+              </a:effectRef>
+              <a:fontRef idx="minor">
+                <a:schemeClr val="lt1"/>
+              </a:fontRef>
+            </p:style>
+            <p:txBody>
+              <a:bodyPr rtlCol="0" anchor="ctr"/>
+              <a:lstStyle/>
+              <a:p>
+                <a:pPr algn="ctr"/>
+                <a:endParaRPr lang="zh-CN" altLang="en-US" sz="1801" dirty="0"/>
+              </a:p>
+            </p:txBody>
+          </p:sp>
+          <p:sp>
+            <p:nvSpPr>
+              <p:cNvPr id="18" name="矩形 17">
+                <a:extLst>
+                  <a:ext uri="{FF2B5EF4-FFF2-40B4-BE49-F238E27FC236}">
+                    <a16:creationId xmlns:a16="http://schemas.microsoft.com/office/drawing/2014/main" id="{8164A688-540A-55ED-1E33-9C074743BC5E}"/>
+                  </a:ext>
+                </a:extLst>
+              </p:cNvPr>
+              <p:cNvSpPr/>
+              <p:nvPr/>
+            </p:nvSpPr>
+            <p:spPr>
+              <a:xfrm>
+                <a:off x="2584174" y="2876400"/>
+                <a:ext cx="185530" cy="185531"/>
+              </a:xfrm>
+              <a:prstGeom prst="rect">
+                <a:avLst/>
+              </a:prstGeom>
+            </p:spPr>
+            <p:style>
+              <a:lnRef idx="2">
+                <a:schemeClr val="accent5">
+                  <a:shade val="15000"/>
+                </a:schemeClr>
+              </a:lnRef>
+              <a:fillRef idx="1">
+                <a:schemeClr val="accent5"/>
+              </a:fillRef>
+              <a:effectRef idx="0">
+                <a:schemeClr val="accent5"/>
+              </a:effectRef>
+              <a:fontRef idx="minor">
+                <a:schemeClr val="lt1"/>
+              </a:fontRef>
+            </p:style>
+            <p:txBody>
+              <a:bodyPr rtlCol="0" anchor="ctr"/>
+              <a:lstStyle/>
+              <a:p>
+                <a:pPr algn="ctr"/>
+                <a:endParaRPr lang="zh-CN" altLang="en-US" sz="1801" dirty="0"/>
+              </a:p>
+            </p:txBody>
+          </p:sp>
+          <p:sp>
+            <p:nvSpPr>
+              <p:cNvPr id="19" name="矩形 18">
+                <a:extLst>
+                  <a:ext uri="{FF2B5EF4-FFF2-40B4-BE49-F238E27FC236}">
+                    <a16:creationId xmlns:a16="http://schemas.microsoft.com/office/drawing/2014/main" id="{5609AC2D-90A5-0232-2859-C4678BDF9736}"/>
+                  </a:ext>
+                </a:extLst>
+              </p:cNvPr>
+              <p:cNvSpPr/>
+              <p:nvPr/>
+            </p:nvSpPr>
+            <p:spPr>
+              <a:xfrm>
+                <a:off x="2584174" y="3061931"/>
+                <a:ext cx="185530" cy="185531"/>
+              </a:xfrm>
+              <a:prstGeom prst="rect">
+                <a:avLst/>
+              </a:prstGeom>
+            </p:spPr>
+            <p:style>
+              <a:lnRef idx="2">
+                <a:schemeClr val="accent5">
+                  <a:shade val="15000"/>
+                </a:schemeClr>
+              </a:lnRef>
+              <a:fillRef idx="1">
+                <a:schemeClr val="accent5"/>
+              </a:fillRef>
+              <a:effectRef idx="0">
+                <a:schemeClr val="accent5"/>
+              </a:effectRef>
+              <a:fontRef idx="minor">
+                <a:schemeClr val="lt1"/>
+              </a:fontRef>
+            </p:style>
+            <p:txBody>
+              <a:bodyPr rtlCol="0" anchor="ctr"/>
+              <a:lstStyle/>
+              <a:p>
+                <a:pPr algn="ctr"/>
+                <a:endParaRPr lang="zh-CN" altLang="en-US" sz="1801" dirty="0"/>
+              </a:p>
+            </p:txBody>
+          </p:sp>
+          <p:sp>
+            <p:nvSpPr>
+              <p:cNvPr id="20" name="矩形 19">
+                <a:extLst>
+                  <a:ext uri="{FF2B5EF4-FFF2-40B4-BE49-F238E27FC236}">
+                    <a16:creationId xmlns:a16="http://schemas.microsoft.com/office/drawing/2014/main" id="{53E29031-7405-09C5-75AF-42B6515A4FA4}"/>
+                  </a:ext>
+                </a:extLst>
+              </p:cNvPr>
+              <p:cNvSpPr/>
+              <p:nvPr/>
+            </p:nvSpPr>
+            <p:spPr>
+              <a:xfrm>
+                <a:off x="2584174" y="3243469"/>
+                <a:ext cx="185530" cy="185531"/>
+              </a:xfrm>
+              <a:prstGeom prst="rect">
+                <a:avLst/>
+              </a:prstGeom>
+            </p:spPr>
+            <p:style>
+              <a:lnRef idx="2">
+                <a:schemeClr val="accent5">
+                  <a:shade val="15000"/>
+                </a:schemeClr>
+              </a:lnRef>
+              <a:fillRef idx="1">
+                <a:schemeClr val="accent5"/>
+              </a:fillRef>
+              <a:effectRef idx="0">
+                <a:schemeClr val="accent5"/>
+              </a:effectRef>
+              <a:fontRef idx="minor">
+                <a:schemeClr val="lt1"/>
+              </a:fontRef>
+            </p:style>
+            <p:txBody>
+              <a:bodyPr rtlCol="0" anchor="ctr"/>
+              <a:lstStyle/>
+              <a:p>
+                <a:pPr algn="ctr"/>
+                <a:endParaRPr lang="zh-CN" altLang="en-US" sz="1801" dirty="0"/>
+              </a:p>
+            </p:txBody>
+          </p:sp>
+          <p:sp>
+            <p:nvSpPr>
+              <p:cNvPr id="21" name="矩形 20">
+                <a:extLst>
+                  <a:ext uri="{FF2B5EF4-FFF2-40B4-BE49-F238E27FC236}">
+                    <a16:creationId xmlns:a16="http://schemas.microsoft.com/office/drawing/2014/main" id="{D81E4BDC-76A9-D38B-A375-A1716D986824}"/>
+                  </a:ext>
+                </a:extLst>
+              </p:cNvPr>
+              <p:cNvSpPr/>
+              <p:nvPr/>
+            </p:nvSpPr>
+            <p:spPr>
+              <a:xfrm>
+                <a:off x="2584174" y="3425007"/>
+                <a:ext cx="185530" cy="185531"/>
+              </a:xfrm>
+              <a:prstGeom prst="rect">
+                <a:avLst/>
+              </a:prstGeom>
+            </p:spPr>
+            <p:style>
+              <a:lnRef idx="2">
+                <a:schemeClr val="accent5">
+                  <a:shade val="15000"/>
+                </a:schemeClr>
+              </a:lnRef>
+              <a:fillRef idx="1">
+                <a:schemeClr val="accent5"/>
+              </a:fillRef>
+              <a:effectRef idx="0">
+                <a:schemeClr val="accent5"/>
+              </a:effectRef>
+              <a:fontRef idx="minor">
+                <a:schemeClr val="lt1"/>
+              </a:fontRef>
+            </p:style>
+            <p:txBody>
+              <a:bodyPr rtlCol="0" anchor="ctr"/>
+              <a:lstStyle/>
+              <a:p>
+                <a:pPr algn="ctr"/>
+                <a:endParaRPr lang="zh-CN" altLang="en-US" sz="1801" dirty="0"/>
+              </a:p>
+            </p:txBody>
+          </p:sp>
+        </p:grpSp>
+        <mc:AlternateContent xmlns:mc="http://schemas.openxmlformats.org/markup-compatibility/2006">
+          <mc:Choice xmlns:a14="http://schemas.microsoft.com/office/drawing/2010/main" Requires="a14">
+            <p:sp>
+              <p:nvSpPr>
+                <p:cNvPr id="23" name="文本框 22">
+                  <a:extLst>
+                    <a:ext uri="{FF2B5EF4-FFF2-40B4-BE49-F238E27FC236}">
+                      <a16:creationId xmlns:a16="http://schemas.microsoft.com/office/drawing/2014/main" id="{90DE113F-C711-3E9B-0715-884ABDEF34E5}"/>
+                    </a:ext>
+                  </a:extLst>
+                </p:cNvPr>
+                <p:cNvSpPr txBox="1"/>
+                <p:nvPr/>
+              </p:nvSpPr>
+              <p:spPr>
+                <a:xfrm>
+                  <a:off x="2615099" y="4717048"/>
+                  <a:ext cx="149080" cy="215572"/>
+                </a:xfrm>
+                <a:prstGeom prst="rect">
+                  <a:avLst/>
+                </a:prstGeom>
+                <a:noFill/>
+              </p:spPr>
+              <p:txBody>
+                <a:bodyPr wrap="none" lIns="0" tIns="0" rIns="0" bIns="0" rtlCol="0">
+                  <a:spAutoFit/>
+                </a:bodyPr>
+                <a:lstStyle/>
+                <a:p>
+                  <a:pPr/>
+                  <a14:m>
+                    <m:oMathPara xmlns:m="http://schemas.openxmlformats.org/officeDocument/2006/math">
+                      <m:oMathParaPr>
+                        <m:jc m:val="centerGroup"/>
+                      </m:oMathParaPr>
+                      <m:oMath xmlns:m="http://schemas.openxmlformats.org/officeDocument/2006/math">
+                        <m:r>
+                          <a:rPr lang="en-US" altLang="zh-CN" sz="1401" b="1" i="1">
+                            <a:latin typeface="Cambria Math" panose="02040503050406030204" pitchFamily="18" charset="0"/>
+                          </a:rPr>
+                          <m:t>𝒆</m:t>
+                        </m:r>
+                      </m:oMath>
+                    </m:oMathPara>
+                  </a14:m>
+                  <a:endParaRPr lang="zh-CN" altLang="en-US" sz="1401" b="1" dirty="0"/>
+                </a:p>
+              </p:txBody>
+            </p:sp>
+          </mc:Choice>
+          <mc:Fallback>
+            <p:sp>
+              <p:nvSpPr>
+                <p:cNvPr id="23" name="文本框 22">
+                  <a:extLst>
+                    <a:ext uri="{FF2B5EF4-FFF2-40B4-BE49-F238E27FC236}">
+                      <a16:creationId xmlns:a16="http://schemas.microsoft.com/office/drawing/2014/main" id="{90DE113F-C711-3E9B-0715-884ABDEF34E5}"/>
+                    </a:ext>
+                  </a:extLst>
+                </p:cNvPr>
+                <p:cNvSpPr txBox="1">
+                  <a:spLocks noRot="1" noChangeAspect="1" noMove="1" noResize="1" noEditPoints="1" noAdjustHandles="1" noChangeArrowheads="1" noChangeShapeType="1" noTextEdit="1"/>
+                </p:cNvSpPr>
+                <p:nvPr/>
+              </p:nvSpPr>
+              <p:spPr>
+                <a:xfrm>
+                  <a:off x="2615099" y="4717048"/>
+                  <a:ext cx="149080" cy="215572"/>
+                </a:xfrm>
+                <a:prstGeom prst="rect">
+                  <a:avLst/>
+                </a:prstGeom>
+                <a:blipFill>
+                  <a:blip r:embed="rId2"/>
+                  <a:stretch>
+                    <a:fillRect l="-16667" r="-16667"/>
+                  </a:stretch>
+                </a:blipFill>
+              </p:spPr>
+              <p:txBody>
+                <a:bodyPr/>
+                <a:lstStyle/>
+                <a:p>
+                  <a:r>
+                    <a:rPr lang="zh-CN" altLang="en-US">
+                      <a:noFill/>
+                    </a:rPr>
+                    <a:t> </a:t>
+                  </a:r>
+                </a:p>
+              </p:txBody>
+            </p:sp>
+          </mc:Fallback>
+        </mc:AlternateContent>
+        <mc:AlternateContent xmlns:mc="http://schemas.openxmlformats.org/markup-compatibility/2006">
+          <mc:Choice xmlns:a14="http://schemas.microsoft.com/office/drawing/2010/main" Requires="a14">
+            <p:sp>
+              <p:nvSpPr>
+                <p:cNvPr id="24" name="文本框 23">
+                  <a:extLst>
+                    <a:ext uri="{FF2B5EF4-FFF2-40B4-BE49-F238E27FC236}">
+                      <a16:creationId xmlns:a16="http://schemas.microsoft.com/office/drawing/2014/main" id="{BBCBCAE1-0DB2-4854-76DE-BF7FE256BEA1}"/>
+                    </a:ext>
+                  </a:extLst>
+                </p:cNvPr>
+                <p:cNvSpPr txBox="1"/>
+                <p:nvPr/>
+              </p:nvSpPr>
+              <p:spPr>
+                <a:xfrm>
+                  <a:off x="3158659" y="4717048"/>
+                  <a:ext cx="145874" cy="215572"/>
+                </a:xfrm>
+                <a:prstGeom prst="rect">
+                  <a:avLst/>
+                </a:prstGeom>
+                <a:noFill/>
+              </p:spPr>
+              <p:txBody>
+                <a:bodyPr wrap="none" lIns="0" tIns="0" rIns="0" bIns="0" rtlCol="0">
+                  <a:spAutoFit/>
+                </a:bodyPr>
+                <a:lstStyle/>
+                <a:p>
+                  <a:pPr/>
+                  <a14:m>
+                    <m:oMathPara xmlns:m="http://schemas.openxmlformats.org/officeDocument/2006/math">
+                      <m:oMathParaPr>
+                        <m:jc m:val="centerGroup"/>
+                      </m:oMathParaPr>
+                      <m:oMath xmlns:m="http://schemas.openxmlformats.org/officeDocument/2006/math">
+                        <m:r>
+                          <a:rPr lang="en-US" altLang="zh-CN" sz="1401" b="1" i="1">
+                            <a:latin typeface="Cambria Math" panose="02040503050406030204" pitchFamily="18" charset="0"/>
+                          </a:rPr>
+                          <m:t>𝒓</m:t>
+                        </m:r>
+                      </m:oMath>
+                    </m:oMathPara>
+                  </a14:m>
+                  <a:endParaRPr lang="zh-CN" altLang="en-US" sz="1401" b="1" dirty="0"/>
+                </a:p>
+              </p:txBody>
+            </p:sp>
+          </mc:Choice>
+          <mc:Fallback>
+            <p:sp>
+              <p:nvSpPr>
+                <p:cNvPr id="24" name="文本框 23">
+                  <a:extLst>
+                    <a:ext uri="{FF2B5EF4-FFF2-40B4-BE49-F238E27FC236}">
+                      <a16:creationId xmlns:a16="http://schemas.microsoft.com/office/drawing/2014/main" id="{BBCBCAE1-0DB2-4854-76DE-BF7FE256BEA1}"/>
+                    </a:ext>
+                  </a:extLst>
+                </p:cNvPr>
+                <p:cNvSpPr txBox="1">
+                  <a:spLocks noRot="1" noChangeAspect="1" noMove="1" noResize="1" noEditPoints="1" noAdjustHandles="1" noChangeArrowheads="1" noChangeShapeType="1" noTextEdit="1"/>
+                </p:cNvSpPr>
+                <p:nvPr/>
+              </p:nvSpPr>
+              <p:spPr>
+                <a:xfrm>
+                  <a:off x="3158659" y="4717048"/>
+                  <a:ext cx="145874" cy="215572"/>
+                </a:xfrm>
+                <a:prstGeom prst="rect">
+                  <a:avLst/>
+                </a:prstGeom>
+                <a:blipFill>
+                  <a:blip r:embed="rId3"/>
+                  <a:stretch>
+                    <a:fillRect l="-7692" r="-7692"/>
+                  </a:stretch>
+                </a:blipFill>
+              </p:spPr>
+              <p:txBody>
+                <a:bodyPr/>
+                <a:lstStyle/>
+                <a:p>
+                  <a:r>
+                    <a:rPr lang="zh-CN" altLang="en-US">
+                      <a:noFill/>
+                    </a:rPr>
+                    <a:t> </a:t>
+                  </a:r>
+                </a:p>
+              </p:txBody>
+            </p:sp>
+          </mc:Fallback>
+        </mc:AlternateContent>
+        <p:grpSp>
+          <p:nvGrpSpPr>
+            <p:cNvPr id="59" name="组合 58">
+              <a:extLst>
+                <a:ext uri="{FF2B5EF4-FFF2-40B4-BE49-F238E27FC236}">
+                  <a16:creationId xmlns:a16="http://schemas.microsoft.com/office/drawing/2014/main" id="{046F000D-F26D-3054-46B0-D0FADBF94E1F}"/>
+                </a:ext>
+              </a:extLst>
+            </p:cNvPr>
+            <p:cNvGrpSpPr/>
+            <p:nvPr/>
+          </p:nvGrpSpPr>
+          <p:grpSpPr>
+            <a:xfrm>
+              <a:off x="4023086" y="3528730"/>
+              <a:ext cx="742121" cy="734139"/>
+              <a:chOff x="6155414" y="3247462"/>
+              <a:chExt cx="742120" cy="734138"/>
+            </a:xfrm>
+          </p:grpSpPr>
+          <p:sp>
+            <p:nvSpPr>
+              <p:cNvPr id="41" name="矩形 40">
+                <a:extLst>
+                  <a:ext uri="{FF2B5EF4-FFF2-40B4-BE49-F238E27FC236}">
+                    <a16:creationId xmlns:a16="http://schemas.microsoft.com/office/drawing/2014/main" id="{742B347B-B4AF-5EC9-8931-A51F7ACB3499}"/>
+                  </a:ext>
+                </a:extLst>
+              </p:cNvPr>
+              <p:cNvSpPr/>
+              <p:nvPr/>
+            </p:nvSpPr>
+            <p:spPr>
+              <a:xfrm>
+                <a:off x="6155414" y="3247462"/>
+                <a:ext cx="185530" cy="185531"/>
+              </a:xfrm>
+              <a:prstGeom prst="rect">
+                <a:avLst/>
+              </a:prstGeom>
+            </p:spPr>
+            <p:style>
+              <a:lnRef idx="2">
+                <a:schemeClr val="accent5">
+                  <a:shade val="15000"/>
+                </a:schemeClr>
+              </a:lnRef>
+              <a:fillRef idx="1">
+                <a:schemeClr val="accent5"/>
+              </a:fillRef>
+              <a:effectRef idx="0">
+                <a:schemeClr val="accent5"/>
+              </a:effectRef>
+              <a:fontRef idx="minor">
+                <a:schemeClr val="lt1"/>
+              </a:fontRef>
+            </p:style>
+            <p:txBody>
+              <a:bodyPr rtlCol="0" anchor="ctr"/>
+              <a:lstStyle/>
+              <a:p>
+                <a:pPr algn="ctr"/>
+                <a:endParaRPr lang="zh-CN" altLang="en-US" sz="1801" dirty="0"/>
+              </a:p>
+            </p:txBody>
+          </p:sp>
+          <p:sp>
+            <p:nvSpPr>
+              <p:cNvPr id="42" name="矩形 41">
+                <a:extLst>
+                  <a:ext uri="{FF2B5EF4-FFF2-40B4-BE49-F238E27FC236}">
+                    <a16:creationId xmlns:a16="http://schemas.microsoft.com/office/drawing/2014/main" id="{F726DA3C-596A-49B3-6B60-7B5399CC25DA}"/>
+                  </a:ext>
+                </a:extLst>
+              </p:cNvPr>
+              <p:cNvSpPr/>
+              <p:nvPr/>
+            </p:nvSpPr>
+            <p:spPr>
+              <a:xfrm>
+                <a:off x="6155414" y="3432993"/>
+                <a:ext cx="185530" cy="185531"/>
+              </a:xfrm>
+              <a:prstGeom prst="rect">
+                <a:avLst/>
+              </a:prstGeom>
+            </p:spPr>
+            <p:style>
+              <a:lnRef idx="2">
+                <a:schemeClr val="accent2">
+                  <a:shade val="15000"/>
+                </a:schemeClr>
+              </a:lnRef>
+              <a:fillRef idx="1">
+                <a:schemeClr val="accent2"/>
+              </a:fillRef>
+              <a:effectRef idx="0">
+                <a:schemeClr val="accent2"/>
+              </a:effectRef>
+              <a:fontRef idx="minor">
+                <a:schemeClr val="lt1"/>
+              </a:fontRef>
+            </p:style>
+            <p:txBody>
+              <a:bodyPr rtlCol="0" anchor="ctr"/>
+              <a:lstStyle/>
+              <a:p>
+                <a:pPr algn="ctr"/>
+                <a:endParaRPr lang="zh-CN" altLang="en-US" sz="1801" dirty="0"/>
+              </a:p>
+            </p:txBody>
+          </p:sp>
+          <p:sp>
+            <p:nvSpPr>
+              <p:cNvPr id="43" name="矩形 42">
+                <a:extLst>
+                  <a:ext uri="{FF2B5EF4-FFF2-40B4-BE49-F238E27FC236}">
+                    <a16:creationId xmlns:a16="http://schemas.microsoft.com/office/drawing/2014/main" id="{9215CF54-8A19-64BC-D2AE-B73B9E0B6778}"/>
+                  </a:ext>
+                </a:extLst>
+              </p:cNvPr>
+              <p:cNvSpPr/>
+              <p:nvPr/>
+            </p:nvSpPr>
+            <p:spPr>
+              <a:xfrm>
+                <a:off x="6155414" y="3614531"/>
+                <a:ext cx="185530" cy="185531"/>
+              </a:xfrm>
+              <a:prstGeom prst="rect">
+                <a:avLst/>
+              </a:prstGeom>
+            </p:spPr>
+            <p:style>
+              <a:lnRef idx="2">
+                <a:schemeClr val="accent5">
+                  <a:shade val="15000"/>
+                </a:schemeClr>
+              </a:lnRef>
+              <a:fillRef idx="1">
+                <a:schemeClr val="accent5"/>
+              </a:fillRef>
+              <a:effectRef idx="0">
+                <a:schemeClr val="accent5"/>
+              </a:effectRef>
+              <a:fontRef idx="minor">
+                <a:schemeClr val="lt1"/>
+              </a:fontRef>
+            </p:style>
+            <p:txBody>
+              <a:bodyPr rtlCol="0" anchor="ctr"/>
+              <a:lstStyle/>
+              <a:p>
+                <a:pPr algn="ctr"/>
+                <a:endParaRPr lang="zh-CN" altLang="en-US" sz="1801" dirty="0"/>
+              </a:p>
+            </p:txBody>
+          </p:sp>
+          <p:sp>
+            <p:nvSpPr>
+              <p:cNvPr id="44" name="矩形 43">
+                <a:extLst>
+                  <a:ext uri="{FF2B5EF4-FFF2-40B4-BE49-F238E27FC236}">
+                    <a16:creationId xmlns:a16="http://schemas.microsoft.com/office/drawing/2014/main" id="{29102D0E-6A3C-5010-0E2D-6AA447DC1F99}"/>
+                  </a:ext>
+                </a:extLst>
+              </p:cNvPr>
+              <p:cNvSpPr/>
+              <p:nvPr/>
+            </p:nvSpPr>
+            <p:spPr>
+              <a:xfrm>
+                <a:off x="6155414" y="3796069"/>
+                <a:ext cx="185530" cy="185531"/>
+              </a:xfrm>
+              <a:prstGeom prst="rect">
+                <a:avLst/>
+              </a:prstGeom>
+            </p:spPr>
+            <p:style>
+              <a:lnRef idx="2">
+                <a:schemeClr val="accent2">
+                  <a:shade val="15000"/>
+                </a:schemeClr>
+              </a:lnRef>
+              <a:fillRef idx="1">
+                <a:schemeClr val="accent2"/>
+              </a:fillRef>
+              <a:effectRef idx="0">
+                <a:schemeClr val="accent2"/>
+              </a:effectRef>
+              <a:fontRef idx="minor">
+                <a:schemeClr val="lt1"/>
+              </a:fontRef>
+            </p:style>
+            <p:txBody>
+              <a:bodyPr rtlCol="0" anchor="ctr"/>
+              <a:lstStyle/>
+              <a:p>
+                <a:pPr algn="ctr"/>
+                <a:endParaRPr lang="zh-CN" altLang="en-US" sz="1801" dirty="0"/>
+              </a:p>
+            </p:txBody>
+          </p:sp>
+          <p:sp>
+            <p:nvSpPr>
+              <p:cNvPr id="45" name="矩形 44">
+                <a:extLst>
+                  <a:ext uri="{FF2B5EF4-FFF2-40B4-BE49-F238E27FC236}">
+                    <a16:creationId xmlns:a16="http://schemas.microsoft.com/office/drawing/2014/main" id="{AFF39258-8B32-BEB3-0E87-ECEF534DC03C}"/>
+                  </a:ext>
+                </a:extLst>
+              </p:cNvPr>
+              <p:cNvSpPr/>
+              <p:nvPr/>
+            </p:nvSpPr>
+            <p:spPr>
+              <a:xfrm>
+                <a:off x="6340944" y="3247462"/>
+                <a:ext cx="185530" cy="185531"/>
+              </a:xfrm>
+              <a:prstGeom prst="rect">
+                <a:avLst/>
+              </a:prstGeom>
+            </p:spPr>
+            <p:style>
+              <a:lnRef idx="2">
+                <a:schemeClr val="accent2">
+                  <a:shade val="15000"/>
+                </a:schemeClr>
+              </a:lnRef>
+              <a:fillRef idx="1">
+                <a:schemeClr val="accent2"/>
+              </a:fillRef>
+              <a:effectRef idx="0">
+                <a:schemeClr val="accent2"/>
+              </a:effectRef>
+              <a:fontRef idx="minor">
+                <a:schemeClr val="lt1"/>
+              </a:fontRef>
+            </p:style>
+            <p:txBody>
+              <a:bodyPr rtlCol="0" anchor="ctr"/>
+              <a:lstStyle/>
+              <a:p>
+                <a:pPr algn="ctr"/>
+                <a:endParaRPr lang="zh-CN" altLang="en-US" sz="1801" dirty="0"/>
+              </a:p>
+            </p:txBody>
+          </p:sp>
+          <p:sp>
+            <p:nvSpPr>
+              <p:cNvPr id="46" name="矩形 45">
+                <a:extLst>
+                  <a:ext uri="{FF2B5EF4-FFF2-40B4-BE49-F238E27FC236}">
+                    <a16:creationId xmlns:a16="http://schemas.microsoft.com/office/drawing/2014/main" id="{3C9C40E9-E381-6657-1817-E16098350D89}"/>
+                  </a:ext>
+                </a:extLst>
+              </p:cNvPr>
+              <p:cNvSpPr/>
+              <p:nvPr/>
+            </p:nvSpPr>
+            <p:spPr>
+              <a:xfrm>
+                <a:off x="6340944" y="3432993"/>
+                <a:ext cx="185530" cy="185531"/>
+              </a:xfrm>
+              <a:prstGeom prst="rect">
+                <a:avLst/>
+              </a:prstGeom>
+            </p:spPr>
+            <p:style>
+              <a:lnRef idx="2">
+                <a:schemeClr val="accent5">
+                  <a:shade val="15000"/>
+                </a:schemeClr>
+              </a:lnRef>
+              <a:fillRef idx="1">
+                <a:schemeClr val="accent5"/>
+              </a:fillRef>
+              <a:effectRef idx="0">
+                <a:schemeClr val="accent5"/>
+              </a:effectRef>
+              <a:fontRef idx="minor">
+                <a:schemeClr val="lt1"/>
+              </a:fontRef>
+            </p:style>
+            <p:txBody>
+              <a:bodyPr rtlCol="0" anchor="ctr"/>
+              <a:lstStyle/>
+              <a:p>
+                <a:pPr algn="ctr"/>
+                <a:endParaRPr lang="zh-CN" altLang="en-US" sz="1801" dirty="0"/>
+              </a:p>
+            </p:txBody>
+          </p:sp>
+          <p:sp>
+            <p:nvSpPr>
+              <p:cNvPr id="47" name="矩形 46">
+                <a:extLst>
+                  <a:ext uri="{FF2B5EF4-FFF2-40B4-BE49-F238E27FC236}">
+                    <a16:creationId xmlns:a16="http://schemas.microsoft.com/office/drawing/2014/main" id="{333E288A-6221-6EB6-DD28-E2E9E35AC2DE}"/>
+                  </a:ext>
+                </a:extLst>
+              </p:cNvPr>
+              <p:cNvSpPr/>
+              <p:nvPr/>
+            </p:nvSpPr>
+            <p:spPr>
+              <a:xfrm>
+                <a:off x="6340944" y="3614531"/>
+                <a:ext cx="185530" cy="185531"/>
+              </a:xfrm>
+              <a:prstGeom prst="rect">
+                <a:avLst/>
+              </a:prstGeom>
+            </p:spPr>
+            <p:style>
+              <a:lnRef idx="2">
+                <a:schemeClr val="accent2">
+                  <a:shade val="15000"/>
+                </a:schemeClr>
+              </a:lnRef>
+              <a:fillRef idx="1">
+                <a:schemeClr val="accent2"/>
+              </a:fillRef>
+              <a:effectRef idx="0">
+                <a:schemeClr val="accent2"/>
+              </a:effectRef>
+              <a:fontRef idx="minor">
+                <a:schemeClr val="lt1"/>
+              </a:fontRef>
+            </p:style>
+            <p:txBody>
+              <a:bodyPr rtlCol="0" anchor="ctr"/>
+              <a:lstStyle/>
+              <a:p>
+                <a:pPr algn="ctr"/>
+                <a:endParaRPr lang="zh-CN" altLang="en-US" sz="1801" dirty="0"/>
+              </a:p>
+            </p:txBody>
+          </p:sp>
+          <p:sp>
+            <p:nvSpPr>
+              <p:cNvPr id="48" name="矩形 47">
+                <a:extLst>
+                  <a:ext uri="{FF2B5EF4-FFF2-40B4-BE49-F238E27FC236}">
+                    <a16:creationId xmlns:a16="http://schemas.microsoft.com/office/drawing/2014/main" id="{0A6E2433-F0FF-68B1-1E4C-A0D4B30B7F6B}"/>
+                  </a:ext>
+                </a:extLst>
+              </p:cNvPr>
+              <p:cNvSpPr/>
+              <p:nvPr/>
+            </p:nvSpPr>
+            <p:spPr>
+              <a:xfrm>
+                <a:off x="6340944" y="3796069"/>
+                <a:ext cx="185530" cy="185531"/>
+              </a:xfrm>
+              <a:prstGeom prst="rect">
+                <a:avLst/>
+              </a:prstGeom>
+            </p:spPr>
+            <p:style>
+              <a:lnRef idx="2">
+                <a:schemeClr val="accent5">
+                  <a:shade val="15000"/>
+                </a:schemeClr>
+              </a:lnRef>
+              <a:fillRef idx="1">
+                <a:schemeClr val="accent5"/>
+              </a:fillRef>
+              <a:effectRef idx="0">
+                <a:schemeClr val="accent5"/>
+              </a:effectRef>
+              <a:fontRef idx="minor">
+                <a:schemeClr val="lt1"/>
+              </a:fontRef>
+            </p:style>
+            <p:txBody>
+              <a:bodyPr rtlCol="0" anchor="ctr"/>
+              <a:lstStyle/>
+              <a:p>
+                <a:pPr algn="ctr"/>
+                <a:endParaRPr lang="zh-CN" altLang="en-US" sz="1801" dirty="0"/>
+              </a:p>
+            </p:txBody>
+          </p:sp>
+          <p:sp>
+            <p:nvSpPr>
+              <p:cNvPr id="51" name="矩形 50">
+                <a:extLst>
+                  <a:ext uri="{FF2B5EF4-FFF2-40B4-BE49-F238E27FC236}">
+                    <a16:creationId xmlns:a16="http://schemas.microsoft.com/office/drawing/2014/main" id="{2BAC3F5B-32B9-FB96-8DB5-29D703C8A1AA}"/>
+                  </a:ext>
+                </a:extLst>
+              </p:cNvPr>
+              <p:cNvSpPr/>
+              <p:nvPr/>
+            </p:nvSpPr>
+            <p:spPr>
+              <a:xfrm>
+                <a:off x="6526474" y="3247462"/>
+                <a:ext cx="185530" cy="185531"/>
+              </a:xfrm>
+              <a:prstGeom prst="rect">
+                <a:avLst/>
+              </a:prstGeom>
+            </p:spPr>
+            <p:style>
+              <a:lnRef idx="2">
+                <a:schemeClr val="accent5">
+                  <a:shade val="15000"/>
+                </a:schemeClr>
+              </a:lnRef>
+              <a:fillRef idx="1">
+                <a:schemeClr val="accent5"/>
+              </a:fillRef>
+              <a:effectRef idx="0">
+                <a:schemeClr val="accent5"/>
+              </a:effectRef>
+              <a:fontRef idx="minor">
+                <a:schemeClr val="lt1"/>
+              </a:fontRef>
+            </p:style>
+            <p:txBody>
+              <a:bodyPr rtlCol="0" anchor="ctr"/>
+              <a:lstStyle/>
+              <a:p>
+                <a:pPr algn="ctr"/>
+                <a:endParaRPr lang="zh-CN" altLang="en-US" sz="1801" dirty="0"/>
+              </a:p>
+            </p:txBody>
+          </p:sp>
+          <p:sp>
+            <p:nvSpPr>
+              <p:cNvPr id="52" name="矩形 51">
+                <a:extLst>
+                  <a:ext uri="{FF2B5EF4-FFF2-40B4-BE49-F238E27FC236}">
+                    <a16:creationId xmlns:a16="http://schemas.microsoft.com/office/drawing/2014/main" id="{6FAA964C-9C25-8F86-7C8D-1ED80666BCCB}"/>
+                  </a:ext>
+                </a:extLst>
+              </p:cNvPr>
+              <p:cNvSpPr/>
+              <p:nvPr/>
+            </p:nvSpPr>
+            <p:spPr>
+              <a:xfrm>
+                <a:off x="6526474" y="3432993"/>
+                <a:ext cx="185530" cy="185531"/>
+              </a:xfrm>
+              <a:prstGeom prst="rect">
+                <a:avLst/>
+              </a:prstGeom>
+            </p:spPr>
+            <p:style>
+              <a:lnRef idx="2">
+                <a:schemeClr val="accent2">
+                  <a:shade val="15000"/>
+                </a:schemeClr>
+              </a:lnRef>
+              <a:fillRef idx="1">
+                <a:schemeClr val="accent2"/>
+              </a:fillRef>
+              <a:effectRef idx="0">
+                <a:schemeClr val="accent2"/>
+              </a:effectRef>
+              <a:fontRef idx="minor">
+                <a:schemeClr val="lt1"/>
+              </a:fontRef>
+            </p:style>
+            <p:txBody>
+              <a:bodyPr rtlCol="0" anchor="ctr"/>
+              <a:lstStyle/>
+              <a:p>
+                <a:pPr algn="ctr"/>
+                <a:endParaRPr lang="zh-CN" altLang="en-US" sz="1801" dirty="0"/>
+              </a:p>
+            </p:txBody>
+          </p:sp>
+          <p:sp>
+            <p:nvSpPr>
+              <p:cNvPr id="53" name="矩形 52">
+                <a:extLst>
+                  <a:ext uri="{FF2B5EF4-FFF2-40B4-BE49-F238E27FC236}">
+                    <a16:creationId xmlns:a16="http://schemas.microsoft.com/office/drawing/2014/main" id="{7940E9DC-9EDA-BF3D-75BB-DF47E3AB0087}"/>
+                  </a:ext>
+                </a:extLst>
+              </p:cNvPr>
+              <p:cNvSpPr/>
+              <p:nvPr/>
+            </p:nvSpPr>
+            <p:spPr>
+              <a:xfrm>
+                <a:off x="6526474" y="3614531"/>
+                <a:ext cx="185530" cy="185531"/>
+              </a:xfrm>
+              <a:prstGeom prst="rect">
+                <a:avLst/>
+              </a:prstGeom>
+            </p:spPr>
+            <p:style>
+              <a:lnRef idx="2">
+                <a:schemeClr val="accent5">
+                  <a:shade val="15000"/>
+                </a:schemeClr>
+              </a:lnRef>
+              <a:fillRef idx="1">
+                <a:schemeClr val="accent5"/>
+              </a:fillRef>
+              <a:effectRef idx="0">
+                <a:schemeClr val="accent5"/>
+              </a:effectRef>
+              <a:fontRef idx="minor">
+                <a:schemeClr val="lt1"/>
+              </a:fontRef>
+            </p:style>
+            <p:txBody>
+              <a:bodyPr rtlCol="0" anchor="ctr"/>
+              <a:lstStyle/>
+              <a:p>
+                <a:pPr algn="ctr"/>
+                <a:endParaRPr lang="zh-CN" altLang="en-US" sz="1801" dirty="0"/>
+              </a:p>
+            </p:txBody>
+          </p:sp>
+          <p:sp>
+            <p:nvSpPr>
+              <p:cNvPr id="54" name="矩形 53">
+                <a:extLst>
+                  <a:ext uri="{FF2B5EF4-FFF2-40B4-BE49-F238E27FC236}">
+                    <a16:creationId xmlns:a16="http://schemas.microsoft.com/office/drawing/2014/main" id="{2CA4A4D0-EC50-8AC6-F684-7490A1A196D0}"/>
+                  </a:ext>
+                </a:extLst>
+              </p:cNvPr>
+              <p:cNvSpPr/>
+              <p:nvPr/>
+            </p:nvSpPr>
+            <p:spPr>
+              <a:xfrm>
+                <a:off x="6526474" y="3796069"/>
+                <a:ext cx="185530" cy="185531"/>
+              </a:xfrm>
+              <a:prstGeom prst="rect">
+                <a:avLst/>
+              </a:prstGeom>
+            </p:spPr>
+            <p:style>
+              <a:lnRef idx="2">
+                <a:schemeClr val="accent2">
+                  <a:shade val="15000"/>
+                </a:schemeClr>
+              </a:lnRef>
+              <a:fillRef idx="1">
+                <a:schemeClr val="accent2"/>
+              </a:fillRef>
+              <a:effectRef idx="0">
+                <a:schemeClr val="accent2"/>
+              </a:effectRef>
+              <a:fontRef idx="minor">
+                <a:schemeClr val="lt1"/>
+              </a:fontRef>
+            </p:style>
+            <p:txBody>
+              <a:bodyPr rtlCol="0" anchor="ctr"/>
+              <a:lstStyle/>
+              <a:p>
+                <a:pPr algn="ctr"/>
+                <a:endParaRPr lang="zh-CN" altLang="en-US" sz="1801" dirty="0"/>
+              </a:p>
+            </p:txBody>
+          </p:sp>
+          <p:sp>
+            <p:nvSpPr>
+              <p:cNvPr id="55" name="矩形 54">
+                <a:extLst>
+                  <a:ext uri="{FF2B5EF4-FFF2-40B4-BE49-F238E27FC236}">
+                    <a16:creationId xmlns:a16="http://schemas.microsoft.com/office/drawing/2014/main" id="{A4F08BFB-05AC-702A-84E4-0A10602625C4}"/>
+                  </a:ext>
+                </a:extLst>
+              </p:cNvPr>
+              <p:cNvSpPr/>
+              <p:nvPr/>
+            </p:nvSpPr>
+            <p:spPr>
+              <a:xfrm>
+                <a:off x="6712004" y="3247462"/>
+                <a:ext cx="185530" cy="185531"/>
+              </a:xfrm>
+              <a:prstGeom prst="rect">
+                <a:avLst/>
+              </a:prstGeom>
+            </p:spPr>
+            <p:style>
+              <a:lnRef idx="2">
+                <a:schemeClr val="accent2">
+                  <a:shade val="15000"/>
+                </a:schemeClr>
+              </a:lnRef>
+              <a:fillRef idx="1">
+                <a:schemeClr val="accent2"/>
+              </a:fillRef>
+              <a:effectRef idx="0">
+                <a:schemeClr val="accent2"/>
+              </a:effectRef>
+              <a:fontRef idx="minor">
+                <a:schemeClr val="lt1"/>
+              </a:fontRef>
+            </p:style>
+            <p:txBody>
+              <a:bodyPr rtlCol="0" anchor="ctr"/>
+              <a:lstStyle/>
+              <a:p>
+                <a:pPr algn="ctr"/>
+                <a:endParaRPr lang="zh-CN" altLang="en-US" sz="1801" dirty="0"/>
+              </a:p>
+            </p:txBody>
+          </p:sp>
+          <p:sp>
+            <p:nvSpPr>
+              <p:cNvPr id="56" name="矩形 55">
+                <a:extLst>
+                  <a:ext uri="{FF2B5EF4-FFF2-40B4-BE49-F238E27FC236}">
+                    <a16:creationId xmlns:a16="http://schemas.microsoft.com/office/drawing/2014/main" id="{21FB0F28-E06A-1B28-E180-FC8B5F86E09A}"/>
+                  </a:ext>
+                </a:extLst>
+              </p:cNvPr>
+              <p:cNvSpPr/>
+              <p:nvPr/>
+            </p:nvSpPr>
+            <p:spPr>
+              <a:xfrm>
+                <a:off x="6712004" y="3432993"/>
+                <a:ext cx="185530" cy="185531"/>
+              </a:xfrm>
+              <a:prstGeom prst="rect">
+                <a:avLst/>
+              </a:prstGeom>
+            </p:spPr>
+            <p:style>
+              <a:lnRef idx="2">
+                <a:schemeClr val="accent5">
+                  <a:shade val="15000"/>
+                </a:schemeClr>
+              </a:lnRef>
+              <a:fillRef idx="1">
+                <a:schemeClr val="accent5"/>
+              </a:fillRef>
+              <a:effectRef idx="0">
+                <a:schemeClr val="accent5"/>
+              </a:effectRef>
+              <a:fontRef idx="minor">
+                <a:schemeClr val="lt1"/>
+              </a:fontRef>
+            </p:style>
+            <p:txBody>
+              <a:bodyPr rtlCol="0" anchor="ctr"/>
+              <a:lstStyle/>
+              <a:p>
+                <a:pPr algn="ctr"/>
+                <a:endParaRPr lang="zh-CN" altLang="en-US" sz="1801" dirty="0"/>
+              </a:p>
+            </p:txBody>
+          </p:sp>
+          <p:sp>
+            <p:nvSpPr>
+              <p:cNvPr id="57" name="矩形 56">
+                <a:extLst>
+                  <a:ext uri="{FF2B5EF4-FFF2-40B4-BE49-F238E27FC236}">
+                    <a16:creationId xmlns:a16="http://schemas.microsoft.com/office/drawing/2014/main" id="{2A81B663-FCD4-663F-D302-12A901EB3E44}"/>
+                  </a:ext>
+                </a:extLst>
+              </p:cNvPr>
+              <p:cNvSpPr/>
+              <p:nvPr/>
+            </p:nvSpPr>
+            <p:spPr>
+              <a:xfrm>
+                <a:off x="6712004" y="3614531"/>
+                <a:ext cx="185530" cy="185531"/>
+              </a:xfrm>
+              <a:prstGeom prst="rect">
+                <a:avLst/>
+              </a:prstGeom>
+            </p:spPr>
+            <p:style>
+              <a:lnRef idx="2">
+                <a:schemeClr val="accent2">
+                  <a:shade val="15000"/>
+                </a:schemeClr>
+              </a:lnRef>
+              <a:fillRef idx="1">
+                <a:schemeClr val="accent2"/>
+              </a:fillRef>
+              <a:effectRef idx="0">
+                <a:schemeClr val="accent2"/>
+              </a:effectRef>
+              <a:fontRef idx="minor">
+                <a:schemeClr val="lt1"/>
+              </a:fontRef>
+            </p:style>
+            <p:txBody>
+              <a:bodyPr rtlCol="0" anchor="ctr"/>
+              <a:lstStyle/>
+              <a:p>
+                <a:pPr algn="ctr"/>
+                <a:endParaRPr lang="zh-CN" altLang="en-US" sz="1801" dirty="0"/>
+              </a:p>
+            </p:txBody>
+          </p:sp>
+          <p:sp>
+            <p:nvSpPr>
+              <p:cNvPr id="58" name="矩形 57">
+                <a:extLst>
+                  <a:ext uri="{FF2B5EF4-FFF2-40B4-BE49-F238E27FC236}">
+                    <a16:creationId xmlns:a16="http://schemas.microsoft.com/office/drawing/2014/main" id="{C947B1E9-04A9-F4F3-C43E-624A63FD6393}"/>
+                  </a:ext>
+                </a:extLst>
+              </p:cNvPr>
+              <p:cNvSpPr/>
+              <p:nvPr/>
+            </p:nvSpPr>
+            <p:spPr>
+              <a:xfrm>
+                <a:off x="6712004" y="3796069"/>
+                <a:ext cx="185530" cy="185531"/>
+              </a:xfrm>
+              <a:prstGeom prst="rect">
+                <a:avLst/>
+              </a:prstGeom>
+            </p:spPr>
+            <p:style>
+              <a:lnRef idx="2">
+                <a:schemeClr val="accent5">
+                  <a:shade val="15000"/>
+                </a:schemeClr>
+              </a:lnRef>
+              <a:fillRef idx="1">
+                <a:schemeClr val="accent5"/>
+              </a:fillRef>
+              <a:effectRef idx="0">
+                <a:schemeClr val="accent5"/>
+              </a:effectRef>
+              <a:fontRef idx="minor">
+                <a:schemeClr val="lt1"/>
+              </a:fontRef>
+            </p:style>
+            <p:txBody>
+              <a:bodyPr rtlCol="0" anchor="ctr"/>
+              <a:lstStyle/>
+              <a:p>
+                <a:pPr algn="ctr"/>
+                <a:endParaRPr lang="zh-CN" altLang="en-US" sz="1801" dirty="0"/>
+              </a:p>
+            </p:txBody>
+          </p:sp>
+        </p:grpSp>
+        <p:cxnSp>
+          <p:nvCxnSpPr>
+            <p:cNvPr id="65" name="直接箭头连接符 64">
+              <a:extLst>
+                <a:ext uri="{FF2B5EF4-FFF2-40B4-BE49-F238E27FC236}">
+                  <a16:creationId xmlns:a16="http://schemas.microsoft.com/office/drawing/2014/main" id="{4CD22C45-D4E4-4835-2AB7-F3A8B50EEBFC}"/>
+                </a:ext>
+              </a:extLst>
+            </p:cNvPr>
+            <p:cNvCxnSpPr>
+              <a:cxnSpLocks/>
+            </p:cNvCxnSpPr>
+            <p:nvPr/>
+          </p:nvCxnSpPr>
+          <p:spPr>
+            <a:xfrm>
+              <a:off x="4841404" y="3894131"/>
+              <a:ext cx="454496" cy="0"/>
+            </a:xfrm>
+            <a:prstGeom prst="straightConnector1">
+              <a:avLst/>
+            </a:prstGeom>
+            <a:ln w="19050">
+              <a:solidFill>
+                <a:schemeClr val="tx1"/>
+              </a:solidFill>
+              <a:tailEnd type="triangle"/>
+            </a:ln>
+          </p:spPr>
+          <p:style>
+            <a:lnRef idx="1">
+              <a:schemeClr val="accent1"/>
+            </a:lnRef>
+            <a:fillRef idx="0">
+              <a:schemeClr val="accent1"/>
+            </a:fillRef>
+            <a:effectRef idx="0">
+              <a:schemeClr val="accent1"/>
+            </a:effectRef>
+            <a:fontRef idx="minor">
+              <a:schemeClr val="tx1"/>
+            </a:fontRef>
+          </p:style>
+        </p:cxnSp>
         <p:sp>
           <p:nvSpPr>
-            <p:cNvPr id="4" name="矩形 3">
+            <p:cNvPr id="69" name="矩形: 圆角 68">
               <a:extLst>
                 <a:ext uri="{FF2B5EF4-FFF2-40B4-BE49-F238E27FC236}">
-                  <a16:creationId xmlns:a16="http://schemas.microsoft.com/office/drawing/2014/main" id="{3AE4236A-EE30-405C-60B2-A1C12C09FDED}"/>
+                  <a16:creationId xmlns:a16="http://schemas.microsoft.com/office/drawing/2014/main" id="{4D73B49F-750B-6783-B6BA-8C604FE85F27}"/>
                 </a:ext>
               </a:extLst>
             </p:cNvPr>
@@ -5759,24 +7530,978 @@
           </p:nvSpPr>
           <p:spPr>
             <a:xfrm>
-              <a:off x="2584174" y="2128967"/>
-              <a:ext cx="185530" cy="185531"/>
+              <a:off x="5393913" y="3162648"/>
+              <a:ext cx="641349" cy="1481572"/>
+            </a:xfrm>
+            <a:prstGeom prst="roundRect">
+              <a:avLst/>
+            </a:prstGeom>
+            <a:solidFill>
+              <a:schemeClr val="accent6">
+                <a:lumMod val="20000"/>
+                <a:lumOff val="80000"/>
+              </a:schemeClr>
+            </a:solidFill>
+          </p:spPr>
+          <p:style>
+            <a:lnRef idx="2">
+              <a:schemeClr val="accent1">
+                <a:shade val="15000"/>
+              </a:schemeClr>
+            </a:lnRef>
+            <a:fillRef idx="1">
+              <a:schemeClr val="accent1"/>
+            </a:fillRef>
+            <a:effectRef idx="0">
+              <a:schemeClr val="accent1"/>
+            </a:effectRef>
+            <a:fontRef idx="minor">
+              <a:schemeClr val="lt1"/>
+            </a:fontRef>
+          </p:style>
+          <p:txBody>
+            <a:bodyPr vert="eaVert" rtlCol="0" anchor="ctr"/>
+            <a:lstStyle/>
+            <a:p>
+              <a:pPr algn="ctr"/>
+              <a:r>
+                <a:rPr lang="zh-CN" altLang="en-US" sz="1100" dirty="0">
+                  <a:solidFill>
+                    <a:schemeClr val="tx1"/>
+                  </a:solidFill>
+                  <a:latin typeface="宋体" panose="02010600030101010101" pitchFamily="2" charset="-122"/>
+                  <a:ea typeface="宋体" panose="02010600030101010101" pitchFamily="2" charset="-122"/>
+                </a:rPr>
+                <a:t>卷积层</a:t>
+              </a:r>
+            </a:p>
+          </p:txBody>
+        </p:sp>
+        <p:cxnSp>
+          <p:nvCxnSpPr>
+            <p:cNvPr id="70" name="直接箭头连接符 69">
+              <a:extLst>
+                <a:ext uri="{FF2B5EF4-FFF2-40B4-BE49-F238E27FC236}">
+                  <a16:creationId xmlns:a16="http://schemas.microsoft.com/office/drawing/2014/main" id="{D38BE108-E323-357A-4FE9-B37545FAF68C}"/>
+                </a:ext>
+              </a:extLst>
+            </p:cNvPr>
+            <p:cNvCxnSpPr>
+              <a:cxnSpLocks/>
+            </p:cNvCxnSpPr>
+            <p:nvPr/>
+          </p:nvCxnSpPr>
+          <p:spPr>
+            <a:xfrm>
+              <a:off x="3457104" y="3894131"/>
+              <a:ext cx="454496" cy="0"/>
+            </a:xfrm>
+            <a:prstGeom prst="straightConnector1">
+              <a:avLst/>
+            </a:prstGeom>
+            <a:ln w="19050">
+              <a:solidFill>
+                <a:schemeClr val="tx1"/>
+              </a:solidFill>
+              <a:tailEnd type="triangle"/>
+            </a:ln>
+          </p:spPr>
+          <p:style>
+            <a:lnRef idx="1">
+              <a:schemeClr val="accent1"/>
+            </a:lnRef>
+            <a:fillRef idx="0">
+              <a:schemeClr val="accent1"/>
+            </a:fillRef>
+            <a:effectRef idx="0">
+              <a:schemeClr val="accent1"/>
+            </a:effectRef>
+            <a:fontRef idx="minor">
+              <a:schemeClr val="tx1"/>
+            </a:fontRef>
+          </p:style>
+        </p:cxnSp>
+        <p:grpSp>
+          <p:nvGrpSpPr>
+            <p:cNvPr id="71" name="组合 70">
+              <a:extLst>
+                <a:ext uri="{FF2B5EF4-FFF2-40B4-BE49-F238E27FC236}">
+                  <a16:creationId xmlns:a16="http://schemas.microsoft.com/office/drawing/2014/main" id="{B503C31D-651E-D28D-E2EA-F67CC646684B}"/>
+                </a:ext>
+              </a:extLst>
+            </p:cNvPr>
+            <p:cNvGrpSpPr/>
+            <p:nvPr/>
+          </p:nvGrpSpPr>
+          <p:grpSpPr>
+            <a:xfrm>
+              <a:off x="2596874" y="657133"/>
+              <a:ext cx="185531" cy="1481572"/>
+              <a:chOff x="2584174" y="2128967"/>
+              <a:chExt cx="185530" cy="1481571"/>
+            </a:xfrm>
+          </p:grpSpPr>
+          <p:sp>
+            <p:nvSpPr>
+              <p:cNvPr id="72" name="矩形 71">
+                <a:extLst>
+                  <a:ext uri="{FF2B5EF4-FFF2-40B4-BE49-F238E27FC236}">
+                    <a16:creationId xmlns:a16="http://schemas.microsoft.com/office/drawing/2014/main" id="{60AC332C-8D1B-9397-FC97-B1CEC08AB823}"/>
+                  </a:ext>
+                </a:extLst>
+              </p:cNvPr>
+              <p:cNvSpPr/>
+              <p:nvPr/>
+            </p:nvSpPr>
+            <p:spPr>
+              <a:xfrm>
+                <a:off x="2584174" y="2128967"/>
+                <a:ext cx="185530" cy="185531"/>
+              </a:xfrm>
+              <a:prstGeom prst="rect">
+                <a:avLst/>
+              </a:prstGeom>
+            </p:spPr>
+            <p:style>
+              <a:lnRef idx="2">
+                <a:schemeClr val="accent6">
+                  <a:shade val="15000"/>
+                </a:schemeClr>
+              </a:lnRef>
+              <a:fillRef idx="1">
+                <a:schemeClr val="accent6"/>
+              </a:fillRef>
+              <a:effectRef idx="0">
+                <a:schemeClr val="accent6"/>
+              </a:effectRef>
+              <a:fontRef idx="minor">
+                <a:schemeClr val="lt1"/>
+              </a:fontRef>
+            </p:style>
+            <p:txBody>
+              <a:bodyPr rtlCol="0" anchor="ctr"/>
+              <a:lstStyle/>
+              <a:p>
+                <a:pPr algn="ctr"/>
+                <a:endParaRPr lang="zh-CN" altLang="en-US" sz="1801" dirty="0"/>
+              </a:p>
+            </p:txBody>
+          </p:sp>
+          <p:sp>
+            <p:nvSpPr>
+              <p:cNvPr id="73" name="矩形 72">
+                <a:extLst>
+                  <a:ext uri="{FF2B5EF4-FFF2-40B4-BE49-F238E27FC236}">
+                    <a16:creationId xmlns:a16="http://schemas.microsoft.com/office/drawing/2014/main" id="{F7E57049-FF40-3FD6-3B4D-A1139F2FA966}"/>
+                  </a:ext>
+                </a:extLst>
+              </p:cNvPr>
+              <p:cNvSpPr/>
+              <p:nvPr/>
+            </p:nvSpPr>
+            <p:spPr>
+              <a:xfrm>
+                <a:off x="2584174" y="2314498"/>
+                <a:ext cx="185530" cy="185531"/>
+              </a:xfrm>
+              <a:prstGeom prst="rect">
+                <a:avLst/>
+              </a:prstGeom>
+            </p:spPr>
+            <p:style>
+              <a:lnRef idx="2">
+                <a:schemeClr val="accent6">
+                  <a:shade val="15000"/>
+                </a:schemeClr>
+              </a:lnRef>
+              <a:fillRef idx="1">
+                <a:schemeClr val="accent6"/>
+              </a:fillRef>
+              <a:effectRef idx="0">
+                <a:schemeClr val="accent6"/>
+              </a:effectRef>
+              <a:fontRef idx="minor">
+                <a:schemeClr val="lt1"/>
+              </a:fontRef>
+            </p:style>
+            <p:txBody>
+              <a:bodyPr rtlCol="0" anchor="ctr"/>
+              <a:lstStyle/>
+              <a:p>
+                <a:pPr algn="ctr"/>
+                <a:endParaRPr lang="zh-CN" altLang="en-US" sz="1801" dirty="0"/>
+              </a:p>
+            </p:txBody>
+          </p:sp>
+          <p:sp>
+            <p:nvSpPr>
+              <p:cNvPr id="74" name="矩形 73">
+                <a:extLst>
+                  <a:ext uri="{FF2B5EF4-FFF2-40B4-BE49-F238E27FC236}">
+                    <a16:creationId xmlns:a16="http://schemas.microsoft.com/office/drawing/2014/main" id="{23571767-BF08-42C1-E263-B5DED6A68FEF}"/>
+                  </a:ext>
+                </a:extLst>
+              </p:cNvPr>
+              <p:cNvSpPr/>
+              <p:nvPr/>
+            </p:nvSpPr>
+            <p:spPr>
+              <a:xfrm>
+                <a:off x="2584174" y="2500029"/>
+                <a:ext cx="185530" cy="185531"/>
+              </a:xfrm>
+              <a:prstGeom prst="rect">
+                <a:avLst/>
+              </a:prstGeom>
+            </p:spPr>
+            <p:style>
+              <a:lnRef idx="2">
+                <a:schemeClr val="accent6">
+                  <a:shade val="15000"/>
+                </a:schemeClr>
+              </a:lnRef>
+              <a:fillRef idx="1">
+                <a:schemeClr val="accent6"/>
+              </a:fillRef>
+              <a:effectRef idx="0">
+                <a:schemeClr val="accent6"/>
+              </a:effectRef>
+              <a:fontRef idx="minor">
+                <a:schemeClr val="lt1"/>
+              </a:fontRef>
+            </p:style>
+            <p:txBody>
+              <a:bodyPr rtlCol="0" anchor="ctr"/>
+              <a:lstStyle/>
+              <a:p>
+                <a:pPr algn="ctr"/>
+                <a:endParaRPr lang="zh-CN" altLang="en-US" sz="1801" dirty="0"/>
+              </a:p>
+            </p:txBody>
+          </p:sp>
+          <p:sp>
+            <p:nvSpPr>
+              <p:cNvPr id="75" name="矩形 74">
+                <a:extLst>
+                  <a:ext uri="{FF2B5EF4-FFF2-40B4-BE49-F238E27FC236}">
+                    <a16:creationId xmlns:a16="http://schemas.microsoft.com/office/drawing/2014/main" id="{1E89210A-F01C-2217-9B3C-110CD28ADFC5}"/>
+                  </a:ext>
+                </a:extLst>
+              </p:cNvPr>
+              <p:cNvSpPr/>
+              <p:nvPr/>
+            </p:nvSpPr>
+            <p:spPr>
+              <a:xfrm>
+                <a:off x="2584174" y="2689200"/>
+                <a:ext cx="185530" cy="185531"/>
+              </a:xfrm>
+              <a:prstGeom prst="rect">
+                <a:avLst/>
+              </a:prstGeom>
+            </p:spPr>
+            <p:style>
+              <a:lnRef idx="2">
+                <a:schemeClr val="accent6">
+                  <a:shade val="15000"/>
+                </a:schemeClr>
+              </a:lnRef>
+              <a:fillRef idx="1">
+                <a:schemeClr val="accent6"/>
+              </a:fillRef>
+              <a:effectRef idx="0">
+                <a:schemeClr val="accent6"/>
+              </a:effectRef>
+              <a:fontRef idx="minor">
+                <a:schemeClr val="lt1"/>
+              </a:fontRef>
+            </p:style>
+            <p:txBody>
+              <a:bodyPr rtlCol="0" anchor="ctr"/>
+              <a:lstStyle/>
+              <a:p>
+                <a:pPr algn="ctr"/>
+                <a:endParaRPr lang="zh-CN" altLang="en-US" sz="1801" dirty="0"/>
+              </a:p>
+            </p:txBody>
+          </p:sp>
+          <p:sp>
+            <p:nvSpPr>
+              <p:cNvPr id="76" name="矩形 75">
+                <a:extLst>
+                  <a:ext uri="{FF2B5EF4-FFF2-40B4-BE49-F238E27FC236}">
+                    <a16:creationId xmlns:a16="http://schemas.microsoft.com/office/drawing/2014/main" id="{BB7BD5FC-45EB-8FDA-520D-D39335286BB0}"/>
+                  </a:ext>
+                </a:extLst>
+              </p:cNvPr>
+              <p:cNvSpPr/>
+              <p:nvPr/>
+            </p:nvSpPr>
+            <p:spPr>
+              <a:xfrm>
+                <a:off x="2584174" y="2876400"/>
+                <a:ext cx="185530" cy="185531"/>
+              </a:xfrm>
+              <a:prstGeom prst="rect">
+                <a:avLst/>
+              </a:prstGeom>
+            </p:spPr>
+            <p:style>
+              <a:lnRef idx="2">
+                <a:schemeClr val="accent6">
+                  <a:shade val="15000"/>
+                </a:schemeClr>
+              </a:lnRef>
+              <a:fillRef idx="1">
+                <a:schemeClr val="accent6"/>
+              </a:fillRef>
+              <a:effectRef idx="0">
+                <a:schemeClr val="accent6"/>
+              </a:effectRef>
+              <a:fontRef idx="minor">
+                <a:schemeClr val="lt1"/>
+              </a:fontRef>
+            </p:style>
+            <p:txBody>
+              <a:bodyPr rtlCol="0" anchor="ctr"/>
+              <a:lstStyle/>
+              <a:p>
+                <a:pPr algn="ctr"/>
+                <a:endParaRPr lang="zh-CN" altLang="en-US" sz="1801" dirty="0"/>
+              </a:p>
+            </p:txBody>
+          </p:sp>
+          <p:sp>
+            <p:nvSpPr>
+              <p:cNvPr id="77" name="矩形 76">
+                <a:extLst>
+                  <a:ext uri="{FF2B5EF4-FFF2-40B4-BE49-F238E27FC236}">
+                    <a16:creationId xmlns:a16="http://schemas.microsoft.com/office/drawing/2014/main" id="{AA48BDDB-35B9-7D32-E84E-3A221B2CE87B}"/>
+                  </a:ext>
+                </a:extLst>
+              </p:cNvPr>
+              <p:cNvSpPr/>
+              <p:nvPr/>
+            </p:nvSpPr>
+            <p:spPr>
+              <a:xfrm>
+                <a:off x="2584174" y="3061931"/>
+                <a:ext cx="185530" cy="185531"/>
+              </a:xfrm>
+              <a:prstGeom prst="rect">
+                <a:avLst/>
+              </a:prstGeom>
+            </p:spPr>
+            <p:style>
+              <a:lnRef idx="2">
+                <a:schemeClr val="accent6">
+                  <a:shade val="15000"/>
+                </a:schemeClr>
+              </a:lnRef>
+              <a:fillRef idx="1">
+                <a:schemeClr val="accent6"/>
+              </a:fillRef>
+              <a:effectRef idx="0">
+                <a:schemeClr val="accent6"/>
+              </a:effectRef>
+              <a:fontRef idx="minor">
+                <a:schemeClr val="lt1"/>
+              </a:fontRef>
+            </p:style>
+            <p:txBody>
+              <a:bodyPr rtlCol="0" anchor="ctr"/>
+              <a:lstStyle/>
+              <a:p>
+                <a:pPr algn="ctr"/>
+                <a:endParaRPr lang="zh-CN" altLang="en-US" sz="1801" dirty="0"/>
+              </a:p>
+            </p:txBody>
+          </p:sp>
+          <p:sp>
+            <p:nvSpPr>
+              <p:cNvPr id="78" name="矩形 77">
+                <a:extLst>
+                  <a:ext uri="{FF2B5EF4-FFF2-40B4-BE49-F238E27FC236}">
+                    <a16:creationId xmlns:a16="http://schemas.microsoft.com/office/drawing/2014/main" id="{A1C5BF59-468F-19F0-EABD-487A3B0AD6B6}"/>
+                  </a:ext>
+                </a:extLst>
+              </p:cNvPr>
+              <p:cNvSpPr/>
+              <p:nvPr/>
+            </p:nvSpPr>
+            <p:spPr>
+              <a:xfrm>
+                <a:off x="2584174" y="3243469"/>
+                <a:ext cx="185530" cy="185531"/>
+              </a:xfrm>
+              <a:prstGeom prst="rect">
+                <a:avLst/>
+              </a:prstGeom>
+            </p:spPr>
+            <p:style>
+              <a:lnRef idx="2">
+                <a:schemeClr val="accent6">
+                  <a:shade val="15000"/>
+                </a:schemeClr>
+              </a:lnRef>
+              <a:fillRef idx="1">
+                <a:schemeClr val="accent6"/>
+              </a:fillRef>
+              <a:effectRef idx="0">
+                <a:schemeClr val="accent6"/>
+              </a:effectRef>
+              <a:fontRef idx="minor">
+                <a:schemeClr val="lt1"/>
+              </a:fontRef>
+            </p:style>
+            <p:txBody>
+              <a:bodyPr rtlCol="0" anchor="ctr"/>
+              <a:lstStyle/>
+              <a:p>
+                <a:pPr algn="ctr"/>
+                <a:endParaRPr lang="zh-CN" altLang="en-US" sz="1801" dirty="0"/>
+              </a:p>
+            </p:txBody>
+          </p:sp>
+          <p:sp>
+            <p:nvSpPr>
+              <p:cNvPr id="79" name="矩形 78">
+                <a:extLst>
+                  <a:ext uri="{FF2B5EF4-FFF2-40B4-BE49-F238E27FC236}">
+                    <a16:creationId xmlns:a16="http://schemas.microsoft.com/office/drawing/2014/main" id="{56AA71CD-6644-3CF7-409D-DEEE875298E8}"/>
+                  </a:ext>
+                </a:extLst>
+              </p:cNvPr>
+              <p:cNvSpPr/>
+              <p:nvPr/>
+            </p:nvSpPr>
+            <p:spPr>
+              <a:xfrm>
+                <a:off x="2584174" y="3425007"/>
+                <a:ext cx="185530" cy="185531"/>
+              </a:xfrm>
+              <a:prstGeom prst="rect">
+                <a:avLst/>
+              </a:prstGeom>
+            </p:spPr>
+            <p:style>
+              <a:lnRef idx="2">
+                <a:schemeClr val="accent6">
+                  <a:shade val="15000"/>
+                </a:schemeClr>
+              </a:lnRef>
+              <a:fillRef idx="1">
+                <a:schemeClr val="accent6"/>
+              </a:fillRef>
+              <a:effectRef idx="0">
+                <a:schemeClr val="accent6"/>
+              </a:effectRef>
+              <a:fontRef idx="minor">
+                <a:schemeClr val="lt1"/>
+              </a:fontRef>
+            </p:style>
+            <p:txBody>
+              <a:bodyPr rtlCol="0" anchor="ctr"/>
+              <a:lstStyle/>
+              <a:p>
+                <a:pPr algn="ctr"/>
+                <a:endParaRPr lang="zh-CN" altLang="en-US" sz="1801" dirty="0"/>
+              </a:p>
+            </p:txBody>
+          </p:sp>
+        </p:grpSp>
+        <p:sp>
+          <p:nvSpPr>
+            <p:cNvPr id="89" name="矩形: 圆角 88">
+              <a:extLst>
+                <a:ext uri="{FF2B5EF4-FFF2-40B4-BE49-F238E27FC236}">
+                  <a16:creationId xmlns:a16="http://schemas.microsoft.com/office/drawing/2014/main" id="{CA60FE9A-942C-696E-FFB1-D063188E7F2E}"/>
+                </a:ext>
+              </a:extLst>
+            </p:cNvPr>
+            <p:cNvSpPr/>
+            <p:nvPr/>
+          </p:nvSpPr>
+          <p:spPr>
+            <a:xfrm>
+              <a:off x="5053390" y="1852235"/>
+              <a:ext cx="1322395" cy="572946"/>
+            </a:xfrm>
+            <a:prstGeom prst="roundRect">
+              <a:avLst/>
+            </a:prstGeom>
+            <a:solidFill>
+              <a:schemeClr val="bg2"/>
+            </a:solidFill>
+          </p:spPr>
+          <p:style>
+            <a:lnRef idx="2">
+              <a:schemeClr val="accent1">
+                <a:shade val="15000"/>
+              </a:schemeClr>
+            </a:lnRef>
+            <a:fillRef idx="1">
+              <a:schemeClr val="accent1"/>
+            </a:fillRef>
+            <a:effectRef idx="0">
+              <a:schemeClr val="accent1"/>
+            </a:effectRef>
+            <a:fontRef idx="minor">
+              <a:schemeClr val="lt1"/>
+            </a:fontRef>
+          </p:style>
+          <p:txBody>
+            <a:bodyPr vert="horz" rtlCol="0" anchor="ctr"/>
+            <a:lstStyle/>
+            <a:p>
+              <a:pPr algn="ctr"/>
+              <a:endParaRPr lang="zh-CN" altLang="en-US" sz="1100" dirty="0">
+                <a:solidFill>
+                  <a:schemeClr val="tx1"/>
+                </a:solidFill>
+                <a:latin typeface="宋体" panose="02010600030101010101" pitchFamily="2" charset="-122"/>
+                <a:ea typeface="宋体" panose="02010600030101010101" pitchFamily="2" charset="-122"/>
+              </a:endParaRPr>
+            </a:p>
+          </p:txBody>
+        </p:sp>
+        <p:sp>
+          <p:nvSpPr>
+            <p:cNvPr id="90" name="矩形: 圆角 89">
+              <a:extLst>
+                <a:ext uri="{FF2B5EF4-FFF2-40B4-BE49-F238E27FC236}">
+                  <a16:creationId xmlns:a16="http://schemas.microsoft.com/office/drawing/2014/main" id="{1B9AC0FD-35E6-88B7-65A2-125A09A43C41}"/>
+                </a:ext>
+              </a:extLst>
+            </p:cNvPr>
+            <p:cNvSpPr/>
+            <p:nvPr/>
+          </p:nvSpPr>
+          <p:spPr>
+            <a:xfrm>
+              <a:off x="7380297" y="3162648"/>
+              <a:ext cx="641349" cy="1481572"/>
+            </a:xfrm>
+            <a:prstGeom prst="roundRect">
+              <a:avLst/>
+            </a:prstGeom>
+            <a:solidFill>
+              <a:schemeClr val="accent6">
+                <a:lumMod val="20000"/>
+                <a:lumOff val="80000"/>
+              </a:schemeClr>
+            </a:solidFill>
+          </p:spPr>
+          <p:style>
+            <a:lnRef idx="2">
+              <a:schemeClr val="accent1">
+                <a:shade val="15000"/>
+              </a:schemeClr>
+            </a:lnRef>
+            <a:fillRef idx="1">
+              <a:schemeClr val="accent1"/>
+            </a:fillRef>
+            <a:effectRef idx="0">
+              <a:schemeClr val="accent1"/>
+            </a:effectRef>
+            <a:fontRef idx="minor">
+              <a:schemeClr val="lt1"/>
+            </a:fontRef>
+          </p:style>
+          <p:txBody>
+            <a:bodyPr vert="eaVert" rtlCol="0" anchor="ctr"/>
+            <a:lstStyle/>
+            <a:p>
+              <a:pPr algn="ctr"/>
+              <a:r>
+                <a:rPr lang="zh-CN" altLang="en-US" sz="1100" dirty="0">
+                  <a:solidFill>
+                    <a:schemeClr val="tx1"/>
+                  </a:solidFill>
+                  <a:latin typeface="宋体" panose="02010600030101010101" pitchFamily="2" charset="-122"/>
+                  <a:ea typeface="宋体" panose="02010600030101010101" pitchFamily="2" charset="-122"/>
+                </a:rPr>
+                <a:t>全连接层</a:t>
+              </a:r>
+            </a:p>
+          </p:txBody>
+        </p:sp>
+        <p:sp>
+          <p:nvSpPr>
+            <p:cNvPr id="93" name="矩形: 圆角 92">
+              <a:extLst>
+                <a:ext uri="{FF2B5EF4-FFF2-40B4-BE49-F238E27FC236}">
+                  <a16:creationId xmlns:a16="http://schemas.microsoft.com/office/drawing/2014/main" id="{4E558D85-1A6E-049C-5E23-32531BFFDAEC}"/>
+                </a:ext>
+              </a:extLst>
+            </p:cNvPr>
+            <p:cNvSpPr/>
+            <p:nvPr/>
+          </p:nvSpPr>
+          <p:spPr>
+            <a:xfrm>
+              <a:off x="7039774" y="1852234"/>
+              <a:ext cx="1322395" cy="572946"/>
+            </a:xfrm>
+            <a:prstGeom prst="roundRect">
+              <a:avLst/>
+            </a:prstGeom>
+            <a:solidFill>
+              <a:schemeClr val="bg2"/>
+            </a:solidFill>
+          </p:spPr>
+          <p:style>
+            <a:lnRef idx="2">
+              <a:schemeClr val="accent1">
+                <a:shade val="15000"/>
+              </a:schemeClr>
+            </a:lnRef>
+            <a:fillRef idx="1">
+              <a:schemeClr val="accent1"/>
+            </a:fillRef>
+            <a:effectRef idx="0">
+              <a:schemeClr val="accent1"/>
+            </a:effectRef>
+            <a:fontRef idx="minor">
+              <a:schemeClr val="lt1"/>
+            </a:fontRef>
+          </p:style>
+          <p:txBody>
+            <a:bodyPr vert="horz" rtlCol="0" anchor="ctr"/>
+            <a:lstStyle/>
+            <a:p>
+              <a:pPr algn="ctr"/>
+              <a:endParaRPr lang="zh-CN" altLang="en-US" sz="1100" dirty="0">
+                <a:solidFill>
+                  <a:schemeClr val="tx1"/>
+                </a:solidFill>
+                <a:latin typeface="宋体" panose="02010600030101010101" pitchFamily="2" charset="-122"/>
+                <a:ea typeface="宋体" panose="02010600030101010101" pitchFamily="2" charset="-122"/>
+              </a:endParaRPr>
+            </a:p>
+          </p:txBody>
+        </p:sp>
+        <p:sp>
+          <p:nvSpPr>
+            <p:cNvPr id="95" name="文本框 94">
+              <a:extLst>
+                <a:ext uri="{FF2B5EF4-FFF2-40B4-BE49-F238E27FC236}">
+                  <a16:creationId xmlns:a16="http://schemas.microsoft.com/office/drawing/2014/main" id="{90532A48-8C2A-A1E3-24FF-A28739BB3218}"/>
+                </a:ext>
+              </a:extLst>
+            </p:cNvPr>
+            <p:cNvSpPr txBox="1"/>
+            <p:nvPr/>
+          </p:nvSpPr>
+          <p:spPr>
+            <a:xfrm>
+              <a:off x="5123487" y="1923262"/>
+              <a:ext cx="1182201" cy="430887"/>
             </a:xfrm>
             <a:prstGeom prst="rect">
               <a:avLst/>
             </a:prstGeom>
+            <a:noFill/>
+          </p:spPr>
+          <p:txBody>
+            <a:bodyPr wrap="square">
+              <a:spAutoFit/>
+            </a:bodyPr>
+            <a:lstStyle/>
+            <a:p>
+              <a:pPr algn="ctr"/>
+              <a:r>
+                <a:rPr lang="zh-CN" altLang="en-US" sz="1100" dirty="0">
+                  <a:latin typeface="宋体" panose="02010600030101010101" pitchFamily="2" charset="-122"/>
+                  <a:ea typeface="宋体" panose="02010600030101010101" pitchFamily="2" charset="-122"/>
+                </a:rPr>
+                <a:t>卷积层</a:t>
+              </a:r>
+              <a:endParaRPr lang="en-US" altLang="zh-CN" sz="1100" dirty="0">
+                <a:latin typeface="宋体" panose="02010600030101010101" pitchFamily="2" charset="-122"/>
+                <a:ea typeface="宋体" panose="02010600030101010101" pitchFamily="2" charset="-122"/>
+              </a:endParaRPr>
+            </a:p>
+            <a:p>
+              <a:pPr algn="ctr"/>
+              <a:r>
+                <a:rPr lang="zh-CN" altLang="en-US" sz="1100" dirty="0">
+                  <a:latin typeface="宋体" panose="02010600030101010101" pitchFamily="2" charset="-122"/>
+                  <a:ea typeface="宋体" panose="02010600030101010101" pitchFamily="2" charset="-122"/>
+                </a:rPr>
+                <a:t>参数生成网络</a:t>
+              </a:r>
+            </a:p>
+          </p:txBody>
+        </p:sp>
+        <p:sp>
+          <p:nvSpPr>
+            <p:cNvPr id="96" name="文本框 95">
+              <a:extLst>
+                <a:ext uri="{FF2B5EF4-FFF2-40B4-BE49-F238E27FC236}">
+                  <a16:creationId xmlns:a16="http://schemas.microsoft.com/office/drawing/2014/main" id="{26E82A52-0E5F-69F3-B28C-AC624D61B0FB}"/>
+                </a:ext>
+              </a:extLst>
+            </p:cNvPr>
+            <p:cNvSpPr txBox="1"/>
+            <p:nvPr/>
+          </p:nvSpPr>
+          <p:spPr>
+            <a:xfrm>
+              <a:off x="7109873" y="1923263"/>
+              <a:ext cx="1182201" cy="430887"/>
+            </a:xfrm>
+            <a:prstGeom prst="rect">
+              <a:avLst/>
+            </a:prstGeom>
+            <a:noFill/>
+          </p:spPr>
+          <p:txBody>
+            <a:bodyPr wrap="square">
+              <a:spAutoFit/>
+            </a:bodyPr>
+            <a:lstStyle/>
+            <a:p>
+              <a:pPr algn="ctr"/>
+              <a:r>
+                <a:rPr lang="zh-CN" altLang="en-US" sz="1100" dirty="0">
+                  <a:latin typeface="宋体" panose="02010600030101010101" pitchFamily="2" charset="-122"/>
+                  <a:ea typeface="宋体" panose="02010600030101010101" pitchFamily="2" charset="-122"/>
+                </a:rPr>
+                <a:t>全连接层</a:t>
+              </a:r>
+              <a:endParaRPr lang="en-US" altLang="zh-CN" sz="1100" dirty="0">
+                <a:latin typeface="宋体" panose="02010600030101010101" pitchFamily="2" charset="-122"/>
+                <a:ea typeface="宋体" panose="02010600030101010101" pitchFamily="2" charset="-122"/>
+              </a:endParaRPr>
+            </a:p>
+            <a:p>
+              <a:pPr algn="ctr"/>
+              <a:r>
+                <a:rPr lang="zh-CN" altLang="en-US" sz="1100" dirty="0">
+                  <a:latin typeface="宋体" panose="02010600030101010101" pitchFamily="2" charset="-122"/>
+                  <a:ea typeface="宋体" panose="02010600030101010101" pitchFamily="2" charset="-122"/>
+                </a:rPr>
+                <a:t>参数生成网络</a:t>
+              </a:r>
+            </a:p>
+          </p:txBody>
+        </p:sp>
+        <p:cxnSp>
+          <p:nvCxnSpPr>
+            <p:cNvPr id="114" name="连接符: 肘形 113">
+              <a:extLst>
+                <a:ext uri="{FF2B5EF4-FFF2-40B4-BE49-F238E27FC236}">
+                  <a16:creationId xmlns:a16="http://schemas.microsoft.com/office/drawing/2014/main" id="{6B76F00A-2120-3F3C-0242-B9B984659E56}"/>
+                </a:ext>
+              </a:extLst>
+            </p:cNvPr>
+            <p:cNvCxnSpPr>
+              <a:cxnSpLocks/>
+              <a:endCxn id="93" idx="0"/>
+            </p:cNvCxnSpPr>
+            <p:nvPr/>
+          </p:nvCxnSpPr>
+          <p:spPr>
+            <a:xfrm>
+              <a:off x="2901951" y="1409700"/>
+              <a:ext cx="4799020" cy="442532"/>
+            </a:xfrm>
+            <a:prstGeom prst="bentConnector2">
+              <a:avLst/>
+            </a:prstGeom>
+            <a:ln w="19050">
+              <a:solidFill>
+                <a:schemeClr val="tx1"/>
+              </a:solidFill>
+              <a:tailEnd type="triangle"/>
+            </a:ln>
+          </p:spPr>
+          <p:style>
+            <a:lnRef idx="1">
+              <a:schemeClr val="accent1"/>
+            </a:lnRef>
+            <a:fillRef idx="0">
+              <a:schemeClr val="accent1"/>
+            </a:fillRef>
+            <a:effectRef idx="0">
+              <a:schemeClr val="accent1"/>
+            </a:effectRef>
+            <a:fontRef idx="minor">
+              <a:schemeClr val="tx1"/>
+            </a:fontRef>
+          </p:style>
+        </p:cxnSp>
+        <p:cxnSp>
+          <p:nvCxnSpPr>
+            <p:cNvPr id="116" name="直接连接符 115">
+              <a:extLst>
+                <a:ext uri="{FF2B5EF4-FFF2-40B4-BE49-F238E27FC236}">
+                  <a16:creationId xmlns:a16="http://schemas.microsoft.com/office/drawing/2014/main" id="{A9A93D76-C523-DF49-13B3-BC24C01F0FF5}"/>
+                </a:ext>
+              </a:extLst>
+            </p:cNvPr>
+            <p:cNvCxnSpPr>
+              <a:cxnSpLocks/>
+            </p:cNvCxnSpPr>
+            <p:nvPr/>
+          </p:nvCxnSpPr>
+          <p:spPr>
+            <a:xfrm flipV="1">
+              <a:off x="3240597" y="1409701"/>
+              <a:ext cx="0" cy="1745724"/>
+            </a:xfrm>
+            <a:prstGeom prst="line">
+              <a:avLst/>
+            </a:prstGeom>
+            <a:ln w="19050">
+              <a:solidFill>
+                <a:schemeClr val="tx1"/>
+              </a:solidFill>
+            </a:ln>
+          </p:spPr>
+          <p:style>
+            <a:lnRef idx="1">
+              <a:schemeClr val="accent1"/>
+            </a:lnRef>
+            <a:fillRef idx="0">
+              <a:schemeClr val="accent1"/>
+            </a:fillRef>
+            <a:effectRef idx="0">
+              <a:schemeClr val="accent1"/>
+            </a:effectRef>
+            <a:fontRef idx="minor">
+              <a:schemeClr val="tx1"/>
+            </a:fontRef>
+          </p:style>
+        </p:cxnSp>
+        <p:cxnSp>
+          <p:nvCxnSpPr>
+            <p:cNvPr id="118" name="直接箭头连接符 117">
+              <a:extLst>
+                <a:ext uri="{FF2B5EF4-FFF2-40B4-BE49-F238E27FC236}">
+                  <a16:creationId xmlns:a16="http://schemas.microsoft.com/office/drawing/2014/main" id="{E9FE1197-0A4C-3C4C-A48D-D56EA16A7B1C}"/>
+                </a:ext>
+              </a:extLst>
+            </p:cNvPr>
+            <p:cNvCxnSpPr>
+              <a:cxnSpLocks/>
+              <a:endCxn id="89" idx="0"/>
+            </p:cNvCxnSpPr>
+            <p:nvPr/>
+          </p:nvCxnSpPr>
+          <p:spPr>
+            <a:xfrm>
+              <a:off x="5714587" y="1409704"/>
+              <a:ext cx="2" cy="442533"/>
+            </a:xfrm>
+            <a:prstGeom prst="straightConnector1">
+              <a:avLst/>
+            </a:prstGeom>
+            <a:ln w="19050">
+              <a:solidFill>
+                <a:schemeClr val="tx1"/>
+              </a:solidFill>
+              <a:tailEnd type="triangle"/>
+            </a:ln>
+          </p:spPr>
+          <p:style>
+            <a:lnRef idx="1">
+              <a:schemeClr val="accent1"/>
+            </a:lnRef>
+            <a:fillRef idx="0">
+              <a:schemeClr val="accent1"/>
+            </a:fillRef>
+            <a:effectRef idx="0">
+              <a:schemeClr val="accent1"/>
+            </a:effectRef>
+            <a:fontRef idx="minor">
+              <a:schemeClr val="tx1"/>
+            </a:fontRef>
+          </p:style>
+        </p:cxnSp>
+        <p:cxnSp>
+          <p:nvCxnSpPr>
+            <p:cNvPr id="121" name="直接箭头连接符 120">
+              <a:extLst>
+                <a:ext uri="{FF2B5EF4-FFF2-40B4-BE49-F238E27FC236}">
+                  <a16:creationId xmlns:a16="http://schemas.microsoft.com/office/drawing/2014/main" id="{03997223-B56E-3B03-4052-F838E17DEFE9}"/>
+                </a:ext>
+              </a:extLst>
+            </p:cNvPr>
+            <p:cNvCxnSpPr>
+              <a:cxnSpLocks/>
+            </p:cNvCxnSpPr>
+            <p:nvPr/>
+          </p:nvCxnSpPr>
+          <p:spPr>
+            <a:xfrm>
+              <a:off x="5706715" y="2425177"/>
+              <a:ext cx="0" cy="134772"/>
+            </a:xfrm>
+            <a:prstGeom prst="straightConnector1">
+              <a:avLst/>
+            </a:prstGeom>
+            <a:ln w="19050">
+              <a:solidFill>
+                <a:schemeClr val="tx1"/>
+              </a:solidFill>
+              <a:tailEnd type="triangle"/>
+            </a:ln>
+          </p:spPr>
+          <p:style>
+            <a:lnRef idx="1">
+              <a:schemeClr val="accent1"/>
+            </a:lnRef>
+            <a:fillRef idx="0">
+              <a:schemeClr val="accent1"/>
+            </a:fillRef>
+            <a:effectRef idx="0">
+              <a:schemeClr val="accent1"/>
+            </a:effectRef>
+            <a:fontRef idx="minor">
+              <a:schemeClr val="tx1"/>
+            </a:fontRef>
+          </p:style>
+        </p:cxnSp>
+        <p:sp>
+          <p:nvSpPr>
+            <p:cNvPr id="124" name="矩形: 圆角 123">
+              <a:extLst>
+                <a:ext uri="{FF2B5EF4-FFF2-40B4-BE49-F238E27FC236}">
+                  <a16:creationId xmlns:a16="http://schemas.microsoft.com/office/drawing/2014/main" id="{2E377149-1BA4-2627-B17E-CB8077269D0E}"/>
+                </a:ext>
+              </a:extLst>
+            </p:cNvPr>
+            <p:cNvSpPr/>
+            <p:nvPr/>
+          </p:nvSpPr>
+          <p:spPr>
+            <a:xfrm>
+              <a:off x="2425755" y="2844803"/>
+              <a:ext cx="1062939" cy="2124242"/>
+            </a:xfrm>
+            <a:prstGeom prst="roundRect">
+              <a:avLst>
+                <a:gd name="adj" fmla="val 7706"/>
+              </a:avLst>
+            </a:prstGeom>
+            <a:noFill/>
+            <a:ln>
+              <a:prstDash val="sysDash"/>
+            </a:ln>
           </p:spPr>
           <p:style>
             <a:lnRef idx="2">
-              <a:schemeClr val="accent2">
+              <a:schemeClr val="accent1">
                 <a:shade val="15000"/>
               </a:schemeClr>
             </a:lnRef>
             <a:fillRef idx="1">
-              <a:schemeClr val="accent2"/>
+              <a:schemeClr val="accent1"/>
             </a:fillRef>
             <a:effectRef idx="0">
-              <a:schemeClr val="accent2"/>
+              <a:schemeClr val="accent1"/>
             </a:effectRef>
             <a:fontRef idx="minor">
               <a:schemeClr val="lt1"/>
@@ -5787,4251 +8512,1553 @@
             <a:lstStyle/>
             <a:p>
               <a:pPr algn="ctr"/>
-              <a:endParaRPr lang="zh-CN" altLang="en-US" sz="1801" dirty="0"/>
+              <a:endParaRPr lang="zh-CN" altLang="en-US" sz="1801"/>
             </a:p>
           </p:txBody>
         </p:sp>
-        <p:sp>
-          <p:nvSpPr>
-            <p:cNvPr id="5" name="矩形 4">
+        <p:cxnSp>
+          <p:nvCxnSpPr>
+            <p:cNvPr id="126" name="直接箭头连接符 125">
               <a:extLst>
                 <a:ext uri="{FF2B5EF4-FFF2-40B4-BE49-F238E27FC236}">
-                  <a16:creationId xmlns:a16="http://schemas.microsoft.com/office/drawing/2014/main" id="{EA9F655E-05EF-0462-62E5-724A80C540BD}"/>
+                  <a16:creationId xmlns:a16="http://schemas.microsoft.com/office/drawing/2014/main" id="{E79A366F-F59D-A338-1502-0F4DF58FEFE9}"/>
                 </a:ext>
               </a:extLst>
             </p:cNvPr>
-            <p:cNvSpPr/>
+            <p:cNvCxnSpPr>
+              <a:cxnSpLocks/>
+            </p:cNvCxnSpPr>
             <p:nvPr/>
-          </p:nvSpPr>
+          </p:nvCxnSpPr>
           <p:spPr>
             <a:xfrm>
-              <a:off x="2584174" y="2314498"/>
-              <a:ext cx="185530" cy="185531"/>
+              <a:off x="6135425" y="3887540"/>
+              <a:ext cx="340523" cy="0"/>
             </a:xfrm>
-            <a:prstGeom prst="rect">
+            <a:prstGeom prst="straightConnector1">
               <a:avLst/>
             </a:prstGeom>
+            <a:ln w="19050">
+              <a:solidFill>
+                <a:schemeClr val="tx1"/>
+              </a:solidFill>
+              <a:tailEnd type="triangle"/>
+            </a:ln>
           </p:spPr>
           <p:style>
-            <a:lnRef idx="2">
-              <a:schemeClr val="accent2">
-                <a:shade val="15000"/>
-              </a:schemeClr>
+            <a:lnRef idx="1">
+              <a:schemeClr val="accent1"/>
             </a:lnRef>
-            <a:fillRef idx="1">
-              <a:schemeClr val="accent2"/>
+            <a:fillRef idx="0">
+              <a:schemeClr val="accent1"/>
             </a:fillRef>
             <a:effectRef idx="0">
-              <a:schemeClr val="accent2"/>
+              <a:schemeClr val="accent1"/>
             </a:effectRef>
             <a:fontRef idx="minor">
-              <a:schemeClr val="lt1"/>
+              <a:schemeClr val="tx1"/>
             </a:fontRef>
           </p:style>
-          <p:txBody>
-            <a:bodyPr rtlCol="0" anchor="ctr"/>
-            <a:lstStyle/>
-            <a:p>
-              <a:pPr algn="ctr"/>
-              <a:endParaRPr lang="zh-CN" altLang="en-US" sz="1801" dirty="0"/>
-            </a:p>
-          </p:txBody>
-        </p:sp>
-        <p:sp>
-          <p:nvSpPr>
-            <p:cNvPr id="6" name="矩形 5">
+        </p:cxnSp>
+        <p:grpSp>
+          <p:nvGrpSpPr>
+            <p:cNvPr id="128" name="组合 127">
               <a:extLst>
                 <a:ext uri="{FF2B5EF4-FFF2-40B4-BE49-F238E27FC236}">
-                  <a16:creationId xmlns:a16="http://schemas.microsoft.com/office/drawing/2014/main" id="{16202702-EFDE-3207-2716-92F4BD380A37}"/>
+                  <a16:creationId xmlns:a16="http://schemas.microsoft.com/office/drawing/2014/main" id="{2C33EC44-6907-6E76-83DA-0D6757D4126B}"/>
                 </a:ext>
               </a:extLst>
             </p:cNvPr>
-            <p:cNvSpPr/>
+            <p:cNvGrpSpPr/>
             <p:nvPr/>
-          </p:nvSpPr>
-          <p:spPr>
+          </p:nvGrpSpPr>
+          <p:grpSpPr>
             <a:xfrm>
-              <a:off x="2584174" y="2500029"/>
-              <a:ext cx="185530" cy="185531"/>
+              <a:off x="6640937" y="3162648"/>
+              <a:ext cx="185531" cy="1481572"/>
+              <a:chOff x="2584174" y="2128967"/>
+              <a:chExt cx="185530" cy="1481571"/>
             </a:xfrm>
-            <a:prstGeom prst="rect">
-              <a:avLst/>
-            </a:prstGeom>
-          </p:spPr>
-          <p:style>
-            <a:lnRef idx="2">
-              <a:schemeClr val="accent2">
-                <a:shade val="15000"/>
+            <a:solidFill>
+              <a:schemeClr val="accent4">
+                <a:lumMod val="60000"/>
+                <a:lumOff val="40000"/>
               </a:schemeClr>
-            </a:lnRef>
-            <a:fillRef idx="1">
-              <a:schemeClr val="accent2"/>
-            </a:fillRef>
-            <a:effectRef idx="0">
-              <a:schemeClr val="accent2"/>
-            </a:effectRef>
-            <a:fontRef idx="minor">
-              <a:schemeClr val="lt1"/>
-            </a:fontRef>
-          </p:style>
-          <p:txBody>
-            <a:bodyPr rtlCol="0" anchor="ctr"/>
-            <a:lstStyle/>
-            <a:p>
-              <a:pPr algn="ctr"/>
-              <a:endParaRPr lang="zh-CN" altLang="en-US" sz="1801" dirty="0"/>
-            </a:p>
-          </p:txBody>
-        </p:sp>
-        <p:sp>
-          <p:nvSpPr>
-            <p:cNvPr id="7" name="矩形 6">
-              <a:extLst>
-                <a:ext uri="{FF2B5EF4-FFF2-40B4-BE49-F238E27FC236}">
-                  <a16:creationId xmlns:a16="http://schemas.microsoft.com/office/drawing/2014/main" id="{A6587921-51ED-69B7-213E-6F03968EC0DE}"/>
-                </a:ext>
-              </a:extLst>
-            </p:cNvPr>
-            <p:cNvSpPr/>
-            <p:nvPr/>
-          </p:nvSpPr>
-          <p:spPr>
-            <a:xfrm>
-              <a:off x="2584174" y="2689200"/>
-              <a:ext cx="185530" cy="185531"/>
-            </a:xfrm>
-            <a:prstGeom prst="rect">
-              <a:avLst/>
-            </a:prstGeom>
-          </p:spPr>
-          <p:style>
-            <a:lnRef idx="2">
-              <a:schemeClr val="accent2">
-                <a:shade val="15000"/>
-              </a:schemeClr>
-            </a:lnRef>
-            <a:fillRef idx="1">
-              <a:schemeClr val="accent2"/>
-            </a:fillRef>
-            <a:effectRef idx="0">
-              <a:schemeClr val="accent2"/>
-            </a:effectRef>
-            <a:fontRef idx="minor">
-              <a:schemeClr val="lt1"/>
-            </a:fontRef>
-          </p:style>
-          <p:txBody>
-            <a:bodyPr rtlCol="0" anchor="ctr"/>
-            <a:lstStyle/>
-            <a:p>
-              <a:pPr algn="ctr"/>
-              <a:endParaRPr lang="zh-CN" altLang="en-US" sz="1801" dirty="0"/>
-            </a:p>
-          </p:txBody>
-        </p:sp>
-        <p:sp>
-          <p:nvSpPr>
-            <p:cNvPr id="8" name="矩形 7">
-              <a:extLst>
-                <a:ext uri="{FF2B5EF4-FFF2-40B4-BE49-F238E27FC236}">
-                  <a16:creationId xmlns:a16="http://schemas.microsoft.com/office/drawing/2014/main" id="{E3A74B77-FBDB-048C-4200-7B6657C01FEE}"/>
-                </a:ext>
-              </a:extLst>
-            </p:cNvPr>
-            <p:cNvSpPr/>
-            <p:nvPr/>
-          </p:nvSpPr>
-          <p:spPr>
-            <a:xfrm>
-              <a:off x="2584174" y="2876400"/>
-              <a:ext cx="185530" cy="185531"/>
-            </a:xfrm>
-            <a:prstGeom prst="rect">
-              <a:avLst/>
-            </a:prstGeom>
-          </p:spPr>
-          <p:style>
-            <a:lnRef idx="2">
-              <a:schemeClr val="accent2">
-                <a:shade val="15000"/>
-              </a:schemeClr>
-            </a:lnRef>
-            <a:fillRef idx="1">
-              <a:schemeClr val="accent2"/>
-            </a:fillRef>
-            <a:effectRef idx="0">
-              <a:schemeClr val="accent2"/>
-            </a:effectRef>
-            <a:fontRef idx="minor">
-              <a:schemeClr val="lt1"/>
-            </a:fontRef>
-          </p:style>
-          <p:txBody>
-            <a:bodyPr rtlCol="0" anchor="ctr"/>
-            <a:lstStyle/>
-            <a:p>
-              <a:pPr algn="ctr"/>
-              <a:endParaRPr lang="zh-CN" altLang="en-US" sz="1801" dirty="0"/>
-            </a:p>
-          </p:txBody>
-        </p:sp>
-        <p:sp>
-          <p:nvSpPr>
-            <p:cNvPr id="9" name="矩形 8">
-              <a:extLst>
-                <a:ext uri="{FF2B5EF4-FFF2-40B4-BE49-F238E27FC236}">
-                  <a16:creationId xmlns:a16="http://schemas.microsoft.com/office/drawing/2014/main" id="{D21A1481-3F67-4886-0D44-CB7D000EFE33}"/>
-                </a:ext>
-              </a:extLst>
-            </p:cNvPr>
-            <p:cNvSpPr/>
-            <p:nvPr/>
-          </p:nvSpPr>
-          <p:spPr>
-            <a:xfrm>
-              <a:off x="2584174" y="3061931"/>
-              <a:ext cx="185530" cy="185531"/>
-            </a:xfrm>
-            <a:prstGeom prst="rect">
-              <a:avLst/>
-            </a:prstGeom>
-          </p:spPr>
-          <p:style>
-            <a:lnRef idx="2">
-              <a:schemeClr val="accent2">
-                <a:shade val="15000"/>
-              </a:schemeClr>
-            </a:lnRef>
-            <a:fillRef idx="1">
-              <a:schemeClr val="accent2"/>
-            </a:fillRef>
-            <a:effectRef idx="0">
-              <a:schemeClr val="accent2"/>
-            </a:effectRef>
-            <a:fontRef idx="minor">
-              <a:schemeClr val="lt1"/>
-            </a:fontRef>
-          </p:style>
-          <p:txBody>
-            <a:bodyPr rtlCol="0" anchor="ctr"/>
-            <a:lstStyle/>
-            <a:p>
-              <a:pPr algn="ctr"/>
-              <a:endParaRPr lang="zh-CN" altLang="en-US" sz="1801" dirty="0"/>
-            </a:p>
-          </p:txBody>
-        </p:sp>
-        <p:sp>
-          <p:nvSpPr>
-            <p:cNvPr id="10" name="矩形 9">
-              <a:extLst>
-                <a:ext uri="{FF2B5EF4-FFF2-40B4-BE49-F238E27FC236}">
-                  <a16:creationId xmlns:a16="http://schemas.microsoft.com/office/drawing/2014/main" id="{DD1A8E89-2BF2-60AC-B45F-9332002F422D}"/>
-                </a:ext>
-              </a:extLst>
-            </p:cNvPr>
-            <p:cNvSpPr/>
-            <p:nvPr/>
-          </p:nvSpPr>
-          <p:spPr>
-            <a:xfrm>
-              <a:off x="2584174" y="3243469"/>
-              <a:ext cx="185530" cy="185531"/>
-            </a:xfrm>
-            <a:prstGeom prst="rect">
-              <a:avLst/>
-            </a:prstGeom>
-          </p:spPr>
-          <p:style>
-            <a:lnRef idx="2">
-              <a:schemeClr val="accent2">
-                <a:shade val="15000"/>
-              </a:schemeClr>
-            </a:lnRef>
-            <a:fillRef idx="1">
-              <a:schemeClr val="accent2"/>
-            </a:fillRef>
-            <a:effectRef idx="0">
-              <a:schemeClr val="accent2"/>
-            </a:effectRef>
-            <a:fontRef idx="minor">
-              <a:schemeClr val="lt1"/>
-            </a:fontRef>
-          </p:style>
-          <p:txBody>
-            <a:bodyPr rtlCol="0" anchor="ctr"/>
-            <a:lstStyle/>
-            <a:p>
-              <a:pPr algn="ctr"/>
-              <a:endParaRPr lang="zh-CN" altLang="en-US" sz="1801" dirty="0"/>
-            </a:p>
-          </p:txBody>
-        </p:sp>
-        <p:sp>
-          <p:nvSpPr>
-            <p:cNvPr id="11" name="矩形 10">
-              <a:extLst>
-                <a:ext uri="{FF2B5EF4-FFF2-40B4-BE49-F238E27FC236}">
-                  <a16:creationId xmlns:a16="http://schemas.microsoft.com/office/drawing/2014/main" id="{DF0E007F-CA79-EC0F-2F04-BA6F6B75E459}"/>
-                </a:ext>
-              </a:extLst>
-            </p:cNvPr>
-            <p:cNvSpPr/>
-            <p:nvPr/>
-          </p:nvSpPr>
-          <p:spPr>
-            <a:xfrm>
-              <a:off x="2584174" y="3425007"/>
-              <a:ext cx="185530" cy="185531"/>
-            </a:xfrm>
-            <a:prstGeom prst="rect">
-              <a:avLst/>
-            </a:prstGeom>
-          </p:spPr>
-          <p:style>
-            <a:lnRef idx="2">
-              <a:schemeClr val="accent2">
-                <a:shade val="15000"/>
-              </a:schemeClr>
-            </a:lnRef>
-            <a:fillRef idx="1">
-              <a:schemeClr val="accent2"/>
-            </a:fillRef>
-            <a:effectRef idx="0">
-              <a:schemeClr val="accent2"/>
-            </a:effectRef>
-            <a:fontRef idx="minor">
-              <a:schemeClr val="lt1"/>
-            </a:fontRef>
-          </p:style>
-          <p:txBody>
-            <a:bodyPr rtlCol="0" anchor="ctr"/>
-            <a:lstStyle/>
-            <a:p>
-              <a:pPr algn="ctr"/>
-              <a:endParaRPr lang="zh-CN" altLang="en-US" sz="1801" dirty="0"/>
-            </a:p>
-          </p:txBody>
-        </p:sp>
-      </p:grpSp>
-      <p:grpSp>
-        <p:nvGrpSpPr>
-          <p:cNvPr id="13" name="组合 12">
-            <a:extLst>
-              <a:ext uri="{FF2B5EF4-FFF2-40B4-BE49-F238E27FC236}">
-                <a16:creationId xmlns:a16="http://schemas.microsoft.com/office/drawing/2014/main" id="{F7286588-8E6F-2A4A-4AA5-4B57A5DA0391}"/>
-              </a:ext>
-            </a:extLst>
-          </p:cNvPr>
-          <p:cNvGrpSpPr/>
-          <p:nvPr/>
-        </p:nvGrpSpPr>
-        <p:grpSpPr>
-          <a:xfrm>
-            <a:off x="3140435" y="3157668"/>
-            <a:ext cx="185531" cy="1481572"/>
-            <a:chOff x="2584174" y="2128967"/>
-            <a:chExt cx="185530" cy="1481571"/>
-          </a:xfrm>
-        </p:grpSpPr>
-        <p:sp>
-          <p:nvSpPr>
-            <p:cNvPr id="14" name="矩形 13">
-              <a:extLst>
-                <a:ext uri="{FF2B5EF4-FFF2-40B4-BE49-F238E27FC236}">
-                  <a16:creationId xmlns:a16="http://schemas.microsoft.com/office/drawing/2014/main" id="{C4994329-8787-695F-8127-707C4CA8E91E}"/>
-                </a:ext>
-              </a:extLst>
-            </p:cNvPr>
-            <p:cNvSpPr/>
-            <p:nvPr/>
-          </p:nvSpPr>
-          <p:spPr>
-            <a:xfrm>
-              <a:off x="2584174" y="2128967"/>
-              <a:ext cx="185530" cy="185531"/>
-            </a:xfrm>
-            <a:prstGeom prst="rect">
-              <a:avLst/>
-            </a:prstGeom>
-          </p:spPr>
-          <p:style>
-            <a:lnRef idx="2">
-              <a:schemeClr val="accent5">
-                <a:shade val="15000"/>
-              </a:schemeClr>
-            </a:lnRef>
-            <a:fillRef idx="1">
-              <a:schemeClr val="accent5"/>
-            </a:fillRef>
-            <a:effectRef idx="0">
-              <a:schemeClr val="accent5"/>
-            </a:effectRef>
-            <a:fontRef idx="minor">
-              <a:schemeClr val="lt1"/>
-            </a:fontRef>
-          </p:style>
-          <p:txBody>
-            <a:bodyPr rtlCol="0" anchor="ctr"/>
-            <a:lstStyle/>
-            <a:p>
-              <a:pPr algn="ctr"/>
-              <a:endParaRPr lang="zh-CN" altLang="en-US" sz="1801" dirty="0"/>
-            </a:p>
-          </p:txBody>
-        </p:sp>
-        <p:sp>
-          <p:nvSpPr>
-            <p:cNvPr id="15" name="矩形 14">
-              <a:extLst>
-                <a:ext uri="{FF2B5EF4-FFF2-40B4-BE49-F238E27FC236}">
-                  <a16:creationId xmlns:a16="http://schemas.microsoft.com/office/drawing/2014/main" id="{35E672FB-B951-3649-10C6-75CCC6099C28}"/>
-                </a:ext>
-              </a:extLst>
-            </p:cNvPr>
-            <p:cNvSpPr/>
-            <p:nvPr/>
-          </p:nvSpPr>
-          <p:spPr>
-            <a:xfrm>
-              <a:off x="2584174" y="2314498"/>
-              <a:ext cx="185530" cy="185531"/>
-            </a:xfrm>
-            <a:prstGeom prst="rect">
-              <a:avLst/>
-            </a:prstGeom>
-          </p:spPr>
-          <p:style>
-            <a:lnRef idx="2">
-              <a:schemeClr val="accent5">
-                <a:shade val="15000"/>
-              </a:schemeClr>
-            </a:lnRef>
-            <a:fillRef idx="1">
-              <a:schemeClr val="accent5"/>
-            </a:fillRef>
-            <a:effectRef idx="0">
-              <a:schemeClr val="accent5"/>
-            </a:effectRef>
-            <a:fontRef idx="minor">
-              <a:schemeClr val="lt1"/>
-            </a:fontRef>
-          </p:style>
-          <p:txBody>
-            <a:bodyPr rtlCol="0" anchor="ctr"/>
-            <a:lstStyle/>
-            <a:p>
-              <a:pPr algn="ctr"/>
-              <a:endParaRPr lang="zh-CN" altLang="en-US" sz="1801" dirty="0"/>
-            </a:p>
-          </p:txBody>
-        </p:sp>
-        <p:sp>
-          <p:nvSpPr>
-            <p:cNvPr id="16" name="矩形 15">
-              <a:extLst>
-                <a:ext uri="{FF2B5EF4-FFF2-40B4-BE49-F238E27FC236}">
-                  <a16:creationId xmlns:a16="http://schemas.microsoft.com/office/drawing/2014/main" id="{99692843-5A8A-E9A5-E66E-5C7B97C2B0D3}"/>
-                </a:ext>
-              </a:extLst>
-            </p:cNvPr>
-            <p:cNvSpPr/>
-            <p:nvPr/>
-          </p:nvSpPr>
-          <p:spPr>
-            <a:xfrm>
-              <a:off x="2584174" y="2500029"/>
-              <a:ext cx="185530" cy="185531"/>
-            </a:xfrm>
-            <a:prstGeom prst="rect">
-              <a:avLst/>
-            </a:prstGeom>
-          </p:spPr>
-          <p:style>
-            <a:lnRef idx="2">
-              <a:schemeClr val="accent5">
-                <a:shade val="15000"/>
-              </a:schemeClr>
-            </a:lnRef>
-            <a:fillRef idx="1">
-              <a:schemeClr val="accent5"/>
-            </a:fillRef>
-            <a:effectRef idx="0">
-              <a:schemeClr val="accent5"/>
-            </a:effectRef>
-            <a:fontRef idx="minor">
-              <a:schemeClr val="lt1"/>
-            </a:fontRef>
-          </p:style>
-          <p:txBody>
-            <a:bodyPr rtlCol="0" anchor="ctr"/>
-            <a:lstStyle/>
-            <a:p>
-              <a:pPr algn="ctr"/>
-              <a:endParaRPr lang="zh-CN" altLang="en-US" sz="1801" dirty="0"/>
-            </a:p>
-          </p:txBody>
-        </p:sp>
-        <p:sp>
-          <p:nvSpPr>
-            <p:cNvPr id="17" name="矩形 16">
-              <a:extLst>
-                <a:ext uri="{FF2B5EF4-FFF2-40B4-BE49-F238E27FC236}">
-                  <a16:creationId xmlns:a16="http://schemas.microsoft.com/office/drawing/2014/main" id="{16B50393-6D74-A886-8D86-D1CE783A6537}"/>
-                </a:ext>
-              </a:extLst>
-            </p:cNvPr>
-            <p:cNvSpPr/>
-            <p:nvPr/>
-          </p:nvSpPr>
-          <p:spPr>
-            <a:xfrm>
-              <a:off x="2584174" y="2689200"/>
-              <a:ext cx="185530" cy="185531"/>
-            </a:xfrm>
-            <a:prstGeom prst="rect">
-              <a:avLst/>
-            </a:prstGeom>
-          </p:spPr>
-          <p:style>
-            <a:lnRef idx="2">
-              <a:schemeClr val="accent5">
-                <a:shade val="15000"/>
-              </a:schemeClr>
-            </a:lnRef>
-            <a:fillRef idx="1">
-              <a:schemeClr val="accent5"/>
-            </a:fillRef>
-            <a:effectRef idx="0">
-              <a:schemeClr val="accent5"/>
-            </a:effectRef>
-            <a:fontRef idx="minor">
-              <a:schemeClr val="lt1"/>
-            </a:fontRef>
-          </p:style>
-          <p:txBody>
-            <a:bodyPr rtlCol="0" anchor="ctr"/>
-            <a:lstStyle/>
-            <a:p>
-              <a:pPr algn="ctr"/>
-              <a:endParaRPr lang="zh-CN" altLang="en-US" sz="1801" dirty="0"/>
-            </a:p>
-          </p:txBody>
-        </p:sp>
-        <p:sp>
-          <p:nvSpPr>
-            <p:cNvPr id="18" name="矩形 17">
-              <a:extLst>
-                <a:ext uri="{FF2B5EF4-FFF2-40B4-BE49-F238E27FC236}">
-                  <a16:creationId xmlns:a16="http://schemas.microsoft.com/office/drawing/2014/main" id="{8164A688-540A-55ED-1E33-9C074743BC5E}"/>
-                </a:ext>
-              </a:extLst>
-            </p:cNvPr>
-            <p:cNvSpPr/>
-            <p:nvPr/>
-          </p:nvSpPr>
-          <p:spPr>
-            <a:xfrm>
-              <a:off x="2584174" y="2876400"/>
-              <a:ext cx="185530" cy="185531"/>
-            </a:xfrm>
-            <a:prstGeom prst="rect">
-              <a:avLst/>
-            </a:prstGeom>
-          </p:spPr>
-          <p:style>
-            <a:lnRef idx="2">
-              <a:schemeClr val="accent5">
-                <a:shade val="15000"/>
-              </a:schemeClr>
-            </a:lnRef>
-            <a:fillRef idx="1">
-              <a:schemeClr val="accent5"/>
-            </a:fillRef>
-            <a:effectRef idx="0">
-              <a:schemeClr val="accent5"/>
-            </a:effectRef>
-            <a:fontRef idx="minor">
-              <a:schemeClr val="lt1"/>
-            </a:fontRef>
-          </p:style>
-          <p:txBody>
-            <a:bodyPr rtlCol="0" anchor="ctr"/>
-            <a:lstStyle/>
-            <a:p>
-              <a:pPr algn="ctr"/>
-              <a:endParaRPr lang="zh-CN" altLang="en-US" sz="1801" dirty="0"/>
-            </a:p>
-          </p:txBody>
-        </p:sp>
-        <p:sp>
-          <p:nvSpPr>
-            <p:cNvPr id="19" name="矩形 18">
-              <a:extLst>
-                <a:ext uri="{FF2B5EF4-FFF2-40B4-BE49-F238E27FC236}">
-                  <a16:creationId xmlns:a16="http://schemas.microsoft.com/office/drawing/2014/main" id="{5609AC2D-90A5-0232-2859-C4678BDF9736}"/>
-                </a:ext>
-              </a:extLst>
-            </p:cNvPr>
-            <p:cNvSpPr/>
-            <p:nvPr/>
-          </p:nvSpPr>
-          <p:spPr>
-            <a:xfrm>
-              <a:off x="2584174" y="3061931"/>
-              <a:ext cx="185530" cy="185531"/>
-            </a:xfrm>
-            <a:prstGeom prst="rect">
-              <a:avLst/>
-            </a:prstGeom>
-          </p:spPr>
-          <p:style>
-            <a:lnRef idx="2">
-              <a:schemeClr val="accent5">
-                <a:shade val="15000"/>
-              </a:schemeClr>
-            </a:lnRef>
-            <a:fillRef idx="1">
-              <a:schemeClr val="accent5"/>
-            </a:fillRef>
-            <a:effectRef idx="0">
-              <a:schemeClr val="accent5"/>
-            </a:effectRef>
-            <a:fontRef idx="minor">
-              <a:schemeClr val="lt1"/>
-            </a:fontRef>
-          </p:style>
-          <p:txBody>
-            <a:bodyPr rtlCol="0" anchor="ctr"/>
-            <a:lstStyle/>
-            <a:p>
-              <a:pPr algn="ctr"/>
-              <a:endParaRPr lang="zh-CN" altLang="en-US" sz="1801" dirty="0"/>
-            </a:p>
-          </p:txBody>
-        </p:sp>
-        <p:sp>
-          <p:nvSpPr>
-            <p:cNvPr id="20" name="矩形 19">
-              <a:extLst>
-                <a:ext uri="{FF2B5EF4-FFF2-40B4-BE49-F238E27FC236}">
-                  <a16:creationId xmlns:a16="http://schemas.microsoft.com/office/drawing/2014/main" id="{53E29031-7405-09C5-75AF-42B6515A4FA4}"/>
-                </a:ext>
-              </a:extLst>
-            </p:cNvPr>
-            <p:cNvSpPr/>
-            <p:nvPr/>
-          </p:nvSpPr>
-          <p:spPr>
-            <a:xfrm>
-              <a:off x="2584174" y="3243469"/>
-              <a:ext cx="185530" cy="185531"/>
-            </a:xfrm>
-            <a:prstGeom prst="rect">
-              <a:avLst/>
-            </a:prstGeom>
-          </p:spPr>
-          <p:style>
-            <a:lnRef idx="2">
-              <a:schemeClr val="accent5">
-                <a:shade val="15000"/>
-              </a:schemeClr>
-            </a:lnRef>
-            <a:fillRef idx="1">
-              <a:schemeClr val="accent5"/>
-            </a:fillRef>
-            <a:effectRef idx="0">
-              <a:schemeClr val="accent5"/>
-            </a:effectRef>
-            <a:fontRef idx="minor">
-              <a:schemeClr val="lt1"/>
-            </a:fontRef>
-          </p:style>
-          <p:txBody>
-            <a:bodyPr rtlCol="0" anchor="ctr"/>
-            <a:lstStyle/>
-            <a:p>
-              <a:pPr algn="ctr"/>
-              <a:endParaRPr lang="zh-CN" altLang="en-US" sz="1801" dirty="0"/>
-            </a:p>
-          </p:txBody>
-        </p:sp>
-        <p:sp>
-          <p:nvSpPr>
-            <p:cNvPr id="21" name="矩形 20">
-              <a:extLst>
-                <a:ext uri="{FF2B5EF4-FFF2-40B4-BE49-F238E27FC236}">
-                  <a16:creationId xmlns:a16="http://schemas.microsoft.com/office/drawing/2014/main" id="{D81E4BDC-76A9-D38B-A375-A1716D986824}"/>
-                </a:ext>
-              </a:extLst>
-            </p:cNvPr>
-            <p:cNvSpPr/>
-            <p:nvPr/>
-          </p:nvSpPr>
-          <p:spPr>
-            <a:xfrm>
-              <a:off x="2584174" y="3425007"/>
-              <a:ext cx="185530" cy="185531"/>
-            </a:xfrm>
-            <a:prstGeom prst="rect">
-              <a:avLst/>
-            </a:prstGeom>
-          </p:spPr>
-          <p:style>
-            <a:lnRef idx="2">
-              <a:schemeClr val="accent5">
-                <a:shade val="15000"/>
-              </a:schemeClr>
-            </a:lnRef>
-            <a:fillRef idx="1">
-              <a:schemeClr val="accent5"/>
-            </a:fillRef>
-            <a:effectRef idx="0">
-              <a:schemeClr val="accent5"/>
-            </a:effectRef>
-            <a:fontRef idx="minor">
-              <a:schemeClr val="lt1"/>
-            </a:fontRef>
-          </p:style>
-          <p:txBody>
-            <a:bodyPr rtlCol="0" anchor="ctr"/>
-            <a:lstStyle/>
-            <a:p>
-              <a:pPr algn="ctr"/>
-              <a:endParaRPr lang="zh-CN" altLang="en-US" sz="1801" dirty="0"/>
-            </a:p>
-          </p:txBody>
-        </p:sp>
-      </p:grpSp>
-      <mc:AlternateContent xmlns:mc="http://schemas.openxmlformats.org/markup-compatibility/2006">
-        <mc:Choice xmlns:a14="http://schemas.microsoft.com/office/drawing/2010/main" Requires="a14">
+            </a:solidFill>
+          </p:grpSpPr>
           <p:sp>
             <p:nvSpPr>
-              <p:cNvPr id="23" name="文本框 22">
+              <p:cNvPr id="129" name="矩形 128">
                 <a:extLst>
                   <a:ext uri="{FF2B5EF4-FFF2-40B4-BE49-F238E27FC236}">
-                    <a16:creationId xmlns:a16="http://schemas.microsoft.com/office/drawing/2014/main" id="{90DE113F-C711-3E9B-0715-884ABDEF34E5}"/>
+                    <a16:creationId xmlns:a16="http://schemas.microsoft.com/office/drawing/2014/main" id="{94FB6DD6-C3EA-8AB1-C103-89568E2C6906}"/>
                   </a:ext>
                 </a:extLst>
               </p:cNvPr>
-              <p:cNvSpPr txBox="1"/>
+              <p:cNvSpPr/>
               <p:nvPr/>
             </p:nvSpPr>
             <p:spPr>
               <a:xfrm>
-                <a:off x="2615099" y="4717048"/>
-                <a:ext cx="149080" cy="215572"/>
+                <a:off x="2584174" y="2128967"/>
+                <a:ext cx="185530" cy="185531"/>
               </a:xfrm>
               <a:prstGeom prst="rect">
                 <a:avLst/>
               </a:prstGeom>
-              <a:noFill/>
+              <a:grpFill/>
             </p:spPr>
+            <p:style>
+              <a:lnRef idx="2">
+                <a:schemeClr val="accent4">
+                  <a:shade val="15000"/>
+                </a:schemeClr>
+              </a:lnRef>
+              <a:fillRef idx="1">
+                <a:schemeClr val="accent4"/>
+              </a:fillRef>
+              <a:effectRef idx="0">
+                <a:schemeClr val="accent4"/>
+              </a:effectRef>
+              <a:fontRef idx="minor">
+                <a:schemeClr val="lt1"/>
+              </a:fontRef>
+            </p:style>
             <p:txBody>
-              <a:bodyPr wrap="none" lIns="0" tIns="0" rIns="0" bIns="0" rtlCol="0">
-                <a:spAutoFit/>
-              </a:bodyPr>
+              <a:bodyPr rtlCol="0" anchor="ctr"/>
               <a:lstStyle/>
               <a:p>
-                <a14:m>
-                  <m:oMathPara xmlns:m="http://schemas.openxmlformats.org/officeDocument/2006/math">
-                    <m:oMathParaPr>
-                      <m:jc m:val="centerGroup"/>
-                    </m:oMathParaPr>
-                    <m:oMath xmlns:m="http://schemas.openxmlformats.org/officeDocument/2006/math">
-                      <m:r>
-                        <a:rPr lang="en-US" altLang="zh-CN" sz="1401" b="1" i="1">
-                          <a:latin typeface="Cambria Math" panose="02040503050406030204" pitchFamily="18" charset="0"/>
-                        </a:rPr>
-                        <m:t>𝒆</m:t>
-                      </m:r>
-                    </m:oMath>
-                  </m:oMathPara>
-                </a14:m>
-                <a:endParaRPr lang="zh-CN" altLang="en-US" sz="1401" b="1" dirty="0"/>
+                <a:pPr algn="ctr"/>
+                <a:endParaRPr lang="zh-CN" altLang="en-US" sz="1801" dirty="0"/>
               </a:p>
             </p:txBody>
           </p:sp>
-        </mc:Choice>
-        <mc:Fallback>
           <p:sp>
             <p:nvSpPr>
-              <p:cNvPr id="23" name="文本框 22">
+              <p:cNvPr id="130" name="矩形 129">
                 <a:extLst>
                   <a:ext uri="{FF2B5EF4-FFF2-40B4-BE49-F238E27FC236}">
-                    <a16:creationId xmlns:a16="http://schemas.microsoft.com/office/drawing/2014/main" id="{90DE113F-C711-3E9B-0715-884ABDEF34E5}"/>
+                    <a16:creationId xmlns:a16="http://schemas.microsoft.com/office/drawing/2014/main" id="{66E70D91-48F2-BF79-C01C-ACD6FC4C64B9}"/>
                   </a:ext>
                 </a:extLst>
               </p:cNvPr>
-              <p:cNvSpPr txBox="1">
-                <a:spLocks noRot="1" noChangeAspect="1" noMove="1" noResize="1" noEditPoints="1" noAdjustHandles="1" noChangeArrowheads="1" noChangeShapeType="1" noTextEdit="1"/>
-              </p:cNvSpPr>
+              <p:cNvSpPr/>
               <p:nvPr/>
             </p:nvSpPr>
             <p:spPr>
               <a:xfrm>
-                <a:off x="2615099" y="4717048"/>
-                <a:ext cx="149080" cy="215572"/>
+                <a:off x="2584174" y="2314498"/>
+                <a:ext cx="185530" cy="185531"/>
               </a:xfrm>
               <a:prstGeom prst="rect">
                 <a:avLst/>
               </a:prstGeom>
-              <a:blipFill>
-                <a:blip r:embed="rId2"/>
-                <a:stretch>
-                  <a:fillRect l="-16667" r="-12500"/>
-                </a:stretch>
-              </a:blipFill>
+              <a:grpFill/>
             </p:spPr>
+            <p:style>
+              <a:lnRef idx="2">
+                <a:schemeClr val="accent4">
+                  <a:shade val="15000"/>
+                </a:schemeClr>
+              </a:lnRef>
+              <a:fillRef idx="1">
+                <a:schemeClr val="accent4"/>
+              </a:fillRef>
+              <a:effectRef idx="0">
+                <a:schemeClr val="accent4"/>
+              </a:effectRef>
+              <a:fontRef idx="minor">
+                <a:schemeClr val="lt1"/>
+              </a:fontRef>
+            </p:style>
             <p:txBody>
-              <a:bodyPr/>
+              <a:bodyPr rtlCol="0" anchor="ctr"/>
               <a:lstStyle/>
               <a:p>
-                <a:r>
-                  <a:rPr lang="zh-CN" altLang="en-US">
-                    <a:noFill/>
-                  </a:rPr>
-                  <a:t> </a:t>
-                </a:r>
+                <a:pPr algn="ctr"/>
+                <a:endParaRPr lang="zh-CN" altLang="en-US" sz="1801" dirty="0"/>
               </a:p>
             </p:txBody>
           </p:sp>
-        </mc:Fallback>
-      </mc:AlternateContent>
-      <mc:AlternateContent xmlns:mc="http://schemas.openxmlformats.org/markup-compatibility/2006">
-        <mc:Choice xmlns:a14="http://schemas.microsoft.com/office/drawing/2010/main" Requires="a14">
           <p:sp>
             <p:nvSpPr>
-              <p:cNvPr id="24" name="文本框 23">
+              <p:cNvPr id="131" name="矩形 130">
                 <a:extLst>
                   <a:ext uri="{FF2B5EF4-FFF2-40B4-BE49-F238E27FC236}">
-                    <a16:creationId xmlns:a16="http://schemas.microsoft.com/office/drawing/2014/main" id="{BBCBCAE1-0DB2-4854-76DE-BF7FE256BEA1}"/>
+                    <a16:creationId xmlns:a16="http://schemas.microsoft.com/office/drawing/2014/main" id="{B40FA8D0-173C-560F-7CF4-BD45070C6A2D}"/>
                   </a:ext>
                 </a:extLst>
               </p:cNvPr>
-              <p:cNvSpPr txBox="1"/>
+              <p:cNvSpPr/>
               <p:nvPr/>
             </p:nvSpPr>
             <p:spPr>
               <a:xfrm>
-                <a:off x="3158659" y="4717048"/>
-                <a:ext cx="145874" cy="215572"/>
+                <a:off x="2584174" y="2500029"/>
+                <a:ext cx="185530" cy="185531"/>
               </a:xfrm>
               <a:prstGeom prst="rect">
                 <a:avLst/>
               </a:prstGeom>
-              <a:noFill/>
+              <a:grpFill/>
             </p:spPr>
+            <p:style>
+              <a:lnRef idx="2">
+                <a:schemeClr val="accent4">
+                  <a:shade val="15000"/>
+                </a:schemeClr>
+              </a:lnRef>
+              <a:fillRef idx="1">
+                <a:schemeClr val="accent4"/>
+              </a:fillRef>
+              <a:effectRef idx="0">
+                <a:schemeClr val="accent4"/>
+              </a:effectRef>
+              <a:fontRef idx="minor">
+                <a:schemeClr val="lt1"/>
+              </a:fontRef>
+            </p:style>
             <p:txBody>
-              <a:bodyPr wrap="none" lIns="0" tIns="0" rIns="0" bIns="0" rtlCol="0">
-                <a:spAutoFit/>
-              </a:bodyPr>
+              <a:bodyPr rtlCol="0" anchor="ctr"/>
               <a:lstStyle/>
               <a:p>
-                <a14:m>
-                  <m:oMathPara xmlns:m="http://schemas.openxmlformats.org/officeDocument/2006/math">
-                    <m:oMathParaPr>
-                      <m:jc m:val="centerGroup"/>
-                    </m:oMathParaPr>
-                    <m:oMath xmlns:m="http://schemas.openxmlformats.org/officeDocument/2006/math">
-                      <m:r>
-                        <a:rPr lang="en-US" altLang="zh-CN" sz="1401" b="1" i="1">
-                          <a:latin typeface="Cambria Math" panose="02040503050406030204" pitchFamily="18" charset="0"/>
-                        </a:rPr>
-                        <m:t>𝒓</m:t>
-                      </m:r>
-                    </m:oMath>
-                  </m:oMathPara>
-                </a14:m>
-                <a:endParaRPr lang="zh-CN" altLang="en-US" sz="1401" b="1" dirty="0"/>
+                <a:pPr algn="ctr"/>
+                <a:endParaRPr lang="zh-CN" altLang="en-US" sz="1801" dirty="0"/>
               </a:p>
             </p:txBody>
           </p:sp>
-        </mc:Choice>
-        <mc:Fallback>
           <p:sp>
             <p:nvSpPr>
-              <p:cNvPr id="24" name="文本框 23">
+              <p:cNvPr id="132" name="矩形 131">
                 <a:extLst>
                   <a:ext uri="{FF2B5EF4-FFF2-40B4-BE49-F238E27FC236}">
-                    <a16:creationId xmlns:a16="http://schemas.microsoft.com/office/drawing/2014/main" id="{BBCBCAE1-0DB2-4854-76DE-BF7FE256BEA1}"/>
+                    <a16:creationId xmlns:a16="http://schemas.microsoft.com/office/drawing/2014/main" id="{29FD966B-B5FB-5D78-133D-86709DBBFC85}"/>
                   </a:ext>
                 </a:extLst>
               </p:cNvPr>
-              <p:cNvSpPr txBox="1">
-                <a:spLocks noRot="1" noChangeAspect="1" noMove="1" noResize="1" noEditPoints="1" noAdjustHandles="1" noChangeArrowheads="1" noChangeShapeType="1" noTextEdit="1"/>
-              </p:cNvSpPr>
+              <p:cNvSpPr/>
               <p:nvPr/>
             </p:nvSpPr>
             <p:spPr>
               <a:xfrm>
-                <a:off x="3158659" y="4717048"/>
-                <a:ext cx="145874" cy="215572"/>
+                <a:off x="2584174" y="2689200"/>
+                <a:ext cx="185530" cy="185531"/>
               </a:xfrm>
               <a:prstGeom prst="rect">
                 <a:avLst/>
               </a:prstGeom>
-              <a:blipFill>
-                <a:blip r:embed="rId3"/>
-                <a:stretch>
-                  <a:fillRect l="-12500" r="-16667"/>
-                </a:stretch>
-              </a:blipFill>
+              <a:grpFill/>
             </p:spPr>
+            <p:style>
+              <a:lnRef idx="2">
+                <a:schemeClr val="accent4">
+                  <a:shade val="15000"/>
+                </a:schemeClr>
+              </a:lnRef>
+              <a:fillRef idx="1">
+                <a:schemeClr val="accent4"/>
+              </a:fillRef>
+              <a:effectRef idx="0">
+                <a:schemeClr val="accent4"/>
+              </a:effectRef>
+              <a:fontRef idx="minor">
+                <a:schemeClr val="lt1"/>
+              </a:fontRef>
+            </p:style>
             <p:txBody>
-              <a:bodyPr/>
+              <a:bodyPr rtlCol="0" anchor="ctr"/>
               <a:lstStyle/>
               <a:p>
-                <a:r>
-                  <a:rPr lang="zh-CN" altLang="en-US">
-                    <a:noFill/>
-                  </a:rPr>
-                  <a:t> </a:t>
-                </a:r>
+                <a:pPr algn="ctr"/>
+                <a:endParaRPr lang="zh-CN" altLang="en-US" sz="1801" dirty="0"/>
               </a:p>
             </p:txBody>
           </p:sp>
-        </mc:Fallback>
-      </mc:AlternateContent>
-      <p:grpSp>
-        <p:nvGrpSpPr>
-          <p:cNvPr id="59" name="组合 58">
-            <a:extLst>
-              <a:ext uri="{FF2B5EF4-FFF2-40B4-BE49-F238E27FC236}">
-                <a16:creationId xmlns:a16="http://schemas.microsoft.com/office/drawing/2014/main" id="{046F000D-F26D-3054-46B0-D0FADBF94E1F}"/>
-              </a:ext>
-            </a:extLst>
-          </p:cNvPr>
-          <p:cNvGrpSpPr/>
-          <p:nvPr/>
-        </p:nvGrpSpPr>
-        <p:grpSpPr>
-          <a:xfrm>
-            <a:off x="4023086" y="3528730"/>
-            <a:ext cx="742121" cy="734139"/>
-            <a:chOff x="6155414" y="3247462"/>
-            <a:chExt cx="742120" cy="734138"/>
-          </a:xfrm>
-        </p:grpSpPr>
-        <p:sp>
-          <p:nvSpPr>
-            <p:cNvPr id="41" name="矩形 40">
-              <a:extLst>
-                <a:ext uri="{FF2B5EF4-FFF2-40B4-BE49-F238E27FC236}">
-                  <a16:creationId xmlns:a16="http://schemas.microsoft.com/office/drawing/2014/main" id="{742B347B-B4AF-5EC9-8931-A51F7ACB3499}"/>
-                </a:ext>
-              </a:extLst>
-            </p:cNvPr>
-            <p:cNvSpPr/>
-            <p:nvPr/>
-          </p:nvSpPr>
-          <p:spPr>
-            <a:xfrm>
-              <a:off x="6155414" y="3247462"/>
-              <a:ext cx="185530" cy="185531"/>
-            </a:xfrm>
-            <a:prstGeom prst="rect">
-              <a:avLst/>
-            </a:prstGeom>
-          </p:spPr>
-          <p:style>
-            <a:lnRef idx="2">
-              <a:schemeClr val="accent5">
-                <a:shade val="15000"/>
-              </a:schemeClr>
-            </a:lnRef>
-            <a:fillRef idx="1">
-              <a:schemeClr val="accent5"/>
-            </a:fillRef>
-            <a:effectRef idx="0">
-              <a:schemeClr val="accent5"/>
-            </a:effectRef>
-            <a:fontRef idx="minor">
-              <a:schemeClr val="lt1"/>
-            </a:fontRef>
-          </p:style>
-          <p:txBody>
-            <a:bodyPr rtlCol="0" anchor="ctr"/>
-            <a:lstStyle/>
-            <a:p>
-              <a:pPr algn="ctr"/>
-              <a:endParaRPr lang="zh-CN" altLang="en-US" sz="1801" dirty="0"/>
-            </a:p>
-          </p:txBody>
-        </p:sp>
-        <p:sp>
-          <p:nvSpPr>
-            <p:cNvPr id="42" name="矩形 41">
-              <a:extLst>
-                <a:ext uri="{FF2B5EF4-FFF2-40B4-BE49-F238E27FC236}">
-                  <a16:creationId xmlns:a16="http://schemas.microsoft.com/office/drawing/2014/main" id="{F726DA3C-596A-49B3-6B60-7B5399CC25DA}"/>
-                </a:ext>
-              </a:extLst>
-            </p:cNvPr>
-            <p:cNvSpPr/>
-            <p:nvPr/>
-          </p:nvSpPr>
-          <p:spPr>
-            <a:xfrm>
-              <a:off x="6155414" y="3432993"/>
-              <a:ext cx="185530" cy="185531"/>
-            </a:xfrm>
-            <a:prstGeom prst="rect">
-              <a:avLst/>
-            </a:prstGeom>
-          </p:spPr>
-          <p:style>
-            <a:lnRef idx="2">
-              <a:schemeClr val="accent2">
-                <a:shade val="15000"/>
-              </a:schemeClr>
-            </a:lnRef>
-            <a:fillRef idx="1">
-              <a:schemeClr val="accent2"/>
-            </a:fillRef>
-            <a:effectRef idx="0">
-              <a:schemeClr val="accent2"/>
-            </a:effectRef>
-            <a:fontRef idx="minor">
-              <a:schemeClr val="lt1"/>
-            </a:fontRef>
-          </p:style>
-          <p:txBody>
-            <a:bodyPr rtlCol="0" anchor="ctr"/>
-            <a:lstStyle/>
-            <a:p>
-              <a:pPr algn="ctr"/>
-              <a:endParaRPr lang="zh-CN" altLang="en-US" sz="1801" dirty="0"/>
-            </a:p>
-          </p:txBody>
-        </p:sp>
-        <p:sp>
-          <p:nvSpPr>
-            <p:cNvPr id="43" name="矩形 42">
-              <a:extLst>
-                <a:ext uri="{FF2B5EF4-FFF2-40B4-BE49-F238E27FC236}">
-                  <a16:creationId xmlns:a16="http://schemas.microsoft.com/office/drawing/2014/main" id="{9215CF54-8A19-64BC-D2AE-B73B9E0B6778}"/>
-                </a:ext>
-              </a:extLst>
-            </p:cNvPr>
-            <p:cNvSpPr/>
-            <p:nvPr/>
-          </p:nvSpPr>
-          <p:spPr>
-            <a:xfrm>
-              <a:off x="6155414" y="3614531"/>
-              <a:ext cx="185530" cy="185531"/>
-            </a:xfrm>
-            <a:prstGeom prst="rect">
-              <a:avLst/>
-            </a:prstGeom>
-          </p:spPr>
-          <p:style>
-            <a:lnRef idx="2">
-              <a:schemeClr val="accent5">
-                <a:shade val="15000"/>
-              </a:schemeClr>
-            </a:lnRef>
-            <a:fillRef idx="1">
-              <a:schemeClr val="accent5"/>
-            </a:fillRef>
-            <a:effectRef idx="0">
-              <a:schemeClr val="accent5"/>
-            </a:effectRef>
-            <a:fontRef idx="minor">
-              <a:schemeClr val="lt1"/>
-            </a:fontRef>
-          </p:style>
-          <p:txBody>
-            <a:bodyPr rtlCol="0" anchor="ctr"/>
-            <a:lstStyle/>
-            <a:p>
-              <a:pPr algn="ctr"/>
-              <a:endParaRPr lang="zh-CN" altLang="en-US" sz="1801" dirty="0"/>
-            </a:p>
-          </p:txBody>
-        </p:sp>
-        <p:sp>
-          <p:nvSpPr>
-            <p:cNvPr id="44" name="矩形 43">
-              <a:extLst>
-                <a:ext uri="{FF2B5EF4-FFF2-40B4-BE49-F238E27FC236}">
-                  <a16:creationId xmlns:a16="http://schemas.microsoft.com/office/drawing/2014/main" id="{29102D0E-6A3C-5010-0E2D-6AA447DC1F99}"/>
-                </a:ext>
-              </a:extLst>
-            </p:cNvPr>
-            <p:cNvSpPr/>
-            <p:nvPr/>
-          </p:nvSpPr>
-          <p:spPr>
-            <a:xfrm>
-              <a:off x="6155414" y="3796069"/>
-              <a:ext cx="185530" cy="185531"/>
-            </a:xfrm>
-            <a:prstGeom prst="rect">
-              <a:avLst/>
-            </a:prstGeom>
-          </p:spPr>
-          <p:style>
-            <a:lnRef idx="2">
-              <a:schemeClr val="accent2">
-                <a:shade val="15000"/>
-              </a:schemeClr>
-            </a:lnRef>
-            <a:fillRef idx="1">
-              <a:schemeClr val="accent2"/>
-            </a:fillRef>
-            <a:effectRef idx="0">
-              <a:schemeClr val="accent2"/>
-            </a:effectRef>
-            <a:fontRef idx="minor">
-              <a:schemeClr val="lt1"/>
-            </a:fontRef>
-          </p:style>
-          <p:txBody>
-            <a:bodyPr rtlCol="0" anchor="ctr"/>
-            <a:lstStyle/>
-            <a:p>
-              <a:pPr algn="ctr"/>
-              <a:endParaRPr lang="zh-CN" altLang="en-US" sz="1801" dirty="0"/>
-            </a:p>
-          </p:txBody>
-        </p:sp>
-        <p:sp>
-          <p:nvSpPr>
-            <p:cNvPr id="45" name="矩形 44">
-              <a:extLst>
-                <a:ext uri="{FF2B5EF4-FFF2-40B4-BE49-F238E27FC236}">
-                  <a16:creationId xmlns:a16="http://schemas.microsoft.com/office/drawing/2014/main" id="{AFF39258-8B32-BEB3-0E87-ECEF534DC03C}"/>
-                </a:ext>
-              </a:extLst>
-            </p:cNvPr>
-            <p:cNvSpPr/>
-            <p:nvPr/>
-          </p:nvSpPr>
-          <p:spPr>
-            <a:xfrm>
-              <a:off x="6340944" y="3247462"/>
-              <a:ext cx="185530" cy="185531"/>
-            </a:xfrm>
-            <a:prstGeom prst="rect">
-              <a:avLst/>
-            </a:prstGeom>
-          </p:spPr>
-          <p:style>
-            <a:lnRef idx="2">
-              <a:schemeClr val="accent2">
-                <a:shade val="15000"/>
-              </a:schemeClr>
-            </a:lnRef>
-            <a:fillRef idx="1">
-              <a:schemeClr val="accent2"/>
-            </a:fillRef>
-            <a:effectRef idx="0">
-              <a:schemeClr val="accent2"/>
-            </a:effectRef>
-            <a:fontRef idx="minor">
-              <a:schemeClr val="lt1"/>
-            </a:fontRef>
-          </p:style>
-          <p:txBody>
-            <a:bodyPr rtlCol="0" anchor="ctr"/>
-            <a:lstStyle/>
-            <a:p>
-              <a:pPr algn="ctr"/>
-              <a:endParaRPr lang="zh-CN" altLang="en-US" sz="1801" dirty="0"/>
-            </a:p>
-          </p:txBody>
-        </p:sp>
-        <p:sp>
-          <p:nvSpPr>
-            <p:cNvPr id="46" name="矩形 45">
-              <a:extLst>
-                <a:ext uri="{FF2B5EF4-FFF2-40B4-BE49-F238E27FC236}">
-                  <a16:creationId xmlns:a16="http://schemas.microsoft.com/office/drawing/2014/main" id="{3C9C40E9-E381-6657-1817-E16098350D89}"/>
-                </a:ext>
-              </a:extLst>
-            </p:cNvPr>
-            <p:cNvSpPr/>
-            <p:nvPr/>
-          </p:nvSpPr>
-          <p:spPr>
-            <a:xfrm>
-              <a:off x="6340944" y="3432993"/>
-              <a:ext cx="185530" cy="185531"/>
-            </a:xfrm>
-            <a:prstGeom prst="rect">
-              <a:avLst/>
-            </a:prstGeom>
-          </p:spPr>
-          <p:style>
-            <a:lnRef idx="2">
-              <a:schemeClr val="accent5">
-                <a:shade val="15000"/>
-              </a:schemeClr>
-            </a:lnRef>
-            <a:fillRef idx="1">
-              <a:schemeClr val="accent5"/>
-            </a:fillRef>
-            <a:effectRef idx="0">
-              <a:schemeClr val="accent5"/>
-            </a:effectRef>
-            <a:fontRef idx="minor">
-              <a:schemeClr val="lt1"/>
-            </a:fontRef>
-          </p:style>
-          <p:txBody>
-            <a:bodyPr rtlCol="0" anchor="ctr"/>
-            <a:lstStyle/>
-            <a:p>
-              <a:pPr algn="ctr"/>
-              <a:endParaRPr lang="zh-CN" altLang="en-US" sz="1801" dirty="0"/>
-            </a:p>
-          </p:txBody>
-        </p:sp>
-        <p:sp>
-          <p:nvSpPr>
-            <p:cNvPr id="47" name="矩形 46">
-              <a:extLst>
-                <a:ext uri="{FF2B5EF4-FFF2-40B4-BE49-F238E27FC236}">
-                  <a16:creationId xmlns:a16="http://schemas.microsoft.com/office/drawing/2014/main" id="{333E288A-6221-6EB6-DD28-E2E9E35AC2DE}"/>
-                </a:ext>
-              </a:extLst>
-            </p:cNvPr>
-            <p:cNvSpPr/>
-            <p:nvPr/>
-          </p:nvSpPr>
-          <p:spPr>
-            <a:xfrm>
-              <a:off x="6340944" y="3614531"/>
-              <a:ext cx="185530" cy="185531"/>
-            </a:xfrm>
-            <a:prstGeom prst="rect">
-              <a:avLst/>
-            </a:prstGeom>
-          </p:spPr>
-          <p:style>
-            <a:lnRef idx="2">
-              <a:schemeClr val="accent2">
-                <a:shade val="15000"/>
-              </a:schemeClr>
-            </a:lnRef>
-            <a:fillRef idx="1">
-              <a:schemeClr val="accent2"/>
-            </a:fillRef>
-            <a:effectRef idx="0">
-              <a:schemeClr val="accent2"/>
-            </a:effectRef>
-            <a:fontRef idx="minor">
-              <a:schemeClr val="lt1"/>
-            </a:fontRef>
-          </p:style>
-          <p:txBody>
-            <a:bodyPr rtlCol="0" anchor="ctr"/>
-            <a:lstStyle/>
-            <a:p>
-              <a:pPr algn="ctr"/>
-              <a:endParaRPr lang="zh-CN" altLang="en-US" sz="1801" dirty="0"/>
-            </a:p>
-          </p:txBody>
-        </p:sp>
-        <p:sp>
-          <p:nvSpPr>
-            <p:cNvPr id="48" name="矩形 47">
-              <a:extLst>
-                <a:ext uri="{FF2B5EF4-FFF2-40B4-BE49-F238E27FC236}">
-                  <a16:creationId xmlns:a16="http://schemas.microsoft.com/office/drawing/2014/main" id="{0A6E2433-F0FF-68B1-1E4C-A0D4B30B7F6B}"/>
-                </a:ext>
-              </a:extLst>
-            </p:cNvPr>
-            <p:cNvSpPr/>
-            <p:nvPr/>
-          </p:nvSpPr>
-          <p:spPr>
-            <a:xfrm>
-              <a:off x="6340944" y="3796069"/>
-              <a:ext cx="185530" cy="185531"/>
-            </a:xfrm>
-            <a:prstGeom prst="rect">
-              <a:avLst/>
-            </a:prstGeom>
-          </p:spPr>
-          <p:style>
-            <a:lnRef idx="2">
-              <a:schemeClr val="accent5">
-                <a:shade val="15000"/>
-              </a:schemeClr>
-            </a:lnRef>
-            <a:fillRef idx="1">
-              <a:schemeClr val="accent5"/>
-            </a:fillRef>
-            <a:effectRef idx="0">
-              <a:schemeClr val="accent5"/>
-            </a:effectRef>
-            <a:fontRef idx="minor">
-              <a:schemeClr val="lt1"/>
-            </a:fontRef>
-          </p:style>
-          <p:txBody>
-            <a:bodyPr rtlCol="0" anchor="ctr"/>
-            <a:lstStyle/>
-            <a:p>
-              <a:pPr algn="ctr"/>
-              <a:endParaRPr lang="zh-CN" altLang="en-US" sz="1801" dirty="0"/>
-            </a:p>
-          </p:txBody>
-        </p:sp>
-        <p:sp>
-          <p:nvSpPr>
-            <p:cNvPr id="51" name="矩形 50">
-              <a:extLst>
-                <a:ext uri="{FF2B5EF4-FFF2-40B4-BE49-F238E27FC236}">
-                  <a16:creationId xmlns:a16="http://schemas.microsoft.com/office/drawing/2014/main" id="{2BAC3F5B-32B9-FB96-8DB5-29D703C8A1AA}"/>
-                </a:ext>
-              </a:extLst>
-            </p:cNvPr>
-            <p:cNvSpPr/>
-            <p:nvPr/>
-          </p:nvSpPr>
-          <p:spPr>
-            <a:xfrm>
-              <a:off x="6526474" y="3247462"/>
-              <a:ext cx="185530" cy="185531"/>
-            </a:xfrm>
-            <a:prstGeom prst="rect">
-              <a:avLst/>
-            </a:prstGeom>
-          </p:spPr>
-          <p:style>
-            <a:lnRef idx="2">
-              <a:schemeClr val="accent5">
-                <a:shade val="15000"/>
-              </a:schemeClr>
-            </a:lnRef>
-            <a:fillRef idx="1">
-              <a:schemeClr val="accent5"/>
-            </a:fillRef>
-            <a:effectRef idx="0">
-              <a:schemeClr val="accent5"/>
-            </a:effectRef>
-            <a:fontRef idx="minor">
-              <a:schemeClr val="lt1"/>
-            </a:fontRef>
-          </p:style>
-          <p:txBody>
-            <a:bodyPr rtlCol="0" anchor="ctr"/>
-            <a:lstStyle/>
-            <a:p>
-              <a:pPr algn="ctr"/>
-              <a:endParaRPr lang="zh-CN" altLang="en-US" sz="1801" dirty="0"/>
-            </a:p>
-          </p:txBody>
-        </p:sp>
-        <p:sp>
-          <p:nvSpPr>
-            <p:cNvPr id="52" name="矩形 51">
-              <a:extLst>
-                <a:ext uri="{FF2B5EF4-FFF2-40B4-BE49-F238E27FC236}">
-                  <a16:creationId xmlns:a16="http://schemas.microsoft.com/office/drawing/2014/main" id="{6FAA964C-9C25-8F86-7C8D-1ED80666BCCB}"/>
-                </a:ext>
-              </a:extLst>
-            </p:cNvPr>
-            <p:cNvSpPr/>
-            <p:nvPr/>
-          </p:nvSpPr>
-          <p:spPr>
-            <a:xfrm>
-              <a:off x="6526474" y="3432993"/>
-              <a:ext cx="185530" cy="185531"/>
-            </a:xfrm>
-            <a:prstGeom prst="rect">
-              <a:avLst/>
-            </a:prstGeom>
-          </p:spPr>
-          <p:style>
-            <a:lnRef idx="2">
-              <a:schemeClr val="accent2">
-                <a:shade val="15000"/>
-              </a:schemeClr>
-            </a:lnRef>
-            <a:fillRef idx="1">
-              <a:schemeClr val="accent2"/>
-            </a:fillRef>
-            <a:effectRef idx="0">
-              <a:schemeClr val="accent2"/>
-            </a:effectRef>
-            <a:fontRef idx="minor">
-              <a:schemeClr val="lt1"/>
-            </a:fontRef>
-          </p:style>
-          <p:txBody>
-            <a:bodyPr rtlCol="0" anchor="ctr"/>
-            <a:lstStyle/>
-            <a:p>
-              <a:pPr algn="ctr"/>
-              <a:endParaRPr lang="zh-CN" altLang="en-US" sz="1801" dirty="0"/>
-            </a:p>
-          </p:txBody>
-        </p:sp>
-        <p:sp>
-          <p:nvSpPr>
-            <p:cNvPr id="53" name="矩形 52">
-              <a:extLst>
-                <a:ext uri="{FF2B5EF4-FFF2-40B4-BE49-F238E27FC236}">
-                  <a16:creationId xmlns:a16="http://schemas.microsoft.com/office/drawing/2014/main" id="{7940E9DC-9EDA-BF3D-75BB-DF47E3AB0087}"/>
-                </a:ext>
-              </a:extLst>
-            </p:cNvPr>
-            <p:cNvSpPr/>
-            <p:nvPr/>
-          </p:nvSpPr>
-          <p:spPr>
-            <a:xfrm>
-              <a:off x="6526474" y="3614531"/>
-              <a:ext cx="185530" cy="185531"/>
-            </a:xfrm>
-            <a:prstGeom prst="rect">
-              <a:avLst/>
-            </a:prstGeom>
-          </p:spPr>
-          <p:style>
-            <a:lnRef idx="2">
-              <a:schemeClr val="accent5">
-                <a:shade val="15000"/>
-              </a:schemeClr>
-            </a:lnRef>
-            <a:fillRef idx="1">
-              <a:schemeClr val="accent5"/>
-            </a:fillRef>
-            <a:effectRef idx="0">
-              <a:schemeClr val="accent5"/>
-            </a:effectRef>
-            <a:fontRef idx="minor">
-              <a:schemeClr val="lt1"/>
-            </a:fontRef>
-          </p:style>
-          <p:txBody>
-            <a:bodyPr rtlCol="0" anchor="ctr"/>
-            <a:lstStyle/>
-            <a:p>
-              <a:pPr algn="ctr"/>
-              <a:endParaRPr lang="zh-CN" altLang="en-US" sz="1801" dirty="0"/>
-            </a:p>
-          </p:txBody>
-        </p:sp>
-        <p:sp>
-          <p:nvSpPr>
-            <p:cNvPr id="54" name="矩形 53">
-              <a:extLst>
-                <a:ext uri="{FF2B5EF4-FFF2-40B4-BE49-F238E27FC236}">
-                  <a16:creationId xmlns:a16="http://schemas.microsoft.com/office/drawing/2014/main" id="{2CA4A4D0-EC50-8AC6-F684-7490A1A196D0}"/>
-                </a:ext>
-              </a:extLst>
-            </p:cNvPr>
-            <p:cNvSpPr/>
-            <p:nvPr/>
-          </p:nvSpPr>
-          <p:spPr>
-            <a:xfrm>
-              <a:off x="6526474" y="3796069"/>
-              <a:ext cx="185530" cy="185531"/>
-            </a:xfrm>
-            <a:prstGeom prst="rect">
-              <a:avLst/>
-            </a:prstGeom>
-          </p:spPr>
-          <p:style>
-            <a:lnRef idx="2">
-              <a:schemeClr val="accent2">
-                <a:shade val="15000"/>
-              </a:schemeClr>
-            </a:lnRef>
-            <a:fillRef idx="1">
-              <a:schemeClr val="accent2"/>
-            </a:fillRef>
-            <a:effectRef idx="0">
-              <a:schemeClr val="accent2"/>
-            </a:effectRef>
-            <a:fontRef idx="minor">
-              <a:schemeClr val="lt1"/>
-            </a:fontRef>
-          </p:style>
-          <p:txBody>
-            <a:bodyPr rtlCol="0" anchor="ctr"/>
-            <a:lstStyle/>
-            <a:p>
-              <a:pPr algn="ctr"/>
-              <a:endParaRPr lang="zh-CN" altLang="en-US" sz="1801" dirty="0"/>
-            </a:p>
-          </p:txBody>
-        </p:sp>
-        <p:sp>
-          <p:nvSpPr>
-            <p:cNvPr id="55" name="矩形 54">
-              <a:extLst>
-                <a:ext uri="{FF2B5EF4-FFF2-40B4-BE49-F238E27FC236}">
-                  <a16:creationId xmlns:a16="http://schemas.microsoft.com/office/drawing/2014/main" id="{A4F08BFB-05AC-702A-84E4-0A10602625C4}"/>
-                </a:ext>
-              </a:extLst>
-            </p:cNvPr>
-            <p:cNvSpPr/>
-            <p:nvPr/>
-          </p:nvSpPr>
-          <p:spPr>
-            <a:xfrm>
-              <a:off x="6712004" y="3247462"/>
-              <a:ext cx="185530" cy="185531"/>
-            </a:xfrm>
-            <a:prstGeom prst="rect">
-              <a:avLst/>
-            </a:prstGeom>
-          </p:spPr>
-          <p:style>
-            <a:lnRef idx="2">
-              <a:schemeClr val="accent2">
-                <a:shade val="15000"/>
-              </a:schemeClr>
-            </a:lnRef>
-            <a:fillRef idx="1">
-              <a:schemeClr val="accent2"/>
-            </a:fillRef>
-            <a:effectRef idx="0">
-              <a:schemeClr val="accent2"/>
-            </a:effectRef>
-            <a:fontRef idx="minor">
-              <a:schemeClr val="lt1"/>
-            </a:fontRef>
-          </p:style>
-          <p:txBody>
-            <a:bodyPr rtlCol="0" anchor="ctr"/>
-            <a:lstStyle/>
-            <a:p>
-              <a:pPr algn="ctr"/>
-              <a:endParaRPr lang="zh-CN" altLang="en-US" sz="1801" dirty="0"/>
-            </a:p>
-          </p:txBody>
-        </p:sp>
-        <p:sp>
-          <p:nvSpPr>
-            <p:cNvPr id="56" name="矩形 55">
-              <a:extLst>
-                <a:ext uri="{FF2B5EF4-FFF2-40B4-BE49-F238E27FC236}">
-                  <a16:creationId xmlns:a16="http://schemas.microsoft.com/office/drawing/2014/main" id="{21FB0F28-E06A-1B28-E180-FC8B5F86E09A}"/>
-                </a:ext>
-              </a:extLst>
-            </p:cNvPr>
-            <p:cNvSpPr/>
-            <p:nvPr/>
-          </p:nvSpPr>
-          <p:spPr>
-            <a:xfrm>
-              <a:off x="6712004" y="3432993"/>
-              <a:ext cx="185530" cy="185531"/>
-            </a:xfrm>
-            <a:prstGeom prst="rect">
-              <a:avLst/>
-            </a:prstGeom>
-          </p:spPr>
-          <p:style>
-            <a:lnRef idx="2">
-              <a:schemeClr val="accent5">
-                <a:shade val="15000"/>
-              </a:schemeClr>
-            </a:lnRef>
-            <a:fillRef idx="1">
-              <a:schemeClr val="accent5"/>
-            </a:fillRef>
-            <a:effectRef idx="0">
-              <a:schemeClr val="accent5"/>
-            </a:effectRef>
-            <a:fontRef idx="minor">
-              <a:schemeClr val="lt1"/>
-            </a:fontRef>
-          </p:style>
-          <p:txBody>
-            <a:bodyPr rtlCol="0" anchor="ctr"/>
-            <a:lstStyle/>
-            <a:p>
-              <a:pPr algn="ctr"/>
-              <a:endParaRPr lang="zh-CN" altLang="en-US" sz="1801" dirty="0"/>
-            </a:p>
-          </p:txBody>
-        </p:sp>
-        <p:sp>
-          <p:nvSpPr>
-            <p:cNvPr id="57" name="矩形 56">
-              <a:extLst>
-                <a:ext uri="{FF2B5EF4-FFF2-40B4-BE49-F238E27FC236}">
-                  <a16:creationId xmlns:a16="http://schemas.microsoft.com/office/drawing/2014/main" id="{2A81B663-FCD4-663F-D302-12A901EB3E44}"/>
-                </a:ext>
-              </a:extLst>
-            </p:cNvPr>
-            <p:cNvSpPr/>
-            <p:nvPr/>
-          </p:nvSpPr>
-          <p:spPr>
-            <a:xfrm>
-              <a:off x="6712004" y="3614531"/>
-              <a:ext cx="185530" cy="185531"/>
-            </a:xfrm>
-            <a:prstGeom prst="rect">
-              <a:avLst/>
-            </a:prstGeom>
-          </p:spPr>
-          <p:style>
-            <a:lnRef idx="2">
-              <a:schemeClr val="accent2">
-                <a:shade val="15000"/>
-              </a:schemeClr>
-            </a:lnRef>
-            <a:fillRef idx="1">
-              <a:schemeClr val="accent2"/>
-            </a:fillRef>
-            <a:effectRef idx="0">
-              <a:schemeClr val="accent2"/>
-            </a:effectRef>
-            <a:fontRef idx="minor">
-              <a:schemeClr val="lt1"/>
-            </a:fontRef>
-          </p:style>
-          <p:txBody>
-            <a:bodyPr rtlCol="0" anchor="ctr"/>
-            <a:lstStyle/>
-            <a:p>
-              <a:pPr algn="ctr"/>
-              <a:endParaRPr lang="zh-CN" altLang="en-US" sz="1801" dirty="0"/>
-            </a:p>
-          </p:txBody>
-        </p:sp>
-        <p:sp>
-          <p:nvSpPr>
-            <p:cNvPr id="58" name="矩形 57">
-              <a:extLst>
-                <a:ext uri="{FF2B5EF4-FFF2-40B4-BE49-F238E27FC236}">
-                  <a16:creationId xmlns:a16="http://schemas.microsoft.com/office/drawing/2014/main" id="{C947B1E9-04A9-F4F3-C43E-624A63FD6393}"/>
-                </a:ext>
-              </a:extLst>
-            </p:cNvPr>
-            <p:cNvSpPr/>
-            <p:nvPr/>
-          </p:nvSpPr>
-          <p:spPr>
-            <a:xfrm>
-              <a:off x="6712004" y="3796069"/>
-              <a:ext cx="185530" cy="185531"/>
-            </a:xfrm>
-            <a:prstGeom prst="rect">
-              <a:avLst/>
-            </a:prstGeom>
-          </p:spPr>
-          <p:style>
-            <a:lnRef idx="2">
-              <a:schemeClr val="accent5">
-                <a:shade val="15000"/>
-              </a:schemeClr>
-            </a:lnRef>
-            <a:fillRef idx="1">
-              <a:schemeClr val="accent5"/>
-            </a:fillRef>
-            <a:effectRef idx="0">
-              <a:schemeClr val="accent5"/>
-            </a:effectRef>
-            <a:fontRef idx="minor">
-              <a:schemeClr val="lt1"/>
-            </a:fontRef>
-          </p:style>
-          <p:txBody>
-            <a:bodyPr rtlCol="0" anchor="ctr"/>
-            <a:lstStyle/>
-            <a:p>
-              <a:pPr algn="ctr"/>
-              <a:endParaRPr lang="zh-CN" altLang="en-US" sz="1801" dirty="0"/>
-            </a:p>
-          </p:txBody>
-        </p:sp>
-      </p:grpSp>
-      <p:cxnSp>
-        <p:nvCxnSpPr>
-          <p:cNvPr id="65" name="直接箭头连接符 64">
-            <a:extLst>
-              <a:ext uri="{FF2B5EF4-FFF2-40B4-BE49-F238E27FC236}">
-                <a16:creationId xmlns:a16="http://schemas.microsoft.com/office/drawing/2014/main" id="{4CD22C45-D4E4-4835-2AB7-F3A8B50EEBFC}"/>
-              </a:ext>
-            </a:extLst>
-          </p:cNvPr>
-          <p:cNvCxnSpPr>
-            <a:cxnSpLocks/>
-          </p:cNvCxnSpPr>
-          <p:nvPr/>
-        </p:nvCxnSpPr>
-        <p:spPr>
-          <a:xfrm>
-            <a:off x="4841404" y="3894131"/>
-            <a:ext cx="454496" cy="0"/>
-          </a:xfrm>
-          <a:prstGeom prst="straightConnector1">
-            <a:avLst/>
-          </a:prstGeom>
-          <a:ln w="19050">
-            <a:solidFill>
-              <a:schemeClr val="tx1"/>
-            </a:solidFill>
-            <a:tailEnd type="triangle"/>
-          </a:ln>
-        </p:spPr>
-        <p:style>
-          <a:lnRef idx="1">
-            <a:schemeClr val="accent1"/>
-          </a:lnRef>
-          <a:fillRef idx="0">
-            <a:schemeClr val="accent1"/>
-          </a:fillRef>
-          <a:effectRef idx="0">
-            <a:schemeClr val="accent1"/>
-          </a:effectRef>
-          <a:fontRef idx="minor">
-            <a:schemeClr val="tx1"/>
-          </a:fontRef>
-        </p:style>
-      </p:cxnSp>
-      <p:sp>
-        <p:nvSpPr>
-          <p:cNvPr id="69" name="矩形: 圆角 68">
-            <a:extLst>
-              <a:ext uri="{FF2B5EF4-FFF2-40B4-BE49-F238E27FC236}">
-                <a16:creationId xmlns:a16="http://schemas.microsoft.com/office/drawing/2014/main" id="{4D73B49F-750B-6783-B6BA-8C604FE85F27}"/>
-              </a:ext>
-            </a:extLst>
-          </p:cNvPr>
-          <p:cNvSpPr/>
-          <p:nvPr/>
-        </p:nvSpPr>
-        <p:spPr>
-          <a:xfrm>
-            <a:off x="5393913" y="3162648"/>
-            <a:ext cx="641349" cy="1481572"/>
-          </a:xfrm>
-          <a:prstGeom prst="roundRect">
-            <a:avLst/>
-          </a:prstGeom>
-          <a:solidFill>
-            <a:schemeClr val="accent6">
-              <a:lumMod val="20000"/>
-              <a:lumOff val="80000"/>
-            </a:schemeClr>
-          </a:solidFill>
-        </p:spPr>
-        <p:style>
-          <a:lnRef idx="2">
-            <a:schemeClr val="accent1">
-              <a:shade val="15000"/>
-            </a:schemeClr>
-          </a:lnRef>
-          <a:fillRef idx="1">
-            <a:schemeClr val="accent1"/>
-          </a:fillRef>
-          <a:effectRef idx="0">
-            <a:schemeClr val="accent1"/>
-          </a:effectRef>
-          <a:fontRef idx="minor">
-            <a:schemeClr val="lt1"/>
-          </a:fontRef>
-        </p:style>
-        <p:txBody>
-          <a:bodyPr vert="eaVert" rtlCol="0" anchor="ctr"/>
-          <a:lstStyle/>
-          <a:p>
-            <a:pPr algn="ctr"/>
-            <a:r>
-              <a:rPr lang="zh-CN" altLang="en-US" sz="1100" dirty="0">
-                <a:solidFill>
-                  <a:schemeClr val="tx1"/>
-                </a:solidFill>
-                <a:latin typeface="宋体" panose="02010600030101010101" pitchFamily="2" charset="-122"/>
-                <a:ea typeface="宋体" panose="02010600030101010101" pitchFamily="2" charset="-122"/>
-              </a:rPr>
-              <a:t>卷积层</a:t>
-            </a:r>
-          </a:p>
-        </p:txBody>
-      </p:sp>
-      <p:cxnSp>
-        <p:nvCxnSpPr>
-          <p:cNvPr id="70" name="直接箭头连接符 69">
-            <a:extLst>
-              <a:ext uri="{FF2B5EF4-FFF2-40B4-BE49-F238E27FC236}">
-                <a16:creationId xmlns:a16="http://schemas.microsoft.com/office/drawing/2014/main" id="{D38BE108-E323-357A-4FE9-B37545FAF68C}"/>
-              </a:ext>
-            </a:extLst>
-          </p:cNvPr>
-          <p:cNvCxnSpPr>
-            <a:cxnSpLocks/>
-          </p:cNvCxnSpPr>
-          <p:nvPr/>
-        </p:nvCxnSpPr>
-        <p:spPr>
-          <a:xfrm>
-            <a:off x="3457104" y="3894131"/>
-            <a:ext cx="454496" cy="0"/>
-          </a:xfrm>
-          <a:prstGeom prst="straightConnector1">
-            <a:avLst/>
-          </a:prstGeom>
-          <a:ln w="19050">
-            <a:solidFill>
-              <a:schemeClr val="tx1"/>
-            </a:solidFill>
-            <a:tailEnd type="triangle"/>
-          </a:ln>
-        </p:spPr>
-        <p:style>
-          <a:lnRef idx="1">
-            <a:schemeClr val="accent1"/>
-          </a:lnRef>
-          <a:fillRef idx="0">
-            <a:schemeClr val="accent1"/>
-          </a:fillRef>
-          <a:effectRef idx="0">
-            <a:schemeClr val="accent1"/>
-          </a:effectRef>
-          <a:fontRef idx="minor">
-            <a:schemeClr val="tx1"/>
-          </a:fontRef>
-        </p:style>
-      </p:cxnSp>
-      <p:grpSp>
-        <p:nvGrpSpPr>
-          <p:cNvPr id="71" name="组合 70">
-            <a:extLst>
-              <a:ext uri="{FF2B5EF4-FFF2-40B4-BE49-F238E27FC236}">
-                <a16:creationId xmlns:a16="http://schemas.microsoft.com/office/drawing/2014/main" id="{B503C31D-651E-D28D-E2EA-F67CC646684B}"/>
-              </a:ext>
-            </a:extLst>
-          </p:cNvPr>
-          <p:cNvGrpSpPr/>
-          <p:nvPr/>
-        </p:nvGrpSpPr>
-        <p:grpSpPr>
-          <a:xfrm>
-            <a:off x="2596874" y="657133"/>
-            <a:ext cx="185531" cy="1481572"/>
-            <a:chOff x="2584174" y="2128967"/>
-            <a:chExt cx="185530" cy="1481571"/>
-          </a:xfrm>
-        </p:grpSpPr>
-        <p:sp>
-          <p:nvSpPr>
-            <p:cNvPr id="72" name="矩形 71">
-              <a:extLst>
-                <a:ext uri="{FF2B5EF4-FFF2-40B4-BE49-F238E27FC236}">
-                  <a16:creationId xmlns:a16="http://schemas.microsoft.com/office/drawing/2014/main" id="{60AC332C-8D1B-9397-FC97-B1CEC08AB823}"/>
-                </a:ext>
-              </a:extLst>
-            </p:cNvPr>
-            <p:cNvSpPr/>
-            <p:nvPr/>
-          </p:nvSpPr>
-          <p:spPr>
-            <a:xfrm>
-              <a:off x="2584174" y="2128967"/>
-              <a:ext cx="185530" cy="185531"/>
-            </a:xfrm>
-            <a:prstGeom prst="rect">
-              <a:avLst/>
-            </a:prstGeom>
-          </p:spPr>
-          <p:style>
-            <a:lnRef idx="2">
-              <a:schemeClr val="accent6">
-                <a:shade val="15000"/>
-              </a:schemeClr>
-            </a:lnRef>
-            <a:fillRef idx="1">
-              <a:schemeClr val="accent6"/>
-            </a:fillRef>
-            <a:effectRef idx="0">
-              <a:schemeClr val="accent6"/>
-            </a:effectRef>
-            <a:fontRef idx="minor">
-              <a:schemeClr val="lt1"/>
-            </a:fontRef>
-          </p:style>
-          <p:txBody>
-            <a:bodyPr rtlCol="0" anchor="ctr"/>
-            <a:lstStyle/>
-            <a:p>
-              <a:pPr algn="ctr"/>
-              <a:endParaRPr lang="zh-CN" altLang="en-US" sz="1801" dirty="0"/>
-            </a:p>
-          </p:txBody>
-        </p:sp>
-        <p:sp>
-          <p:nvSpPr>
-            <p:cNvPr id="73" name="矩形 72">
-              <a:extLst>
-                <a:ext uri="{FF2B5EF4-FFF2-40B4-BE49-F238E27FC236}">
-                  <a16:creationId xmlns:a16="http://schemas.microsoft.com/office/drawing/2014/main" id="{F7E57049-FF40-3FD6-3B4D-A1139F2FA966}"/>
-                </a:ext>
-              </a:extLst>
-            </p:cNvPr>
-            <p:cNvSpPr/>
-            <p:nvPr/>
-          </p:nvSpPr>
-          <p:spPr>
-            <a:xfrm>
-              <a:off x="2584174" y="2314498"/>
-              <a:ext cx="185530" cy="185531"/>
-            </a:xfrm>
-            <a:prstGeom prst="rect">
-              <a:avLst/>
-            </a:prstGeom>
-          </p:spPr>
-          <p:style>
-            <a:lnRef idx="2">
-              <a:schemeClr val="accent6">
-                <a:shade val="15000"/>
-              </a:schemeClr>
-            </a:lnRef>
-            <a:fillRef idx="1">
-              <a:schemeClr val="accent6"/>
-            </a:fillRef>
-            <a:effectRef idx="0">
-              <a:schemeClr val="accent6"/>
-            </a:effectRef>
-            <a:fontRef idx="minor">
-              <a:schemeClr val="lt1"/>
-            </a:fontRef>
-          </p:style>
-          <p:txBody>
-            <a:bodyPr rtlCol="0" anchor="ctr"/>
-            <a:lstStyle/>
-            <a:p>
-              <a:pPr algn="ctr"/>
-              <a:endParaRPr lang="zh-CN" altLang="en-US" sz="1801" dirty="0"/>
-            </a:p>
-          </p:txBody>
-        </p:sp>
-        <p:sp>
-          <p:nvSpPr>
-            <p:cNvPr id="74" name="矩形 73">
-              <a:extLst>
-                <a:ext uri="{FF2B5EF4-FFF2-40B4-BE49-F238E27FC236}">
-                  <a16:creationId xmlns:a16="http://schemas.microsoft.com/office/drawing/2014/main" id="{23571767-BF08-42C1-E263-B5DED6A68FEF}"/>
-                </a:ext>
-              </a:extLst>
-            </p:cNvPr>
-            <p:cNvSpPr/>
-            <p:nvPr/>
-          </p:nvSpPr>
-          <p:spPr>
-            <a:xfrm>
-              <a:off x="2584174" y="2500029"/>
-              <a:ext cx="185530" cy="185531"/>
-            </a:xfrm>
-            <a:prstGeom prst="rect">
-              <a:avLst/>
-            </a:prstGeom>
-          </p:spPr>
-          <p:style>
-            <a:lnRef idx="2">
-              <a:schemeClr val="accent6">
-                <a:shade val="15000"/>
-              </a:schemeClr>
-            </a:lnRef>
-            <a:fillRef idx="1">
-              <a:schemeClr val="accent6"/>
-            </a:fillRef>
-            <a:effectRef idx="0">
-              <a:schemeClr val="accent6"/>
-            </a:effectRef>
-            <a:fontRef idx="minor">
-              <a:schemeClr val="lt1"/>
-            </a:fontRef>
-          </p:style>
-          <p:txBody>
-            <a:bodyPr rtlCol="0" anchor="ctr"/>
-            <a:lstStyle/>
-            <a:p>
-              <a:pPr algn="ctr"/>
-              <a:endParaRPr lang="zh-CN" altLang="en-US" sz="1801" dirty="0"/>
-            </a:p>
-          </p:txBody>
-        </p:sp>
-        <p:sp>
-          <p:nvSpPr>
-            <p:cNvPr id="75" name="矩形 74">
-              <a:extLst>
-                <a:ext uri="{FF2B5EF4-FFF2-40B4-BE49-F238E27FC236}">
-                  <a16:creationId xmlns:a16="http://schemas.microsoft.com/office/drawing/2014/main" id="{1E89210A-F01C-2217-9B3C-110CD28ADFC5}"/>
-                </a:ext>
-              </a:extLst>
-            </p:cNvPr>
-            <p:cNvSpPr/>
-            <p:nvPr/>
-          </p:nvSpPr>
-          <p:spPr>
-            <a:xfrm>
-              <a:off x="2584174" y="2689200"/>
-              <a:ext cx="185530" cy="185531"/>
-            </a:xfrm>
-            <a:prstGeom prst="rect">
-              <a:avLst/>
-            </a:prstGeom>
-          </p:spPr>
-          <p:style>
-            <a:lnRef idx="2">
-              <a:schemeClr val="accent6">
-                <a:shade val="15000"/>
-              </a:schemeClr>
-            </a:lnRef>
-            <a:fillRef idx="1">
-              <a:schemeClr val="accent6"/>
-            </a:fillRef>
-            <a:effectRef idx="0">
-              <a:schemeClr val="accent6"/>
-            </a:effectRef>
-            <a:fontRef idx="minor">
-              <a:schemeClr val="lt1"/>
-            </a:fontRef>
-          </p:style>
-          <p:txBody>
-            <a:bodyPr rtlCol="0" anchor="ctr"/>
-            <a:lstStyle/>
-            <a:p>
-              <a:pPr algn="ctr"/>
-              <a:endParaRPr lang="zh-CN" altLang="en-US" sz="1801" dirty="0"/>
-            </a:p>
-          </p:txBody>
-        </p:sp>
-        <p:sp>
-          <p:nvSpPr>
-            <p:cNvPr id="76" name="矩形 75">
-              <a:extLst>
-                <a:ext uri="{FF2B5EF4-FFF2-40B4-BE49-F238E27FC236}">
-                  <a16:creationId xmlns:a16="http://schemas.microsoft.com/office/drawing/2014/main" id="{BB7BD5FC-45EB-8FDA-520D-D39335286BB0}"/>
-                </a:ext>
-              </a:extLst>
-            </p:cNvPr>
-            <p:cNvSpPr/>
-            <p:nvPr/>
-          </p:nvSpPr>
-          <p:spPr>
-            <a:xfrm>
-              <a:off x="2584174" y="2876400"/>
-              <a:ext cx="185530" cy="185531"/>
-            </a:xfrm>
-            <a:prstGeom prst="rect">
-              <a:avLst/>
-            </a:prstGeom>
-          </p:spPr>
-          <p:style>
-            <a:lnRef idx="2">
-              <a:schemeClr val="accent6">
-                <a:shade val="15000"/>
-              </a:schemeClr>
-            </a:lnRef>
-            <a:fillRef idx="1">
-              <a:schemeClr val="accent6"/>
-            </a:fillRef>
-            <a:effectRef idx="0">
-              <a:schemeClr val="accent6"/>
-            </a:effectRef>
-            <a:fontRef idx="minor">
-              <a:schemeClr val="lt1"/>
-            </a:fontRef>
-          </p:style>
-          <p:txBody>
-            <a:bodyPr rtlCol="0" anchor="ctr"/>
-            <a:lstStyle/>
-            <a:p>
-              <a:pPr algn="ctr"/>
-              <a:endParaRPr lang="zh-CN" altLang="en-US" sz="1801" dirty="0"/>
-            </a:p>
-          </p:txBody>
-        </p:sp>
-        <p:sp>
-          <p:nvSpPr>
-            <p:cNvPr id="77" name="矩形 76">
-              <a:extLst>
-                <a:ext uri="{FF2B5EF4-FFF2-40B4-BE49-F238E27FC236}">
-                  <a16:creationId xmlns:a16="http://schemas.microsoft.com/office/drawing/2014/main" id="{AA48BDDB-35B9-7D32-E84E-3A221B2CE87B}"/>
-                </a:ext>
-              </a:extLst>
-            </p:cNvPr>
-            <p:cNvSpPr/>
-            <p:nvPr/>
-          </p:nvSpPr>
-          <p:spPr>
-            <a:xfrm>
-              <a:off x="2584174" y="3061931"/>
-              <a:ext cx="185530" cy="185531"/>
-            </a:xfrm>
-            <a:prstGeom prst="rect">
-              <a:avLst/>
-            </a:prstGeom>
-          </p:spPr>
-          <p:style>
-            <a:lnRef idx="2">
-              <a:schemeClr val="accent6">
-                <a:shade val="15000"/>
-              </a:schemeClr>
-            </a:lnRef>
-            <a:fillRef idx="1">
-              <a:schemeClr val="accent6"/>
-            </a:fillRef>
-            <a:effectRef idx="0">
-              <a:schemeClr val="accent6"/>
-            </a:effectRef>
-            <a:fontRef idx="minor">
-              <a:schemeClr val="lt1"/>
-            </a:fontRef>
-          </p:style>
-          <p:txBody>
-            <a:bodyPr rtlCol="0" anchor="ctr"/>
-            <a:lstStyle/>
-            <a:p>
-              <a:pPr algn="ctr"/>
-              <a:endParaRPr lang="zh-CN" altLang="en-US" sz="1801" dirty="0"/>
-            </a:p>
-          </p:txBody>
-        </p:sp>
-        <p:sp>
-          <p:nvSpPr>
-            <p:cNvPr id="78" name="矩形 77">
-              <a:extLst>
-                <a:ext uri="{FF2B5EF4-FFF2-40B4-BE49-F238E27FC236}">
-                  <a16:creationId xmlns:a16="http://schemas.microsoft.com/office/drawing/2014/main" id="{A1C5BF59-468F-19F0-EABD-487A3B0AD6B6}"/>
-                </a:ext>
-              </a:extLst>
-            </p:cNvPr>
-            <p:cNvSpPr/>
-            <p:nvPr/>
-          </p:nvSpPr>
-          <p:spPr>
-            <a:xfrm>
-              <a:off x="2584174" y="3243469"/>
-              <a:ext cx="185530" cy="185531"/>
-            </a:xfrm>
-            <a:prstGeom prst="rect">
-              <a:avLst/>
-            </a:prstGeom>
-          </p:spPr>
-          <p:style>
-            <a:lnRef idx="2">
-              <a:schemeClr val="accent6">
-                <a:shade val="15000"/>
-              </a:schemeClr>
-            </a:lnRef>
-            <a:fillRef idx="1">
-              <a:schemeClr val="accent6"/>
-            </a:fillRef>
-            <a:effectRef idx="0">
-              <a:schemeClr val="accent6"/>
-            </a:effectRef>
-            <a:fontRef idx="minor">
-              <a:schemeClr val="lt1"/>
-            </a:fontRef>
-          </p:style>
-          <p:txBody>
-            <a:bodyPr rtlCol="0" anchor="ctr"/>
-            <a:lstStyle/>
-            <a:p>
-              <a:pPr algn="ctr"/>
-              <a:endParaRPr lang="zh-CN" altLang="en-US" sz="1801" dirty="0"/>
-            </a:p>
-          </p:txBody>
-        </p:sp>
-        <p:sp>
-          <p:nvSpPr>
-            <p:cNvPr id="79" name="矩形 78">
-              <a:extLst>
-                <a:ext uri="{FF2B5EF4-FFF2-40B4-BE49-F238E27FC236}">
-                  <a16:creationId xmlns:a16="http://schemas.microsoft.com/office/drawing/2014/main" id="{56AA71CD-6644-3CF7-409D-DEEE875298E8}"/>
-                </a:ext>
-              </a:extLst>
-            </p:cNvPr>
-            <p:cNvSpPr/>
-            <p:nvPr/>
-          </p:nvSpPr>
-          <p:spPr>
-            <a:xfrm>
-              <a:off x="2584174" y="3425007"/>
-              <a:ext cx="185530" cy="185531"/>
-            </a:xfrm>
-            <a:prstGeom prst="rect">
-              <a:avLst/>
-            </a:prstGeom>
-          </p:spPr>
-          <p:style>
-            <a:lnRef idx="2">
-              <a:schemeClr val="accent6">
-                <a:shade val="15000"/>
-              </a:schemeClr>
-            </a:lnRef>
-            <a:fillRef idx="1">
-              <a:schemeClr val="accent6"/>
-            </a:fillRef>
-            <a:effectRef idx="0">
-              <a:schemeClr val="accent6"/>
-            </a:effectRef>
-            <a:fontRef idx="minor">
-              <a:schemeClr val="lt1"/>
-            </a:fontRef>
-          </p:style>
-          <p:txBody>
-            <a:bodyPr rtlCol="0" anchor="ctr"/>
-            <a:lstStyle/>
-            <a:p>
-              <a:pPr algn="ctr"/>
-              <a:endParaRPr lang="zh-CN" altLang="en-US" sz="1801" dirty="0"/>
-            </a:p>
-          </p:txBody>
-        </p:sp>
-      </p:grpSp>
-      <p:sp>
-        <p:nvSpPr>
-          <p:cNvPr id="89" name="矩形: 圆角 88">
-            <a:extLst>
-              <a:ext uri="{FF2B5EF4-FFF2-40B4-BE49-F238E27FC236}">
-                <a16:creationId xmlns:a16="http://schemas.microsoft.com/office/drawing/2014/main" id="{CA60FE9A-942C-696E-FFB1-D063188E7F2E}"/>
-              </a:ext>
-            </a:extLst>
-          </p:cNvPr>
-          <p:cNvSpPr/>
-          <p:nvPr/>
-        </p:nvSpPr>
-        <p:spPr>
-          <a:xfrm>
-            <a:off x="5053390" y="1852235"/>
-            <a:ext cx="1322395" cy="572946"/>
-          </a:xfrm>
-          <a:prstGeom prst="roundRect">
-            <a:avLst/>
-          </a:prstGeom>
-          <a:solidFill>
-            <a:schemeClr val="bg2"/>
-          </a:solidFill>
-        </p:spPr>
-        <p:style>
-          <a:lnRef idx="2">
-            <a:schemeClr val="accent1">
-              <a:shade val="15000"/>
-            </a:schemeClr>
-          </a:lnRef>
-          <a:fillRef idx="1">
-            <a:schemeClr val="accent1"/>
-          </a:fillRef>
-          <a:effectRef idx="0">
-            <a:schemeClr val="accent1"/>
-          </a:effectRef>
-          <a:fontRef idx="minor">
-            <a:schemeClr val="lt1"/>
-          </a:fontRef>
-        </p:style>
-        <p:txBody>
-          <a:bodyPr vert="horz" rtlCol="0" anchor="ctr"/>
-          <a:lstStyle/>
-          <a:p>
-            <a:pPr algn="ctr"/>
-            <a:endParaRPr lang="zh-CN" altLang="en-US" sz="1100" dirty="0">
-              <a:solidFill>
-                <a:schemeClr val="tx1"/>
-              </a:solidFill>
-              <a:latin typeface="宋体" panose="02010600030101010101" pitchFamily="2" charset="-122"/>
-              <a:ea typeface="宋体" panose="02010600030101010101" pitchFamily="2" charset="-122"/>
-            </a:endParaRPr>
-          </a:p>
-        </p:txBody>
-      </p:sp>
-      <p:sp>
-        <p:nvSpPr>
-          <p:cNvPr id="90" name="矩形: 圆角 89">
-            <a:extLst>
-              <a:ext uri="{FF2B5EF4-FFF2-40B4-BE49-F238E27FC236}">
-                <a16:creationId xmlns:a16="http://schemas.microsoft.com/office/drawing/2014/main" id="{1B9AC0FD-35E6-88B7-65A2-125A09A43C41}"/>
-              </a:ext>
-            </a:extLst>
-          </p:cNvPr>
-          <p:cNvSpPr/>
-          <p:nvPr/>
-        </p:nvSpPr>
-        <p:spPr>
-          <a:xfrm>
-            <a:off x="7380297" y="3162648"/>
-            <a:ext cx="641349" cy="1481572"/>
-          </a:xfrm>
-          <a:prstGeom prst="roundRect">
-            <a:avLst/>
-          </a:prstGeom>
-          <a:solidFill>
-            <a:schemeClr val="accent6">
-              <a:lumMod val="20000"/>
-              <a:lumOff val="80000"/>
-            </a:schemeClr>
-          </a:solidFill>
-        </p:spPr>
-        <p:style>
-          <a:lnRef idx="2">
-            <a:schemeClr val="accent1">
-              <a:shade val="15000"/>
-            </a:schemeClr>
-          </a:lnRef>
-          <a:fillRef idx="1">
-            <a:schemeClr val="accent1"/>
-          </a:fillRef>
-          <a:effectRef idx="0">
-            <a:schemeClr val="accent1"/>
-          </a:effectRef>
-          <a:fontRef idx="minor">
-            <a:schemeClr val="lt1"/>
-          </a:fontRef>
-        </p:style>
-        <p:txBody>
-          <a:bodyPr vert="eaVert" rtlCol="0" anchor="ctr"/>
-          <a:lstStyle/>
-          <a:p>
-            <a:pPr algn="ctr"/>
-            <a:r>
-              <a:rPr lang="zh-CN" altLang="en-US" sz="1100" dirty="0">
-                <a:solidFill>
-                  <a:schemeClr val="tx1"/>
-                </a:solidFill>
-                <a:latin typeface="宋体" panose="02010600030101010101" pitchFamily="2" charset="-122"/>
-                <a:ea typeface="宋体" panose="02010600030101010101" pitchFamily="2" charset="-122"/>
-              </a:rPr>
-              <a:t>全连接层</a:t>
-            </a:r>
-          </a:p>
-        </p:txBody>
-      </p:sp>
-      <p:sp>
-        <p:nvSpPr>
-          <p:cNvPr id="93" name="矩形: 圆角 92">
-            <a:extLst>
-              <a:ext uri="{FF2B5EF4-FFF2-40B4-BE49-F238E27FC236}">
-                <a16:creationId xmlns:a16="http://schemas.microsoft.com/office/drawing/2014/main" id="{4E558D85-1A6E-049C-5E23-32531BFFDAEC}"/>
-              </a:ext>
-            </a:extLst>
-          </p:cNvPr>
-          <p:cNvSpPr/>
-          <p:nvPr/>
-        </p:nvSpPr>
-        <p:spPr>
-          <a:xfrm>
-            <a:off x="7039774" y="1852234"/>
-            <a:ext cx="1322395" cy="572946"/>
-          </a:xfrm>
-          <a:prstGeom prst="roundRect">
-            <a:avLst/>
-          </a:prstGeom>
-          <a:solidFill>
-            <a:schemeClr val="bg2"/>
-          </a:solidFill>
-        </p:spPr>
-        <p:style>
-          <a:lnRef idx="2">
-            <a:schemeClr val="accent1">
-              <a:shade val="15000"/>
-            </a:schemeClr>
-          </a:lnRef>
-          <a:fillRef idx="1">
-            <a:schemeClr val="accent1"/>
-          </a:fillRef>
-          <a:effectRef idx="0">
-            <a:schemeClr val="accent1"/>
-          </a:effectRef>
-          <a:fontRef idx="minor">
-            <a:schemeClr val="lt1"/>
-          </a:fontRef>
-        </p:style>
-        <p:txBody>
-          <a:bodyPr vert="horz" rtlCol="0" anchor="ctr"/>
-          <a:lstStyle/>
-          <a:p>
-            <a:pPr algn="ctr"/>
-            <a:endParaRPr lang="zh-CN" altLang="en-US" sz="1100" dirty="0">
-              <a:solidFill>
-                <a:schemeClr val="tx1"/>
-              </a:solidFill>
-              <a:latin typeface="宋体" panose="02010600030101010101" pitchFamily="2" charset="-122"/>
-              <a:ea typeface="宋体" panose="02010600030101010101" pitchFamily="2" charset="-122"/>
-            </a:endParaRPr>
-          </a:p>
-        </p:txBody>
-      </p:sp>
-      <p:sp>
-        <p:nvSpPr>
-          <p:cNvPr id="95" name="文本框 94">
-            <a:extLst>
-              <a:ext uri="{FF2B5EF4-FFF2-40B4-BE49-F238E27FC236}">
-                <a16:creationId xmlns:a16="http://schemas.microsoft.com/office/drawing/2014/main" id="{90532A48-8C2A-A1E3-24FF-A28739BB3218}"/>
-              </a:ext>
-            </a:extLst>
-          </p:cNvPr>
-          <p:cNvSpPr txBox="1"/>
-          <p:nvPr/>
-        </p:nvSpPr>
-        <p:spPr>
-          <a:xfrm>
-            <a:off x="5123487" y="1923262"/>
-            <a:ext cx="1182201" cy="430887"/>
-          </a:xfrm>
-          <a:prstGeom prst="rect">
-            <a:avLst/>
-          </a:prstGeom>
-          <a:noFill/>
-        </p:spPr>
-        <p:txBody>
-          <a:bodyPr wrap="square">
-            <a:spAutoFit/>
-          </a:bodyPr>
-          <a:lstStyle/>
-          <a:p>
-            <a:pPr algn="ctr"/>
-            <a:r>
-              <a:rPr lang="zh-CN" altLang="en-US" sz="1100" dirty="0">
-                <a:latin typeface="宋体" panose="02010600030101010101" pitchFamily="2" charset="-122"/>
-                <a:ea typeface="宋体" panose="02010600030101010101" pitchFamily="2" charset="-122"/>
-              </a:rPr>
-              <a:t>卷积层</a:t>
-            </a:r>
-            <a:endParaRPr lang="en-US" altLang="zh-CN" sz="1100" dirty="0">
-              <a:latin typeface="宋体" panose="02010600030101010101" pitchFamily="2" charset="-122"/>
-              <a:ea typeface="宋体" panose="02010600030101010101" pitchFamily="2" charset="-122"/>
-            </a:endParaRPr>
-          </a:p>
-          <a:p>
-            <a:pPr algn="ctr"/>
-            <a:r>
-              <a:rPr lang="zh-CN" altLang="en-US" sz="1100" dirty="0">
-                <a:latin typeface="宋体" panose="02010600030101010101" pitchFamily="2" charset="-122"/>
-                <a:ea typeface="宋体" panose="02010600030101010101" pitchFamily="2" charset="-122"/>
-              </a:rPr>
-              <a:t>参数生成网络</a:t>
-            </a:r>
-          </a:p>
-        </p:txBody>
-      </p:sp>
-      <p:sp>
-        <p:nvSpPr>
-          <p:cNvPr id="96" name="文本框 95">
-            <a:extLst>
-              <a:ext uri="{FF2B5EF4-FFF2-40B4-BE49-F238E27FC236}">
-                <a16:creationId xmlns:a16="http://schemas.microsoft.com/office/drawing/2014/main" id="{26E82A52-0E5F-69F3-B28C-AC624D61B0FB}"/>
-              </a:ext>
-            </a:extLst>
-          </p:cNvPr>
-          <p:cNvSpPr txBox="1"/>
-          <p:nvPr/>
-        </p:nvSpPr>
-        <p:spPr>
-          <a:xfrm>
-            <a:off x="7109873" y="1923263"/>
-            <a:ext cx="1182201" cy="430887"/>
-          </a:xfrm>
-          <a:prstGeom prst="rect">
-            <a:avLst/>
-          </a:prstGeom>
-          <a:noFill/>
-        </p:spPr>
-        <p:txBody>
-          <a:bodyPr wrap="square">
-            <a:spAutoFit/>
-          </a:bodyPr>
-          <a:lstStyle/>
-          <a:p>
-            <a:pPr algn="ctr"/>
-            <a:r>
-              <a:rPr lang="zh-CN" altLang="en-US" sz="1100" dirty="0">
-                <a:latin typeface="宋体" panose="02010600030101010101" pitchFamily="2" charset="-122"/>
-                <a:ea typeface="宋体" panose="02010600030101010101" pitchFamily="2" charset="-122"/>
-              </a:rPr>
-              <a:t>全连接层</a:t>
-            </a:r>
-            <a:endParaRPr lang="en-US" altLang="zh-CN" sz="1100" dirty="0">
-              <a:latin typeface="宋体" panose="02010600030101010101" pitchFamily="2" charset="-122"/>
-              <a:ea typeface="宋体" panose="02010600030101010101" pitchFamily="2" charset="-122"/>
-            </a:endParaRPr>
-          </a:p>
-          <a:p>
-            <a:pPr algn="ctr"/>
-            <a:r>
-              <a:rPr lang="zh-CN" altLang="en-US" sz="1100" dirty="0">
-                <a:latin typeface="宋体" panose="02010600030101010101" pitchFamily="2" charset="-122"/>
-                <a:ea typeface="宋体" panose="02010600030101010101" pitchFamily="2" charset="-122"/>
-              </a:rPr>
-              <a:t>参数生成网络</a:t>
-            </a:r>
-          </a:p>
-        </p:txBody>
-      </p:sp>
-      <p:cxnSp>
-        <p:nvCxnSpPr>
-          <p:cNvPr id="114" name="连接符: 肘形 113">
-            <a:extLst>
-              <a:ext uri="{FF2B5EF4-FFF2-40B4-BE49-F238E27FC236}">
-                <a16:creationId xmlns:a16="http://schemas.microsoft.com/office/drawing/2014/main" id="{6B76F00A-2120-3F3C-0242-B9B984659E56}"/>
-              </a:ext>
-            </a:extLst>
-          </p:cNvPr>
-          <p:cNvCxnSpPr>
-            <a:cxnSpLocks/>
-            <a:endCxn id="93" idx="0"/>
-          </p:cNvCxnSpPr>
-          <p:nvPr/>
-        </p:nvCxnSpPr>
-        <p:spPr>
-          <a:xfrm>
-            <a:off x="2901951" y="1409700"/>
-            <a:ext cx="4799020" cy="442532"/>
-          </a:xfrm>
-          <a:prstGeom prst="bentConnector2">
-            <a:avLst/>
-          </a:prstGeom>
-          <a:ln w="19050">
-            <a:solidFill>
-              <a:schemeClr val="tx1"/>
-            </a:solidFill>
-            <a:tailEnd type="triangle"/>
-          </a:ln>
-        </p:spPr>
-        <p:style>
-          <a:lnRef idx="1">
-            <a:schemeClr val="accent1"/>
-          </a:lnRef>
-          <a:fillRef idx="0">
-            <a:schemeClr val="accent1"/>
-          </a:fillRef>
-          <a:effectRef idx="0">
-            <a:schemeClr val="accent1"/>
-          </a:effectRef>
-          <a:fontRef idx="minor">
-            <a:schemeClr val="tx1"/>
-          </a:fontRef>
-        </p:style>
-      </p:cxnSp>
-      <p:cxnSp>
-        <p:nvCxnSpPr>
-          <p:cNvPr id="116" name="直接连接符 115">
-            <a:extLst>
-              <a:ext uri="{FF2B5EF4-FFF2-40B4-BE49-F238E27FC236}">
-                <a16:creationId xmlns:a16="http://schemas.microsoft.com/office/drawing/2014/main" id="{A9A93D76-C523-DF49-13B3-BC24C01F0FF5}"/>
-              </a:ext>
-            </a:extLst>
-          </p:cNvPr>
-          <p:cNvCxnSpPr>
-            <a:cxnSpLocks/>
-          </p:cNvCxnSpPr>
-          <p:nvPr/>
-        </p:nvCxnSpPr>
-        <p:spPr>
-          <a:xfrm flipV="1">
-            <a:off x="3240597" y="1409701"/>
-            <a:ext cx="0" cy="1745724"/>
-          </a:xfrm>
-          <a:prstGeom prst="line">
-            <a:avLst/>
-          </a:prstGeom>
-          <a:ln w="19050">
-            <a:solidFill>
-              <a:schemeClr val="tx1"/>
-            </a:solidFill>
-          </a:ln>
-        </p:spPr>
-        <p:style>
-          <a:lnRef idx="1">
-            <a:schemeClr val="accent1"/>
-          </a:lnRef>
-          <a:fillRef idx="0">
-            <a:schemeClr val="accent1"/>
-          </a:fillRef>
-          <a:effectRef idx="0">
-            <a:schemeClr val="accent1"/>
-          </a:effectRef>
-          <a:fontRef idx="minor">
-            <a:schemeClr val="tx1"/>
-          </a:fontRef>
-        </p:style>
-      </p:cxnSp>
-      <p:cxnSp>
-        <p:nvCxnSpPr>
-          <p:cNvPr id="118" name="直接箭头连接符 117">
-            <a:extLst>
-              <a:ext uri="{FF2B5EF4-FFF2-40B4-BE49-F238E27FC236}">
-                <a16:creationId xmlns:a16="http://schemas.microsoft.com/office/drawing/2014/main" id="{E9FE1197-0A4C-3C4C-A48D-D56EA16A7B1C}"/>
-              </a:ext>
-            </a:extLst>
-          </p:cNvPr>
-          <p:cNvCxnSpPr>
-            <a:cxnSpLocks/>
-            <a:endCxn id="89" idx="0"/>
-          </p:cNvCxnSpPr>
-          <p:nvPr/>
-        </p:nvCxnSpPr>
-        <p:spPr>
-          <a:xfrm>
-            <a:off x="5714587" y="1409704"/>
-            <a:ext cx="2" cy="442533"/>
-          </a:xfrm>
-          <a:prstGeom prst="straightConnector1">
-            <a:avLst/>
-          </a:prstGeom>
-          <a:ln w="19050">
-            <a:solidFill>
-              <a:schemeClr val="tx1"/>
-            </a:solidFill>
-            <a:tailEnd type="triangle"/>
-          </a:ln>
-        </p:spPr>
-        <p:style>
-          <a:lnRef idx="1">
-            <a:schemeClr val="accent1"/>
-          </a:lnRef>
-          <a:fillRef idx="0">
-            <a:schemeClr val="accent1"/>
-          </a:fillRef>
-          <a:effectRef idx="0">
-            <a:schemeClr val="accent1"/>
-          </a:effectRef>
-          <a:fontRef idx="minor">
-            <a:schemeClr val="tx1"/>
-          </a:fontRef>
-        </p:style>
-      </p:cxnSp>
-      <p:cxnSp>
-        <p:nvCxnSpPr>
-          <p:cNvPr id="121" name="直接箭头连接符 120">
-            <a:extLst>
-              <a:ext uri="{FF2B5EF4-FFF2-40B4-BE49-F238E27FC236}">
-                <a16:creationId xmlns:a16="http://schemas.microsoft.com/office/drawing/2014/main" id="{03997223-B56E-3B03-4052-F838E17DEFE9}"/>
-              </a:ext>
-            </a:extLst>
-          </p:cNvPr>
-          <p:cNvCxnSpPr>
-            <a:cxnSpLocks/>
-          </p:cNvCxnSpPr>
-          <p:nvPr/>
-        </p:nvCxnSpPr>
-        <p:spPr>
-          <a:xfrm>
-            <a:off x="5706715" y="2425177"/>
-            <a:ext cx="0" cy="134772"/>
-          </a:xfrm>
-          <a:prstGeom prst="straightConnector1">
-            <a:avLst/>
-          </a:prstGeom>
-          <a:ln w="19050">
-            <a:solidFill>
-              <a:schemeClr val="tx1"/>
-            </a:solidFill>
-            <a:tailEnd type="triangle"/>
-          </a:ln>
-        </p:spPr>
-        <p:style>
-          <a:lnRef idx="1">
-            <a:schemeClr val="accent1"/>
-          </a:lnRef>
-          <a:fillRef idx="0">
-            <a:schemeClr val="accent1"/>
-          </a:fillRef>
-          <a:effectRef idx="0">
-            <a:schemeClr val="accent1"/>
-          </a:effectRef>
-          <a:fontRef idx="minor">
-            <a:schemeClr val="tx1"/>
-          </a:fontRef>
-        </p:style>
-      </p:cxnSp>
-      <p:sp>
-        <p:nvSpPr>
-          <p:cNvPr id="124" name="矩形: 圆角 123">
-            <a:extLst>
-              <a:ext uri="{FF2B5EF4-FFF2-40B4-BE49-F238E27FC236}">
-                <a16:creationId xmlns:a16="http://schemas.microsoft.com/office/drawing/2014/main" id="{2E377149-1BA4-2627-B17E-CB8077269D0E}"/>
-              </a:ext>
-            </a:extLst>
-          </p:cNvPr>
-          <p:cNvSpPr/>
-          <p:nvPr/>
-        </p:nvSpPr>
-        <p:spPr>
-          <a:xfrm>
-            <a:off x="2425755" y="2844803"/>
-            <a:ext cx="1062939" cy="2124242"/>
-          </a:xfrm>
-          <a:prstGeom prst="roundRect">
-            <a:avLst>
-              <a:gd name="adj" fmla="val 7706"/>
-            </a:avLst>
-          </a:prstGeom>
-          <a:noFill/>
-          <a:ln>
-            <a:prstDash val="sysDash"/>
-          </a:ln>
-        </p:spPr>
-        <p:style>
-          <a:lnRef idx="2">
-            <a:schemeClr val="accent1">
-              <a:shade val="15000"/>
-            </a:schemeClr>
-          </a:lnRef>
-          <a:fillRef idx="1">
-            <a:schemeClr val="accent1"/>
-          </a:fillRef>
-          <a:effectRef idx="0">
-            <a:schemeClr val="accent1"/>
-          </a:effectRef>
-          <a:fontRef idx="minor">
-            <a:schemeClr val="lt1"/>
-          </a:fontRef>
-        </p:style>
-        <p:txBody>
-          <a:bodyPr rtlCol="0" anchor="ctr"/>
-          <a:lstStyle/>
-          <a:p>
-            <a:pPr algn="ctr"/>
-            <a:endParaRPr lang="zh-CN" altLang="en-US" sz="1801"/>
-          </a:p>
-        </p:txBody>
-      </p:sp>
-      <p:cxnSp>
-        <p:nvCxnSpPr>
-          <p:cNvPr id="126" name="直接箭头连接符 125">
-            <a:extLst>
-              <a:ext uri="{FF2B5EF4-FFF2-40B4-BE49-F238E27FC236}">
-                <a16:creationId xmlns:a16="http://schemas.microsoft.com/office/drawing/2014/main" id="{E79A366F-F59D-A338-1502-0F4DF58FEFE9}"/>
-              </a:ext>
-            </a:extLst>
-          </p:cNvPr>
-          <p:cNvCxnSpPr>
-            <a:cxnSpLocks/>
-          </p:cNvCxnSpPr>
-          <p:nvPr/>
-        </p:nvCxnSpPr>
-        <p:spPr>
-          <a:xfrm>
-            <a:off x="6135425" y="3887540"/>
-            <a:ext cx="340523" cy="0"/>
-          </a:xfrm>
-          <a:prstGeom prst="straightConnector1">
-            <a:avLst/>
-          </a:prstGeom>
-          <a:ln w="19050">
-            <a:solidFill>
-              <a:schemeClr val="tx1"/>
-            </a:solidFill>
-            <a:tailEnd type="triangle"/>
-          </a:ln>
-        </p:spPr>
-        <p:style>
-          <a:lnRef idx="1">
-            <a:schemeClr val="accent1"/>
-          </a:lnRef>
-          <a:fillRef idx="0">
-            <a:schemeClr val="accent1"/>
-          </a:fillRef>
-          <a:effectRef idx="0">
-            <a:schemeClr val="accent1"/>
-          </a:effectRef>
-          <a:fontRef idx="minor">
-            <a:schemeClr val="tx1"/>
-          </a:fontRef>
-        </p:style>
-      </p:cxnSp>
-      <p:grpSp>
-        <p:nvGrpSpPr>
-          <p:cNvPr id="128" name="组合 127">
-            <a:extLst>
-              <a:ext uri="{FF2B5EF4-FFF2-40B4-BE49-F238E27FC236}">
-                <a16:creationId xmlns:a16="http://schemas.microsoft.com/office/drawing/2014/main" id="{2C33EC44-6907-6E76-83DA-0D6757D4126B}"/>
-              </a:ext>
-            </a:extLst>
-          </p:cNvPr>
-          <p:cNvGrpSpPr/>
-          <p:nvPr/>
-        </p:nvGrpSpPr>
-        <p:grpSpPr>
-          <a:xfrm>
-            <a:off x="6640937" y="3162648"/>
-            <a:ext cx="185531" cy="1481572"/>
-            <a:chOff x="2584174" y="2128967"/>
-            <a:chExt cx="185530" cy="1481571"/>
-          </a:xfrm>
-          <a:solidFill>
-            <a:schemeClr val="accent4">
-              <a:lumMod val="60000"/>
-              <a:lumOff val="40000"/>
-            </a:schemeClr>
-          </a:solidFill>
-        </p:grpSpPr>
-        <p:sp>
-          <p:nvSpPr>
-            <p:cNvPr id="129" name="矩形 128">
-              <a:extLst>
-                <a:ext uri="{FF2B5EF4-FFF2-40B4-BE49-F238E27FC236}">
-                  <a16:creationId xmlns:a16="http://schemas.microsoft.com/office/drawing/2014/main" id="{94FB6DD6-C3EA-8AB1-C103-89568E2C6906}"/>
-                </a:ext>
-              </a:extLst>
-            </p:cNvPr>
-            <p:cNvSpPr/>
-            <p:nvPr/>
-          </p:nvSpPr>
-          <p:spPr>
-            <a:xfrm>
-              <a:off x="2584174" y="2128967"/>
-              <a:ext cx="185530" cy="185531"/>
-            </a:xfrm>
-            <a:prstGeom prst="rect">
-              <a:avLst/>
-            </a:prstGeom>
-            <a:grpFill/>
-          </p:spPr>
-          <p:style>
-            <a:lnRef idx="2">
-              <a:schemeClr val="accent4">
-                <a:shade val="15000"/>
-              </a:schemeClr>
-            </a:lnRef>
-            <a:fillRef idx="1">
-              <a:schemeClr val="accent4"/>
-            </a:fillRef>
-            <a:effectRef idx="0">
-              <a:schemeClr val="accent4"/>
-            </a:effectRef>
-            <a:fontRef idx="minor">
-              <a:schemeClr val="lt1"/>
-            </a:fontRef>
-          </p:style>
-          <p:txBody>
-            <a:bodyPr rtlCol="0" anchor="ctr"/>
-            <a:lstStyle/>
-            <a:p>
-              <a:pPr algn="ctr"/>
-              <a:endParaRPr lang="zh-CN" altLang="en-US" sz="1801" dirty="0"/>
-            </a:p>
-          </p:txBody>
-        </p:sp>
-        <p:sp>
-          <p:nvSpPr>
-            <p:cNvPr id="130" name="矩形 129">
-              <a:extLst>
-                <a:ext uri="{FF2B5EF4-FFF2-40B4-BE49-F238E27FC236}">
-                  <a16:creationId xmlns:a16="http://schemas.microsoft.com/office/drawing/2014/main" id="{66E70D91-48F2-BF79-C01C-ACD6FC4C64B9}"/>
-                </a:ext>
-              </a:extLst>
-            </p:cNvPr>
-            <p:cNvSpPr/>
-            <p:nvPr/>
-          </p:nvSpPr>
-          <p:spPr>
-            <a:xfrm>
-              <a:off x="2584174" y="2314498"/>
-              <a:ext cx="185530" cy="185531"/>
-            </a:xfrm>
-            <a:prstGeom prst="rect">
-              <a:avLst/>
-            </a:prstGeom>
-            <a:grpFill/>
-          </p:spPr>
-          <p:style>
-            <a:lnRef idx="2">
-              <a:schemeClr val="accent4">
-                <a:shade val="15000"/>
-              </a:schemeClr>
-            </a:lnRef>
-            <a:fillRef idx="1">
-              <a:schemeClr val="accent4"/>
-            </a:fillRef>
-            <a:effectRef idx="0">
-              <a:schemeClr val="accent4"/>
-            </a:effectRef>
-            <a:fontRef idx="minor">
-              <a:schemeClr val="lt1"/>
-            </a:fontRef>
-          </p:style>
-          <p:txBody>
-            <a:bodyPr rtlCol="0" anchor="ctr"/>
-            <a:lstStyle/>
-            <a:p>
-              <a:pPr algn="ctr"/>
-              <a:endParaRPr lang="zh-CN" altLang="en-US" sz="1801" dirty="0"/>
-            </a:p>
-          </p:txBody>
-        </p:sp>
-        <p:sp>
-          <p:nvSpPr>
-            <p:cNvPr id="131" name="矩形 130">
-              <a:extLst>
-                <a:ext uri="{FF2B5EF4-FFF2-40B4-BE49-F238E27FC236}">
-                  <a16:creationId xmlns:a16="http://schemas.microsoft.com/office/drawing/2014/main" id="{B40FA8D0-173C-560F-7CF4-BD45070C6A2D}"/>
-                </a:ext>
-              </a:extLst>
-            </p:cNvPr>
-            <p:cNvSpPr/>
-            <p:nvPr/>
-          </p:nvSpPr>
-          <p:spPr>
-            <a:xfrm>
-              <a:off x="2584174" y="2500029"/>
-              <a:ext cx="185530" cy="185531"/>
-            </a:xfrm>
-            <a:prstGeom prst="rect">
-              <a:avLst/>
-            </a:prstGeom>
-            <a:grpFill/>
-          </p:spPr>
-          <p:style>
-            <a:lnRef idx="2">
-              <a:schemeClr val="accent4">
-                <a:shade val="15000"/>
-              </a:schemeClr>
-            </a:lnRef>
-            <a:fillRef idx="1">
-              <a:schemeClr val="accent4"/>
-            </a:fillRef>
-            <a:effectRef idx="0">
-              <a:schemeClr val="accent4"/>
-            </a:effectRef>
-            <a:fontRef idx="minor">
-              <a:schemeClr val="lt1"/>
-            </a:fontRef>
-          </p:style>
-          <p:txBody>
-            <a:bodyPr rtlCol="0" anchor="ctr"/>
-            <a:lstStyle/>
-            <a:p>
-              <a:pPr algn="ctr"/>
-              <a:endParaRPr lang="zh-CN" altLang="en-US" sz="1801" dirty="0"/>
-            </a:p>
-          </p:txBody>
-        </p:sp>
-        <p:sp>
-          <p:nvSpPr>
-            <p:cNvPr id="132" name="矩形 131">
-              <a:extLst>
-                <a:ext uri="{FF2B5EF4-FFF2-40B4-BE49-F238E27FC236}">
-                  <a16:creationId xmlns:a16="http://schemas.microsoft.com/office/drawing/2014/main" id="{29FD966B-B5FB-5D78-133D-86709DBBFC85}"/>
-                </a:ext>
-              </a:extLst>
-            </p:cNvPr>
-            <p:cNvSpPr/>
-            <p:nvPr/>
-          </p:nvSpPr>
-          <p:spPr>
-            <a:xfrm>
-              <a:off x="2584174" y="2689200"/>
-              <a:ext cx="185530" cy="185531"/>
-            </a:xfrm>
-            <a:prstGeom prst="rect">
-              <a:avLst/>
-            </a:prstGeom>
-            <a:grpFill/>
-          </p:spPr>
-          <p:style>
-            <a:lnRef idx="2">
-              <a:schemeClr val="accent4">
-                <a:shade val="15000"/>
-              </a:schemeClr>
-            </a:lnRef>
-            <a:fillRef idx="1">
-              <a:schemeClr val="accent4"/>
-            </a:fillRef>
-            <a:effectRef idx="0">
-              <a:schemeClr val="accent4"/>
-            </a:effectRef>
-            <a:fontRef idx="minor">
-              <a:schemeClr val="lt1"/>
-            </a:fontRef>
-          </p:style>
-          <p:txBody>
-            <a:bodyPr rtlCol="0" anchor="ctr"/>
-            <a:lstStyle/>
-            <a:p>
-              <a:pPr algn="ctr"/>
-              <a:endParaRPr lang="zh-CN" altLang="en-US" sz="1801" dirty="0"/>
-            </a:p>
-          </p:txBody>
-        </p:sp>
-        <p:sp>
-          <p:nvSpPr>
-            <p:cNvPr id="133" name="矩形 132">
-              <a:extLst>
-                <a:ext uri="{FF2B5EF4-FFF2-40B4-BE49-F238E27FC236}">
-                  <a16:creationId xmlns:a16="http://schemas.microsoft.com/office/drawing/2014/main" id="{6D97F3F3-EF64-F8EE-F834-A618A49FE2F6}"/>
-                </a:ext>
-              </a:extLst>
-            </p:cNvPr>
-            <p:cNvSpPr/>
-            <p:nvPr/>
-          </p:nvSpPr>
-          <p:spPr>
-            <a:xfrm>
-              <a:off x="2584174" y="2876400"/>
-              <a:ext cx="185530" cy="185531"/>
-            </a:xfrm>
-            <a:prstGeom prst="rect">
-              <a:avLst/>
-            </a:prstGeom>
-            <a:grpFill/>
-          </p:spPr>
-          <p:style>
-            <a:lnRef idx="2">
-              <a:schemeClr val="accent4">
-                <a:shade val="15000"/>
-              </a:schemeClr>
-            </a:lnRef>
-            <a:fillRef idx="1">
-              <a:schemeClr val="accent4"/>
-            </a:fillRef>
-            <a:effectRef idx="0">
-              <a:schemeClr val="accent4"/>
-            </a:effectRef>
-            <a:fontRef idx="minor">
-              <a:schemeClr val="lt1"/>
-            </a:fontRef>
-          </p:style>
-          <p:txBody>
-            <a:bodyPr rtlCol="0" anchor="ctr"/>
-            <a:lstStyle/>
-            <a:p>
-              <a:pPr algn="ctr"/>
-              <a:endParaRPr lang="zh-CN" altLang="en-US" sz="1801" dirty="0"/>
-            </a:p>
-          </p:txBody>
-        </p:sp>
-        <p:sp>
-          <p:nvSpPr>
-            <p:cNvPr id="134" name="矩形 133">
-              <a:extLst>
-                <a:ext uri="{FF2B5EF4-FFF2-40B4-BE49-F238E27FC236}">
-                  <a16:creationId xmlns:a16="http://schemas.microsoft.com/office/drawing/2014/main" id="{5D1010C5-C6D7-7520-14FC-158067B52D6A}"/>
-                </a:ext>
-              </a:extLst>
-            </p:cNvPr>
-            <p:cNvSpPr/>
-            <p:nvPr/>
-          </p:nvSpPr>
-          <p:spPr>
-            <a:xfrm>
-              <a:off x="2584174" y="3061931"/>
-              <a:ext cx="185530" cy="185531"/>
-            </a:xfrm>
-            <a:prstGeom prst="rect">
-              <a:avLst/>
-            </a:prstGeom>
-            <a:grpFill/>
-          </p:spPr>
-          <p:style>
-            <a:lnRef idx="2">
-              <a:schemeClr val="accent4">
-                <a:shade val="15000"/>
-              </a:schemeClr>
-            </a:lnRef>
-            <a:fillRef idx="1">
-              <a:schemeClr val="accent4"/>
-            </a:fillRef>
-            <a:effectRef idx="0">
-              <a:schemeClr val="accent4"/>
-            </a:effectRef>
-            <a:fontRef idx="minor">
-              <a:schemeClr val="lt1"/>
-            </a:fontRef>
-          </p:style>
-          <p:txBody>
-            <a:bodyPr rtlCol="0" anchor="ctr"/>
-            <a:lstStyle/>
-            <a:p>
-              <a:pPr algn="ctr"/>
-              <a:endParaRPr lang="zh-CN" altLang="en-US" sz="1801" dirty="0"/>
-            </a:p>
-          </p:txBody>
-        </p:sp>
-        <p:sp>
-          <p:nvSpPr>
-            <p:cNvPr id="135" name="矩形 134">
-              <a:extLst>
-                <a:ext uri="{FF2B5EF4-FFF2-40B4-BE49-F238E27FC236}">
-                  <a16:creationId xmlns:a16="http://schemas.microsoft.com/office/drawing/2014/main" id="{08563E4A-5BDC-533C-A75D-8B3A3ED822B4}"/>
-                </a:ext>
-              </a:extLst>
-            </p:cNvPr>
-            <p:cNvSpPr/>
-            <p:nvPr/>
-          </p:nvSpPr>
-          <p:spPr>
-            <a:xfrm>
-              <a:off x="2584174" y="3243469"/>
-              <a:ext cx="185530" cy="185531"/>
-            </a:xfrm>
-            <a:prstGeom prst="rect">
-              <a:avLst/>
-            </a:prstGeom>
-            <a:grpFill/>
-          </p:spPr>
-          <p:style>
-            <a:lnRef idx="2">
-              <a:schemeClr val="accent4">
-                <a:shade val="15000"/>
-              </a:schemeClr>
-            </a:lnRef>
-            <a:fillRef idx="1">
-              <a:schemeClr val="accent4"/>
-            </a:fillRef>
-            <a:effectRef idx="0">
-              <a:schemeClr val="accent4"/>
-            </a:effectRef>
-            <a:fontRef idx="minor">
-              <a:schemeClr val="lt1"/>
-            </a:fontRef>
-          </p:style>
-          <p:txBody>
-            <a:bodyPr rtlCol="0" anchor="ctr"/>
-            <a:lstStyle/>
-            <a:p>
-              <a:pPr algn="ctr"/>
-              <a:endParaRPr lang="zh-CN" altLang="en-US" sz="1801" dirty="0"/>
-            </a:p>
-          </p:txBody>
-        </p:sp>
-        <p:sp>
-          <p:nvSpPr>
-            <p:cNvPr id="136" name="矩形 135">
-              <a:extLst>
-                <a:ext uri="{FF2B5EF4-FFF2-40B4-BE49-F238E27FC236}">
-                  <a16:creationId xmlns:a16="http://schemas.microsoft.com/office/drawing/2014/main" id="{4D71F75A-E562-44F2-B82A-85A59F1B945E}"/>
-                </a:ext>
-              </a:extLst>
-            </p:cNvPr>
-            <p:cNvSpPr/>
-            <p:nvPr/>
-          </p:nvSpPr>
-          <p:spPr>
-            <a:xfrm>
-              <a:off x="2584174" y="3425007"/>
-              <a:ext cx="185530" cy="185531"/>
-            </a:xfrm>
-            <a:prstGeom prst="rect">
-              <a:avLst/>
-            </a:prstGeom>
-            <a:grpFill/>
-          </p:spPr>
-          <p:style>
-            <a:lnRef idx="2">
-              <a:schemeClr val="accent4">
-                <a:shade val="15000"/>
-              </a:schemeClr>
-            </a:lnRef>
-            <a:fillRef idx="1">
-              <a:schemeClr val="accent4"/>
-            </a:fillRef>
-            <a:effectRef idx="0">
-              <a:schemeClr val="accent4"/>
-            </a:effectRef>
-            <a:fontRef idx="minor">
-              <a:schemeClr val="lt1"/>
-            </a:fontRef>
-          </p:style>
-          <p:txBody>
-            <a:bodyPr rtlCol="0" anchor="ctr"/>
-            <a:lstStyle/>
-            <a:p>
-              <a:pPr algn="ctr"/>
-              <a:endParaRPr lang="zh-CN" altLang="en-US" sz="1801" dirty="0"/>
-            </a:p>
-          </p:txBody>
-        </p:sp>
-      </p:grpSp>
-      <mc:AlternateContent xmlns:mc="http://schemas.openxmlformats.org/markup-compatibility/2006">
-        <mc:Choice xmlns:a14="http://schemas.microsoft.com/office/drawing/2010/main" Requires="a14">
           <p:sp>
             <p:nvSpPr>
-              <p:cNvPr id="137" name="文本框 136">
+              <p:cNvPr id="133" name="矩形 132">
                 <a:extLst>
                   <a:ext uri="{FF2B5EF4-FFF2-40B4-BE49-F238E27FC236}">
-                    <a16:creationId xmlns:a16="http://schemas.microsoft.com/office/drawing/2014/main" id="{A49EE691-1CA6-2B95-62C2-EFEFA53ECF92}"/>
+                    <a16:creationId xmlns:a16="http://schemas.microsoft.com/office/drawing/2014/main" id="{6D97F3F3-EF64-F8EE-F834-A618A49FE2F6}"/>
                   </a:ext>
                 </a:extLst>
               </p:cNvPr>
-              <p:cNvSpPr txBox="1"/>
+              <p:cNvSpPr/>
               <p:nvPr/>
             </p:nvSpPr>
             <p:spPr>
               <a:xfrm>
-                <a:off x="2406199" y="2226416"/>
-                <a:ext cx="566885" cy="232949"/>
+                <a:off x="2584174" y="2876400"/>
+                <a:ext cx="185530" cy="185531"/>
               </a:xfrm>
               <a:prstGeom prst="rect">
                 <a:avLst/>
               </a:prstGeom>
-              <a:noFill/>
+              <a:grpFill/>
             </p:spPr>
+            <p:style>
+              <a:lnRef idx="2">
+                <a:schemeClr val="accent4">
+                  <a:shade val="15000"/>
+                </a:schemeClr>
+              </a:lnRef>
+              <a:fillRef idx="1">
+                <a:schemeClr val="accent4"/>
+              </a:fillRef>
+              <a:effectRef idx="0">
+                <a:schemeClr val="accent4"/>
+              </a:effectRef>
+              <a:fontRef idx="minor">
+                <a:schemeClr val="lt1"/>
+              </a:fontRef>
+            </p:style>
             <p:txBody>
-              <a:bodyPr wrap="none" lIns="0" tIns="0" rIns="0" bIns="0" rtlCol="0">
-                <a:spAutoFit/>
-              </a:bodyPr>
+              <a:bodyPr rtlCol="0" anchor="ctr"/>
               <a:lstStyle/>
               <a:p>
-                <a14:m>
-                  <m:oMathPara xmlns:m="http://schemas.openxmlformats.org/officeDocument/2006/math">
-                    <m:oMathParaPr>
-                      <m:jc m:val="centerGroup"/>
-                    </m:oMathParaPr>
-                    <m:oMath xmlns:m="http://schemas.openxmlformats.org/officeDocument/2006/math">
-                      <m:sSub>
-                        <m:sSubPr>
-                          <m:ctrlPr>
-                            <a:rPr lang="en-US" altLang="zh-CN" sz="1401" i="1">
-                              <a:latin typeface="Cambria Math" panose="02040503050406030204" pitchFamily="18" charset="0"/>
-                            </a:rPr>
-                          </m:ctrlPr>
-                        </m:sSubPr>
-                        <m:e>
-                          <m:r>
-                            <a:rPr lang="en-US" altLang="zh-CN" sz="1401" b="1" i="1">
-                              <a:latin typeface="Cambria Math" panose="02040503050406030204" pitchFamily="18" charset="0"/>
-                            </a:rPr>
-                            <m:t>𝒓</m:t>
-                          </m:r>
-                        </m:e>
-                        <m:sub>
-                          <m:r>
-                            <a:rPr lang="en-US" altLang="zh-CN" sz="1401" i="1">
-                              <a:latin typeface="Cambria Math" panose="02040503050406030204" pitchFamily="18" charset="0"/>
-                            </a:rPr>
-                            <m:t>𝑔𝑙𝑜𝑏𝑎𝑙</m:t>
-                          </m:r>
-                        </m:sub>
-                      </m:sSub>
-                    </m:oMath>
-                  </m:oMathPara>
-                </a14:m>
-                <a:endParaRPr lang="zh-CN" altLang="en-US" sz="1401" dirty="0"/>
+                <a:pPr algn="ctr"/>
+                <a:endParaRPr lang="zh-CN" altLang="en-US" sz="1801" dirty="0"/>
               </a:p>
             </p:txBody>
           </p:sp>
-        </mc:Choice>
-        <mc:Fallback>
           <p:sp>
             <p:nvSpPr>
-              <p:cNvPr id="137" name="文本框 136">
+              <p:cNvPr id="134" name="矩形 133">
                 <a:extLst>
                   <a:ext uri="{FF2B5EF4-FFF2-40B4-BE49-F238E27FC236}">
-                    <a16:creationId xmlns:a16="http://schemas.microsoft.com/office/drawing/2014/main" id="{A49EE691-1CA6-2B95-62C2-EFEFA53ECF92}"/>
+                    <a16:creationId xmlns:a16="http://schemas.microsoft.com/office/drawing/2014/main" id="{5D1010C5-C6D7-7520-14FC-158067B52D6A}"/>
                   </a:ext>
                 </a:extLst>
               </p:cNvPr>
-              <p:cNvSpPr txBox="1">
-                <a:spLocks noRot="1" noChangeAspect="1" noMove="1" noResize="1" noEditPoints="1" noAdjustHandles="1" noChangeArrowheads="1" noChangeShapeType="1" noTextEdit="1"/>
-              </p:cNvSpPr>
+              <p:cNvSpPr/>
               <p:nvPr/>
             </p:nvSpPr>
             <p:spPr>
               <a:xfrm>
-                <a:off x="2406199" y="2226416"/>
-                <a:ext cx="566885" cy="232949"/>
+                <a:off x="2584174" y="3061931"/>
+                <a:ext cx="185530" cy="185531"/>
               </a:xfrm>
               <a:prstGeom prst="rect">
                 <a:avLst/>
               </a:prstGeom>
-              <a:blipFill>
-                <a:blip r:embed="rId4"/>
-                <a:stretch>
-                  <a:fillRect l="-4301" r="-2151" b="-26316"/>
-                </a:stretch>
-              </a:blipFill>
+              <a:grpFill/>
             </p:spPr>
+            <p:style>
+              <a:lnRef idx="2">
+                <a:schemeClr val="accent4">
+                  <a:shade val="15000"/>
+                </a:schemeClr>
+              </a:lnRef>
+              <a:fillRef idx="1">
+                <a:schemeClr val="accent4"/>
+              </a:fillRef>
+              <a:effectRef idx="0">
+                <a:schemeClr val="accent4"/>
+              </a:effectRef>
+              <a:fontRef idx="minor">
+                <a:schemeClr val="lt1"/>
+              </a:fontRef>
+            </p:style>
             <p:txBody>
-              <a:bodyPr/>
+              <a:bodyPr rtlCol="0" anchor="ctr"/>
               <a:lstStyle/>
               <a:p>
-                <a:r>
-                  <a:rPr lang="zh-CN" altLang="en-US">
-                    <a:noFill/>
-                  </a:rPr>
-                  <a:t> </a:t>
-                </a:r>
+                <a:pPr algn="ctr"/>
+                <a:endParaRPr lang="zh-CN" altLang="en-US" sz="1801" dirty="0"/>
               </a:p>
             </p:txBody>
           </p:sp>
-        </mc:Fallback>
-      </mc:AlternateContent>
-      <p:cxnSp>
-        <p:nvCxnSpPr>
-          <p:cNvPr id="138" name="直接箭头连接符 137">
-            <a:extLst>
-              <a:ext uri="{FF2B5EF4-FFF2-40B4-BE49-F238E27FC236}">
-                <a16:creationId xmlns:a16="http://schemas.microsoft.com/office/drawing/2014/main" id="{BC84C93C-8B1C-6CA2-69DB-215EA6761A6A}"/>
-              </a:ext>
-            </a:extLst>
-          </p:cNvPr>
-          <p:cNvCxnSpPr>
-            <a:cxnSpLocks/>
-          </p:cNvCxnSpPr>
-          <p:nvPr/>
-        </p:nvCxnSpPr>
-        <p:spPr>
-          <a:xfrm>
-            <a:off x="7700969" y="2425177"/>
-            <a:ext cx="0" cy="134772"/>
-          </a:xfrm>
-          <a:prstGeom prst="straightConnector1">
-            <a:avLst/>
-          </a:prstGeom>
-          <a:ln w="19050">
-            <a:solidFill>
-              <a:schemeClr val="tx1"/>
-            </a:solidFill>
-            <a:tailEnd type="triangle"/>
-          </a:ln>
-        </p:spPr>
-        <p:style>
-          <a:lnRef idx="1">
-            <a:schemeClr val="accent1"/>
-          </a:lnRef>
-          <a:fillRef idx="0">
-            <a:schemeClr val="accent1"/>
-          </a:fillRef>
-          <a:effectRef idx="0">
-            <a:schemeClr val="accent1"/>
-          </a:effectRef>
-          <a:fontRef idx="minor">
-            <a:schemeClr val="tx1"/>
-          </a:fontRef>
-        </p:style>
-      </p:cxnSp>
-      <mc:AlternateContent xmlns:mc="http://schemas.openxmlformats.org/markup-compatibility/2006">
-        <mc:Choice xmlns:a14="http://schemas.microsoft.com/office/drawing/2010/main" Requires="a14">
           <p:sp>
             <p:nvSpPr>
-              <p:cNvPr id="140" name="文本框 139">
+              <p:cNvPr id="135" name="矩形 134">
                 <a:extLst>
                   <a:ext uri="{FF2B5EF4-FFF2-40B4-BE49-F238E27FC236}">
-                    <a16:creationId xmlns:a16="http://schemas.microsoft.com/office/drawing/2014/main" id="{880C9181-85E2-CFB1-8083-D80E10BE6F3C}"/>
+                    <a16:creationId xmlns:a16="http://schemas.microsoft.com/office/drawing/2014/main" id="{08563E4A-5BDC-533C-A75D-8B3A3ED822B4}"/>
                   </a:ext>
                 </a:extLst>
               </p:cNvPr>
-              <p:cNvSpPr txBox="1"/>
+              <p:cNvSpPr/>
               <p:nvPr/>
             </p:nvSpPr>
             <p:spPr>
               <a:xfrm>
-                <a:off x="7535831" y="2670803"/>
-                <a:ext cx="330283" cy="246221"/>
+                <a:off x="2584174" y="3243469"/>
+                <a:ext cx="185530" cy="185531"/>
               </a:xfrm>
               <a:prstGeom prst="rect">
                 <a:avLst/>
               </a:prstGeom>
-              <a:noFill/>
+              <a:grpFill/>
             </p:spPr>
+            <p:style>
+              <a:lnRef idx="2">
+                <a:schemeClr val="accent4">
+                  <a:shade val="15000"/>
+                </a:schemeClr>
+              </a:lnRef>
+              <a:fillRef idx="1">
+                <a:schemeClr val="accent4"/>
+              </a:fillRef>
+              <a:effectRef idx="0">
+                <a:schemeClr val="accent4"/>
+              </a:effectRef>
+              <a:fontRef idx="minor">
+                <a:schemeClr val="lt1"/>
+              </a:fontRef>
+            </p:style>
             <p:txBody>
-              <a:bodyPr wrap="none" lIns="0" tIns="0" rIns="0" bIns="0" rtlCol="0">
-                <a:spAutoFit/>
-              </a:bodyPr>
+              <a:bodyPr rtlCol="0" anchor="ctr"/>
               <a:lstStyle/>
               <a:p>
-                <a14:m>
-                  <m:oMathPara xmlns:m="http://schemas.openxmlformats.org/officeDocument/2006/math">
-                    <m:oMathParaPr>
-                      <m:jc m:val="centerGroup"/>
-                    </m:oMathParaPr>
-                    <m:oMath xmlns:m="http://schemas.openxmlformats.org/officeDocument/2006/math">
-                      <m:sSub>
-                        <m:sSubPr>
-                          <m:ctrlPr>
-                            <a:rPr lang="en-US" altLang="zh-CN" sz="1600" i="1">
-                              <a:latin typeface="Cambria Math" panose="02040503050406030204" pitchFamily="18" charset="0"/>
-                            </a:rPr>
-                          </m:ctrlPr>
-                        </m:sSubPr>
-                        <m:e>
-                          <m:r>
-                            <a:rPr lang="en-US" altLang="zh-CN" sz="1600" b="1">
-                              <a:latin typeface="Cambria Math" panose="02040503050406030204" pitchFamily="18" charset="0"/>
-                            </a:rPr>
-                            <m:t>𝐖</m:t>
-                          </m:r>
-                        </m:e>
-                        <m:sub>
-                          <m:r>
-                            <a:rPr lang="en-US" altLang="zh-CN" sz="1600" i="1">
-                              <a:latin typeface="Cambria Math" panose="02040503050406030204" pitchFamily="18" charset="0"/>
-                            </a:rPr>
-                            <m:t>𝑟</m:t>
-                          </m:r>
-                        </m:sub>
-                      </m:sSub>
-                    </m:oMath>
-                  </m:oMathPara>
-                </a14:m>
-                <a:endParaRPr lang="zh-CN" altLang="en-US" sz="1401" dirty="0"/>
+                <a:pPr algn="ctr"/>
+                <a:endParaRPr lang="zh-CN" altLang="en-US" sz="1801" dirty="0"/>
               </a:p>
             </p:txBody>
           </p:sp>
-        </mc:Choice>
-        <mc:Fallback>
           <p:sp>
             <p:nvSpPr>
-              <p:cNvPr id="140" name="文本框 139">
+              <p:cNvPr id="136" name="矩形 135">
                 <a:extLst>
                   <a:ext uri="{FF2B5EF4-FFF2-40B4-BE49-F238E27FC236}">
-                    <a16:creationId xmlns:a16="http://schemas.microsoft.com/office/drawing/2014/main" id="{880C9181-85E2-CFB1-8083-D80E10BE6F3C}"/>
+                    <a16:creationId xmlns:a16="http://schemas.microsoft.com/office/drawing/2014/main" id="{4D71F75A-E562-44F2-B82A-85A59F1B945E}"/>
                   </a:ext>
                 </a:extLst>
               </p:cNvPr>
-              <p:cNvSpPr txBox="1">
-                <a:spLocks noRot="1" noChangeAspect="1" noMove="1" noResize="1" noEditPoints="1" noAdjustHandles="1" noChangeArrowheads="1" noChangeShapeType="1" noTextEdit="1"/>
-              </p:cNvSpPr>
+              <p:cNvSpPr/>
               <p:nvPr/>
             </p:nvSpPr>
             <p:spPr>
               <a:xfrm>
-                <a:off x="7535831" y="2670803"/>
-                <a:ext cx="330283" cy="246221"/>
+                <a:off x="2584174" y="3425007"/>
+                <a:ext cx="185530" cy="185531"/>
               </a:xfrm>
               <a:prstGeom prst="rect">
                 <a:avLst/>
               </a:prstGeom>
-              <a:blipFill>
-                <a:blip r:embed="rId5"/>
-                <a:stretch>
-                  <a:fillRect l="-11111" b="-9756"/>
-                </a:stretch>
-              </a:blipFill>
+              <a:grpFill/>
             </p:spPr>
+            <p:style>
+              <a:lnRef idx="2">
+                <a:schemeClr val="accent4">
+                  <a:shade val="15000"/>
+                </a:schemeClr>
+              </a:lnRef>
+              <a:fillRef idx="1">
+                <a:schemeClr val="accent4"/>
+              </a:fillRef>
+              <a:effectRef idx="0">
+                <a:schemeClr val="accent4"/>
+              </a:effectRef>
+              <a:fontRef idx="minor">
+                <a:schemeClr val="lt1"/>
+              </a:fontRef>
+            </p:style>
             <p:txBody>
-              <a:bodyPr/>
+              <a:bodyPr rtlCol="0" anchor="ctr"/>
               <a:lstStyle/>
               <a:p>
-                <a:r>
-                  <a:rPr lang="zh-CN" altLang="en-US">
-                    <a:noFill/>
-                  </a:rPr>
-                  <a:t> </a:t>
-                </a:r>
+                <a:pPr algn="ctr"/>
+                <a:endParaRPr lang="zh-CN" altLang="en-US" sz="1801" dirty="0"/>
               </a:p>
             </p:txBody>
           </p:sp>
-        </mc:Fallback>
-      </mc:AlternateContent>
-      <mc:AlternateContent xmlns:mc="http://schemas.openxmlformats.org/markup-compatibility/2006">
-        <mc:Choice xmlns:a14="http://schemas.microsoft.com/office/drawing/2010/main" Requires="a14">
+        </p:grpSp>
+        <mc:AlternateContent xmlns:mc="http://schemas.openxmlformats.org/markup-compatibility/2006">
+          <mc:Choice xmlns:a14="http://schemas.microsoft.com/office/drawing/2010/main" Requires="a14">
+            <p:sp>
+              <p:nvSpPr>
+                <p:cNvPr id="137" name="文本框 136">
+                  <a:extLst>
+                    <a:ext uri="{FF2B5EF4-FFF2-40B4-BE49-F238E27FC236}">
+                      <a16:creationId xmlns:a16="http://schemas.microsoft.com/office/drawing/2014/main" id="{A49EE691-1CA6-2B95-62C2-EFEFA53ECF92}"/>
+                    </a:ext>
+                  </a:extLst>
+                </p:cNvPr>
+                <p:cNvSpPr txBox="1"/>
+                <p:nvPr/>
+              </p:nvSpPr>
+              <p:spPr>
+                <a:xfrm>
+                  <a:off x="2406199" y="2226416"/>
+                  <a:ext cx="566885" cy="232949"/>
+                </a:xfrm>
+                <a:prstGeom prst="rect">
+                  <a:avLst/>
+                </a:prstGeom>
+                <a:noFill/>
+              </p:spPr>
+              <p:txBody>
+                <a:bodyPr wrap="none" lIns="0" tIns="0" rIns="0" bIns="0" rtlCol="0">
+                  <a:spAutoFit/>
+                </a:bodyPr>
+                <a:lstStyle/>
+                <a:p>
+                  <a:pPr/>
+                  <a14:m>
+                    <m:oMathPara xmlns:m="http://schemas.openxmlformats.org/officeDocument/2006/math">
+                      <m:oMathParaPr>
+                        <m:jc m:val="centerGroup"/>
+                      </m:oMathParaPr>
+                      <m:oMath xmlns:m="http://schemas.openxmlformats.org/officeDocument/2006/math">
+                        <m:sSub>
+                          <m:sSubPr>
+                            <m:ctrlPr>
+                              <a:rPr lang="en-US" altLang="zh-CN" sz="1401" i="1">
+                                <a:latin typeface="Cambria Math" panose="02040503050406030204" pitchFamily="18" charset="0"/>
+                              </a:rPr>
+                            </m:ctrlPr>
+                          </m:sSubPr>
+                          <m:e>
+                            <m:r>
+                              <a:rPr lang="en-US" altLang="zh-CN" sz="1401" b="1" i="1">
+                                <a:latin typeface="Cambria Math" panose="02040503050406030204" pitchFamily="18" charset="0"/>
+                              </a:rPr>
+                              <m:t>𝒓</m:t>
+                            </m:r>
+                          </m:e>
+                          <m:sub>
+                            <m:r>
+                              <a:rPr lang="en-US" altLang="zh-CN" sz="1401" i="1">
+                                <a:latin typeface="Cambria Math" panose="02040503050406030204" pitchFamily="18" charset="0"/>
+                              </a:rPr>
+                              <m:t>𝑔𝑙𝑜𝑏𝑎𝑙</m:t>
+                            </m:r>
+                          </m:sub>
+                        </m:sSub>
+                      </m:oMath>
+                    </m:oMathPara>
+                  </a14:m>
+                  <a:endParaRPr lang="zh-CN" altLang="en-US" sz="1401" dirty="0"/>
+                </a:p>
+              </p:txBody>
+            </p:sp>
+          </mc:Choice>
+          <mc:Fallback>
+            <p:sp>
+              <p:nvSpPr>
+                <p:cNvPr id="137" name="文本框 136">
+                  <a:extLst>
+                    <a:ext uri="{FF2B5EF4-FFF2-40B4-BE49-F238E27FC236}">
+                      <a16:creationId xmlns:a16="http://schemas.microsoft.com/office/drawing/2014/main" id="{A49EE691-1CA6-2B95-62C2-EFEFA53ECF92}"/>
+                    </a:ext>
+                  </a:extLst>
+                </p:cNvPr>
+                <p:cNvSpPr txBox="1">
+                  <a:spLocks noRot="1" noChangeAspect="1" noMove="1" noResize="1" noEditPoints="1" noAdjustHandles="1" noChangeArrowheads="1" noChangeShapeType="1" noTextEdit="1"/>
+                </p:cNvSpPr>
+                <p:nvPr/>
+              </p:nvSpPr>
+              <p:spPr>
+                <a:xfrm>
+                  <a:off x="2406199" y="2226416"/>
+                  <a:ext cx="566885" cy="232949"/>
+                </a:xfrm>
+                <a:prstGeom prst="rect">
+                  <a:avLst/>
+                </a:prstGeom>
+                <a:blipFill>
+                  <a:blip r:embed="rId4"/>
+                  <a:stretch>
+                    <a:fillRect l="-4348" r="-2174" b="-20000"/>
+                  </a:stretch>
+                </a:blipFill>
+              </p:spPr>
+              <p:txBody>
+                <a:bodyPr/>
+                <a:lstStyle/>
+                <a:p>
+                  <a:r>
+                    <a:rPr lang="zh-CN" altLang="en-US">
+                      <a:noFill/>
+                    </a:rPr>
+                    <a:t> </a:t>
+                  </a:r>
+                </a:p>
+              </p:txBody>
+            </p:sp>
+          </mc:Fallback>
+        </mc:AlternateContent>
+        <p:cxnSp>
+          <p:nvCxnSpPr>
+            <p:cNvPr id="138" name="直接箭头连接符 137">
+              <a:extLst>
+                <a:ext uri="{FF2B5EF4-FFF2-40B4-BE49-F238E27FC236}">
+                  <a16:creationId xmlns:a16="http://schemas.microsoft.com/office/drawing/2014/main" id="{BC84C93C-8B1C-6CA2-69DB-215EA6761A6A}"/>
+                </a:ext>
+              </a:extLst>
+            </p:cNvPr>
+            <p:cNvCxnSpPr>
+              <a:cxnSpLocks/>
+            </p:cNvCxnSpPr>
+            <p:nvPr/>
+          </p:nvCxnSpPr>
+          <p:spPr>
+            <a:xfrm>
+              <a:off x="7700969" y="2425177"/>
+              <a:ext cx="0" cy="134772"/>
+            </a:xfrm>
+            <a:prstGeom prst="straightConnector1">
+              <a:avLst/>
+            </a:prstGeom>
+            <a:ln w="19050">
+              <a:solidFill>
+                <a:schemeClr val="tx1"/>
+              </a:solidFill>
+              <a:tailEnd type="triangle"/>
+            </a:ln>
+          </p:spPr>
+          <p:style>
+            <a:lnRef idx="1">
+              <a:schemeClr val="accent1"/>
+            </a:lnRef>
+            <a:fillRef idx="0">
+              <a:schemeClr val="accent1"/>
+            </a:fillRef>
+            <a:effectRef idx="0">
+              <a:schemeClr val="accent1"/>
+            </a:effectRef>
+            <a:fontRef idx="minor">
+              <a:schemeClr val="tx1"/>
+            </a:fontRef>
+          </p:style>
+        </p:cxnSp>
+        <mc:AlternateContent xmlns:mc="http://schemas.openxmlformats.org/markup-compatibility/2006">
+          <mc:Choice xmlns:a14="http://schemas.microsoft.com/office/drawing/2010/main" Requires="a14">
+            <p:sp>
+              <p:nvSpPr>
+                <p:cNvPr id="140" name="文本框 139">
+                  <a:extLst>
+                    <a:ext uri="{FF2B5EF4-FFF2-40B4-BE49-F238E27FC236}">
+                      <a16:creationId xmlns:a16="http://schemas.microsoft.com/office/drawing/2014/main" id="{880C9181-85E2-CFB1-8083-D80E10BE6F3C}"/>
+                    </a:ext>
+                  </a:extLst>
+                </p:cNvPr>
+                <p:cNvSpPr txBox="1"/>
+                <p:nvPr/>
+              </p:nvSpPr>
+              <p:spPr>
+                <a:xfrm>
+                  <a:off x="7535831" y="2670803"/>
+                  <a:ext cx="330283" cy="246221"/>
+                </a:xfrm>
+                <a:prstGeom prst="rect">
+                  <a:avLst/>
+                </a:prstGeom>
+                <a:noFill/>
+              </p:spPr>
+              <p:txBody>
+                <a:bodyPr wrap="none" lIns="0" tIns="0" rIns="0" bIns="0" rtlCol="0">
+                  <a:spAutoFit/>
+                </a:bodyPr>
+                <a:lstStyle/>
+                <a:p>
+                  <a:pPr/>
+                  <a14:m>
+                    <m:oMathPara xmlns:m="http://schemas.openxmlformats.org/officeDocument/2006/math">
+                      <m:oMathParaPr>
+                        <m:jc m:val="centerGroup"/>
+                      </m:oMathParaPr>
+                      <m:oMath xmlns:m="http://schemas.openxmlformats.org/officeDocument/2006/math">
+                        <m:sSub>
+                          <m:sSubPr>
+                            <m:ctrlPr>
+                              <a:rPr lang="en-US" altLang="zh-CN" sz="1600" i="1">
+                                <a:latin typeface="Cambria Math" panose="02040503050406030204" pitchFamily="18" charset="0"/>
+                              </a:rPr>
+                            </m:ctrlPr>
+                          </m:sSubPr>
+                          <m:e>
+                            <m:r>
+                              <a:rPr lang="en-US" altLang="zh-CN" sz="1600" b="1">
+                                <a:latin typeface="Cambria Math" panose="02040503050406030204" pitchFamily="18" charset="0"/>
+                              </a:rPr>
+                              <m:t>𝐖</m:t>
+                            </m:r>
+                          </m:e>
+                          <m:sub>
+                            <m:r>
+                              <a:rPr lang="en-US" altLang="zh-CN" sz="1600" i="1">
+                                <a:latin typeface="Cambria Math" panose="02040503050406030204" pitchFamily="18" charset="0"/>
+                              </a:rPr>
+                              <m:t>𝑟</m:t>
+                            </m:r>
+                          </m:sub>
+                        </m:sSub>
+                      </m:oMath>
+                    </m:oMathPara>
+                  </a14:m>
+                  <a:endParaRPr lang="zh-CN" altLang="en-US" sz="1401" dirty="0"/>
+                </a:p>
+              </p:txBody>
+            </p:sp>
+          </mc:Choice>
+          <mc:Fallback>
+            <p:sp>
+              <p:nvSpPr>
+                <p:cNvPr id="140" name="文本框 139">
+                  <a:extLst>
+                    <a:ext uri="{FF2B5EF4-FFF2-40B4-BE49-F238E27FC236}">
+                      <a16:creationId xmlns:a16="http://schemas.microsoft.com/office/drawing/2014/main" id="{880C9181-85E2-CFB1-8083-D80E10BE6F3C}"/>
+                    </a:ext>
+                  </a:extLst>
+                </p:cNvPr>
+                <p:cNvSpPr txBox="1">
+                  <a:spLocks noRot="1" noChangeAspect="1" noMove="1" noResize="1" noEditPoints="1" noAdjustHandles="1" noChangeArrowheads="1" noChangeShapeType="1" noTextEdit="1"/>
+                </p:cNvSpPr>
+                <p:nvPr/>
+              </p:nvSpPr>
+              <p:spPr>
+                <a:xfrm>
+                  <a:off x="7535831" y="2670803"/>
+                  <a:ext cx="330283" cy="246221"/>
+                </a:xfrm>
+                <a:prstGeom prst="rect">
+                  <a:avLst/>
+                </a:prstGeom>
+                <a:blipFill>
+                  <a:blip r:embed="rId5"/>
+                  <a:stretch>
+                    <a:fillRect l="-11111" b="-9524"/>
+                  </a:stretch>
+                </a:blipFill>
+              </p:spPr>
+              <p:txBody>
+                <a:bodyPr/>
+                <a:lstStyle/>
+                <a:p>
+                  <a:r>
+                    <a:rPr lang="zh-CN" altLang="en-US">
+                      <a:noFill/>
+                    </a:rPr>
+                    <a:t> </a:t>
+                  </a:r>
+                </a:p>
+              </p:txBody>
+            </p:sp>
+          </mc:Fallback>
+        </mc:AlternateContent>
+        <mc:AlternateContent xmlns:mc="http://schemas.openxmlformats.org/markup-compatibility/2006">
+          <mc:Choice xmlns:a14="http://schemas.microsoft.com/office/drawing/2010/main" Requires="a14">
+            <p:sp>
+              <p:nvSpPr>
+                <p:cNvPr id="141" name="文本框 140">
+                  <a:extLst>
+                    <a:ext uri="{FF2B5EF4-FFF2-40B4-BE49-F238E27FC236}">
+                      <a16:creationId xmlns:a16="http://schemas.microsoft.com/office/drawing/2014/main" id="{991BAC6D-AF2C-20AE-E511-DFF0177C6260}"/>
+                    </a:ext>
+                  </a:extLst>
+                </p:cNvPr>
+                <p:cNvSpPr txBox="1"/>
+                <p:nvPr/>
+              </p:nvSpPr>
+              <p:spPr>
+                <a:xfrm>
+                  <a:off x="5570090" y="2647439"/>
+                  <a:ext cx="288990" cy="246221"/>
+                </a:xfrm>
+                <a:prstGeom prst="rect">
+                  <a:avLst/>
+                </a:prstGeom>
+                <a:noFill/>
+              </p:spPr>
+              <p:txBody>
+                <a:bodyPr wrap="none" lIns="0" tIns="0" rIns="0" bIns="0" rtlCol="0">
+                  <a:spAutoFit/>
+                </a:bodyPr>
+                <a:lstStyle/>
+                <a:p>
+                  <a:pPr/>
+                  <a14:m>
+                    <m:oMathPara xmlns:m="http://schemas.openxmlformats.org/officeDocument/2006/math">
+                      <m:oMathParaPr>
+                        <m:jc m:val="centerGroup"/>
+                      </m:oMathParaPr>
+                      <m:oMath xmlns:m="http://schemas.openxmlformats.org/officeDocument/2006/math">
+                        <m:sSub>
+                          <m:sSubPr>
+                            <m:ctrlPr>
+                              <a:rPr lang="en-US" altLang="zh-CN" sz="1600" i="1">
+                                <a:latin typeface="Cambria Math" panose="02040503050406030204" pitchFamily="18" charset="0"/>
+                              </a:rPr>
+                            </m:ctrlPr>
+                          </m:sSubPr>
+                          <m:e>
+                            <m:r>
+                              <a:rPr lang="zh-CN" altLang="en-US" sz="1600" i="1">
+                                <a:latin typeface="Cambria Math" panose="02040503050406030204" pitchFamily="18" charset="0"/>
+                              </a:rPr>
+                              <m:t>𝜔</m:t>
+                            </m:r>
+                          </m:e>
+                          <m:sub>
+                            <m:r>
+                              <a:rPr lang="en-US" altLang="zh-CN" sz="1600" i="1">
+                                <a:latin typeface="Cambria Math" panose="02040503050406030204" pitchFamily="18" charset="0"/>
+                              </a:rPr>
+                              <m:t>𝑟</m:t>
+                            </m:r>
+                          </m:sub>
+                        </m:sSub>
+                      </m:oMath>
+                    </m:oMathPara>
+                  </a14:m>
+                  <a:endParaRPr lang="zh-CN" altLang="en-US" sz="1401" dirty="0"/>
+                </a:p>
+              </p:txBody>
+            </p:sp>
+          </mc:Choice>
+          <mc:Fallback>
+            <p:sp>
+              <p:nvSpPr>
+                <p:cNvPr id="141" name="文本框 140">
+                  <a:extLst>
+                    <a:ext uri="{FF2B5EF4-FFF2-40B4-BE49-F238E27FC236}">
+                      <a16:creationId xmlns:a16="http://schemas.microsoft.com/office/drawing/2014/main" id="{991BAC6D-AF2C-20AE-E511-DFF0177C6260}"/>
+                    </a:ext>
+                  </a:extLst>
+                </p:cNvPr>
+                <p:cNvSpPr txBox="1">
+                  <a:spLocks noRot="1" noChangeAspect="1" noMove="1" noResize="1" noEditPoints="1" noAdjustHandles="1" noChangeArrowheads="1" noChangeShapeType="1" noTextEdit="1"/>
+                </p:cNvSpPr>
+                <p:nvPr/>
+              </p:nvSpPr>
+              <p:spPr>
+                <a:xfrm>
+                  <a:off x="5570090" y="2647439"/>
+                  <a:ext cx="288990" cy="246221"/>
+                </a:xfrm>
+                <a:prstGeom prst="rect">
+                  <a:avLst/>
+                </a:prstGeom>
+                <a:blipFill>
+                  <a:blip r:embed="rId6"/>
+                  <a:stretch>
+                    <a:fillRect l="-8333" b="-9524"/>
+                  </a:stretch>
+                </a:blipFill>
+              </p:spPr>
+              <p:txBody>
+                <a:bodyPr/>
+                <a:lstStyle/>
+                <a:p>
+                  <a:r>
+                    <a:rPr lang="zh-CN" altLang="en-US">
+                      <a:noFill/>
+                    </a:rPr>
+                    <a:t> </a:t>
+                  </a:r>
+                </a:p>
+              </p:txBody>
+            </p:sp>
+          </mc:Fallback>
+        </mc:AlternateContent>
+        <p:cxnSp>
+          <p:nvCxnSpPr>
+            <p:cNvPr id="142" name="直接箭头连接符 141">
+              <a:extLst>
+                <a:ext uri="{FF2B5EF4-FFF2-40B4-BE49-F238E27FC236}">
+                  <a16:creationId xmlns:a16="http://schemas.microsoft.com/office/drawing/2014/main" id="{CC055006-8597-A8EE-4B20-8466043E13D1}"/>
+                </a:ext>
+              </a:extLst>
+            </p:cNvPr>
+            <p:cNvCxnSpPr>
+              <a:cxnSpLocks/>
+            </p:cNvCxnSpPr>
+            <p:nvPr/>
+          </p:nvCxnSpPr>
+          <p:spPr>
+            <a:xfrm>
+              <a:off x="5714585" y="3027877"/>
+              <a:ext cx="0" cy="134772"/>
+            </a:xfrm>
+            <a:prstGeom prst="straightConnector1">
+              <a:avLst/>
+            </a:prstGeom>
+            <a:ln w="19050">
+              <a:solidFill>
+                <a:schemeClr val="tx1"/>
+              </a:solidFill>
+              <a:tailEnd type="triangle"/>
+            </a:ln>
+          </p:spPr>
+          <p:style>
+            <a:lnRef idx="1">
+              <a:schemeClr val="accent1"/>
+            </a:lnRef>
+            <a:fillRef idx="0">
+              <a:schemeClr val="accent1"/>
+            </a:fillRef>
+            <a:effectRef idx="0">
+              <a:schemeClr val="accent1"/>
+            </a:effectRef>
+            <a:fontRef idx="minor">
+              <a:schemeClr val="tx1"/>
+            </a:fontRef>
+          </p:style>
+        </p:cxnSp>
+        <p:cxnSp>
+          <p:nvCxnSpPr>
+            <p:cNvPr id="143" name="直接箭头连接符 142">
+              <a:extLst>
+                <a:ext uri="{FF2B5EF4-FFF2-40B4-BE49-F238E27FC236}">
+                  <a16:creationId xmlns:a16="http://schemas.microsoft.com/office/drawing/2014/main" id="{7573757A-1291-8135-E9E2-A62BF0E6EB64}"/>
+                </a:ext>
+              </a:extLst>
+            </p:cNvPr>
+            <p:cNvCxnSpPr>
+              <a:cxnSpLocks/>
+            </p:cNvCxnSpPr>
+            <p:nvPr/>
+          </p:nvCxnSpPr>
+          <p:spPr>
+            <a:xfrm>
+              <a:off x="7702843" y="3027877"/>
+              <a:ext cx="0" cy="134772"/>
+            </a:xfrm>
+            <a:prstGeom prst="straightConnector1">
+              <a:avLst/>
+            </a:prstGeom>
+            <a:ln w="19050">
+              <a:solidFill>
+                <a:schemeClr val="tx1"/>
+              </a:solidFill>
+              <a:tailEnd type="triangle"/>
+            </a:ln>
+          </p:spPr>
+          <p:style>
+            <a:lnRef idx="1">
+              <a:schemeClr val="accent1"/>
+            </a:lnRef>
+            <a:fillRef idx="0">
+              <a:schemeClr val="accent1"/>
+            </a:fillRef>
+            <a:effectRef idx="0">
+              <a:schemeClr val="accent1"/>
+            </a:effectRef>
+            <a:fontRef idx="minor">
+              <a:schemeClr val="tx1"/>
+            </a:fontRef>
+          </p:style>
+        </p:cxnSp>
+        <p:cxnSp>
+          <p:nvCxnSpPr>
+            <p:cNvPr id="146" name="直接箭头连接符 145">
+              <a:extLst>
+                <a:ext uri="{FF2B5EF4-FFF2-40B4-BE49-F238E27FC236}">
+                  <a16:creationId xmlns:a16="http://schemas.microsoft.com/office/drawing/2014/main" id="{4C43A13C-5F47-358E-39E4-5B01617DB5B5}"/>
+                </a:ext>
+              </a:extLst>
+            </p:cNvPr>
+            <p:cNvCxnSpPr>
+              <a:cxnSpLocks/>
+            </p:cNvCxnSpPr>
+            <p:nvPr/>
+          </p:nvCxnSpPr>
+          <p:spPr>
+            <a:xfrm>
+              <a:off x="6939608" y="3887540"/>
+              <a:ext cx="340523" cy="0"/>
+            </a:xfrm>
+            <a:prstGeom prst="straightConnector1">
+              <a:avLst/>
+            </a:prstGeom>
+            <a:ln w="19050">
+              <a:solidFill>
+                <a:schemeClr val="tx1"/>
+              </a:solidFill>
+              <a:tailEnd type="triangle"/>
+            </a:ln>
+          </p:spPr>
+          <p:style>
+            <a:lnRef idx="1">
+              <a:schemeClr val="accent1"/>
+            </a:lnRef>
+            <a:fillRef idx="0">
+              <a:schemeClr val="accent1"/>
+            </a:fillRef>
+            <a:effectRef idx="0">
+              <a:schemeClr val="accent1"/>
+            </a:effectRef>
+            <a:fontRef idx="minor">
+              <a:schemeClr val="tx1"/>
+            </a:fontRef>
+          </p:style>
+        </p:cxnSp>
+        <p:cxnSp>
+          <p:nvCxnSpPr>
+            <p:cNvPr id="147" name="直接箭头连接符 146">
+              <a:extLst>
+                <a:ext uri="{FF2B5EF4-FFF2-40B4-BE49-F238E27FC236}">
+                  <a16:creationId xmlns:a16="http://schemas.microsoft.com/office/drawing/2014/main" id="{EB78F530-1EEF-DF37-CD7B-48A533AE8DD1}"/>
+                </a:ext>
+              </a:extLst>
+            </p:cNvPr>
+            <p:cNvCxnSpPr>
+              <a:cxnSpLocks/>
+            </p:cNvCxnSpPr>
+            <p:nvPr/>
+          </p:nvCxnSpPr>
+          <p:spPr>
+            <a:xfrm>
+              <a:off x="8191907" y="3869830"/>
+              <a:ext cx="340523" cy="0"/>
+            </a:xfrm>
+            <a:prstGeom prst="straightConnector1">
+              <a:avLst/>
+            </a:prstGeom>
+            <a:ln w="19050">
+              <a:solidFill>
+                <a:schemeClr val="tx1"/>
+              </a:solidFill>
+              <a:tailEnd type="triangle"/>
+            </a:ln>
+          </p:spPr>
+          <p:style>
+            <a:lnRef idx="1">
+              <a:schemeClr val="accent1"/>
+            </a:lnRef>
+            <a:fillRef idx="0">
+              <a:schemeClr val="accent1"/>
+            </a:fillRef>
+            <a:effectRef idx="0">
+              <a:schemeClr val="accent1"/>
+            </a:effectRef>
+            <a:fontRef idx="minor">
+              <a:schemeClr val="tx1"/>
+            </a:fontRef>
+          </p:style>
+        </p:cxnSp>
+        <p:grpSp>
+          <p:nvGrpSpPr>
+            <p:cNvPr id="157" name="组合 156">
+              <a:extLst>
+                <a:ext uri="{FF2B5EF4-FFF2-40B4-BE49-F238E27FC236}">
+                  <a16:creationId xmlns:a16="http://schemas.microsoft.com/office/drawing/2014/main" id="{F407A2B1-7911-3AE2-893C-2F9A52904D39}"/>
+                </a:ext>
+              </a:extLst>
+            </p:cNvPr>
+            <p:cNvGrpSpPr/>
+            <p:nvPr/>
+          </p:nvGrpSpPr>
+          <p:grpSpPr>
+            <a:xfrm>
+              <a:off x="8705560" y="3159274"/>
+              <a:ext cx="185531" cy="1481572"/>
+              <a:chOff x="2584174" y="2128967"/>
+              <a:chExt cx="185530" cy="1481571"/>
+            </a:xfrm>
+            <a:solidFill>
+              <a:schemeClr val="tx2">
+                <a:lumMod val="40000"/>
+                <a:lumOff val="60000"/>
+              </a:schemeClr>
+            </a:solidFill>
+          </p:grpSpPr>
           <p:sp>
             <p:nvSpPr>
-              <p:cNvPr id="141" name="文本框 140">
+              <p:cNvPr id="158" name="矩形 157">
                 <a:extLst>
                   <a:ext uri="{FF2B5EF4-FFF2-40B4-BE49-F238E27FC236}">
-                    <a16:creationId xmlns:a16="http://schemas.microsoft.com/office/drawing/2014/main" id="{991BAC6D-AF2C-20AE-E511-DFF0177C6260}"/>
+                    <a16:creationId xmlns:a16="http://schemas.microsoft.com/office/drawing/2014/main" id="{CC8ED875-9995-8E38-B8DC-D4AF0BCBDAED}"/>
                   </a:ext>
                 </a:extLst>
               </p:cNvPr>
-              <p:cNvSpPr txBox="1"/>
+              <p:cNvSpPr/>
               <p:nvPr/>
             </p:nvSpPr>
             <p:spPr>
               <a:xfrm>
-                <a:off x="5570090" y="2647439"/>
-                <a:ext cx="288990" cy="246221"/>
+                <a:off x="2584174" y="2128967"/>
+                <a:ext cx="185530" cy="185531"/>
               </a:xfrm>
               <a:prstGeom prst="rect">
                 <a:avLst/>
               </a:prstGeom>
-              <a:noFill/>
+              <a:grpFill/>
             </p:spPr>
+            <p:style>
+              <a:lnRef idx="2">
+                <a:schemeClr val="accent6">
+                  <a:shade val="15000"/>
+                </a:schemeClr>
+              </a:lnRef>
+              <a:fillRef idx="1">
+                <a:schemeClr val="accent6"/>
+              </a:fillRef>
+              <a:effectRef idx="0">
+                <a:schemeClr val="accent6"/>
+              </a:effectRef>
+              <a:fontRef idx="minor">
+                <a:schemeClr val="lt1"/>
+              </a:fontRef>
+            </p:style>
             <p:txBody>
-              <a:bodyPr wrap="none" lIns="0" tIns="0" rIns="0" bIns="0" rtlCol="0">
-                <a:spAutoFit/>
-              </a:bodyPr>
+              <a:bodyPr rtlCol="0" anchor="ctr"/>
               <a:lstStyle/>
               <a:p>
-                <a14:m>
-                  <m:oMathPara xmlns:m="http://schemas.openxmlformats.org/officeDocument/2006/math">
-                    <m:oMathParaPr>
-                      <m:jc m:val="centerGroup"/>
-                    </m:oMathParaPr>
-                    <m:oMath xmlns:m="http://schemas.openxmlformats.org/officeDocument/2006/math">
-                      <m:sSub>
-                        <m:sSubPr>
-                          <m:ctrlPr>
-                            <a:rPr lang="en-US" altLang="zh-CN" sz="1600" i="1">
-                              <a:latin typeface="Cambria Math" panose="02040503050406030204" pitchFamily="18" charset="0"/>
-                            </a:rPr>
-                          </m:ctrlPr>
-                        </m:sSubPr>
-                        <m:e>
-                          <m:r>
-                            <a:rPr lang="zh-CN" altLang="en-US" sz="1600" i="1">
-                              <a:latin typeface="Cambria Math" panose="02040503050406030204" pitchFamily="18" charset="0"/>
-                            </a:rPr>
-                            <m:t>𝜔</m:t>
-                          </m:r>
-                        </m:e>
-                        <m:sub>
-                          <m:r>
-                            <a:rPr lang="en-US" altLang="zh-CN" sz="1600" i="1">
-                              <a:latin typeface="Cambria Math" panose="02040503050406030204" pitchFamily="18" charset="0"/>
-                            </a:rPr>
-                            <m:t>𝑟</m:t>
-                          </m:r>
-                        </m:sub>
-                      </m:sSub>
-                    </m:oMath>
-                  </m:oMathPara>
-                </a14:m>
-                <a:endParaRPr lang="zh-CN" altLang="en-US" sz="1401" dirty="0"/>
+                <a:pPr algn="ctr"/>
+                <a:endParaRPr lang="zh-CN" altLang="en-US" sz="1801" dirty="0"/>
               </a:p>
             </p:txBody>
           </p:sp>
-        </mc:Choice>
-        <mc:Fallback>
           <p:sp>
             <p:nvSpPr>
-              <p:cNvPr id="141" name="文本框 140">
+              <p:cNvPr id="159" name="矩形 158">
                 <a:extLst>
                   <a:ext uri="{FF2B5EF4-FFF2-40B4-BE49-F238E27FC236}">
-                    <a16:creationId xmlns:a16="http://schemas.microsoft.com/office/drawing/2014/main" id="{991BAC6D-AF2C-20AE-E511-DFF0177C6260}"/>
+                    <a16:creationId xmlns:a16="http://schemas.microsoft.com/office/drawing/2014/main" id="{1D3A3A7A-448E-132B-A4F7-11FC4B738211}"/>
                   </a:ext>
                 </a:extLst>
               </p:cNvPr>
-              <p:cNvSpPr txBox="1">
-                <a:spLocks noRot="1" noChangeAspect="1" noMove="1" noResize="1" noEditPoints="1" noAdjustHandles="1" noChangeArrowheads="1" noChangeShapeType="1" noTextEdit="1"/>
-              </p:cNvSpPr>
+              <p:cNvSpPr/>
               <p:nvPr/>
             </p:nvSpPr>
             <p:spPr>
               <a:xfrm>
-                <a:off x="5570090" y="2647439"/>
-                <a:ext cx="288990" cy="246221"/>
+                <a:off x="2584174" y="2314498"/>
+                <a:ext cx="185530" cy="185531"/>
               </a:xfrm>
               <a:prstGeom prst="rect">
                 <a:avLst/>
               </a:prstGeom>
-              <a:blipFill>
-                <a:blip r:embed="rId6"/>
-                <a:stretch>
-                  <a:fillRect l="-8511" b="-9756"/>
-                </a:stretch>
-              </a:blipFill>
+              <a:grpFill/>
             </p:spPr>
+            <p:style>
+              <a:lnRef idx="2">
+                <a:schemeClr val="accent6">
+                  <a:shade val="15000"/>
+                </a:schemeClr>
+              </a:lnRef>
+              <a:fillRef idx="1">
+                <a:schemeClr val="accent6"/>
+              </a:fillRef>
+              <a:effectRef idx="0">
+                <a:schemeClr val="accent6"/>
+              </a:effectRef>
+              <a:fontRef idx="minor">
+                <a:schemeClr val="lt1"/>
+              </a:fontRef>
+            </p:style>
             <p:txBody>
-              <a:bodyPr/>
+              <a:bodyPr rtlCol="0" anchor="ctr"/>
               <a:lstStyle/>
               <a:p>
-                <a:r>
-                  <a:rPr lang="zh-CN" altLang="en-US">
-                    <a:noFill/>
-                  </a:rPr>
-                  <a:t> </a:t>
-                </a:r>
+                <a:pPr algn="ctr"/>
+                <a:endParaRPr lang="zh-CN" altLang="en-US" sz="1801" dirty="0"/>
               </a:p>
             </p:txBody>
           </p:sp>
-        </mc:Fallback>
-      </mc:AlternateContent>
-      <p:cxnSp>
-        <p:nvCxnSpPr>
-          <p:cNvPr id="142" name="直接箭头连接符 141">
-            <a:extLst>
-              <a:ext uri="{FF2B5EF4-FFF2-40B4-BE49-F238E27FC236}">
-                <a16:creationId xmlns:a16="http://schemas.microsoft.com/office/drawing/2014/main" id="{CC055006-8597-A8EE-4B20-8466043E13D1}"/>
-              </a:ext>
-            </a:extLst>
-          </p:cNvPr>
-          <p:cNvCxnSpPr>
-            <a:cxnSpLocks/>
-          </p:cNvCxnSpPr>
-          <p:nvPr/>
-        </p:nvCxnSpPr>
-        <p:spPr>
-          <a:xfrm>
-            <a:off x="5714585" y="3027877"/>
-            <a:ext cx="0" cy="134772"/>
-          </a:xfrm>
-          <a:prstGeom prst="straightConnector1">
-            <a:avLst/>
-          </a:prstGeom>
-          <a:ln w="19050">
-            <a:solidFill>
-              <a:schemeClr val="tx1"/>
-            </a:solidFill>
-            <a:tailEnd type="triangle"/>
-          </a:ln>
-        </p:spPr>
-        <p:style>
-          <a:lnRef idx="1">
-            <a:schemeClr val="accent1"/>
-          </a:lnRef>
-          <a:fillRef idx="0">
-            <a:schemeClr val="accent1"/>
-          </a:fillRef>
-          <a:effectRef idx="0">
-            <a:schemeClr val="accent1"/>
-          </a:effectRef>
-          <a:fontRef idx="minor">
-            <a:schemeClr val="tx1"/>
-          </a:fontRef>
-        </p:style>
-      </p:cxnSp>
-      <p:cxnSp>
-        <p:nvCxnSpPr>
-          <p:cNvPr id="143" name="直接箭头连接符 142">
-            <a:extLst>
-              <a:ext uri="{FF2B5EF4-FFF2-40B4-BE49-F238E27FC236}">
-                <a16:creationId xmlns:a16="http://schemas.microsoft.com/office/drawing/2014/main" id="{7573757A-1291-8135-E9E2-A62BF0E6EB64}"/>
-              </a:ext>
-            </a:extLst>
-          </p:cNvPr>
-          <p:cNvCxnSpPr>
-            <a:cxnSpLocks/>
-          </p:cNvCxnSpPr>
-          <p:nvPr/>
-        </p:nvCxnSpPr>
-        <p:spPr>
-          <a:xfrm>
-            <a:off x="7702843" y="3027877"/>
-            <a:ext cx="0" cy="134772"/>
-          </a:xfrm>
-          <a:prstGeom prst="straightConnector1">
-            <a:avLst/>
-          </a:prstGeom>
-          <a:ln w="19050">
-            <a:solidFill>
-              <a:schemeClr val="tx1"/>
-            </a:solidFill>
-            <a:tailEnd type="triangle"/>
-          </a:ln>
-        </p:spPr>
-        <p:style>
-          <a:lnRef idx="1">
-            <a:schemeClr val="accent1"/>
-          </a:lnRef>
-          <a:fillRef idx="0">
-            <a:schemeClr val="accent1"/>
-          </a:fillRef>
-          <a:effectRef idx="0">
-            <a:schemeClr val="accent1"/>
-          </a:effectRef>
-          <a:fontRef idx="minor">
-            <a:schemeClr val="tx1"/>
-          </a:fontRef>
-        </p:style>
-      </p:cxnSp>
-      <p:cxnSp>
-        <p:nvCxnSpPr>
-          <p:cNvPr id="146" name="直接箭头连接符 145">
-            <a:extLst>
-              <a:ext uri="{FF2B5EF4-FFF2-40B4-BE49-F238E27FC236}">
-                <a16:creationId xmlns:a16="http://schemas.microsoft.com/office/drawing/2014/main" id="{4C43A13C-5F47-358E-39E4-5B01617DB5B5}"/>
-              </a:ext>
-            </a:extLst>
-          </p:cNvPr>
-          <p:cNvCxnSpPr>
-            <a:cxnSpLocks/>
-          </p:cNvCxnSpPr>
-          <p:nvPr/>
-        </p:nvCxnSpPr>
-        <p:spPr>
-          <a:xfrm>
-            <a:off x="6939608" y="3887540"/>
-            <a:ext cx="340523" cy="0"/>
-          </a:xfrm>
-          <a:prstGeom prst="straightConnector1">
-            <a:avLst/>
-          </a:prstGeom>
-          <a:ln w="19050">
-            <a:solidFill>
-              <a:schemeClr val="tx1"/>
-            </a:solidFill>
-            <a:tailEnd type="triangle"/>
-          </a:ln>
-        </p:spPr>
-        <p:style>
-          <a:lnRef idx="1">
-            <a:schemeClr val="accent1"/>
-          </a:lnRef>
-          <a:fillRef idx="0">
-            <a:schemeClr val="accent1"/>
-          </a:fillRef>
-          <a:effectRef idx="0">
-            <a:schemeClr val="accent1"/>
-          </a:effectRef>
-          <a:fontRef idx="minor">
-            <a:schemeClr val="tx1"/>
-          </a:fontRef>
-        </p:style>
-      </p:cxnSp>
-      <p:cxnSp>
-        <p:nvCxnSpPr>
-          <p:cNvPr id="147" name="直接箭头连接符 146">
-            <a:extLst>
-              <a:ext uri="{FF2B5EF4-FFF2-40B4-BE49-F238E27FC236}">
-                <a16:creationId xmlns:a16="http://schemas.microsoft.com/office/drawing/2014/main" id="{EB78F530-1EEF-DF37-CD7B-48A533AE8DD1}"/>
-              </a:ext>
-            </a:extLst>
-          </p:cNvPr>
-          <p:cNvCxnSpPr>
-            <a:cxnSpLocks/>
-          </p:cNvCxnSpPr>
-          <p:nvPr/>
-        </p:nvCxnSpPr>
-        <p:spPr>
-          <a:xfrm>
-            <a:off x="8191907" y="3869830"/>
-            <a:ext cx="340523" cy="0"/>
-          </a:xfrm>
-          <a:prstGeom prst="straightConnector1">
-            <a:avLst/>
-          </a:prstGeom>
-          <a:ln w="19050">
-            <a:solidFill>
-              <a:schemeClr val="tx1"/>
-            </a:solidFill>
-            <a:tailEnd type="triangle"/>
-          </a:ln>
-        </p:spPr>
-        <p:style>
-          <a:lnRef idx="1">
-            <a:schemeClr val="accent1"/>
-          </a:lnRef>
-          <a:fillRef idx="0">
-            <a:schemeClr val="accent1"/>
-          </a:fillRef>
-          <a:effectRef idx="0">
-            <a:schemeClr val="accent1"/>
-          </a:effectRef>
-          <a:fontRef idx="minor">
-            <a:schemeClr val="tx1"/>
-          </a:fontRef>
-        </p:style>
-      </p:cxnSp>
-      <p:grpSp>
-        <p:nvGrpSpPr>
-          <p:cNvPr id="157" name="组合 156">
-            <a:extLst>
-              <a:ext uri="{FF2B5EF4-FFF2-40B4-BE49-F238E27FC236}">
-                <a16:creationId xmlns:a16="http://schemas.microsoft.com/office/drawing/2014/main" id="{F407A2B1-7911-3AE2-893C-2F9A52904D39}"/>
-              </a:ext>
-            </a:extLst>
-          </p:cNvPr>
-          <p:cNvGrpSpPr/>
-          <p:nvPr/>
-        </p:nvGrpSpPr>
-        <p:grpSpPr>
-          <a:xfrm>
-            <a:off x="8705560" y="3159274"/>
-            <a:ext cx="185531" cy="1481572"/>
-            <a:chOff x="2584174" y="2128967"/>
-            <a:chExt cx="185530" cy="1481571"/>
-          </a:xfrm>
-          <a:solidFill>
-            <a:schemeClr val="tx2">
-              <a:lumMod val="40000"/>
-              <a:lumOff val="60000"/>
-            </a:schemeClr>
-          </a:solidFill>
-        </p:grpSpPr>
-        <p:sp>
-          <p:nvSpPr>
-            <p:cNvPr id="158" name="矩形 157">
-              <a:extLst>
-                <a:ext uri="{FF2B5EF4-FFF2-40B4-BE49-F238E27FC236}">
-                  <a16:creationId xmlns:a16="http://schemas.microsoft.com/office/drawing/2014/main" id="{CC8ED875-9995-8E38-B8DC-D4AF0BCBDAED}"/>
-                </a:ext>
-              </a:extLst>
-            </p:cNvPr>
-            <p:cNvSpPr/>
-            <p:nvPr/>
-          </p:nvSpPr>
-          <p:spPr>
-            <a:xfrm>
-              <a:off x="2584174" y="2128967"/>
-              <a:ext cx="185530" cy="185531"/>
-            </a:xfrm>
-            <a:prstGeom prst="rect">
-              <a:avLst/>
-            </a:prstGeom>
-            <a:grpFill/>
-          </p:spPr>
-          <p:style>
-            <a:lnRef idx="2">
-              <a:schemeClr val="accent6">
-                <a:shade val="15000"/>
-              </a:schemeClr>
-            </a:lnRef>
-            <a:fillRef idx="1">
-              <a:schemeClr val="accent6"/>
-            </a:fillRef>
-            <a:effectRef idx="0">
-              <a:schemeClr val="accent6"/>
-            </a:effectRef>
-            <a:fontRef idx="minor">
-              <a:schemeClr val="lt1"/>
-            </a:fontRef>
-          </p:style>
-          <p:txBody>
-            <a:bodyPr rtlCol="0" anchor="ctr"/>
-            <a:lstStyle/>
-            <a:p>
-              <a:pPr algn="ctr"/>
-              <a:endParaRPr lang="zh-CN" altLang="en-US" sz="1801" dirty="0"/>
-            </a:p>
-          </p:txBody>
-        </p:sp>
-        <p:sp>
-          <p:nvSpPr>
-            <p:cNvPr id="159" name="矩形 158">
-              <a:extLst>
-                <a:ext uri="{FF2B5EF4-FFF2-40B4-BE49-F238E27FC236}">
-                  <a16:creationId xmlns:a16="http://schemas.microsoft.com/office/drawing/2014/main" id="{1D3A3A7A-448E-132B-A4F7-11FC4B738211}"/>
-                </a:ext>
-              </a:extLst>
-            </p:cNvPr>
-            <p:cNvSpPr/>
-            <p:nvPr/>
-          </p:nvSpPr>
-          <p:spPr>
-            <a:xfrm>
-              <a:off x="2584174" y="2314498"/>
-              <a:ext cx="185530" cy="185531"/>
-            </a:xfrm>
-            <a:prstGeom prst="rect">
-              <a:avLst/>
-            </a:prstGeom>
-            <a:grpFill/>
-          </p:spPr>
-          <p:style>
-            <a:lnRef idx="2">
-              <a:schemeClr val="accent6">
-                <a:shade val="15000"/>
-              </a:schemeClr>
-            </a:lnRef>
-            <a:fillRef idx="1">
-              <a:schemeClr val="accent6"/>
-            </a:fillRef>
-            <a:effectRef idx="0">
-              <a:schemeClr val="accent6"/>
-            </a:effectRef>
-            <a:fontRef idx="minor">
-              <a:schemeClr val="lt1"/>
-            </a:fontRef>
-          </p:style>
-          <p:txBody>
-            <a:bodyPr rtlCol="0" anchor="ctr"/>
-            <a:lstStyle/>
-            <a:p>
-              <a:pPr algn="ctr"/>
-              <a:endParaRPr lang="zh-CN" altLang="en-US" sz="1801" dirty="0"/>
-            </a:p>
-          </p:txBody>
-        </p:sp>
-        <p:sp>
-          <p:nvSpPr>
-            <p:cNvPr id="160" name="矩形 159">
-              <a:extLst>
-                <a:ext uri="{FF2B5EF4-FFF2-40B4-BE49-F238E27FC236}">
-                  <a16:creationId xmlns:a16="http://schemas.microsoft.com/office/drawing/2014/main" id="{6B132229-F98F-5306-4DE4-3EAC52741E49}"/>
-                </a:ext>
-              </a:extLst>
-            </p:cNvPr>
-            <p:cNvSpPr/>
-            <p:nvPr/>
-          </p:nvSpPr>
-          <p:spPr>
-            <a:xfrm>
-              <a:off x="2584174" y="2500029"/>
-              <a:ext cx="185530" cy="185531"/>
-            </a:xfrm>
-            <a:prstGeom prst="rect">
-              <a:avLst/>
-            </a:prstGeom>
-            <a:grpFill/>
-          </p:spPr>
-          <p:style>
-            <a:lnRef idx="2">
-              <a:schemeClr val="accent6">
-                <a:shade val="15000"/>
-              </a:schemeClr>
-            </a:lnRef>
-            <a:fillRef idx="1">
-              <a:schemeClr val="accent6"/>
-            </a:fillRef>
-            <a:effectRef idx="0">
-              <a:schemeClr val="accent6"/>
-            </a:effectRef>
-            <a:fontRef idx="minor">
-              <a:schemeClr val="lt1"/>
-            </a:fontRef>
-          </p:style>
-          <p:txBody>
-            <a:bodyPr rtlCol="0" anchor="ctr"/>
-            <a:lstStyle/>
-            <a:p>
-              <a:pPr algn="ctr"/>
-              <a:endParaRPr lang="zh-CN" altLang="en-US" sz="1801" dirty="0"/>
-            </a:p>
-          </p:txBody>
-        </p:sp>
-        <p:sp>
-          <p:nvSpPr>
-            <p:cNvPr id="161" name="矩形 160">
-              <a:extLst>
-                <a:ext uri="{FF2B5EF4-FFF2-40B4-BE49-F238E27FC236}">
-                  <a16:creationId xmlns:a16="http://schemas.microsoft.com/office/drawing/2014/main" id="{D4E6E376-6B52-C50E-B099-ED48F1A22AA2}"/>
-                </a:ext>
-              </a:extLst>
-            </p:cNvPr>
-            <p:cNvSpPr/>
-            <p:nvPr/>
-          </p:nvSpPr>
-          <p:spPr>
-            <a:xfrm>
-              <a:off x="2584174" y="2689200"/>
-              <a:ext cx="185530" cy="185531"/>
-            </a:xfrm>
-            <a:prstGeom prst="rect">
-              <a:avLst/>
-            </a:prstGeom>
-            <a:grpFill/>
-          </p:spPr>
-          <p:style>
-            <a:lnRef idx="2">
-              <a:schemeClr val="accent6">
-                <a:shade val="15000"/>
-              </a:schemeClr>
-            </a:lnRef>
-            <a:fillRef idx="1">
-              <a:schemeClr val="accent6"/>
-            </a:fillRef>
-            <a:effectRef idx="0">
-              <a:schemeClr val="accent6"/>
-            </a:effectRef>
-            <a:fontRef idx="minor">
-              <a:schemeClr val="lt1"/>
-            </a:fontRef>
-          </p:style>
-          <p:txBody>
-            <a:bodyPr rtlCol="0" anchor="ctr"/>
-            <a:lstStyle/>
-            <a:p>
-              <a:pPr algn="ctr"/>
-              <a:endParaRPr lang="zh-CN" altLang="en-US" sz="1801" dirty="0"/>
-            </a:p>
-          </p:txBody>
-        </p:sp>
-        <p:sp>
-          <p:nvSpPr>
-            <p:cNvPr id="162" name="矩形 161">
-              <a:extLst>
-                <a:ext uri="{FF2B5EF4-FFF2-40B4-BE49-F238E27FC236}">
-                  <a16:creationId xmlns:a16="http://schemas.microsoft.com/office/drawing/2014/main" id="{3B6FBE2B-8ECA-1E1D-6E33-6EA4DD52BF95}"/>
-                </a:ext>
-              </a:extLst>
-            </p:cNvPr>
-            <p:cNvSpPr/>
-            <p:nvPr/>
-          </p:nvSpPr>
-          <p:spPr>
-            <a:xfrm>
-              <a:off x="2584174" y="2876400"/>
-              <a:ext cx="185530" cy="185531"/>
-            </a:xfrm>
-            <a:prstGeom prst="rect">
-              <a:avLst/>
-            </a:prstGeom>
-            <a:grpFill/>
-          </p:spPr>
-          <p:style>
-            <a:lnRef idx="2">
-              <a:schemeClr val="accent6">
-                <a:shade val="15000"/>
-              </a:schemeClr>
-            </a:lnRef>
-            <a:fillRef idx="1">
-              <a:schemeClr val="accent6"/>
-            </a:fillRef>
-            <a:effectRef idx="0">
-              <a:schemeClr val="accent6"/>
-            </a:effectRef>
-            <a:fontRef idx="minor">
-              <a:schemeClr val="lt1"/>
-            </a:fontRef>
-          </p:style>
-          <p:txBody>
-            <a:bodyPr rtlCol="0" anchor="ctr"/>
-            <a:lstStyle/>
-            <a:p>
-              <a:pPr algn="ctr"/>
-              <a:endParaRPr lang="zh-CN" altLang="en-US" sz="1801" dirty="0"/>
-            </a:p>
-          </p:txBody>
-        </p:sp>
-        <p:sp>
-          <p:nvSpPr>
-            <p:cNvPr id="163" name="矩形 162">
-              <a:extLst>
-                <a:ext uri="{FF2B5EF4-FFF2-40B4-BE49-F238E27FC236}">
-                  <a16:creationId xmlns:a16="http://schemas.microsoft.com/office/drawing/2014/main" id="{C04FBA9A-58A2-A5FA-4251-8F100C53BD13}"/>
-                </a:ext>
-              </a:extLst>
-            </p:cNvPr>
-            <p:cNvSpPr/>
-            <p:nvPr/>
-          </p:nvSpPr>
-          <p:spPr>
-            <a:xfrm>
-              <a:off x="2584174" y="3061931"/>
-              <a:ext cx="185530" cy="185531"/>
-            </a:xfrm>
-            <a:prstGeom prst="rect">
-              <a:avLst/>
-            </a:prstGeom>
-            <a:grpFill/>
-          </p:spPr>
-          <p:style>
-            <a:lnRef idx="2">
-              <a:schemeClr val="accent6">
-                <a:shade val="15000"/>
-              </a:schemeClr>
-            </a:lnRef>
-            <a:fillRef idx="1">
-              <a:schemeClr val="accent6"/>
-            </a:fillRef>
-            <a:effectRef idx="0">
-              <a:schemeClr val="accent6"/>
-            </a:effectRef>
-            <a:fontRef idx="minor">
-              <a:schemeClr val="lt1"/>
-            </a:fontRef>
-          </p:style>
-          <p:txBody>
-            <a:bodyPr rtlCol="0" anchor="ctr"/>
-            <a:lstStyle/>
-            <a:p>
-              <a:pPr algn="ctr"/>
-              <a:endParaRPr lang="zh-CN" altLang="en-US" sz="1801" dirty="0"/>
-            </a:p>
-          </p:txBody>
-        </p:sp>
-        <p:sp>
-          <p:nvSpPr>
-            <p:cNvPr id="164" name="矩形 163">
-              <a:extLst>
-                <a:ext uri="{FF2B5EF4-FFF2-40B4-BE49-F238E27FC236}">
-                  <a16:creationId xmlns:a16="http://schemas.microsoft.com/office/drawing/2014/main" id="{C7310271-B044-D9AC-E97F-36A0ECD95E1D}"/>
-                </a:ext>
-              </a:extLst>
-            </p:cNvPr>
-            <p:cNvSpPr/>
-            <p:nvPr/>
-          </p:nvSpPr>
-          <p:spPr>
-            <a:xfrm>
-              <a:off x="2584174" y="3243469"/>
-              <a:ext cx="185530" cy="185531"/>
-            </a:xfrm>
-            <a:prstGeom prst="rect">
-              <a:avLst/>
-            </a:prstGeom>
-            <a:grpFill/>
-          </p:spPr>
-          <p:style>
-            <a:lnRef idx="2">
-              <a:schemeClr val="accent6">
-                <a:shade val="15000"/>
-              </a:schemeClr>
-            </a:lnRef>
-            <a:fillRef idx="1">
-              <a:schemeClr val="accent6"/>
-            </a:fillRef>
-            <a:effectRef idx="0">
-              <a:schemeClr val="accent6"/>
-            </a:effectRef>
-            <a:fontRef idx="minor">
-              <a:schemeClr val="lt1"/>
-            </a:fontRef>
-          </p:style>
-          <p:txBody>
-            <a:bodyPr rtlCol="0" anchor="ctr"/>
-            <a:lstStyle/>
-            <a:p>
-              <a:pPr algn="ctr"/>
-              <a:endParaRPr lang="zh-CN" altLang="en-US" sz="1801" dirty="0"/>
-            </a:p>
-          </p:txBody>
-        </p:sp>
-        <p:sp>
-          <p:nvSpPr>
-            <p:cNvPr id="165" name="矩形 164">
-              <a:extLst>
-                <a:ext uri="{FF2B5EF4-FFF2-40B4-BE49-F238E27FC236}">
-                  <a16:creationId xmlns:a16="http://schemas.microsoft.com/office/drawing/2014/main" id="{379FE53B-5390-00E4-6195-68040B03971F}"/>
-                </a:ext>
-              </a:extLst>
-            </p:cNvPr>
-            <p:cNvSpPr/>
-            <p:nvPr/>
-          </p:nvSpPr>
-          <p:spPr>
-            <a:xfrm>
-              <a:off x="2584174" y="3425007"/>
-              <a:ext cx="185530" cy="185531"/>
-            </a:xfrm>
-            <a:prstGeom prst="rect">
-              <a:avLst/>
-            </a:prstGeom>
-            <a:grpFill/>
-          </p:spPr>
-          <p:style>
-            <a:lnRef idx="2">
-              <a:schemeClr val="accent6">
-                <a:shade val="15000"/>
-              </a:schemeClr>
-            </a:lnRef>
-            <a:fillRef idx="1">
-              <a:schemeClr val="accent6"/>
-            </a:fillRef>
-            <a:effectRef idx="0">
-              <a:schemeClr val="accent6"/>
-            </a:effectRef>
-            <a:fontRef idx="minor">
-              <a:schemeClr val="lt1"/>
-            </a:fontRef>
-          </p:style>
-          <p:txBody>
-            <a:bodyPr rtlCol="0" anchor="ctr"/>
-            <a:lstStyle/>
-            <a:p>
-              <a:pPr algn="ctr"/>
-              <a:endParaRPr lang="zh-CN" altLang="en-US" sz="1801" dirty="0"/>
-            </a:p>
-          </p:txBody>
-        </p:sp>
-      </p:grpSp>
-      <mc:AlternateContent xmlns:mc="http://schemas.openxmlformats.org/markup-compatibility/2006">
-        <mc:Choice xmlns:a14="http://schemas.microsoft.com/office/drawing/2010/main" Requires="a14">
           <p:sp>
             <p:nvSpPr>
-              <p:cNvPr id="166" name="文本框 165">
+              <p:cNvPr id="160" name="矩形 159">
                 <a:extLst>
                   <a:ext uri="{FF2B5EF4-FFF2-40B4-BE49-F238E27FC236}">
-                    <a16:creationId xmlns:a16="http://schemas.microsoft.com/office/drawing/2014/main" id="{5E289DBE-BB67-512F-BE1B-E9D6CA9C04D5}"/>
+                    <a16:creationId xmlns:a16="http://schemas.microsoft.com/office/drawing/2014/main" id="{6B132229-F98F-5306-4DE4-3EAC52741E49}"/>
                   </a:ext>
                 </a:extLst>
               </p:cNvPr>
-              <p:cNvSpPr txBox="1"/>
+              <p:cNvSpPr/>
               <p:nvPr/>
             </p:nvSpPr>
             <p:spPr>
               <a:xfrm>
-                <a:off x="8599777" y="4707622"/>
-                <a:ext cx="398699" cy="224870"/>
+                <a:off x="2584174" y="2500029"/>
+                <a:ext cx="185530" cy="185531"/>
               </a:xfrm>
               <a:prstGeom prst="rect">
                 <a:avLst/>
               </a:prstGeom>
-              <a:noFill/>
+              <a:grpFill/>
             </p:spPr>
+            <p:style>
+              <a:lnRef idx="2">
+                <a:schemeClr val="accent6">
+                  <a:shade val="15000"/>
+                </a:schemeClr>
+              </a:lnRef>
+              <a:fillRef idx="1">
+                <a:schemeClr val="accent6"/>
+              </a:fillRef>
+              <a:effectRef idx="0">
+                <a:schemeClr val="accent6"/>
+              </a:effectRef>
+              <a:fontRef idx="minor">
+                <a:schemeClr val="lt1"/>
+              </a:fontRef>
+            </p:style>
             <p:txBody>
-              <a:bodyPr wrap="none" lIns="0" tIns="0" rIns="0" bIns="0" rtlCol="0">
-                <a:spAutoFit/>
-              </a:bodyPr>
+              <a:bodyPr rtlCol="0" anchor="ctr"/>
               <a:lstStyle/>
               <a:p>
-                <a14:m>
-                  <m:oMathPara xmlns:m="http://schemas.openxmlformats.org/officeDocument/2006/math">
-                    <m:oMathParaPr>
-                      <m:jc m:val="centerGroup"/>
-                    </m:oMathParaPr>
-                    <m:oMath xmlns:m="http://schemas.openxmlformats.org/officeDocument/2006/math">
-                      <m:sSub>
-                        <m:sSubPr>
-                          <m:ctrlPr>
-                            <a:rPr lang="en-US" altLang="zh-CN" sz="1401" i="1">
-                              <a:latin typeface="Cambria Math" panose="02040503050406030204" pitchFamily="18" charset="0"/>
-                            </a:rPr>
-                          </m:ctrlPr>
-                        </m:sSubPr>
-                        <m:e>
-                          <m:r>
-                            <a:rPr lang="en-US" altLang="zh-CN" sz="1401" b="1" i="1">
-                              <a:latin typeface="Cambria Math" panose="02040503050406030204" pitchFamily="18" charset="0"/>
-                            </a:rPr>
-                            <m:t>𝒎</m:t>
-                          </m:r>
-                        </m:e>
-                        <m:sub>
-                          <m:r>
-                            <a:rPr lang="en-US" altLang="zh-CN" sz="1401" i="1">
-                              <a:latin typeface="Cambria Math" panose="02040503050406030204" pitchFamily="18" charset="0"/>
-                            </a:rPr>
-                            <m:t>𝑒</m:t>
-                          </m:r>
-                          <m:r>
-                            <a:rPr lang="en-US" altLang="zh-CN" sz="1401" i="1">
-                              <a:latin typeface="Cambria Math" panose="02040503050406030204" pitchFamily="18" charset="0"/>
-                            </a:rPr>
-                            <m:t>,</m:t>
-                          </m:r>
-                          <m:r>
-                            <a:rPr lang="en-US" altLang="zh-CN" sz="1401" i="1">
-                              <a:latin typeface="Cambria Math" panose="02040503050406030204" pitchFamily="18" charset="0"/>
-                            </a:rPr>
-                            <m:t>𝑟</m:t>
-                          </m:r>
-                        </m:sub>
-                      </m:sSub>
-                    </m:oMath>
-                  </m:oMathPara>
-                </a14:m>
-                <a:endParaRPr lang="zh-CN" altLang="en-US" sz="1401" dirty="0"/>
+                <a:pPr algn="ctr"/>
+                <a:endParaRPr lang="zh-CN" altLang="en-US" sz="1801" dirty="0"/>
               </a:p>
             </p:txBody>
           </p:sp>
-        </mc:Choice>
-        <mc:Fallback>
           <p:sp>
             <p:nvSpPr>
-              <p:cNvPr id="166" name="文本框 165">
+              <p:cNvPr id="161" name="矩形 160">
                 <a:extLst>
                   <a:ext uri="{FF2B5EF4-FFF2-40B4-BE49-F238E27FC236}">
-                    <a16:creationId xmlns:a16="http://schemas.microsoft.com/office/drawing/2014/main" id="{5E289DBE-BB67-512F-BE1B-E9D6CA9C04D5}"/>
+                    <a16:creationId xmlns:a16="http://schemas.microsoft.com/office/drawing/2014/main" id="{D4E6E376-6B52-C50E-B099-ED48F1A22AA2}"/>
                   </a:ext>
                 </a:extLst>
               </p:cNvPr>
-              <p:cNvSpPr txBox="1">
-                <a:spLocks noRot="1" noChangeAspect="1" noMove="1" noResize="1" noEditPoints="1" noAdjustHandles="1" noChangeArrowheads="1" noChangeShapeType="1" noTextEdit="1"/>
-              </p:cNvSpPr>
+              <p:cNvSpPr/>
               <p:nvPr/>
             </p:nvSpPr>
             <p:spPr>
               <a:xfrm>
-                <a:off x="8599777" y="4707622"/>
-                <a:ext cx="398699" cy="224870"/>
+                <a:off x="2584174" y="2689200"/>
+                <a:ext cx="185530" cy="185531"/>
               </a:xfrm>
               <a:prstGeom prst="rect">
                 <a:avLst/>
               </a:prstGeom>
-              <a:blipFill>
-                <a:blip r:embed="rId7"/>
-                <a:stretch>
-                  <a:fillRect l="-6154" b="-8108"/>
-                </a:stretch>
-              </a:blipFill>
+              <a:grpFill/>
             </p:spPr>
+            <p:style>
+              <a:lnRef idx="2">
+                <a:schemeClr val="accent6">
+                  <a:shade val="15000"/>
+                </a:schemeClr>
+              </a:lnRef>
+              <a:fillRef idx="1">
+                <a:schemeClr val="accent6"/>
+              </a:fillRef>
+              <a:effectRef idx="0">
+                <a:schemeClr val="accent6"/>
+              </a:effectRef>
+              <a:fontRef idx="minor">
+                <a:schemeClr val="lt1"/>
+              </a:fontRef>
+            </p:style>
             <p:txBody>
-              <a:bodyPr/>
+              <a:bodyPr rtlCol="0" anchor="ctr"/>
               <a:lstStyle/>
               <a:p>
-                <a:r>
-                  <a:rPr lang="zh-CN" altLang="en-US">
-                    <a:noFill/>
-                  </a:rPr>
-                  <a:t> </a:t>
-                </a:r>
+                <a:pPr algn="ctr"/>
+                <a:endParaRPr lang="zh-CN" altLang="en-US" sz="1801" dirty="0"/>
               </a:p>
             </p:txBody>
           </p:sp>
-        </mc:Fallback>
-      </mc:AlternateContent>
+          <p:sp>
+            <p:nvSpPr>
+              <p:cNvPr id="162" name="矩形 161">
+                <a:extLst>
+                  <a:ext uri="{FF2B5EF4-FFF2-40B4-BE49-F238E27FC236}">
+                    <a16:creationId xmlns:a16="http://schemas.microsoft.com/office/drawing/2014/main" id="{3B6FBE2B-8ECA-1E1D-6E33-6EA4DD52BF95}"/>
+                  </a:ext>
+                </a:extLst>
+              </p:cNvPr>
+              <p:cNvSpPr/>
+              <p:nvPr/>
+            </p:nvSpPr>
+            <p:spPr>
+              <a:xfrm>
+                <a:off x="2584174" y="2876400"/>
+                <a:ext cx="185530" cy="185531"/>
+              </a:xfrm>
+              <a:prstGeom prst="rect">
+                <a:avLst/>
+              </a:prstGeom>
+              <a:grpFill/>
+            </p:spPr>
+            <p:style>
+              <a:lnRef idx="2">
+                <a:schemeClr val="accent6">
+                  <a:shade val="15000"/>
+                </a:schemeClr>
+              </a:lnRef>
+              <a:fillRef idx="1">
+                <a:schemeClr val="accent6"/>
+              </a:fillRef>
+              <a:effectRef idx="0">
+                <a:schemeClr val="accent6"/>
+              </a:effectRef>
+              <a:fontRef idx="minor">
+                <a:schemeClr val="lt1"/>
+              </a:fontRef>
+            </p:style>
+            <p:txBody>
+              <a:bodyPr rtlCol="0" anchor="ctr"/>
+              <a:lstStyle/>
+              <a:p>
+                <a:pPr algn="ctr"/>
+                <a:endParaRPr lang="zh-CN" altLang="en-US" sz="1801" dirty="0"/>
+              </a:p>
+            </p:txBody>
+          </p:sp>
+          <p:sp>
+            <p:nvSpPr>
+              <p:cNvPr id="163" name="矩形 162">
+                <a:extLst>
+                  <a:ext uri="{FF2B5EF4-FFF2-40B4-BE49-F238E27FC236}">
+                    <a16:creationId xmlns:a16="http://schemas.microsoft.com/office/drawing/2014/main" id="{C04FBA9A-58A2-A5FA-4251-8F100C53BD13}"/>
+                  </a:ext>
+                </a:extLst>
+              </p:cNvPr>
+              <p:cNvSpPr/>
+              <p:nvPr/>
+            </p:nvSpPr>
+            <p:spPr>
+              <a:xfrm>
+                <a:off x="2584174" y="3061931"/>
+                <a:ext cx="185530" cy="185531"/>
+              </a:xfrm>
+              <a:prstGeom prst="rect">
+                <a:avLst/>
+              </a:prstGeom>
+              <a:grpFill/>
+            </p:spPr>
+            <p:style>
+              <a:lnRef idx="2">
+                <a:schemeClr val="accent6">
+                  <a:shade val="15000"/>
+                </a:schemeClr>
+              </a:lnRef>
+              <a:fillRef idx="1">
+                <a:schemeClr val="accent6"/>
+              </a:fillRef>
+              <a:effectRef idx="0">
+                <a:schemeClr val="accent6"/>
+              </a:effectRef>
+              <a:fontRef idx="minor">
+                <a:schemeClr val="lt1"/>
+              </a:fontRef>
+            </p:style>
+            <p:txBody>
+              <a:bodyPr rtlCol="0" anchor="ctr"/>
+              <a:lstStyle/>
+              <a:p>
+                <a:pPr algn="ctr"/>
+                <a:endParaRPr lang="zh-CN" altLang="en-US" sz="1801" dirty="0"/>
+              </a:p>
+            </p:txBody>
+          </p:sp>
+          <p:sp>
+            <p:nvSpPr>
+              <p:cNvPr id="164" name="矩形 163">
+                <a:extLst>
+                  <a:ext uri="{FF2B5EF4-FFF2-40B4-BE49-F238E27FC236}">
+                    <a16:creationId xmlns:a16="http://schemas.microsoft.com/office/drawing/2014/main" id="{C7310271-B044-D9AC-E97F-36A0ECD95E1D}"/>
+                  </a:ext>
+                </a:extLst>
+              </p:cNvPr>
+              <p:cNvSpPr/>
+              <p:nvPr/>
+            </p:nvSpPr>
+            <p:spPr>
+              <a:xfrm>
+                <a:off x="2584174" y="3243469"/>
+                <a:ext cx="185530" cy="185531"/>
+              </a:xfrm>
+              <a:prstGeom prst="rect">
+                <a:avLst/>
+              </a:prstGeom>
+              <a:grpFill/>
+            </p:spPr>
+            <p:style>
+              <a:lnRef idx="2">
+                <a:schemeClr val="accent6">
+                  <a:shade val="15000"/>
+                </a:schemeClr>
+              </a:lnRef>
+              <a:fillRef idx="1">
+                <a:schemeClr val="accent6"/>
+              </a:fillRef>
+              <a:effectRef idx="0">
+                <a:schemeClr val="accent6"/>
+              </a:effectRef>
+              <a:fontRef idx="minor">
+                <a:schemeClr val="lt1"/>
+              </a:fontRef>
+            </p:style>
+            <p:txBody>
+              <a:bodyPr rtlCol="0" anchor="ctr"/>
+              <a:lstStyle/>
+              <a:p>
+                <a:pPr algn="ctr"/>
+                <a:endParaRPr lang="zh-CN" altLang="en-US" sz="1801" dirty="0"/>
+              </a:p>
+            </p:txBody>
+          </p:sp>
+          <p:sp>
+            <p:nvSpPr>
+              <p:cNvPr id="165" name="矩形 164">
+                <a:extLst>
+                  <a:ext uri="{FF2B5EF4-FFF2-40B4-BE49-F238E27FC236}">
+                    <a16:creationId xmlns:a16="http://schemas.microsoft.com/office/drawing/2014/main" id="{379FE53B-5390-00E4-6195-68040B03971F}"/>
+                  </a:ext>
+                </a:extLst>
+              </p:cNvPr>
+              <p:cNvSpPr/>
+              <p:nvPr/>
+            </p:nvSpPr>
+            <p:spPr>
+              <a:xfrm>
+                <a:off x="2584174" y="3425007"/>
+                <a:ext cx="185530" cy="185531"/>
+              </a:xfrm>
+              <a:prstGeom prst="rect">
+                <a:avLst/>
+              </a:prstGeom>
+              <a:grpFill/>
+            </p:spPr>
+            <p:style>
+              <a:lnRef idx="2">
+                <a:schemeClr val="accent6">
+                  <a:shade val="15000"/>
+                </a:schemeClr>
+              </a:lnRef>
+              <a:fillRef idx="1">
+                <a:schemeClr val="accent6"/>
+              </a:fillRef>
+              <a:effectRef idx="0">
+                <a:schemeClr val="accent6"/>
+              </a:effectRef>
+              <a:fontRef idx="minor">
+                <a:schemeClr val="lt1"/>
+              </a:fontRef>
+            </p:style>
+            <p:txBody>
+              <a:bodyPr rtlCol="0" anchor="ctr"/>
+              <a:lstStyle/>
+              <a:p>
+                <a:pPr algn="ctr"/>
+                <a:endParaRPr lang="zh-CN" altLang="en-US" sz="1801" dirty="0"/>
+              </a:p>
+            </p:txBody>
+          </p:sp>
+        </p:grpSp>
+        <mc:AlternateContent xmlns:mc="http://schemas.openxmlformats.org/markup-compatibility/2006">
+          <mc:Choice xmlns:a14="http://schemas.microsoft.com/office/drawing/2010/main" Requires="a14">
+            <p:sp>
+              <p:nvSpPr>
+                <p:cNvPr id="166" name="文本框 165">
+                  <a:extLst>
+                    <a:ext uri="{FF2B5EF4-FFF2-40B4-BE49-F238E27FC236}">
+                      <a16:creationId xmlns:a16="http://schemas.microsoft.com/office/drawing/2014/main" id="{5E289DBE-BB67-512F-BE1B-E9D6CA9C04D5}"/>
+                    </a:ext>
+                  </a:extLst>
+                </p:cNvPr>
+                <p:cNvSpPr txBox="1"/>
+                <p:nvPr/>
+              </p:nvSpPr>
+              <p:spPr>
+                <a:xfrm>
+                  <a:off x="8599777" y="4707622"/>
+                  <a:ext cx="398699" cy="224870"/>
+                </a:xfrm>
+                <a:prstGeom prst="rect">
+                  <a:avLst/>
+                </a:prstGeom>
+                <a:noFill/>
+              </p:spPr>
+              <p:txBody>
+                <a:bodyPr wrap="none" lIns="0" tIns="0" rIns="0" bIns="0" rtlCol="0">
+                  <a:spAutoFit/>
+                </a:bodyPr>
+                <a:lstStyle/>
+                <a:p>
+                  <a:pPr/>
+                  <a14:m>
+                    <m:oMathPara xmlns:m="http://schemas.openxmlformats.org/officeDocument/2006/math">
+                      <m:oMathParaPr>
+                        <m:jc m:val="centerGroup"/>
+                      </m:oMathParaPr>
+                      <m:oMath xmlns:m="http://schemas.openxmlformats.org/officeDocument/2006/math">
+                        <m:sSub>
+                          <m:sSubPr>
+                            <m:ctrlPr>
+                              <a:rPr lang="en-US" altLang="zh-CN" sz="1401" i="1">
+                                <a:latin typeface="Cambria Math" panose="02040503050406030204" pitchFamily="18" charset="0"/>
+                              </a:rPr>
+                            </m:ctrlPr>
+                          </m:sSubPr>
+                          <m:e>
+                            <m:r>
+                              <a:rPr lang="en-US" altLang="zh-CN" sz="1401" b="1" i="1">
+                                <a:latin typeface="Cambria Math" panose="02040503050406030204" pitchFamily="18" charset="0"/>
+                              </a:rPr>
+                              <m:t>𝒎</m:t>
+                            </m:r>
+                          </m:e>
+                          <m:sub>
+                            <m:r>
+                              <a:rPr lang="en-US" altLang="zh-CN" sz="1401" i="1">
+                                <a:latin typeface="Cambria Math" panose="02040503050406030204" pitchFamily="18" charset="0"/>
+                              </a:rPr>
+                              <m:t>𝑒</m:t>
+                            </m:r>
+                            <m:r>
+                              <a:rPr lang="en-US" altLang="zh-CN" sz="1401" i="1">
+                                <a:latin typeface="Cambria Math" panose="02040503050406030204" pitchFamily="18" charset="0"/>
+                              </a:rPr>
+                              <m:t>,</m:t>
+                            </m:r>
+                            <m:r>
+                              <a:rPr lang="en-US" altLang="zh-CN" sz="1401" i="1">
+                                <a:latin typeface="Cambria Math" panose="02040503050406030204" pitchFamily="18" charset="0"/>
+                              </a:rPr>
+                              <m:t>𝑟</m:t>
+                            </m:r>
+                          </m:sub>
+                        </m:sSub>
+                      </m:oMath>
+                    </m:oMathPara>
+                  </a14:m>
+                  <a:endParaRPr lang="zh-CN" altLang="en-US" sz="1401" dirty="0"/>
+                </a:p>
+              </p:txBody>
+            </p:sp>
+          </mc:Choice>
+          <mc:Fallback>
+            <p:sp>
+              <p:nvSpPr>
+                <p:cNvPr id="166" name="文本框 165">
+                  <a:extLst>
+                    <a:ext uri="{FF2B5EF4-FFF2-40B4-BE49-F238E27FC236}">
+                      <a16:creationId xmlns:a16="http://schemas.microsoft.com/office/drawing/2014/main" id="{5E289DBE-BB67-512F-BE1B-E9D6CA9C04D5}"/>
+                    </a:ext>
+                  </a:extLst>
+                </p:cNvPr>
+                <p:cNvSpPr txBox="1">
+                  <a:spLocks noRot="1" noChangeAspect="1" noMove="1" noResize="1" noEditPoints="1" noAdjustHandles="1" noChangeArrowheads="1" noChangeShapeType="1" noTextEdit="1"/>
+                </p:cNvSpPr>
+                <p:nvPr/>
+              </p:nvSpPr>
+              <p:spPr>
+                <a:xfrm>
+                  <a:off x="8599777" y="4707622"/>
+                  <a:ext cx="398699" cy="224870"/>
+                </a:xfrm>
+                <a:prstGeom prst="rect">
+                  <a:avLst/>
+                </a:prstGeom>
+                <a:blipFill>
+                  <a:blip r:embed="rId7"/>
+                  <a:stretch>
+                    <a:fillRect l="-6250" b="-11111"/>
+                  </a:stretch>
+                </a:blipFill>
+              </p:spPr>
+              <p:txBody>
+                <a:bodyPr/>
+                <a:lstStyle/>
+                <a:p>
+                  <a:r>
+                    <a:rPr lang="zh-CN" altLang="en-US">
+                      <a:noFill/>
+                    </a:rPr>
+                    <a:t> </a:t>
+                  </a:r>
+                </a:p>
+              </p:txBody>
+            </p:sp>
+          </mc:Fallback>
+        </mc:AlternateContent>
+      </p:grpSp>
     </p:spTree>
     <p:extLst>
       <p:ext uri="{BB962C8B-B14F-4D97-AF65-F5344CB8AC3E}">

--- a/新建 Microsoft PowerPoint 演示文稿.pptx
+++ b/新建 Microsoft PowerPoint 演示文稿.pptx
@@ -6,9 +6,10 @@
   </p:sldMasterIdLst>
   <p:sldIdLst>
     <p:sldId id="256" r:id="rId2"/>
-    <p:sldId id="257" r:id="rId3"/>
-    <p:sldId id="258" r:id="rId4"/>
-    <p:sldId id="259" r:id="rId5"/>
+    <p:sldId id="260" r:id="rId3"/>
+    <p:sldId id="257" r:id="rId4"/>
+    <p:sldId id="258" r:id="rId5"/>
+    <p:sldId id="259" r:id="rId6"/>
   </p:sldIdLst>
   <p:sldSz cx="12192000" cy="6858000"/>
   <p:notesSz cx="6858000" cy="9144000"/>
@@ -262,7 +263,7 @@
           <a:p>
             <a:fld id="{F8C29A4B-73F1-41F6-84A3-46C06A00E1BC}" type="datetimeFigureOut">
               <a:rPr lang="zh-CN" altLang="en-US" smtClean="0"/>
-              <a:t>2024/3/2</a:t>
+              <a:t>2024/4/14</a:t>
             </a:fld>
             <a:endParaRPr lang="zh-CN" altLang="en-US"/>
           </a:p>
@@ -460,7 +461,7 @@
           <a:p>
             <a:fld id="{F8C29A4B-73F1-41F6-84A3-46C06A00E1BC}" type="datetimeFigureOut">
               <a:rPr lang="zh-CN" altLang="en-US" smtClean="0"/>
-              <a:t>2024/3/2</a:t>
+              <a:t>2024/4/14</a:t>
             </a:fld>
             <a:endParaRPr lang="zh-CN" altLang="en-US"/>
           </a:p>
@@ -668,7 +669,7 @@
           <a:p>
             <a:fld id="{F8C29A4B-73F1-41F6-84A3-46C06A00E1BC}" type="datetimeFigureOut">
               <a:rPr lang="zh-CN" altLang="en-US" smtClean="0"/>
-              <a:t>2024/3/2</a:t>
+              <a:t>2024/4/14</a:t>
             </a:fld>
             <a:endParaRPr lang="zh-CN" altLang="en-US"/>
           </a:p>
@@ -866,7 +867,7 @@
           <a:p>
             <a:fld id="{F8C29A4B-73F1-41F6-84A3-46C06A00E1BC}" type="datetimeFigureOut">
               <a:rPr lang="zh-CN" altLang="en-US" smtClean="0"/>
-              <a:t>2024/3/2</a:t>
+              <a:t>2024/4/14</a:t>
             </a:fld>
             <a:endParaRPr lang="zh-CN" altLang="en-US"/>
           </a:p>
@@ -1141,7 +1142,7 @@
           <a:p>
             <a:fld id="{F8C29A4B-73F1-41F6-84A3-46C06A00E1BC}" type="datetimeFigureOut">
               <a:rPr lang="zh-CN" altLang="en-US" smtClean="0"/>
-              <a:t>2024/3/2</a:t>
+              <a:t>2024/4/14</a:t>
             </a:fld>
             <a:endParaRPr lang="zh-CN" altLang="en-US"/>
           </a:p>
@@ -1406,7 +1407,7 @@
           <a:p>
             <a:fld id="{F8C29A4B-73F1-41F6-84A3-46C06A00E1BC}" type="datetimeFigureOut">
               <a:rPr lang="zh-CN" altLang="en-US" smtClean="0"/>
-              <a:t>2024/3/2</a:t>
+              <a:t>2024/4/14</a:t>
             </a:fld>
             <a:endParaRPr lang="zh-CN" altLang="en-US"/>
           </a:p>
@@ -1818,7 +1819,7 @@
           <a:p>
             <a:fld id="{F8C29A4B-73F1-41F6-84A3-46C06A00E1BC}" type="datetimeFigureOut">
               <a:rPr lang="zh-CN" altLang="en-US" smtClean="0"/>
-              <a:t>2024/3/2</a:t>
+              <a:t>2024/4/14</a:t>
             </a:fld>
             <a:endParaRPr lang="zh-CN" altLang="en-US"/>
           </a:p>
@@ -1959,7 +1960,7 @@
           <a:p>
             <a:fld id="{F8C29A4B-73F1-41F6-84A3-46C06A00E1BC}" type="datetimeFigureOut">
               <a:rPr lang="zh-CN" altLang="en-US" smtClean="0"/>
-              <a:t>2024/3/2</a:t>
+              <a:t>2024/4/14</a:t>
             </a:fld>
             <a:endParaRPr lang="zh-CN" altLang="en-US"/>
           </a:p>
@@ -2072,7 +2073,7 @@
           <a:p>
             <a:fld id="{F8C29A4B-73F1-41F6-84A3-46C06A00E1BC}" type="datetimeFigureOut">
               <a:rPr lang="zh-CN" altLang="en-US" smtClean="0"/>
-              <a:t>2024/3/2</a:t>
+              <a:t>2024/4/14</a:t>
             </a:fld>
             <a:endParaRPr lang="zh-CN" altLang="en-US"/>
           </a:p>
@@ -2383,7 +2384,7 @@
           <a:p>
             <a:fld id="{F8C29A4B-73F1-41F6-84A3-46C06A00E1BC}" type="datetimeFigureOut">
               <a:rPr lang="zh-CN" altLang="en-US" smtClean="0"/>
-              <a:t>2024/3/2</a:t>
+              <a:t>2024/4/14</a:t>
             </a:fld>
             <a:endParaRPr lang="zh-CN" altLang="en-US"/>
           </a:p>
@@ -2671,7 +2672,7 @@
           <a:p>
             <a:fld id="{F8C29A4B-73F1-41F6-84A3-46C06A00E1BC}" type="datetimeFigureOut">
               <a:rPr lang="zh-CN" altLang="en-US" smtClean="0"/>
-              <a:t>2024/3/2</a:t>
+              <a:t>2024/4/14</a:t>
             </a:fld>
             <a:endParaRPr lang="zh-CN" altLang="en-US"/>
           </a:p>
@@ -2912,7 +2913,7 @@
           <a:p>
             <a:fld id="{F8C29A4B-73F1-41F6-84A3-46C06A00E1BC}" type="datetimeFigureOut">
               <a:rPr lang="zh-CN" altLang="en-US" smtClean="0"/>
-              <a:t>2024/3/2</a:t>
+              <a:t>2024/4/14</a:t>
             </a:fld>
             <a:endParaRPr lang="zh-CN" altLang="en-US"/>
           </a:p>
@@ -4481,6 +4482,1009 @@
 </file>
 
 <file path=ppt/slides/slide2.xml><?xml version="1.0" encoding="utf-8"?>
+<p:sld xmlns:a="http://schemas.openxmlformats.org/drawingml/2006/main" xmlns:r="http://schemas.openxmlformats.org/officeDocument/2006/relationships" xmlns:p="http://schemas.openxmlformats.org/presentationml/2006/main">
+  <p:cSld>
+    <p:spTree>
+      <p:nvGrpSpPr>
+        <p:cNvPr id="1" name=""/>
+        <p:cNvGrpSpPr/>
+        <p:nvPr/>
+      </p:nvGrpSpPr>
+      <p:grpSpPr>
+        <a:xfrm>
+          <a:off x="0" y="0"/>
+          <a:ext cx="0" cy="0"/>
+          <a:chOff x="0" y="0"/>
+          <a:chExt cx="0" cy="0"/>
+        </a:xfrm>
+      </p:grpSpPr>
+      <p:sp>
+        <p:nvSpPr>
+          <p:cNvPr id="4" name="流程图: 过程 3">
+            <a:extLst>
+              <a:ext uri="{FF2B5EF4-FFF2-40B4-BE49-F238E27FC236}">
+                <a16:creationId xmlns:a16="http://schemas.microsoft.com/office/drawing/2014/main" id="{62FB144E-4ACE-06F1-9E69-3BA3052D8F04}"/>
+              </a:ext>
+            </a:extLst>
+          </p:cNvPr>
+          <p:cNvSpPr/>
+          <p:nvPr/>
+        </p:nvSpPr>
+        <p:spPr>
+          <a:xfrm>
+            <a:off x="1432613" y="1464473"/>
+            <a:ext cx="1404000" cy="707230"/>
+          </a:xfrm>
+          <a:prstGeom prst="flowChartProcess">
+            <a:avLst/>
+          </a:prstGeom>
+          <a:solidFill>
+            <a:schemeClr val="bg1"/>
+          </a:solidFill>
+          <a:ln w="19050">
+            <a:solidFill>
+              <a:schemeClr val="tx1"/>
+            </a:solidFill>
+          </a:ln>
+        </p:spPr>
+        <p:style>
+          <a:lnRef idx="2">
+            <a:schemeClr val="accent1">
+              <a:shade val="15000"/>
+            </a:schemeClr>
+          </a:lnRef>
+          <a:fillRef idx="1">
+            <a:schemeClr val="accent1"/>
+          </a:fillRef>
+          <a:effectRef idx="0">
+            <a:schemeClr val="accent1"/>
+          </a:effectRef>
+          <a:fontRef idx="minor">
+            <a:schemeClr val="lt1"/>
+          </a:fontRef>
+        </p:style>
+        <p:txBody>
+          <a:bodyPr rtlCol="0" anchor="ctr"/>
+          <a:lstStyle/>
+          <a:p>
+            <a:pPr algn="ctr"/>
+            <a:r>
+              <a:rPr lang="en-US" altLang="zh-CN" sz="1401" dirty="0">
+                <a:solidFill>
+                  <a:schemeClr val="tx1"/>
+                </a:solidFill>
+                <a:latin typeface="Times New Roman" panose="02020603050405020304" pitchFamily="18" charset="0"/>
+                <a:cs typeface="Times New Roman" panose="02020603050405020304" pitchFamily="18" charset="0"/>
+              </a:rPr>
+              <a:t>Transformer</a:t>
+            </a:r>
+            <a:endParaRPr lang="zh-CN" altLang="en-US" sz="1801" dirty="0"/>
+          </a:p>
+        </p:txBody>
+      </p:sp>
+      <p:sp>
+        <p:nvSpPr>
+          <p:cNvPr id="6" name="流程图: 过程 5">
+            <a:extLst>
+              <a:ext uri="{FF2B5EF4-FFF2-40B4-BE49-F238E27FC236}">
+                <a16:creationId xmlns:a16="http://schemas.microsoft.com/office/drawing/2014/main" id="{ED4287FD-8F1E-E7EA-7E4F-7BC40F898556}"/>
+              </a:ext>
+            </a:extLst>
+          </p:cNvPr>
+          <p:cNvSpPr/>
+          <p:nvPr/>
+        </p:nvSpPr>
+        <p:spPr>
+          <a:xfrm>
+            <a:off x="1432613" y="3202784"/>
+            <a:ext cx="1404000" cy="707230"/>
+          </a:xfrm>
+          <a:prstGeom prst="flowChartProcess">
+            <a:avLst/>
+          </a:prstGeom>
+          <a:solidFill>
+            <a:schemeClr val="bg1"/>
+          </a:solidFill>
+          <a:ln w="19050">
+            <a:solidFill>
+              <a:schemeClr val="tx1"/>
+            </a:solidFill>
+          </a:ln>
+        </p:spPr>
+        <p:style>
+          <a:lnRef idx="2">
+            <a:schemeClr val="accent1">
+              <a:shade val="15000"/>
+            </a:schemeClr>
+          </a:lnRef>
+          <a:fillRef idx="1">
+            <a:schemeClr val="accent1"/>
+          </a:fillRef>
+          <a:effectRef idx="0">
+            <a:schemeClr val="accent1"/>
+          </a:effectRef>
+          <a:fontRef idx="minor">
+            <a:schemeClr val="lt1"/>
+          </a:fontRef>
+        </p:style>
+        <p:txBody>
+          <a:bodyPr rtlCol="0" anchor="ctr"/>
+          <a:lstStyle/>
+          <a:p>
+            <a:pPr algn="ctr"/>
+            <a:r>
+              <a:rPr lang="zh-CN" altLang="en-US" sz="1401" dirty="0">
+                <a:solidFill>
+                  <a:schemeClr val="tx1"/>
+                </a:solidFill>
+                <a:latin typeface="宋体" panose="02010600030101010101" pitchFamily="2" charset="-122"/>
+                <a:ea typeface="宋体" panose="02010600030101010101" pitchFamily="2" charset="-122"/>
+                <a:cs typeface="Times New Roman" panose="02020603050405020304" pitchFamily="18" charset="0"/>
+              </a:rPr>
+              <a:t>知识图谱</a:t>
+            </a:r>
+            <a:endParaRPr lang="zh-CN" altLang="en-US" sz="1801" dirty="0"/>
+          </a:p>
+        </p:txBody>
+      </p:sp>
+      <p:sp>
+        <p:nvSpPr>
+          <p:cNvPr id="8" name="流程图: 或者 7">
+            <a:extLst>
+              <a:ext uri="{FF2B5EF4-FFF2-40B4-BE49-F238E27FC236}">
+                <a16:creationId xmlns:a16="http://schemas.microsoft.com/office/drawing/2014/main" id="{8AC34958-EDDF-4D5A-ADE2-824C385F9C3E}"/>
+              </a:ext>
+            </a:extLst>
+          </p:cNvPr>
+          <p:cNvSpPr/>
+          <p:nvPr/>
+        </p:nvSpPr>
+        <p:spPr>
+          <a:xfrm>
+            <a:off x="3422247" y="2558653"/>
+            <a:ext cx="216000" cy="216000"/>
+          </a:xfrm>
+          <a:prstGeom prst="flowChartOr">
+            <a:avLst/>
+          </a:prstGeom>
+          <a:noFill/>
+          <a:ln w="19050"/>
+        </p:spPr>
+        <p:style>
+          <a:lnRef idx="2">
+            <a:schemeClr val="accent1">
+              <a:shade val="15000"/>
+            </a:schemeClr>
+          </a:lnRef>
+          <a:fillRef idx="1">
+            <a:schemeClr val="accent1"/>
+          </a:fillRef>
+          <a:effectRef idx="0">
+            <a:schemeClr val="accent1"/>
+          </a:effectRef>
+          <a:fontRef idx="minor">
+            <a:schemeClr val="lt1"/>
+          </a:fontRef>
+        </p:style>
+        <p:txBody>
+          <a:bodyPr rtlCol="0" anchor="ctr"/>
+          <a:lstStyle/>
+          <a:p>
+            <a:pPr algn="ctr"/>
+            <a:endParaRPr lang="zh-CN" altLang="en-US" sz="1801" dirty="0"/>
+          </a:p>
+        </p:txBody>
+      </p:sp>
+      <p:cxnSp>
+        <p:nvCxnSpPr>
+          <p:cNvPr id="10" name="连接符: 肘形 9">
+            <a:extLst>
+              <a:ext uri="{FF2B5EF4-FFF2-40B4-BE49-F238E27FC236}">
+                <a16:creationId xmlns:a16="http://schemas.microsoft.com/office/drawing/2014/main" id="{5837FA4B-2FCF-94CE-A3E5-7B5FF14C898A}"/>
+              </a:ext>
+            </a:extLst>
+          </p:cNvPr>
+          <p:cNvCxnSpPr>
+            <a:cxnSpLocks/>
+            <a:stCxn id="4" idx="3"/>
+            <a:endCxn id="8" idx="0"/>
+          </p:cNvCxnSpPr>
+          <p:nvPr/>
+        </p:nvCxnSpPr>
+        <p:spPr>
+          <a:xfrm>
+            <a:off x="2836614" y="1818084"/>
+            <a:ext cx="693634" cy="740569"/>
+          </a:xfrm>
+          <a:prstGeom prst="bentConnector2">
+            <a:avLst/>
+          </a:prstGeom>
+          <a:ln w="19050">
+            <a:headEnd type="none" w="lg" len="lg"/>
+            <a:tailEnd type="triangle" w="lg" len="lg"/>
+          </a:ln>
+        </p:spPr>
+        <p:style>
+          <a:lnRef idx="1">
+            <a:schemeClr val="dk1"/>
+          </a:lnRef>
+          <a:fillRef idx="0">
+            <a:schemeClr val="dk1"/>
+          </a:fillRef>
+          <a:effectRef idx="0">
+            <a:schemeClr val="dk1"/>
+          </a:effectRef>
+          <a:fontRef idx="minor">
+            <a:schemeClr val="tx1"/>
+          </a:fontRef>
+        </p:style>
+      </p:cxnSp>
+      <p:cxnSp>
+        <p:nvCxnSpPr>
+          <p:cNvPr id="12" name="连接符: 肘形 11">
+            <a:extLst>
+              <a:ext uri="{FF2B5EF4-FFF2-40B4-BE49-F238E27FC236}">
+                <a16:creationId xmlns:a16="http://schemas.microsoft.com/office/drawing/2014/main" id="{942F39A4-440D-EE35-5FB4-04CA4A9AB428}"/>
+              </a:ext>
+            </a:extLst>
+          </p:cNvPr>
+          <p:cNvCxnSpPr>
+            <a:cxnSpLocks/>
+            <a:stCxn id="6" idx="3"/>
+            <a:endCxn id="8" idx="4"/>
+          </p:cNvCxnSpPr>
+          <p:nvPr/>
+        </p:nvCxnSpPr>
+        <p:spPr>
+          <a:xfrm flipV="1">
+            <a:off x="2836618" y="2774654"/>
+            <a:ext cx="693634" cy="781744"/>
+          </a:xfrm>
+          <a:prstGeom prst="bentConnector2">
+            <a:avLst/>
+          </a:prstGeom>
+          <a:ln w="19050">
+            <a:headEnd type="none" w="med" len="med"/>
+            <a:tailEnd type="triangle" w="lg" len="lg"/>
+          </a:ln>
+        </p:spPr>
+        <p:style>
+          <a:lnRef idx="1">
+            <a:schemeClr val="dk1"/>
+          </a:lnRef>
+          <a:fillRef idx="0">
+            <a:schemeClr val="dk1"/>
+          </a:fillRef>
+          <a:effectRef idx="0">
+            <a:schemeClr val="dk1"/>
+          </a:effectRef>
+          <a:fontRef idx="minor">
+            <a:schemeClr val="tx1"/>
+          </a:fontRef>
+        </p:style>
+      </p:cxnSp>
+      <p:sp>
+        <p:nvSpPr>
+          <p:cNvPr id="16" name="流程图: 过程 15">
+            <a:extLst>
+              <a:ext uri="{FF2B5EF4-FFF2-40B4-BE49-F238E27FC236}">
+                <a16:creationId xmlns:a16="http://schemas.microsoft.com/office/drawing/2014/main" id="{ED6433A6-F0AC-DDCD-577C-19F6F1CCDC86}"/>
+              </a:ext>
+            </a:extLst>
+          </p:cNvPr>
+          <p:cNvSpPr/>
+          <p:nvPr/>
+        </p:nvSpPr>
+        <p:spPr>
+          <a:xfrm>
+            <a:off x="4115877" y="2317706"/>
+            <a:ext cx="1404000" cy="707230"/>
+          </a:xfrm>
+          <a:prstGeom prst="flowChartProcess">
+            <a:avLst/>
+          </a:prstGeom>
+          <a:solidFill>
+            <a:schemeClr val="bg1"/>
+          </a:solidFill>
+          <a:ln w="19050">
+            <a:solidFill>
+              <a:schemeClr val="tx1"/>
+            </a:solidFill>
+          </a:ln>
+        </p:spPr>
+        <p:style>
+          <a:lnRef idx="2">
+            <a:schemeClr val="accent1">
+              <a:shade val="15000"/>
+            </a:schemeClr>
+          </a:lnRef>
+          <a:fillRef idx="1">
+            <a:schemeClr val="accent1"/>
+          </a:fillRef>
+          <a:effectRef idx="0">
+            <a:schemeClr val="accent1"/>
+          </a:effectRef>
+          <a:fontRef idx="minor">
+            <a:schemeClr val="lt1"/>
+          </a:fontRef>
+        </p:style>
+        <p:txBody>
+          <a:bodyPr rtlCol="0" anchor="ctr"/>
+          <a:lstStyle/>
+          <a:p>
+            <a:pPr algn="ctr"/>
+            <a:r>
+              <a:rPr lang="zh-CN" altLang="en-US" sz="1401" b="1" dirty="0">
+                <a:solidFill>
+                  <a:schemeClr val="tx1"/>
+                </a:solidFill>
+                <a:latin typeface="宋体" panose="02010600030101010101" pitchFamily="2" charset="-122"/>
+                <a:ea typeface="宋体" panose="02010600030101010101" pitchFamily="2" charset="-122"/>
+                <a:cs typeface="Times New Roman" panose="02020603050405020304" pitchFamily="18" charset="0"/>
+              </a:rPr>
+              <a:t>知识图谱</a:t>
+            </a:r>
+            <a:endParaRPr lang="en-US" altLang="zh-CN" sz="1401" b="1" dirty="0">
+              <a:solidFill>
+                <a:schemeClr val="tx1"/>
+              </a:solidFill>
+              <a:latin typeface="宋体" panose="02010600030101010101" pitchFamily="2" charset="-122"/>
+              <a:ea typeface="宋体" panose="02010600030101010101" pitchFamily="2" charset="-122"/>
+              <a:cs typeface="Times New Roman" panose="02020603050405020304" pitchFamily="18" charset="0"/>
+            </a:endParaRPr>
+          </a:p>
+          <a:p>
+            <a:pPr algn="ctr"/>
+            <a:r>
+              <a:rPr lang="zh-CN" altLang="en-US" sz="1401" b="1" dirty="0">
+                <a:solidFill>
+                  <a:schemeClr val="tx1"/>
+                </a:solidFill>
+                <a:latin typeface="宋体" panose="02010600030101010101" pitchFamily="2" charset="-122"/>
+                <a:ea typeface="宋体" panose="02010600030101010101" pitchFamily="2" charset="-122"/>
+                <a:cs typeface="Times New Roman" panose="02020603050405020304" pitchFamily="18" charset="0"/>
+              </a:rPr>
+              <a:t>结构信息捕获</a:t>
+            </a:r>
+            <a:endParaRPr lang="zh-CN" altLang="en-US" sz="1801" b="1" dirty="0">
+              <a:latin typeface="宋体" panose="02010600030101010101" pitchFamily="2" charset="-122"/>
+              <a:ea typeface="宋体" panose="02010600030101010101" pitchFamily="2" charset="-122"/>
+            </a:endParaRPr>
+          </a:p>
+        </p:txBody>
+      </p:sp>
+      <p:cxnSp>
+        <p:nvCxnSpPr>
+          <p:cNvPr id="23" name="直接箭头连接符 22">
+            <a:extLst>
+              <a:ext uri="{FF2B5EF4-FFF2-40B4-BE49-F238E27FC236}">
+                <a16:creationId xmlns:a16="http://schemas.microsoft.com/office/drawing/2014/main" id="{33A87A7B-30D5-F1AD-6482-39D0C1E2890C}"/>
+              </a:ext>
+            </a:extLst>
+          </p:cNvPr>
+          <p:cNvCxnSpPr>
+            <a:cxnSpLocks/>
+            <a:stCxn id="8" idx="6"/>
+            <a:endCxn id="16" idx="1"/>
+          </p:cNvCxnSpPr>
+          <p:nvPr/>
+        </p:nvCxnSpPr>
+        <p:spPr>
+          <a:xfrm>
+            <a:off x="3638247" y="2666653"/>
+            <a:ext cx="477630" cy="4668"/>
+          </a:xfrm>
+          <a:prstGeom prst="straightConnector1">
+            <a:avLst/>
+          </a:prstGeom>
+          <a:ln w="19050">
+            <a:solidFill>
+              <a:schemeClr val="tx1"/>
+            </a:solidFill>
+            <a:headEnd type="none" w="med" len="med"/>
+            <a:tailEnd type="triangle" w="lg" len="lg"/>
+          </a:ln>
+        </p:spPr>
+        <p:style>
+          <a:lnRef idx="1">
+            <a:schemeClr val="accent1"/>
+          </a:lnRef>
+          <a:fillRef idx="0">
+            <a:schemeClr val="accent1"/>
+          </a:fillRef>
+          <a:effectRef idx="0">
+            <a:schemeClr val="accent1"/>
+          </a:effectRef>
+          <a:fontRef idx="minor">
+            <a:schemeClr val="tx1"/>
+          </a:fontRef>
+        </p:style>
+      </p:cxnSp>
+      <p:sp>
+        <p:nvSpPr>
+          <p:cNvPr id="62" name="流程图: 过程 61">
+            <a:extLst>
+              <a:ext uri="{FF2B5EF4-FFF2-40B4-BE49-F238E27FC236}">
+                <a16:creationId xmlns:a16="http://schemas.microsoft.com/office/drawing/2014/main" id="{012636B3-8B33-2192-8DFB-7A9B9EE8D5C3}"/>
+              </a:ext>
+            </a:extLst>
+          </p:cNvPr>
+          <p:cNvSpPr/>
+          <p:nvPr/>
+        </p:nvSpPr>
+        <p:spPr>
+          <a:xfrm>
+            <a:off x="8203847" y="2313038"/>
+            <a:ext cx="1404000" cy="707230"/>
+          </a:xfrm>
+          <a:prstGeom prst="flowChartProcess">
+            <a:avLst/>
+          </a:prstGeom>
+          <a:solidFill>
+            <a:schemeClr val="bg1"/>
+          </a:solidFill>
+          <a:ln w="19050">
+            <a:solidFill>
+              <a:schemeClr val="tx1"/>
+            </a:solidFill>
+          </a:ln>
+        </p:spPr>
+        <p:style>
+          <a:lnRef idx="2">
+            <a:schemeClr val="accent1">
+              <a:shade val="15000"/>
+            </a:schemeClr>
+          </a:lnRef>
+          <a:fillRef idx="1">
+            <a:schemeClr val="accent1"/>
+          </a:fillRef>
+          <a:effectRef idx="0">
+            <a:schemeClr val="accent1"/>
+          </a:effectRef>
+          <a:fontRef idx="minor">
+            <a:schemeClr val="lt1"/>
+          </a:fontRef>
+        </p:style>
+        <p:txBody>
+          <a:bodyPr rtlCol="0" anchor="ctr"/>
+          <a:lstStyle/>
+          <a:p>
+            <a:pPr algn="ctr"/>
+            <a:r>
+              <a:rPr lang="zh-CN" altLang="en-US" sz="1401" b="1" dirty="0">
+                <a:solidFill>
+                  <a:schemeClr val="tx1"/>
+                </a:solidFill>
+                <a:latin typeface="宋体" panose="02010600030101010101" pitchFamily="2" charset="-122"/>
+                <a:ea typeface="宋体" panose="02010600030101010101" pitchFamily="2" charset="-122"/>
+                <a:cs typeface="Times New Roman" panose="02020603050405020304" pitchFamily="18" charset="0"/>
+              </a:rPr>
+              <a:t>总体性能评估</a:t>
+            </a:r>
+            <a:endParaRPr lang="en-US" altLang="zh-CN" sz="1401" b="1" dirty="0">
+              <a:solidFill>
+                <a:schemeClr val="tx1"/>
+              </a:solidFill>
+              <a:latin typeface="宋体" panose="02010600030101010101" pitchFamily="2" charset="-122"/>
+              <a:ea typeface="宋体" panose="02010600030101010101" pitchFamily="2" charset="-122"/>
+              <a:cs typeface="Times New Roman" panose="02020603050405020304" pitchFamily="18" charset="0"/>
+            </a:endParaRPr>
+          </a:p>
+          <a:p>
+            <a:pPr algn="ctr"/>
+            <a:r>
+              <a:rPr lang="zh-CN" altLang="en-US" sz="1401" b="1" dirty="0">
+                <a:solidFill>
+                  <a:schemeClr val="tx1"/>
+                </a:solidFill>
+                <a:latin typeface="宋体" panose="02010600030101010101" pitchFamily="2" charset="-122"/>
+                <a:ea typeface="宋体" panose="02010600030101010101" pitchFamily="2" charset="-122"/>
+                <a:cs typeface="Times New Roman" panose="02020603050405020304" pitchFamily="18" charset="0"/>
+              </a:rPr>
+              <a:t>关键设计评估</a:t>
+            </a:r>
+            <a:endParaRPr lang="zh-CN" altLang="en-US" sz="1801" b="1" dirty="0">
+              <a:latin typeface="宋体" panose="02010600030101010101" pitchFamily="2" charset="-122"/>
+              <a:ea typeface="宋体" panose="02010600030101010101" pitchFamily="2" charset="-122"/>
+            </a:endParaRPr>
+          </a:p>
+        </p:txBody>
+      </p:sp>
+      <p:cxnSp>
+        <p:nvCxnSpPr>
+          <p:cNvPr id="5" name="直接箭头连接符 4">
+            <a:extLst>
+              <a:ext uri="{FF2B5EF4-FFF2-40B4-BE49-F238E27FC236}">
+                <a16:creationId xmlns:a16="http://schemas.microsoft.com/office/drawing/2014/main" id="{621D2990-C3F0-497A-DAD2-BA152A6EB2B3}"/>
+              </a:ext>
+            </a:extLst>
+          </p:cNvPr>
+          <p:cNvCxnSpPr>
+            <a:cxnSpLocks/>
+            <a:stCxn id="16" idx="3"/>
+            <a:endCxn id="22" idx="1"/>
+          </p:cNvCxnSpPr>
+          <p:nvPr/>
+        </p:nvCxnSpPr>
+        <p:spPr>
+          <a:xfrm flipV="1">
+            <a:off x="5519877" y="2666653"/>
+            <a:ext cx="820218" cy="4668"/>
+          </a:xfrm>
+          <a:prstGeom prst="straightConnector1">
+            <a:avLst/>
+          </a:prstGeom>
+          <a:ln w="19050">
+            <a:solidFill>
+              <a:schemeClr val="tx1"/>
+            </a:solidFill>
+            <a:headEnd type="none" w="med" len="med"/>
+            <a:tailEnd type="triangle" w="lg" len="lg"/>
+          </a:ln>
+        </p:spPr>
+        <p:style>
+          <a:lnRef idx="1">
+            <a:schemeClr val="accent1"/>
+          </a:lnRef>
+          <a:fillRef idx="0">
+            <a:schemeClr val="accent1"/>
+          </a:fillRef>
+          <a:effectRef idx="0">
+            <a:schemeClr val="accent1"/>
+          </a:effectRef>
+          <a:fontRef idx="minor">
+            <a:schemeClr val="tx1"/>
+          </a:fontRef>
+        </p:style>
+      </p:cxnSp>
+      <p:sp>
+        <p:nvSpPr>
+          <p:cNvPr id="22" name="流程图: 过程 21">
+            <a:extLst>
+              <a:ext uri="{FF2B5EF4-FFF2-40B4-BE49-F238E27FC236}">
+                <a16:creationId xmlns:a16="http://schemas.microsoft.com/office/drawing/2014/main" id="{C63830EA-F41D-D805-1635-E2345D898D45}"/>
+              </a:ext>
+            </a:extLst>
+          </p:cNvPr>
+          <p:cNvSpPr/>
+          <p:nvPr/>
+        </p:nvSpPr>
+        <p:spPr>
+          <a:xfrm>
+            <a:off x="6340095" y="2313038"/>
+            <a:ext cx="1404000" cy="707230"/>
+          </a:xfrm>
+          <a:prstGeom prst="flowChartProcess">
+            <a:avLst/>
+          </a:prstGeom>
+          <a:solidFill>
+            <a:schemeClr val="bg1"/>
+          </a:solidFill>
+          <a:ln w="19050">
+            <a:solidFill>
+              <a:schemeClr val="tx1"/>
+            </a:solidFill>
+          </a:ln>
+        </p:spPr>
+        <p:style>
+          <a:lnRef idx="2">
+            <a:schemeClr val="accent1">
+              <a:shade val="15000"/>
+            </a:schemeClr>
+          </a:lnRef>
+          <a:fillRef idx="1">
+            <a:schemeClr val="accent1"/>
+          </a:fillRef>
+          <a:effectRef idx="0">
+            <a:schemeClr val="accent1"/>
+          </a:effectRef>
+          <a:fontRef idx="minor">
+            <a:schemeClr val="lt1"/>
+          </a:fontRef>
+        </p:style>
+        <p:txBody>
+          <a:bodyPr rtlCol="0" anchor="ctr"/>
+          <a:lstStyle/>
+          <a:p>
+            <a:pPr algn="ctr"/>
+            <a:r>
+              <a:rPr lang="zh-CN" altLang="en-US" sz="1401" b="1" dirty="0">
+                <a:solidFill>
+                  <a:schemeClr val="tx1"/>
+                </a:solidFill>
+                <a:latin typeface="宋体" panose="02010600030101010101" pitchFamily="2" charset="-122"/>
+                <a:ea typeface="宋体" panose="02010600030101010101" pitchFamily="2" charset="-122"/>
+                <a:cs typeface="Times New Roman" panose="02020603050405020304" pitchFamily="18" charset="0"/>
+              </a:rPr>
+              <a:t>图结构信息</a:t>
+            </a:r>
+            <a:endParaRPr lang="en-US" altLang="zh-CN" sz="1401" b="1" dirty="0">
+              <a:solidFill>
+                <a:schemeClr val="tx1"/>
+              </a:solidFill>
+              <a:latin typeface="宋体" panose="02010600030101010101" pitchFamily="2" charset="-122"/>
+              <a:ea typeface="宋体" panose="02010600030101010101" pitchFamily="2" charset="-122"/>
+              <a:cs typeface="Times New Roman" panose="02020603050405020304" pitchFamily="18" charset="0"/>
+            </a:endParaRPr>
+          </a:p>
+          <a:p>
+            <a:pPr algn="ctr"/>
+            <a:r>
+              <a:rPr lang="zh-CN" altLang="en-US" sz="1401" b="1" dirty="0">
+                <a:solidFill>
+                  <a:schemeClr val="tx1"/>
+                </a:solidFill>
+                <a:latin typeface="宋体" panose="02010600030101010101" pitchFamily="2" charset="-122"/>
+                <a:ea typeface="宋体" panose="02010600030101010101" pitchFamily="2" charset="-122"/>
+                <a:cs typeface="Times New Roman" panose="02020603050405020304" pitchFamily="18" charset="0"/>
+              </a:rPr>
+              <a:t>结合利用</a:t>
+            </a:r>
+            <a:endParaRPr lang="zh-CN" altLang="en-US" sz="1801" b="1" dirty="0">
+              <a:latin typeface="宋体" panose="02010600030101010101" pitchFamily="2" charset="-122"/>
+              <a:ea typeface="宋体" panose="02010600030101010101" pitchFamily="2" charset="-122"/>
+            </a:endParaRPr>
+          </a:p>
+        </p:txBody>
+      </p:sp>
+      <p:cxnSp>
+        <p:nvCxnSpPr>
+          <p:cNvPr id="31" name="直接箭头连接符 30">
+            <a:extLst>
+              <a:ext uri="{FF2B5EF4-FFF2-40B4-BE49-F238E27FC236}">
+                <a16:creationId xmlns:a16="http://schemas.microsoft.com/office/drawing/2014/main" id="{57B80132-36F3-E7E9-0AE7-74F913AF4110}"/>
+              </a:ext>
+            </a:extLst>
+          </p:cNvPr>
+          <p:cNvCxnSpPr>
+            <a:cxnSpLocks/>
+            <a:stCxn id="22" idx="3"/>
+            <a:endCxn id="62" idx="1"/>
+          </p:cNvCxnSpPr>
+          <p:nvPr/>
+        </p:nvCxnSpPr>
+        <p:spPr>
+          <a:xfrm>
+            <a:off x="7744095" y="2666653"/>
+            <a:ext cx="459752" cy="0"/>
+          </a:xfrm>
+          <a:prstGeom prst="straightConnector1">
+            <a:avLst/>
+          </a:prstGeom>
+          <a:ln w="19050">
+            <a:tailEnd type="triangle" w="lg" len="lg"/>
+          </a:ln>
+        </p:spPr>
+        <p:style>
+          <a:lnRef idx="1">
+            <a:schemeClr val="dk1"/>
+          </a:lnRef>
+          <a:fillRef idx="0">
+            <a:schemeClr val="dk1"/>
+          </a:fillRef>
+          <a:effectRef idx="0">
+            <a:schemeClr val="dk1"/>
+          </a:effectRef>
+          <a:fontRef idx="minor">
+            <a:schemeClr val="tx1"/>
+          </a:fontRef>
+        </p:style>
+      </p:cxnSp>
+      <p:sp>
+        <p:nvSpPr>
+          <p:cNvPr id="44" name="流程图: 过程 43">
+            <a:extLst>
+              <a:ext uri="{FF2B5EF4-FFF2-40B4-BE49-F238E27FC236}">
+                <a16:creationId xmlns:a16="http://schemas.microsoft.com/office/drawing/2014/main" id="{AB9CF75C-5FED-5ED1-E8CF-45BAC12672A4}"/>
+              </a:ext>
+            </a:extLst>
+          </p:cNvPr>
+          <p:cNvSpPr/>
+          <p:nvPr/>
+        </p:nvSpPr>
+        <p:spPr>
+          <a:xfrm>
+            <a:off x="6340095" y="4009317"/>
+            <a:ext cx="1404000" cy="707230"/>
+          </a:xfrm>
+          <a:prstGeom prst="flowChartProcess">
+            <a:avLst/>
+          </a:prstGeom>
+          <a:solidFill>
+            <a:schemeClr val="bg1"/>
+          </a:solidFill>
+          <a:ln w="19050">
+            <a:solidFill>
+              <a:schemeClr val="tx1"/>
+            </a:solidFill>
+          </a:ln>
+        </p:spPr>
+        <p:style>
+          <a:lnRef idx="2">
+            <a:schemeClr val="accent1">
+              <a:shade val="15000"/>
+            </a:schemeClr>
+          </a:lnRef>
+          <a:fillRef idx="1">
+            <a:schemeClr val="accent1"/>
+          </a:fillRef>
+          <a:effectRef idx="0">
+            <a:schemeClr val="accent1"/>
+          </a:effectRef>
+          <a:fontRef idx="minor">
+            <a:schemeClr val="lt1"/>
+          </a:fontRef>
+        </p:style>
+        <p:txBody>
+          <a:bodyPr rtlCol="0" anchor="ctr"/>
+          <a:lstStyle/>
+          <a:p>
+            <a:pPr algn="ctr"/>
+            <a:r>
+              <a:rPr lang="zh-CN" altLang="en-US" sz="1401" b="1" dirty="0">
+                <a:solidFill>
+                  <a:schemeClr val="tx1"/>
+                </a:solidFill>
+                <a:latin typeface="宋体" panose="02010600030101010101" pitchFamily="2" charset="-122"/>
+                <a:ea typeface="宋体" panose="02010600030101010101" pitchFamily="2" charset="-122"/>
+                <a:cs typeface="Times New Roman" panose="02020603050405020304" pitchFamily="18" charset="0"/>
+              </a:rPr>
+              <a:t>图路径</a:t>
+            </a:r>
+            <a:endParaRPr lang="en-US" altLang="zh-CN" sz="1401" b="1" dirty="0">
+              <a:solidFill>
+                <a:schemeClr val="tx1"/>
+              </a:solidFill>
+              <a:latin typeface="宋体" panose="02010600030101010101" pitchFamily="2" charset="-122"/>
+              <a:ea typeface="宋体" panose="02010600030101010101" pitchFamily="2" charset="-122"/>
+              <a:cs typeface="Times New Roman" panose="02020603050405020304" pitchFamily="18" charset="0"/>
+            </a:endParaRPr>
+          </a:p>
+          <a:p>
+            <a:pPr algn="ctr"/>
+            <a:r>
+              <a:rPr lang="zh-CN" altLang="en-US" sz="1401" b="1" dirty="0">
+                <a:solidFill>
+                  <a:schemeClr val="tx1"/>
+                </a:solidFill>
+                <a:latin typeface="宋体" panose="02010600030101010101" pitchFamily="2" charset="-122"/>
+                <a:ea typeface="宋体" panose="02010600030101010101" pitchFamily="2" charset="-122"/>
+                <a:cs typeface="Times New Roman" panose="02020603050405020304" pitchFamily="18" charset="0"/>
+              </a:rPr>
+              <a:t>采样算法</a:t>
+            </a:r>
+            <a:endParaRPr lang="zh-CN" altLang="en-US" sz="1801" b="1" dirty="0">
+              <a:latin typeface="宋体" panose="02010600030101010101" pitchFamily="2" charset="-122"/>
+              <a:ea typeface="宋体" panose="02010600030101010101" pitchFamily="2" charset="-122"/>
+            </a:endParaRPr>
+          </a:p>
+        </p:txBody>
+      </p:sp>
+      <p:sp>
+        <p:nvSpPr>
+          <p:cNvPr id="48" name="流程图: 过程 47">
+            <a:extLst>
+              <a:ext uri="{FF2B5EF4-FFF2-40B4-BE49-F238E27FC236}">
+                <a16:creationId xmlns:a16="http://schemas.microsoft.com/office/drawing/2014/main" id="{DE967A8B-29CB-F981-03D7-2506007947C1}"/>
+              </a:ext>
+            </a:extLst>
+          </p:cNvPr>
+          <p:cNvSpPr/>
+          <p:nvPr/>
+        </p:nvSpPr>
+        <p:spPr>
+          <a:xfrm>
+            <a:off x="4115877" y="4009317"/>
+            <a:ext cx="1404000" cy="707230"/>
+          </a:xfrm>
+          <a:prstGeom prst="flowChartProcess">
+            <a:avLst/>
+          </a:prstGeom>
+          <a:solidFill>
+            <a:schemeClr val="bg1"/>
+          </a:solidFill>
+          <a:ln w="19050">
+            <a:solidFill>
+              <a:schemeClr val="tx1"/>
+            </a:solidFill>
+          </a:ln>
+        </p:spPr>
+        <p:style>
+          <a:lnRef idx="2">
+            <a:schemeClr val="accent1">
+              <a:shade val="15000"/>
+            </a:schemeClr>
+          </a:lnRef>
+          <a:fillRef idx="1">
+            <a:schemeClr val="accent1"/>
+          </a:fillRef>
+          <a:effectRef idx="0">
+            <a:schemeClr val="accent1"/>
+          </a:effectRef>
+          <a:fontRef idx="minor">
+            <a:schemeClr val="lt1"/>
+          </a:fontRef>
+        </p:style>
+        <p:txBody>
+          <a:bodyPr rtlCol="0" anchor="ctr"/>
+          <a:lstStyle/>
+          <a:p>
+            <a:pPr algn="ctr"/>
+            <a:r>
+              <a:rPr lang="zh-CN" altLang="en-US" sz="1401" dirty="0">
+                <a:solidFill>
+                  <a:schemeClr val="tx1"/>
+                </a:solidFill>
+                <a:latin typeface="宋体" panose="02010600030101010101" pitchFamily="2" charset="-122"/>
+                <a:ea typeface="宋体" panose="02010600030101010101" pitchFamily="2" charset="-122"/>
+                <a:cs typeface="Times New Roman" panose="02020603050405020304" pitchFamily="18" charset="0"/>
+              </a:rPr>
+              <a:t>长距离依赖</a:t>
+            </a:r>
+            <a:endParaRPr lang="en-US" altLang="zh-CN" sz="1401" dirty="0">
+              <a:solidFill>
+                <a:schemeClr val="tx1"/>
+              </a:solidFill>
+              <a:latin typeface="宋体" panose="02010600030101010101" pitchFamily="2" charset="-122"/>
+              <a:ea typeface="宋体" panose="02010600030101010101" pitchFamily="2" charset="-122"/>
+              <a:cs typeface="Times New Roman" panose="02020603050405020304" pitchFamily="18" charset="0"/>
+            </a:endParaRPr>
+          </a:p>
+        </p:txBody>
+      </p:sp>
+      <p:cxnSp>
+        <p:nvCxnSpPr>
+          <p:cNvPr id="50" name="直接箭头连接符 49">
+            <a:extLst>
+              <a:ext uri="{FF2B5EF4-FFF2-40B4-BE49-F238E27FC236}">
+                <a16:creationId xmlns:a16="http://schemas.microsoft.com/office/drawing/2014/main" id="{504E267B-616F-A449-EE05-E663C7265139}"/>
+              </a:ext>
+            </a:extLst>
+          </p:cNvPr>
+          <p:cNvCxnSpPr>
+            <a:cxnSpLocks/>
+            <a:stCxn id="48" idx="3"/>
+            <a:endCxn id="44" idx="1"/>
+          </p:cNvCxnSpPr>
+          <p:nvPr/>
+        </p:nvCxnSpPr>
+        <p:spPr>
+          <a:xfrm>
+            <a:off x="5519877" y="4362932"/>
+            <a:ext cx="820218" cy="0"/>
+          </a:xfrm>
+          <a:prstGeom prst="straightConnector1">
+            <a:avLst/>
+          </a:prstGeom>
+          <a:ln w="19050">
+            <a:solidFill>
+              <a:schemeClr val="tx1"/>
+            </a:solidFill>
+            <a:headEnd type="none" w="med" len="med"/>
+            <a:tailEnd type="triangle" w="lg" len="lg"/>
+          </a:ln>
+        </p:spPr>
+        <p:style>
+          <a:lnRef idx="1">
+            <a:schemeClr val="accent1"/>
+          </a:lnRef>
+          <a:fillRef idx="0">
+            <a:schemeClr val="accent1"/>
+          </a:fillRef>
+          <a:effectRef idx="0">
+            <a:schemeClr val="accent1"/>
+          </a:effectRef>
+          <a:fontRef idx="minor">
+            <a:schemeClr val="tx1"/>
+          </a:fontRef>
+        </p:style>
+      </p:cxnSp>
+      <p:cxnSp>
+        <p:nvCxnSpPr>
+          <p:cNvPr id="55" name="直接箭头连接符 54">
+            <a:extLst>
+              <a:ext uri="{FF2B5EF4-FFF2-40B4-BE49-F238E27FC236}">
+                <a16:creationId xmlns:a16="http://schemas.microsoft.com/office/drawing/2014/main" id="{3F5ABC1A-7EF2-252D-A2EB-873C1367E21B}"/>
+              </a:ext>
+            </a:extLst>
+          </p:cNvPr>
+          <p:cNvCxnSpPr>
+            <a:cxnSpLocks/>
+            <a:stCxn id="44" idx="0"/>
+            <a:endCxn id="22" idx="2"/>
+          </p:cNvCxnSpPr>
+          <p:nvPr/>
+        </p:nvCxnSpPr>
+        <p:spPr>
+          <a:xfrm flipV="1">
+            <a:off x="7042095" y="3020268"/>
+            <a:ext cx="0" cy="989049"/>
+          </a:xfrm>
+          <a:prstGeom prst="straightConnector1">
+            <a:avLst/>
+          </a:prstGeom>
+          <a:ln w="19050">
+            <a:solidFill>
+              <a:schemeClr val="tx1"/>
+            </a:solidFill>
+            <a:headEnd type="none" w="med" len="med"/>
+            <a:tailEnd type="triangle" w="lg" len="lg"/>
+          </a:ln>
+        </p:spPr>
+        <p:style>
+          <a:lnRef idx="1">
+            <a:schemeClr val="accent1"/>
+          </a:lnRef>
+          <a:fillRef idx="0">
+            <a:schemeClr val="accent1"/>
+          </a:fillRef>
+          <a:effectRef idx="0">
+            <a:schemeClr val="accent1"/>
+          </a:effectRef>
+          <a:fontRef idx="minor">
+            <a:schemeClr val="tx1"/>
+          </a:fontRef>
+        </p:style>
+      </p:cxnSp>
+      <p:cxnSp>
+        <p:nvCxnSpPr>
+          <p:cNvPr id="61" name="连接符: 肘形 60">
+            <a:extLst>
+              <a:ext uri="{FF2B5EF4-FFF2-40B4-BE49-F238E27FC236}">
+                <a16:creationId xmlns:a16="http://schemas.microsoft.com/office/drawing/2014/main" id="{AAF083CC-9B25-EC3F-616F-EA0865945D2F}"/>
+              </a:ext>
+            </a:extLst>
+          </p:cNvPr>
+          <p:cNvCxnSpPr>
+            <a:cxnSpLocks/>
+            <a:stCxn id="6" idx="2"/>
+            <a:endCxn id="48" idx="1"/>
+          </p:cNvCxnSpPr>
+          <p:nvPr/>
+        </p:nvCxnSpPr>
+        <p:spPr>
+          <a:xfrm rot="16200000" flipH="1">
+            <a:off x="2898786" y="3145841"/>
+            <a:ext cx="452918" cy="1981264"/>
+          </a:xfrm>
+          <a:prstGeom prst="bentConnector2">
+            <a:avLst/>
+          </a:prstGeom>
+          <a:ln w="19050">
+            <a:prstDash val="sysDash"/>
+            <a:headEnd type="none" w="med" len="med"/>
+            <a:tailEnd type="triangle" w="lg" len="lg"/>
+          </a:ln>
+        </p:spPr>
+        <p:style>
+          <a:lnRef idx="1">
+            <a:schemeClr val="dk1"/>
+          </a:lnRef>
+          <a:fillRef idx="0">
+            <a:schemeClr val="dk1"/>
+          </a:fillRef>
+          <a:effectRef idx="0">
+            <a:schemeClr val="dk1"/>
+          </a:effectRef>
+          <a:fontRef idx="minor">
+            <a:schemeClr val="tx1"/>
+          </a:fontRef>
+        </p:style>
+      </p:cxnSp>
+    </p:spTree>
+    <p:extLst>
+      <p:ext uri="{BB962C8B-B14F-4D97-AF65-F5344CB8AC3E}">
+        <p14:creationId xmlns:p14="http://schemas.microsoft.com/office/powerpoint/2010/main" val="3099439140"/>
+      </p:ext>
+    </p:extLst>
+  </p:cSld>
+  <p:clrMapOvr>
+    <a:masterClrMapping/>
+  </p:clrMapOvr>
+</p:sld>
+</file>
+
+<file path=ppt/slides/slide3.xml><?xml version="1.0" encoding="utf-8"?>
 <p:sld xmlns:a="http://schemas.openxmlformats.org/drawingml/2006/main" xmlns:r="http://schemas.openxmlformats.org/officeDocument/2006/relationships" xmlns:p="http://schemas.openxmlformats.org/presentationml/2006/main">
   <p:cSld>
     <p:spTree>
@@ -5708,7 +6712,7 @@
 </p:sld>
 </file>
 
-<file path=ppt/slides/slide3.xml><?xml version="1.0" encoding="utf-8"?>
+<file path=ppt/slides/slide4.xml><?xml version="1.0" encoding="utf-8"?>
 <p:sld xmlns:a="http://schemas.openxmlformats.org/drawingml/2006/main" xmlns:r="http://schemas.openxmlformats.org/officeDocument/2006/relationships" xmlns:p="http://schemas.openxmlformats.org/presentationml/2006/main">
   <p:cSld>
     <p:spTree>
@@ -6523,8 +7527,8 @@
             </p:txBody>
           </p:sp>
         </p:grpSp>
-        <mc:AlternateContent xmlns:mc="http://schemas.openxmlformats.org/markup-compatibility/2006">
-          <mc:Choice xmlns:a14="http://schemas.microsoft.com/office/drawing/2010/main" Requires="a14">
+        <mc:AlternateContent xmlns:mc="http://schemas.openxmlformats.org/markup-compatibility/2006" xmlns:a14="http://schemas.microsoft.com/office/drawing/2010/main">
+          <mc:Choice Requires="a14">
             <p:sp>
               <p:nvSpPr>
                 <p:cNvPr id="23" name="文本框 22">
@@ -6574,7 +7578,7 @@
               </p:txBody>
             </p:sp>
           </mc:Choice>
-          <mc:Fallback>
+          <mc:Fallback xmlns="">
             <p:sp>
               <p:nvSpPr>
                 <p:cNvPr id="23" name="文本框 22">
@@ -6619,8 +7623,8 @@
             </p:sp>
           </mc:Fallback>
         </mc:AlternateContent>
-        <mc:AlternateContent xmlns:mc="http://schemas.openxmlformats.org/markup-compatibility/2006">
-          <mc:Choice xmlns:a14="http://schemas.microsoft.com/office/drawing/2010/main" Requires="a14">
+        <mc:AlternateContent xmlns:mc="http://schemas.openxmlformats.org/markup-compatibility/2006" xmlns:a14="http://schemas.microsoft.com/office/drawing/2010/main">
+          <mc:Choice Requires="a14">
             <p:sp>
               <p:nvSpPr>
                 <p:cNvPr id="24" name="文本框 23">
@@ -6670,7 +7674,7 @@
               </p:txBody>
             </p:sp>
           </mc:Choice>
-          <mc:Fallback>
+          <mc:Fallback xmlns="">
             <p:sp>
               <p:nvSpPr>
                 <p:cNvPr id="24" name="文本框 23">
@@ -8963,8 +9967,8 @@
             </p:txBody>
           </p:sp>
         </p:grpSp>
-        <mc:AlternateContent xmlns:mc="http://schemas.openxmlformats.org/markup-compatibility/2006">
-          <mc:Choice xmlns:a14="http://schemas.microsoft.com/office/drawing/2010/main" Requires="a14">
+        <mc:AlternateContent xmlns:mc="http://schemas.openxmlformats.org/markup-compatibility/2006" xmlns:a14="http://schemas.microsoft.com/office/drawing/2010/main">
+          <mc:Choice Requires="a14">
             <p:sp>
               <p:nvSpPr>
                 <p:cNvPr id="137" name="文本框 136">
@@ -9033,7 +10037,7 @@
               </p:txBody>
             </p:sp>
           </mc:Choice>
-          <mc:Fallback>
+          <mc:Fallback xmlns="">
             <p:sp>
               <p:nvSpPr>
                 <p:cNvPr id="137" name="文本框 136">
@@ -9122,8 +10126,8 @@
             </a:fontRef>
           </p:style>
         </p:cxnSp>
-        <mc:AlternateContent xmlns:mc="http://schemas.openxmlformats.org/markup-compatibility/2006">
-          <mc:Choice xmlns:a14="http://schemas.microsoft.com/office/drawing/2010/main" Requires="a14">
+        <mc:AlternateContent xmlns:mc="http://schemas.openxmlformats.org/markup-compatibility/2006" xmlns:a14="http://schemas.microsoft.com/office/drawing/2010/main">
+          <mc:Choice Requires="a14">
             <p:sp>
               <p:nvSpPr>
                 <p:cNvPr id="140" name="文本框 139">
@@ -9192,7 +10196,7 @@
               </p:txBody>
             </p:sp>
           </mc:Choice>
-          <mc:Fallback>
+          <mc:Fallback xmlns="">
             <p:sp>
               <p:nvSpPr>
                 <p:cNvPr id="140" name="文本框 139">
@@ -9237,8 +10241,8 @@
             </p:sp>
           </mc:Fallback>
         </mc:AlternateContent>
-        <mc:AlternateContent xmlns:mc="http://schemas.openxmlformats.org/markup-compatibility/2006">
-          <mc:Choice xmlns:a14="http://schemas.microsoft.com/office/drawing/2010/main" Requires="a14">
+        <mc:AlternateContent xmlns:mc="http://schemas.openxmlformats.org/markup-compatibility/2006" xmlns:a14="http://schemas.microsoft.com/office/drawing/2010/main">
+          <mc:Choice Requires="a14">
             <p:sp>
               <p:nvSpPr>
                 <p:cNvPr id="141" name="文本框 140">
@@ -9307,7 +10311,7 @@
               </p:txBody>
             </p:sp>
           </mc:Choice>
-          <mc:Fallback>
+          <mc:Fallback xmlns="">
             <p:sp>
               <p:nvSpPr>
                 <p:cNvPr id="141" name="文本框 140">
@@ -9931,8 +10935,8 @@
             </p:txBody>
           </p:sp>
         </p:grpSp>
-        <mc:AlternateContent xmlns:mc="http://schemas.openxmlformats.org/markup-compatibility/2006">
-          <mc:Choice xmlns:a14="http://schemas.microsoft.com/office/drawing/2010/main" Requires="a14">
+        <mc:AlternateContent xmlns:mc="http://schemas.openxmlformats.org/markup-compatibility/2006" xmlns:a14="http://schemas.microsoft.com/office/drawing/2010/main">
+          <mc:Choice Requires="a14">
             <p:sp>
               <p:nvSpPr>
                 <p:cNvPr id="166" name="文本框 165">
@@ -10013,7 +11017,7 @@
               </p:txBody>
             </p:sp>
           </mc:Choice>
-          <mc:Fallback>
+          <mc:Fallback xmlns="">
             <p:sp>
               <p:nvSpPr>
                 <p:cNvPr id="166" name="文本框 165">
@@ -10072,7 +11076,7 @@
 </p:sld>
 </file>
 
-<file path=ppt/slides/slide4.xml><?xml version="1.0" encoding="utf-8"?>
+<file path=ppt/slides/slide5.xml><?xml version="1.0" encoding="utf-8"?>
 <p:sld xmlns:a="http://schemas.openxmlformats.org/drawingml/2006/main" xmlns:r="http://schemas.openxmlformats.org/officeDocument/2006/relationships" xmlns:p="http://schemas.openxmlformats.org/presentationml/2006/main">
   <p:cSld>
     <p:spTree>

--- a/新建 Microsoft PowerPoint 演示文稿.pptx
+++ b/新建 Microsoft PowerPoint 演示文稿.pptx
@@ -263,7 +263,7 @@
           <a:p>
             <a:fld id="{F8C29A4B-73F1-41F6-84A3-46C06A00E1BC}" type="datetimeFigureOut">
               <a:rPr lang="zh-CN" altLang="en-US" smtClean="0"/>
-              <a:t>2024/4/14</a:t>
+              <a:t>2024/4/15</a:t>
             </a:fld>
             <a:endParaRPr lang="zh-CN" altLang="en-US"/>
           </a:p>
@@ -461,7 +461,7 @@
           <a:p>
             <a:fld id="{F8C29A4B-73F1-41F6-84A3-46C06A00E1BC}" type="datetimeFigureOut">
               <a:rPr lang="zh-CN" altLang="en-US" smtClean="0"/>
-              <a:t>2024/4/14</a:t>
+              <a:t>2024/4/15</a:t>
             </a:fld>
             <a:endParaRPr lang="zh-CN" altLang="en-US"/>
           </a:p>
@@ -669,7 +669,7 @@
           <a:p>
             <a:fld id="{F8C29A4B-73F1-41F6-84A3-46C06A00E1BC}" type="datetimeFigureOut">
               <a:rPr lang="zh-CN" altLang="en-US" smtClean="0"/>
-              <a:t>2024/4/14</a:t>
+              <a:t>2024/4/15</a:t>
             </a:fld>
             <a:endParaRPr lang="zh-CN" altLang="en-US"/>
           </a:p>
@@ -867,7 +867,7 @@
           <a:p>
             <a:fld id="{F8C29A4B-73F1-41F6-84A3-46C06A00E1BC}" type="datetimeFigureOut">
               <a:rPr lang="zh-CN" altLang="en-US" smtClean="0"/>
-              <a:t>2024/4/14</a:t>
+              <a:t>2024/4/15</a:t>
             </a:fld>
             <a:endParaRPr lang="zh-CN" altLang="en-US"/>
           </a:p>
@@ -1142,7 +1142,7 @@
           <a:p>
             <a:fld id="{F8C29A4B-73F1-41F6-84A3-46C06A00E1BC}" type="datetimeFigureOut">
               <a:rPr lang="zh-CN" altLang="en-US" smtClean="0"/>
-              <a:t>2024/4/14</a:t>
+              <a:t>2024/4/15</a:t>
             </a:fld>
             <a:endParaRPr lang="zh-CN" altLang="en-US"/>
           </a:p>
@@ -1407,7 +1407,7 @@
           <a:p>
             <a:fld id="{F8C29A4B-73F1-41F6-84A3-46C06A00E1BC}" type="datetimeFigureOut">
               <a:rPr lang="zh-CN" altLang="en-US" smtClean="0"/>
-              <a:t>2024/4/14</a:t>
+              <a:t>2024/4/15</a:t>
             </a:fld>
             <a:endParaRPr lang="zh-CN" altLang="en-US"/>
           </a:p>
@@ -1819,7 +1819,7 @@
           <a:p>
             <a:fld id="{F8C29A4B-73F1-41F6-84A3-46C06A00E1BC}" type="datetimeFigureOut">
               <a:rPr lang="zh-CN" altLang="en-US" smtClean="0"/>
-              <a:t>2024/4/14</a:t>
+              <a:t>2024/4/15</a:t>
             </a:fld>
             <a:endParaRPr lang="zh-CN" altLang="en-US"/>
           </a:p>
@@ -1960,7 +1960,7 @@
           <a:p>
             <a:fld id="{F8C29A4B-73F1-41F6-84A3-46C06A00E1BC}" type="datetimeFigureOut">
               <a:rPr lang="zh-CN" altLang="en-US" smtClean="0"/>
-              <a:t>2024/4/14</a:t>
+              <a:t>2024/4/15</a:t>
             </a:fld>
             <a:endParaRPr lang="zh-CN" altLang="en-US"/>
           </a:p>
@@ -2073,7 +2073,7 @@
           <a:p>
             <a:fld id="{F8C29A4B-73F1-41F6-84A3-46C06A00E1BC}" type="datetimeFigureOut">
               <a:rPr lang="zh-CN" altLang="en-US" smtClean="0"/>
-              <a:t>2024/4/14</a:t>
+              <a:t>2024/4/15</a:t>
             </a:fld>
             <a:endParaRPr lang="zh-CN" altLang="en-US"/>
           </a:p>
@@ -2384,7 +2384,7 @@
           <a:p>
             <a:fld id="{F8C29A4B-73F1-41F6-84A3-46C06A00E1BC}" type="datetimeFigureOut">
               <a:rPr lang="zh-CN" altLang="en-US" smtClean="0"/>
-              <a:t>2024/4/14</a:t>
+              <a:t>2024/4/15</a:t>
             </a:fld>
             <a:endParaRPr lang="zh-CN" altLang="en-US"/>
           </a:p>
@@ -2672,7 +2672,7 @@
           <a:p>
             <a:fld id="{F8C29A4B-73F1-41F6-84A3-46C06A00E1BC}" type="datetimeFigureOut">
               <a:rPr lang="zh-CN" altLang="en-US" smtClean="0"/>
-              <a:t>2024/4/14</a:t>
+              <a:t>2024/4/15</a:t>
             </a:fld>
             <a:endParaRPr lang="zh-CN" altLang="en-US"/>
           </a:p>
@@ -2913,7 +2913,7 @@
           <a:p>
             <a:fld id="{F8C29A4B-73F1-41F6-84A3-46C06A00E1BC}" type="datetimeFigureOut">
               <a:rPr lang="zh-CN" altLang="en-US" smtClean="0"/>
-              <a:t>2024/4/14</a:t>
+              <a:t>2024/4/15</a:t>
             </a:fld>
             <a:endParaRPr lang="zh-CN" altLang="en-US"/>
           </a:p>
@@ -4959,29 +4959,7 @@
                 <a:ea typeface="宋体" panose="02010600030101010101" pitchFamily="2" charset="-122"/>
                 <a:cs typeface="Times New Roman" panose="02020603050405020304" pitchFamily="18" charset="0"/>
               </a:rPr>
-              <a:t>总体性能评估</a:t>
-            </a:r>
-            <a:endParaRPr lang="en-US" altLang="zh-CN" sz="1401" b="1" dirty="0">
-              <a:solidFill>
-                <a:schemeClr val="tx1"/>
-              </a:solidFill>
-              <a:latin typeface="宋体" panose="02010600030101010101" pitchFamily="2" charset="-122"/>
-              <a:ea typeface="宋体" panose="02010600030101010101" pitchFamily="2" charset="-122"/>
-              <a:cs typeface="Times New Roman" panose="02020603050405020304" pitchFamily="18" charset="0"/>
-            </a:endParaRPr>
-          </a:p>
-          <a:p>
-            <a:pPr algn="ctr"/>
-            <a:r>
-              <a:rPr lang="zh-CN" altLang="en-US" sz="1401" b="1" dirty="0">
-                <a:solidFill>
-                  <a:schemeClr val="tx1"/>
-                </a:solidFill>
-                <a:latin typeface="宋体" panose="02010600030101010101" pitchFamily="2" charset="-122"/>
-                <a:ea typeface="宋体" panose="02010600030101010101" pitchFamily="2" charset="-122"/>
-                <a:cs typeface="Times New Roman" panose="02020603050405020304" pitchFamily="18" charset="0"/>
-              </a:rPr>
-              <a:t>关键设计评估</a:t>
+              <a:t>实验与验证</a:t>
             </a:r>
             <a:endParaRPr lang="zh-CN" altLang="en-US" sz="1801" b="1" dirty="0">
               <a:latin typeface="宋体" panose="02010600030101010101" pitchFamily="2" charset="-122"/>
